--- a/Мышка для людей с ОВЗ/Документы/Презентация о манипуляторе.pptx
+++ b/Мышка для людей с ОВЗ/Документы/Презентация о манипуляторе.pptx
@@ -8,6 +8,9 @@
     <p:sldId id="256" r:id="rId2"/>
     <p:sldId id="257" r:id="rId3"/>
     <p:sldId id="258" r:id="rId4"/>
+    <p:sldId id="259" r:id="rId5"/>
+    <p:sldId id="260" r:id="rId6"/>
+    <p:sldId id="261" r:id="rId7"/>
   </p:sldIdLst>
   <p:sldSz cx="12192000" cy="6858000"/>
   <p:notesSz cx="6858000" cy="9144000"/>
@@ -114,9 +117,15 @@
             <p14:sldId id="256"/>
             <p14:sldId id="257"/>
             <p14:sldId id="258"/>
+            <p14:sldId id="259"/>
+            <p14:sldId id="260"/>
+            <p14:sldId id="261"/>
           </p14:sldIdLst>
         </p14:section>
       </p14:sectionLst>
+    </p:ext>
+    <p:ext uri="{EFAFB233-063F-42B5-8137-9DF3F51BA10A}">
+      <p15:sldGuideLst xmlns:p15="http://schemas.microsoft.com/office/powerpoint/2012/main"/>
     </p:ext>
   </p:extLst>
 </p:presentation>
@@ -4153,10 +4162,11 @@
           <a:lstStyle/>
           <a:p>
             <a:r>
-              <a:rPr lang="ru-RU" sz="2400" dirty="0">
+              <a:rPr lang="ru-RU" sz="2000" dirty="0">
                 <a:solidFill>
                   <a:schemeClr val="bg1"/>
                 </a:solidFill>
+                <a:latin typeface="Bookman Old Style" panose="02050604050505020204" pitchFamily="18" charset="0"/>
               </a:rPr>
               <a:t>Причины создания проекта</a:t>
             </a:r>
@@ -4183,9 +4193,7 @@
           <a:prstGeom prst="rect">
             <a:avLst/>
           </a:prstGeom>
-          <a:solidFill>
-            <a:srgbClr val="BD582C"/>
-          </a:solidFill>
+          <a:noFill/>
           <a:ln>
             <a:solidFill>
               <a:srgbClr val="E48312"/>
@@ -4345,8 +4353,8 @@
         </p:nvSpPr>
         <p:spPr>
           <a:xfrm>
-            <a:off x="4693944" y="138038"/>
-            <a:ext cx="7325511" cy="3754874"/>
+            <a:off x="4617720" y="494198"/>
+            <a:ext cx="7325511" cy="5541710"/>
           </a:xfrm>
           <a:prstGeom prst="rect">
             <a:avLst/>
@@ -4359,14 +4367,24 @@
           </a:bodyPr>
           <a:lstStyle/>
           <a:p>
+            <a:pPr algn="just">
+              <a:lnSpc>
+                <a:spcPct val="150000"/>
+              </a:lnSpc>
+            </a:pPr>
             <a:r>
               <a:rPr lang="ru-RU" sz="1700" dirty="0">
                 <a:latin typeface="Bookman Old Style" panose="02050604050505020204" pitchFamily="18" charset="0"/>
               </a:rPr>
-              <a:t>Множество людей в современном мире страдают от проблем с мелкой моторикой на подобии тремора, в результате инсульта, паркинсонизма, артрита, церебрального паралича или травм, и все они часто имеют трудности при коммуникации с цифровой средой, которая в наше время отвечает за поток информации, учебу, работу и многое другое. Для таких людей обыкновенные средства ввода становятся чуть ли непреодолимым барьером.</a:t>
-            </a:r>
-          </a:p>
-          <a:p>
+              <a:t>Множество людей в современном мире страдают от проблем с мелкой моторикой на подобии тремора, в результате инсульта, паркинсонизма, артрита, церебрального паралича или травм, и все они часто имеют трудности при коммуникации с цифровой средой, которая в наше время отвечает за поток информации, учебу, работу и многое другое. Для таких людей обыкновенные средства ввода часто становятся непреодолимым барьером.</a:t>
+            </a:r>
+          </a:p>
+          <a:p>
+            <a:pPr algn="just">
+              <a:lnSpc>
+                <a:spcPct val="150000"/>
+              </a:lnSpc>
+            </a:pPr>
             <a:r>
               <a:rPr lang="ru-RU" sz="1700" dirty="0">
                 <a:latin typeface="Bookman Old Style" panose="02050604050505020204" pitchFamily="18" charset="0"/>
@@ -4390,8 +4408,8 @@
         </p:nvSpPr>
         <p:spPr>
           <a:xfrm>
-            <a:off x="3657599" y="6407944"/>
-            <a:ext cx="960121" cy="653869"/>
+            <a:off x="3657599" y="6407945"/>
+            <a:ext cx="960121" cy="450056"/>
           </a:xfrm>
           <a:prstGeom prst="rect">
             <a:avLst/>
@@ -4430,53 +4448,6 @@
           </a:p>
         </p:txBody>
       </p:sp>
-      <p:pic>
-        <p:nvPicPr>
-          <p:cNvPr id="1026" name="Picture 2" descr="Доктор использует компьютер доктор работает с ноутбуком и пишет на ...">
-            <a:extLst>
-              <a:ext uri="{FF2B5EF4-FFF2-40B4-BE49-F238E27FC236}">
-                <a16:creationId xmlns:a16="http://schemas.microsoft.com/office/drawing/2014/main" id="{0394869B-FF5B-15AA-70A1-542AD28F409D}"/>
-              </a:ext>
-            </a:extLst>
-          </p:cNvPr>
-          <p:cNvPicPr>
-            <a:picLocks noChangeAspect="1" noChangeArrowheads="1"/>
-          </p:cNvPicPr>
-          <p:nvPr/>
-        </p:nvPicPr>
-        <p:blipFill>
-          <a:blip r:embed="rId4">
-            <a:extLst>
-              <a:ext uri="{28A0092B-C50C-407E-A947-70E740481C1C}">
-                <a14:useLocalDpi xmlns:a14="http://schemas.microsoft.com/office/drawing/2010/main" val="0"/>
-              </a:ext>
-            </a:extLst>
-          </a:blip>
-          <a:srcRect/>
-          <a:stretch>
-            <a:fillRect/>
-          </a:stretch>
-        </p:blipFill>
-        <p:spPr bwMode="auto">
-          <a:xfrm>
-            <a:off x="6703159" y="3949672"/>
-            <a:ext cx="3307080" cy="2200984"/>
-          </a:xfrm>
-          <a:prstGeom prst="rect">
-            <a:avLst/>
-          </a:prstGeom>
-          <a:noFill/>
-          <a:extLst>
-            <a:ext uri="{909E8E84-426E-40DD-AFC4-6F175D3DCCD1}">
-              <a14:hiddenFill xmlns:a14="http://schemas.microsoft.com/office/drawing/2010/main">
-                <a:solidFill>
-                  <a:srgbClr val="FFFFFF"/>
-                </a:solidFill>
-              </a14:hiddenFill>
-            </a:ext>
-          </a:extLst>
-        </p:spPr>
-      </p:pic>
     </p:spTree>
     <p:extLst>
       <p:ext uri="{BB962C8B-B14F-4D97-AF65-F5344CB8AC3E}">
@@ -4495,7 +4466,13 @@
   <p:cSld>
     <p:spTree>
       <p:nvGrpSpPr>
-        <p:cNvPr id="1" name=""/>
+        <p:cNvPr id="1" name="">
+          <a:extLst>
+            <a:ext uri="{FF2B5EF4-FFF2-40B4-BE49-F238E27FC236}">
+              <a16:creationId xmlns:a16="http://schemas.microsoft.com/office/drawing/2014/main" id="{9F22C43A-2B39-8512-A888-74E974DD8561}"/>
+            </a:ext>
+          </a:extLst>
+        </p:cNvPr>
         <p:cNvGrpSpPr/>
         <p:nvPr/>
       </p:nvGrpSpPr>
@@ -4509,10 +4486,116 @@
       </p:grpSpPr>
       <p:sp>
         <p:nvSpPr>
+          <p:cNvPr id="10" name="Прямоугольник 9">
+            <a:extLst>
+              <a:ext uri="{FF2B5EF4-FFF2-40B4-BE49-F238E27FC236}">
+                <a16:creationId xmlns:a16="http://schemas.microsoft.com/office/drawing/2014/main" id="{40F1C7C3-9F88-3FC4-B00E-651E1E9EA536}"/>
+              </a:ext>
+            </a:extLst>
+          </p:cNvPr>
+          <p:cNvSpPr/>
+          <p:nvPr/>
+        </p:nvSpPr>
+        <p:spPr>
+          <a:xfrm>
+            <a:off x="1124712" y="1682496"/>
+            <a:ext cx="10113264" cy="130549"/>
+          </a:xfrm>
+          <a:prstGeom prst="rect">
+            <a:avLst/>
+          </a:prstGeom>
+          <a:solidFill>
+            <a:schemeClr val="bg1"/>
+          </a:solidFill>
+          <a:ln>
+            <a:noFill/>
+          </a:ln>
+        </p:spPr>
+        <p:style>
+          <a:lnRef idx="2">
+            <a:schemeClr val="accent1">
+              <a:shade val="15000"/>
+            </a:schemeClr>
+          </a:lnRef>
+          <a:fillRef idx="1">
+            <a:schemeClr val="accent1"/>
+          </a:fillRef>
+          <a:effectRef idx="0">
+            <a:schemeClr val="accent1"/>
+          </a:effectRef>
+          <a:fontRef idx="minor">
+            <a:schemeClr val="lt1"/>
+          </a:fontRef>
+        </p:style>
+        <p:txBody>
+          <a:bodyPr rtlCol="0" anchor="ctr"/>
+          <a:lstStyle/>
+          <a:p>
+            <a:pPr algn="ctr"/>
+            <a:endParaRPr lang="ru-RU"/>
+          </a:p>
+        </p:txBody>
+      </p:sp>
+      <p:sp>
+        <p:nvSpPr>
+          <p:cNvPr id="14" name="Прямоугольник 13">
+            <a:extLst>
+              <a:ext uri="{FF2B5EF4-FFF2-40B4-BE49-F238E27FC236}">
+                <a16:creationId xmlns:a16="http://schemas.microsoft.com/office/drawing/2014/main" id="{66CC642A-1BAD-F187-0319-90BEBA77461E}"/>
+              </a:ext>
+            </a:extLst>
+          </p:cNvPr>
+          <p:cNvSpPr/>
+          <p:nvPr/>
+        </p:nvSpPr>
+        <p:spPr>
+          <a:xfrm rot="16200000">
+            <a:off x="4240595" y="-893004"/>
+            <a:ext cx="3710809" cy="12362691"/>
+          </a:xfrm>
+          <a:prstGeom prst="rect">
+            <a:avLst/>
+          </a:prstGeom>
+          <a:solidFill>
+            <a:srgbClr val="BD582C"/>
+          </a:solidFill>
+          <a:ln w="57150">
+            <a:solidFill>
+              <a:srgbClr val="E48312"/>
+            </a:solidFill>
+          </a:ln>
+        </p:spPr>
+        <p:style>
+          <a:lnRef idx="2">
+            <a:schemeClr val="accent1">
+              <a:shade val="15000"/>
+            </a:schemeClr>
+          </a:lnRef>
+          <a:fillRef idx="1">
+            <a:schemeClr val="accent1"/>
+          </a:fillRef>
+          <a:effectRef idx="0">
+            <a:schemeClr val="accent1"/>
+          </a:effectRef>
+          <a:fontRef idx="minor">
+            <a:schemeClr val="lt1"/>
+          </a:fontRef>
+        </p:style>
+        <p:txBody>
+          <a:bodyPr rtlCol="0" anchor="ctr"/>
+          <a:lstStyle/>
+          <a:p>
+            <a:pPr algn="ctr"/>
+            <a:endParaRPr lang="ru-RU" dirty="0"/>
+          </a:p>
+        </p:txBody>
+      </p:sp>
+      <p:sp>
+        <p:nvSpPr>
           <p:cNvPr id="2" name="Заголовок 1">
             <a:extLst>
               <a:ext uri="{FF2B5EF4-FFF2-40B4-BE49-F238E27FC236}">
-                <a16:creationId xmlns:a16="http://schemas.microsoft.com/office/drawing/2014/main" id="{43E16420-A4E6-F292-D772-0E157A7E64B1}"/>
+                <a16:creationId xmlns:a16="http://schemas.microsoft.com/office/drawing/2014/main" id="{95ECAE8C-08D8-46FB-96DE-D4106AA8715F}"/>
               </a:ext>
             </a:extLst>
           </p:cNvPr>
@@ -4523,21 +4606,681 @@
             <p:ph type="title"/>
           </p:nvPr>
         </p:nvSpPr>
-        <p:spPr/>
-        <p:txBody>
-          <a:bodyPr/>
-          <a:lstStyle/>
-          <a:p>
-            <a:endParaRPr lang="ru-RU"/>
-          </a:p>
-        </p:txBody>
-      </p:sp>
-      <p:sp>
-        <p:nvSpPr>
-          <p:cNvPr id="3" name="Объект 2">
+        <p:spPr>
+          <a:xfrm>
+            <a:off x="109726" y="-819821"/>
+            <a:ext cx="10012682" cy="1386750"/>
+          </a:xfrm>
+        </p:spPr>
+        <p:txBody>
+          <a:bodyPr>
+            <a:normAutofit/>
+          </a:bodyPr>
+          <a:lstStyle/>
+          <a:p>
+            <a:r>
+              <a:rPr lang="ru-RU" sz="2000" dirty="0">
+                <a:solidFill>
+                  <a:schemeClr val="tx1"/>
+                </a:solidFill>
+                <a:latin typeface="Bookman Old Style" panose="02050604050505020204" pitchFamily="18" charset="0"/>
+              </a:rPr>
+              <a:t>Анализ аналогов</a:t>
+            </a:r>
+          </a:p>
+        </p:txBody>
+      </p:sp>
+      <p:sp>
+        <p:nvSpPr>
+          <p:cNvPr id="4" name="Прямоугольник 3">
             <a:extLst>
               <a:ext uri="{FF2B5EF4-FFF2-40B4-BE49-F238E27FC236}">
-                <a16:creationId xmlns:a16="http://schemas.microsoft.com/office/drawing/2014/main" id="{78592F89-7453-845A-5AD3-279128E67863}"/>
+                <a16:creationId xmlns:a16="http://schemas.microsoft.com/office/drawing/2014/main" id="{EB633C90-DCB0-83B2-1834-E27909E87AD0}"/>
+              </a:ext>
+            </a:extLst>
+          </p:cNvPr>
+          <p:cNvSpPr/>
+          <p:nvPr/>
+        </p:nvSpPr>
+        <p:spPr>
+          <a:xfrm>
+            <a:off x="2395728" y="-819821"/>
+            <a:ext cx="45719" cy="1450757"/>
+          </a:xfrm>
+          <a:prstGeom prst="rect">
+            <a:avLst/>
+          </a:prstGeom>
+          <a:noFill/>
+          <a:ln>
+            <a:solidFill>
+              <a:srgbClr val="E48312"/>
+            </a:solidFill>
+          </a:ln>
+        </p:spPr>
+        <p:style>
+          <a:lnRef idx="2">
+            <a:schemeClr val="accent1">
+              <a:shade val="15000"/>
+            </a:schemeClr>
+          </a:lnRef>
+          <a:fillRef idx="1">
+            <a:schemeClr val="accent1"/>
+          </a:fillRef>
+          <a:effectRef idx="0">
+            <a:schemeClr val="accent1"/>
+          </a:effectRef>
+          <a:fontRef idx="minor">
+            <a:schemeClr val="lt1"/>
+          </a:fontRef>
+        </p:style>
+        <p:txBody>
+          <a:bodyPr rtlCol="0" anchor="ctr"/>
+          <a:lstStyle/>
+          <a:p>
+            <a:pPr algn="ctr"/>
+            <a:endParaRPr lang="ru-RU"/>
+          </a:p>
+        </p:txBody>
+      </p:sp>
+      <p:sp>
+        <p:nvSpPr>
+          <p:cNvPr id="5" name="TextBox 4">
+            <a:extLst>
+              <a:ext uri="{FF2B5EF4-FFF2-40B4-BE49-F238E27FC236}">
+                <a16:creationId xmlns:a16="http://schemas.microsoft.com/office/drawing/2014/main" id="{3876C620-90DC-AACF-5250-754AC97750F5}"/>
+              </a:ext>
+            </a:extLst>
+          </p:cNvPr>
+          <p:cNvSpPr txBox="1"/>
+          <p:nvPr/>
+        </p:nvSpPr>
+        <p:spPr>
+          <a:xfrm>
+            <a:off x="2486758" y="193378"/>
+            <a:ext cx="2081784" cy="369332"/>
+          </a:xfrm>
+          <a:prstGeom prst="rect">
+            <a:avLst/>
+          </a:prstGeom>
+          <a:noFill/>
+        </p:spPr>
+        <p:txBody>
+          <a:bodyPr wrap="square" rtlCol="0">
+            <a:spAutoFit/>
+          </a:bodyPr>
+          <a:lstStyle/>
+          <a:p>
+            <a:r>
+              <a:rPr lang="ru-RU" dirty="0">
+                <a:latin typeface="Bookman Old Style" panose="02050604050505020204" pitchFamily="18" charset="0"/>
+              </a:rPr>
+              <a:t>3</a:t>
+            </a:r>
+          </a:p>
+        </p:txBody>
+      </p:sp>
+      <p:sp>
+        <p:nvSpPr>
+          <p:cNvPr id="22" name="Прямоугольник 21">
+            <a:extLst>
+              <a:ext uri="{FF2B5EF4-FFF2-40B4-BE49-F238E27FC236}">
+                <a16:creationId xmlns:a16="http://schemas.microsoft.com/office/drawing/2014/main" id="{F4045203-6221-1B1E-6C6C-E1EE0B032D31}"/>
+              </a:ext>
+            </a:extLst>
+          </p:cNvPr>
+          <p:cNvSpPr/>
+          <p:nvPr/>
+        </p:nvSpPr>
+        <p:spPr>
+          <a:xfrm>
+            <a:off x="3657599" y="6407945"/>
+            <a:ext cx="960121" cy="450056"/>
+          </a:xfrm>
+          <a:prstGeom prst="rect">
+            <a:avLst/>
+          </a:prstGeom>
+          <a:solidFill>
+            <a:srgbClr val="BD582C"/>
+          </a:solidFill>
+          <a:ln>
+            <a:solidFill>
+              <a:srgbClr val="BD582C"/>
+            </a:solidFill>
+          </a:ln>
+        </p:spPr>
+        <p:style>
+          <a:lnRef idx="2">
+            <a:schemeClr val="accent1">
+              <a:shade val="15000"/>
+            </a:schemeClr>
+          </a:lnRef>
+          <a:fillRef idx="1">
+            <a:schemeClr val="accent1"/>
+          </a:fillRef>
+          <a:effectRef idx="0">
+            <a:schemeClr val="accent1"/>
+          </a:effectRef>
+          <a:fontRef idx="minor">
+            <a:schemeClr val="lt1"/>
+          </a:fontRef>
+        </p:style>
+        <p:txBody>
+          <a:bodyPr rtlCol="0" anchor="ctr"/>
+          <a:lstStyle/>
+          <a:p>
+            <a:pPr algn="ctr"/>
+            <a:endParaRPr lang="ru-RU"/>
+          </a:p>
+        </p:txBody>
+      </p:sp>
+      <p:pic>
+        <p:nvPicPr>
+          <p:cNvPr id="15" name="Рисунок 14">
+            <a:extLst>
+              <a:ext uri="{FF2B5EF4-FFF2-40B4-BE49-F238E27FC236}">
+                <a16:creationId xmlns:a16="http://schemas.microsoft.com/office/drawing/2014/main" id="{717017A5-9C63-F306-C2B8-260D27A60733}"/>
+              </a:ext>
+            </a:extLst>
+          </p:cNvPr>
+          <p:cNvPicPr>
+            <a:picLocks noChangeAspect="1"/>
+          </p:cNvPicPr>
+          <p:nvPr/>
+        </p:nvPicPr>
+        <p:blipFill>
+          <a:blip r:embed="rId2"/>
+          <a:srcRect l="7762" t="3256" r="9392" b="6779"/>
+          <a:stretch>
+            <a:fillRect/>
+          </a:stretch>
+        </p:blipFill>
+        <p:spPr>
+          <a:xfrm>
+            <a:off x="723902" y="746261"/>
+            <a:ext cx="3034281" cy="2452122"/>
+          </a:xfrm>
+          <a:prstGeom prst="rect">
+            <a:avLst/>
+          </a:prstGeom>
+        </p:spPr>
+      </p:pic>
+      <p:pic>
+        <p:nvPicPr>
+          <p:cNvPr id="1028" name="Picture 4" descr="Logitech Marble Trackball Mouse (910-000808) | 250000072601">
+            <a:extLst>
+              <a:ext uri="{FF2B5EF4-FFF2-40B4-BE49-F238E27FC236}">
+                <a16:creationId xmlns:a16="http://schemas.microsoft.com/office/drawing/2014/main" id="{8813296E-A5AA-7C05-2EB8-E4320A46F88C}"/>
+              </a:ext>
+            </a:extLst>
+          </p:cNvPr>
+          <p:cNvPicPr>
+            <a:picLocks noChangeAspect="1" noChangeArrowheads="1"/>
+          </p:cNvPicPr>
+          <p:nvPr/>
+        </p:nvPicPr>
+        <p:blipFill>
+          <a:blip r:embed="rId3">
+            <a:extLst>
+              <a:ext uri="{BEBA8EAE-BF5A-486C-A8C5-ECC9F3942E4B}">
+                <a14:imgProps xmlns:a14="http://schemas.microsoft.com/office/drawing/2010/main">
+                  <a14:imgLayer r:embed="rId4">
+                    <a14:imgEffect>
+                      <a14:brightnessContrast bright="20000" contrast="-40000"/>
+                    </a14:imgEffect>
+                  </a14:imgLayer>
+                </a14:imgProps>
+              </a:ext>
+              <a:ext uri="{28A0092B-C50C-407E-A947-70E740481C1C}">
+                <a14:useLocalDpi xmlns:a14="http://schemas.microsoft.com/office/drawing/2010/main" val="0"/>
+              </a:ext>
+            </a:extLst>
+          </a:blip>
+          <a:srcRect/>
+          <a:stretch>
+            <a:fillRect/>
+          </a:stretch>
+        </p:blipFill>
+        <p:spPr bwMode="auto">
+          <a:xfrm>
+            <a:off x="8572920" y="862879"/>
+            <a:ext cx="2573616" cy="2071890"/>
+          </a:xfrm>
+          <a:prstGeom prst="rect">
+            <a:avLst/>
+          </a:prstGeom>
+          <a:noFill/>
+          <a:extLst>
+            <a:ext uri="{909E8E84-426E-40DD-AFC4-6F175D3DCCD1}">
+              <a14:hiddenFill xmlns:a14="http://schemas.microsoft.com/office/drawing/2010/main">
+                <a:solidFill>
+                  <a:srgbClr val="FFFFFF"/>
+                </a:solidFill>
+              </a14:hiddenFill>
+            </a:ext>
+          </a:extLst>
+        </p:spPr>
+      </p:pic>
+      <p:pic>
+        <p:nvPicPr>
+          <p:cNvPr id="20" name="Рисунок 19">
+            <a:extLst>
+              <a:ext uri="{FF2B5EF4-FFF2-40B4-BE49-F238E27FC236}">
+                <a16:creationId xmlns:a16="http://schemas.microsoft.com/office/drawing/2014/main" id="{A4AEA7E9-027E-7F21-B7B6-0971678743F7}"/>
+              </a:ext>
+            </a:extLst>
+          </p:cNvPr>
+          <p:cNvPicPr>
+            <a:picLocks noChangeAspect="1"/>
+          </p:cNvPicPr>
+          <p:nvPr/>
+        </p:nvPicPr>
+        <p:blipFill>
+          <a:blip r:embed="rId5">
+            <a:extLst>
+              <a:ext uri="{28A0092B-C50C-407E-A947-70E740481C1C}">
+                <a14:useLocalDpi xmlns:a14="http://schemas.microsoft.com/office/drawing/2010/main" val="0"/>
+              </a:ext>
+            </a:extLst>
+          </a:blip>
+          <a:stretch>
+            <a:fillRect/>
+          </a:stretch>
+        </p:blipFill>
+        <p:spPr>
+          <a:xfrm>
+            <a:off x="4527044" y="320485"/>
+            <a:ext cx="3034281" cy="3034281"/>
+          </a:xfrm>
+          <a:prstGeom prst="rect">
+            <a:avLst/>
+          </a:prstGeom>
+        </p:spPr>
+      </p:pic>
+      <p:sp>
+        <p:nvSpPr>
+          <p:cNvPr id="21" name="TextBox 20">
+            <a:extLst>
+              <a:ext uri="{FF2B5EF4-FFF2-40B4-BE49-F238E27FC236}">
+                <a16:creationId xmlns:a16="http://schemas.microsoft.com/office/drawing/2014/main" id="{FE70A8C6-8A43-E305-795D-80B804D6CEB5}"/>
+              </a:ext>
+            </a:extLst>
+          </p:cNvPr>
+          <p:cNvSpPr txBox="1"/>
+          <p:nvPr/>
+        </p:nvSpPr>
+        <p:spPr>
+          <a:xfrm>
+            <a:off x="408450" y="3616487"/>
+            <a:ext cx="3458778" cy="1815882"/>
+          </a:xfrm>
+          <a:prstGeom prst="rect">
+            <a:avLst/>
+          </a:prstGeom>
+          <a:noFill/>
+        </p:spPr>
+        <p:txBody>
+          <a:bodyPr wrap="square" rtlCol="0">
+            <a:spAutoFit/>
+          </a:bodyPr>
+          <a:lstStyle/>
+          <a:p>
+            <a:r>
+              <a:rPr lang="ru-RU" sz="1600" dirty="0">
+                <a:solidFill>
+                  <a:schemeClr val="bg1"/>
+                </a:solidFill>
+                <a:latin typeface="Bookman Old Style" panose="02050604050505020204" pitchFamily="18" charset="0"/>
+              </a:rPr>
+              <a:t>Головной указатель «</a:t>
+            </a:r>
+            <a:r>
+              <a:rPr lang="en-US" sz="1600" dirty="0">
+                <a:solidFill>
+                  <a:schemeClr val="bg1"/>
+                </a:solidFill>
+                <a:latin typeface="Bookman Old Style" panose="02050604050505020204" pitchFamily="18" charset="0"/>
+              </a:rPr>
+              <a:t>Eye Gaze</a:t>
+            </a:r>
+            <a:r>
+              <a:rPr lang="ru-RU" sz="1600" dirty="0">
+                <a:solidFill>
+                  <a:schemeClr val="bg1"/>
+                </a:solidFill>
+                <a:latin typeface="Bookman Old Style" panose="02050604050505020204" pitchFamily="18" charset="0"/>
+              </a:rPr>
+              <a:t>»</a:t>
+            </a:r>
+            <a:br>
+              <a:rPr lang="ru-RU" sz="1600" dirty="0">
+                <a:solidFill>
+                  <a:schemeClr val="bg1"/>
+                </a:solidFill>
+                <a:latin typeface="Bookman Old Style" panose="02050604050505020204" pitchFamily="18" charset="0"/>
+              </a:rPr>
+            </a:br>
+            <a:r>
+              <a:rPr lang="ru-RU" sz="1600" dirty="0">
+                <a:solidFill>
+                  <a:schemeClr val="bg1"/>
+                </a:solidFill>
+                <a:latin typeface="Bookman Old Style" panose="02050604050505020204" pitchFamily="18" charset="0"/>
+              </a:rPr>
+              <a:t>Следит за движением глаз, не задействует руки, однако имеет сложную калибровку, высокую стоимость и сильные неточности при недостатке света.</a:t>
+            </a:r>
+          </a:p>
+        </p:txBody>
+      </p:sp>
+      <p:sp>
+        <p:nvSpPr>
+          <p:cNvPr id="23" name="TextBox 22">
+            <a:extLst>
+              <a:ext uri="{FF2B5EF4-FFF2-40B4-BE49-F238E27FC236}">
+                <a16:creationId xmlns:a16="http://schemas.microsoft.com/office/drawing/2014/main" id="{A3DE38CE-892F-CE29-37E0-DB0CB6EBEDBB}"/>
+              </a:ext>
+            </a:extLst>
+          </p:cNvPr>
+          <p:cNvSpPr txBox="1"/>
+          <p:nvPr/>
+        </p:nvSpPr>
+        <p:spPr>
+          <a:xfrm>
+            <a:off x="4361025" y="3577402"/>
+            <a:ext cx="3699848" cy="1815882"/>
+          </a:xfrm>
+          <a:prstGeom prst="rect">
+            <a:avLst/>
+          </a:prstGeom>
+          <a:noFill/>
+        </p:spPr>
+        <p:txBody>
+          <a:bodyPr wrap="square" rtlCol="0">
+            <a:spAutoFit/>
+          </a:bodyPr>
+          <a:lstStyle/>
+          <a:p>
+            <a:r>
+              <a:rPr lang="ru-RU" sz="1600" dirty="0">
+                <a:solidFill>
+                  <a:schemeClr val="bg1"/>
+                </a:solidFill>
+                <a:latin typeface="Bookman Old Style" panose="02050604050505020204" pitchFamily="18" charset="0"/>
+              </a:rPr>
+              <a:t>Голосовой указатель</a:t>
+            </a:r>
+            <a:br>
+              <a:rPr lang="ru-RU" sz="1600" dirty="0">
+                <a:solidFill>
+                  <a:schemeClr val="bg1"/>
+                </a:solidFill>
+                <a:latin typeface="Bookman Old Style" panose="02050604050505020204" pitchFamily="18" charset="0"/>
+              </a:rPr>
+            </a:br>
+            <a:r>
+              <a:rPr lang="ru-RU" sz="1600" dirty="0">
+                <a:solidFill>
+                  <a:schemeClr val="bg1"/>
+                </a:solidFill>
+                <a:latin typeface="Bookman Old Style" panose="02050604050505020204" pitchFamily="18" charset="0"/>
+              </a:rPr>
+              <a:t>«</a:t>
+            </a:r>
+            <a:r>
+              <a:rPr lang="en-US" sz="1600" dirty="0">
+                <a:solidFill>
+                  <a:schemeClr val="bg1"/>
+                </a:solidFill>
+                <a:latin typeface="Bookman Old Style" panose="02050604050505020204" pitchFamily="18" charset="0"/>
+              </a:rPr>
+              <a:t>Dragon Naturally Speaking</a:t>
+            </a:r>
+            <a:r>
+              <a:rPr lang="ru-RU" sz="1600" dirty="0">
+                <a:solidFill>
+                  <a:schemeClr val="bg1"/>
+                </a:solidFill>
+                <a:latin typeface="Bookman Old Style" panose="02050604050505020204" pitchFamily="18" charset="0"/>
+              </a:rPr>
+              <a:t>»</a:t>
+            </a:r>
+            <a:endParaRPr lang="en-US" sz="1600" dirty="0">
+              <a:solidFill>
+                <a:schemeClr val="bg1"/>
+              </a:solidFill>
+              <a:latin typeface="Bookman Old Style" panose="02050604050505020204" pitchFamily="18" charset="0"/>
+            </a:endParaRPr>
+          </a:p>
+          <a:p>
+            <a:r>
+              <a:rPr lang="ru-RU" sz="1600" dirty="0">
+                <a:solidFill>
+                  <a:schemeClr val="bg1"/>
+                </a:solidFill>
+                <a:latin typeface="Bookman Old Style" panose="02050604050505020204" pitchFamily="18" charset="0"/>
+              </a:rPr>
+              <a:t>Так же не задействует рук, но  нестабилен в шумной среде, имеет высокую стоимость и не подходит людям испытывающим проблемы с речью.</a:t>
+            </a:r>
+            <a:endParaRPr lang="en-US" sz="1600" dirty="0">
+              <a:solidFill>
+                <a:schemeClr val="bg1"/>
+              </a:solidFill>
+              <a:latin typeface="Bookman Old Style" panose="02050604050505020204" pitchFamily="18" charset="0"/>
+            </a:endParaRPr>
+          </a:p>
+        </p:txBody>
+      </p:sp>
+      <p:sp>
+        <p:nvSpPr>
+          <p:cNvPr id="25" name="TextBox 24">
+            <a:extLst>
+              <a:ext uri="{FF2B5EF4-FFF2-40B4-BE49-F238E27FC236}">
+                <a16:creationId xmlns:a16="http://schemas.microsoft.com/office/drawing/2014/main" id="{6BFA5C41-551D-B803-6288-5D747657F30F}"/>
+              </a:ext>
+            </a:extLst>
+          </p:cNvPr>
+          <p:cNvSpPr txBox="1"/>
+          <p:nvPr/>
+        </p:nvSpPr>
+        <p:spPr>
+          <a:xfrm>
+            <a:off x="8755380" y="3605844"/>
+            <a:ext cx="2948940" cy="1569660"/>
+          </a:xfrm>
+          <a:prstGeom prst="rect">
+            <a:avLst/>
+          </a:prstGeom>
+          <a:noFill/>
+        </p:spPr>
+        <p:txBody>
+          <a:bodyPr wrap="square">
+            <a:spAutoFit/>
+          </a:bodyPr>
+          <a:lstStyle/>
+          <a:p>
+            <a:r>
+              <a:rPr lang="en-US" sz="1600" dirty="0">
+                <a:solidFill>
+                  <a:schemeClr val="bg1"/>
+                </a:solidFill>
+                <a:latin typeface="Bookman Old Style" panose="02050604050505020204" pitchFamily="18" charset="0"/>
+              </a:rPr>
+              <a:t>Trackball </a:t>
+            </a:r>
+            <a:r>
+              <a:rPr lang="ru-RU" sz="1600" dirty="0">
+                <a:solidFill>
+                  <a:schemeClr val="bg1"/>
+                </a:solidFill>
+                <a:latin typeface="Bookman Old Style" panose="02050604050505020204" pitchFamily="18" charset="0"/>
+              </a:rPr>
+              <a:t>«</a:t>
+            </a:r>
+            <a:r>
+              <a:rPr lang="en-US" sz="1600" dirty="0">
+                <a:solidFill>
+                  <a:schemeClr val="bg1"/>
+                </a:solidFill>
+                <a:latin typeface="Bookman Old Style" panose="02050604050505020204" pitchFamily="18" charset="0"/>
+              </a:rPr>
+              <a:t>Logitech Marble</a:t>
+            </a:r>
+            <a:r>
+              <a:rPr lang="ru-RU" sz="1600" dirty="0">
+                <a:solidFill>
+                  <a:schemeClr val="bg1"/>
+                </a:solidFill>
+                <a:latin typeface="Bookman Old Style" panose="02050604050505020204" pitchFamily="18" charset="0"/>
+              </a:rPr>
+              <a:t>»</a:t>
+            </a:r>
+          </a:p>
+          <a:p>
+            <a:r>
+              <a:rPr lang="ru-RU" sz="1600" dirty="0">
+                <a:solidFill>
+                  <a:schemeClr val="bg1"/>
+                </a:solidFill>
+                <a:latin typeface="Bookman Old Style" panose="02050604050505020204" pitchFamily="18" charset="0"/>
+              </a:rPr>
+              <a:t>Не задействует всю руку, однако требует точной мелкой моторики, что очень редко наблюдается у людей с тремором рук.</a:t>
+            </a:r>
+          </a:p>
+        </p:txBody>
+      </p:sp>
+      <p:sp>
+        <p:nvSpPr>
+          <p:cNvPr id="26" name="TextBox 25">
+            <a:extLst>
+              <a:ext uri="{FF2B5EF4-FFF2-40B4-BE49-F238E27FC236}">
+                <a16:creationId xmlns:a16="http://schemas.microsoft.com/office/drawing/2014/main" id="{51C1815B-F396-BA02-D269-6D3991EDF780}"/>
+              </a:ext>
+            </a:extLst>
+          </p:cNvPr>
+          <p:cNvSpPr txBox="1"/>
+          <p:nvPr/>
+        </p:nvSpPr>
+        <p:spPr>
+          <a:xfrm>
+            <a:off x="193548" y="5615920"/>
+            <a:ext cx="11894820" cy="646331"/>
+          </a:xfrm>
+          <a:prstGeom prst="rect">
+            <a:avLst/>
+          </a:prstGeom>
+          <a:noFill/>
+        </p:spPr>
+        <p:txBody>
+          <a:bodyPr wrap="square" rtlCol="0">
+            <a:spAutoFit/>
+          </a:bodyPr>
+          <a:lstStyle/>
+          <a:p>
+            <a:r>
+              <a:rPr lang="ru-RU" dirty="0">
+                <a:solidFill>
+                  <a:schemeClr val="bg1"/>
+                </a:solidFill>
+                <a:latin typeface="Bookman Old Style" panose="02050604050505020204" pitchFamily="18" charset="0"/>
+              </a:rPr>
+              <a:t>Анализ показал, что ни один из существующих аналогов не решает ключевую проблему: физическая стабилизация движения руки при сохранении интуитивного, привычного интерфейса.</a:t>
+            </a:r>
+          </a:p>
+        </p:txBody>
+      </p:sp>
+    </p:spTree>
+    <p:extLst>
+      <p:ext uri="{BB962C8B-B14F-4D97-AF65-F5344CB8AC3E}">
+        <p14:creationId xmlns:p14="http://schemas.microsoft.com/office/powerpoint/2010/main" val="3669654701"/>
+      </p:ext>
+    </p:extLst>
+  </p:cSld>
+  <p:clrMapOvr>
+    <a:masterClrMapping/>
+  </p:clrMapOvr>
+</p:sld>
+</file>
+
+<file path=ppt/slides/slide4.xml><?xml version="1.0" encoding="utf-8"?>
+<p:sld xmlns:a="http://schemas.openxmlformats.org/drawingml/2006/main" xmlns:r="http://schemas.openxmlformats.org/officeDocument/2006/relationships" xmlns:p="http://schemas.openxmlformats.org/presentationml/2006/main">
+  <p:cSld>
+    <p:spTree>
+      <p:nvGrpSpPr>
+        <p:cNvPr id="1" name="">
+          <a:extLst>
+            <a:ext uri="{FF2B5EF4-FFF2-40B4-BE49-F238E27FC236}">
+              <a16:creationId xmlns:a16="http://schemas.microsoft.com/office/drawing/2014/main" id="{1578F465-CAB7-9663-BEE2-BD3E5BB132DA}"/>
+            </a:ext>
+          </a:extLst>
+        </p:cNvPr>
+        <p:cNvGrpSpPr/>
+        <p:nvPr/>
+      </p:nvGrpSpPr>
+      <p:grpSpPr>
+        <a:xfrm>
+          <a:off x="0" y="0"/>
+          <a:ext cx="0" cy="0"/>
+          <a:chOff x="0" y="0"/>
+          <a:chExt cx="0" cy="0"/>
+        </a:xfrm>
+      </p:grpSpPr>
+      <p:sp>
+        <p:nvSpPr>
+          <p:cNvPr id="10" name="Прямоугольник 9">
+            <a:extLst>
+              <a:ext uri="{FF2B5EF4-FFF2-40B4-BE49-F238E27FC236}">
+                <a16:creationId xmlns:a16="http://schemas.microsoft.com/office/drawing/2014/main" id="{357DAB3B-2AE3-DE9F-503B-957F6888CEAE}"/>
+              </a:ext>
+            </a:extLst>
+          </p:cNvPr>
+          <p:cNvSpPr/>
+          <p:nvPr/>
+        </p:nvSpPr>
+        <p:spPr>
+          <a:xfrm>
+            <a:off x="1124712" y="1682496"/>
+            <a:ext cx="10113264" cy="130549"/>
+          </a:xfrm>
+          <a:prstGeom prst="rect">
+            <a:avLst/>
+          </a:prstGeom>
+          <a:solidFill>
+            <a:schemeClr val="bg1"/>
+          </a:solidFill>
+          <a:ln>
+            <a:noFill/>
+          </a:ln>
+        </p:spPr>
+        <p:style>
+          <a:lnRef idx="2">
+            <a:schemeClr val="accent1">
+              <a:shade val="15000"/>
+            </a:schemeClr>
+          </a:lnRef>
+          <a:fillRef idx="1">
+            <a:schemeClr val="accent1"/>
+          </a:fillRef>
+          <a:effectRef idx="0">
+            <a:schemeClr val="accent1"/>
+          </a:effectRef>
+          <a:fontRef idx="minor">
+            <a:schemeClr val="lt1"/>
+          </a:fontRef>
+        </p:style>
+        <p:txBody>
+          <a:bodyPr rtlCol="0" anchor="ctr"/>
+          <a:lstStyle/>
+          <a:p>
+            <a:pPr algn="ctr"/>
+            <a:endParaRPr lang="ru-RU"/>
+          </a:p>
+        </p:txBody>
+      </p:sp>
+      <p:sp>
+        <p:nvSpPr>
+          <p:cNvPr id="2" name="Заголовок 1">
+            <a:extLst>
+              <a:ext uri="{FF2B5EF4-FFF2-40B4-BE49-F238E27FC236}">
+                <a16:creationId xmlns:a16="http://schemas.microsoft.com/office/drawing/2014/main" id="{679CE2B1-3303-945F-7107-B77E91F51CE1}"/>
               </a:ext>
             </a:extLst>
           </p:cNvPr>
@@ -4545,22 +5288,1377 @@
             <a:spLocks noGrp="1"/>
           </p:cNvSpPr>
           <p:nvPr>
-            <p:ph idx="1"/>
+            <p:ph type="title"/>
           </p:nvPr>
         </p:nvSpPr>
-        <p:spPr/>
-        <p:txBody>
-          <a:bodyPr/>
-          <a:lstStyle/>
-          <a:p>
+        <p:spPr>
+          <a:xfrm>
+            <a:off x="109726" y="-819821"/>
+            <a:ext cx="10012682" cy="1386750"/>
+          </a:xfrm>
+        </p:spPr>
+        <p:txBody>
+          <a:bodyPr>
+            <a:normAutofit/>
+          </a:bodyPr>
+          <a:lstStyle/>
+          <a:p>
+            <a:r>
+              <a:rPr lang="ru-RU" sz="2300" dirty="0">
+                <a:solidFill>
+                  <a:schemeClr val="tx1"/>
+                </a:solidFill>
+                <a:latin typeface="Bookman Old Style" panose="02050604050505020204" pitchFamily="18" charset="0"/>
+              </a:rPr>
+              <a:t>Цели и задачи</a:t>
+            </a:r>
+          </a:p>
+        </p:txBody>
+      </p:sp>
+      <p:sp>
+        <p:nvSpPr>
+          <p:cNvPr id="4" name="Прямоугольник 3">
+            <a:extLst>
+              <a:ext uri="{FF2B5EF4-FFF2-40B4-BE49-F238E27FC236}">
+                <a16:creationId xmlns:a16="http://schemas.microsoft.com/office/drawing/2014/main" id="{D9EE563A-335C-712A-9FB5-1557574909DB}"/>
+              </a:ext>
+            </a:extLst>
+          </p:cNvPr>
+          <p:cNvSpPr/>
+          <p:nvPr/>
+        </p:nvSpPr>
+        <p:spPr>
+          <a:xfrm>
+            <a:off x="2535936" y="-819821"/>
+            <a:ext cx="45719" cy="1450757"/>
+          </a:xfrm>
+          <a:prstGeom prst="rect">
+            <a:avLst/>
+          </a:prstGeom>
+          <a:noFill/>
+          <a:ln>
+            <a:solidFill>
+              <a:srgbClr val="E48312"/>
+            </a:solidFill>
+          </a:ln>
+        </p:spPr>
+        <p:style>
+          <a:lnRef idx="2">
+            <a:schemeClr val="accent1">
+              <a:shade val="15000"/>
+            </a:schemeClr>
+          </a:lnRef>
+          <a:fillRef idx="1">
+            <a:schemeClr val="accent1"/>
+          </a:fillRef>
+          <a:effectRef idx="0">
+            <a:schemeClr val="accent1"/>
+          </a:effectRef>
+          <a:fontRef idx="minor">
+            <a:schemeClr val="lt1"/>
+          </a:fontRef>
+        </p:style>
+        <p:txBody>
+          <a:bodyPr rtlCol="0" anchor="ctr"/>
+          <a:lstStyle/>
+          <a:p>
+            <a:pPr algn="ctr"/>
             <a:endParaRPr lang="ru-RU"/>
+          </a:p>
+        </p:txBody>
+      </p:sp>
+      <p:sp>
+        <p:nvSpPr>
+          <p:cNvPr id="5" name="TextBox 4">
+            <a:extLst>
+              <a:ext uri="{FF2B5EF4-FFF2-40B4-BE49-F238E27FC236}">
+                <a16:creationId xmlns:a16="http://schemas.microsoft.com/office/drawing/2014/main" id="{06E62A24-9C7F-1118-985F-7B49F4C35241}"/>
+              </a:ext>
+            </a:extLst>
+          </p:cNvPr>
+          <p:cNvSpPr txBox="1"/>
+          <p:nvPr/>
+        </p:nvSpPr>
+        <p:spPr>
+          <a:xfrm>
+            <a:off x="2708557" y="197597"/>
+            <a:ext cx="2081784" cy="369332"/>
+          </a:xfrm>
+          <a:prstGeom prst="rect">
+            <a:avLst/>
+          </a:prstGeom>
+          <a:noFill/>
+        </p:spPr>
+        <p:txBody>
+          <a:bodyPr wrap="square" rtlCol="0">
+            <a:spAutoFit/>
+          </a:bodyPr>
+          <a:lstStyle/>
+          <a:p>
+            <a:r>
+              <a:rPr lang="ru-RU" dirty="0">
+                <a:latin typeface="Bookman Old Style" panose="02050604050505020204" pitchFamily="18" charset="0"/>
+              </a:rPr>
+              <a:t>4</a:t>
+            </a:r>
+          </a:p>
+        </p:txBody>
+      </p:sp>
+      <p:sp>
+        <p:nvSpPr>
+          <p:cNvPr id="22" name="Прямоугольник 21">
+            <a:extLst>
+              <a:ext uri="{FF2B5EF4-FFF2-40B4-BE49-F238E27FC236}">
+                <a16:creationId xmlns:a16="http://schemas.microsoft.com/office/drawing/2014/main" id="{7E6AE28F-6826-E577-6D2F-42C00070F626}"/>
+              </a:ext>
+            </a:extLst>
+          </p:cNvPr>
+          <p:cNvSpPr/>
+          <p:nvPr/>
+        </p:nvSpPr>
+        <p:spPr>
+          <a:xfrm>
+            <a:off x="3657599" y="6407945"/>
+            <a:ext cx="960121" cy="450056"/>
+          </a:xfrm>
+          <a:prstGeom prst="rect">
+            <a:avLst/>
+          </a:prstGeom>
+          <a:solidFill>
+            <a:srgbClr val="BD582C"/>
+          </a:solidFill>
+          <a:ln>
+            <a:solidFill>
+              <a:srgbClr val="BD582C"/>
+            </a:solidFill>
+          </a:ln>
+        </p:spPr>
+        <p:style>
+          <a:lnRef idx="2">
+            <a:schemeClr val="accent1">
+              <a:shade val="15000"/>
+            </a:schemeClr>
+          </a:lnRef>
+          <a:fillRef idx="1">
+            <a:schemeClr val="accent1"/>
+          </a:fillRef>
+          <a:effectRef idx="0">
+            <a:schemeClr val="accent1"/>
+          </a:effectRef>
+          <a:fontRef idx="minor">
+            <a:schemeClr val="lt1"/>
+          </a:fontRef>
+        </p:style>
+        <p:txBody>
+          <a:bodyPr rtlCol="0" anchor="ctr"/>
+          <a:lstStyle/>
+          <a:p>
+            <a:pPr algn="ctr"/>
+            <a:endParaRPr lang="ru-RU"/>
+          </a:p>
+        </p:txBody>
+      </p:sp>
+      <p:sp>
+        <p:nvSpPr>
+          <p:cNvPr id="7" name="TextBox 6">
+            <a:extLst>
+              <a:ext uri="{FF2B5EF4-FFF2-40B4-BE49-F238E27FC236}">
+                <a16:creationId xmlns:a16="http://schemas.microsoft.com/office/drawing/2014/main" id="{753C43B6-2D3A-404E-09D9-CA6B25DFB271}"/>
+              </a:ext>
+            </a:extLst>
+          </p:cNvPr>
+          <p:cNvSpPr txBox="1"/>
+          <p:nvPr/>
+        </p:nvSpPr>
+        <p:spPr>
+          <a:xfrm>
+            <a:off x="478535" y="863408"/>
+            <a:ext cx="6041137" cy="646331"/>
+          </a:xfrm>
+          <a:prstGeom prst="rect">
+            <a:avLst/>
+          </a:prstGeom>
+          <a:noFill/>
+        </p:spPr>
+        <p:txBody>
+          <a:bodyPr wrap="square" rtlCol="0">
+            <a:spAutoFit/>
+          </a:bodyPr>
+          <a:lstStyle/>
+          <a:p>
+            <a:pPr algn="just"/>
+            <a:r>
+              <a:rPr lang="ru-RU" b="1" dirty="0">
+                <a:latin typeface="Bookman Old Style" panose="02050604050505020204" pitchFamily="18" charset="0"/>
+              </a:rPr>
+              <a:t>Целью работы </a:t>
+            </a:r>
+            <a:r>
+              <a:rPr lang="ru-RU" dirty="0">
+                <a:latin typeface="Bookman Old Style" panose="02050604050505020204" pitchFamily="18" charset="0"/>
+              </a:rPr>
+              <a:t>является</a:t>
+            </a:r>
+            <a:r>
+              <a:rPr lang="ru-RU" b="1" dirty="0">
+                <a:latin typeface="Bookman Old Style" panose="02050604050505020204" pitchFamily="18" charset="0"/>
+              </a:rPr>
+              <a:t> </a:t>
+            </a:r>
+            <a:r>
+              <a:rPr lang="ru-RU" dirty="0">
+                <a:latin typeface="Bookman Old Style" panose="02050604050505020204" pitchFamily="18" charset="0"/>
+              </a:rPr>
+              <a:t>создание механического манипулятора, обеспечивающего:</a:t>
+            </a:r>
+          </a:p>
+        </p:txBody>
+      </p:sp>
+      <p:sp>
+        <p:nvSpPr>
+          <p:cNvPr id="8" name="TextBox 7">
+            <a:extLst>
+              <a:ext uri="{FF2B5EF4-FFF2-40B4-BE49-F238E27FC236}">
+                <a16:creationId xmlns:a16="http://schemas.microsoft.com/office/drawing/2014/main" id="{000E2DC2-3836-5899-ED03-9909FF0FCEC9}"/>
+              </a:ext>
+            </a:extLst>
+          </p:cNvPr>
+          <p:cNvSpPr txBox="1"/>
+          <p:nvPr/>
+        </p:nvSpPr>
+        <p:spPr>
+          <a:xfrm>
+            <a:off x="832513" y="1402733"/>
+            <a:ext cx="5833872" cy="1477328"/>
+          </a:xfrm>
+          <a:prstGeom prst="rect">
+            <a:avLst/>
+          </a:prstGeom>
+          <a:noFill/>
+        </p:spPr>
+        <p:txBody>
+          <a:bodyPr wrap="square" rtlCol="0">
+            <a:spAutoFit/>
+          </a:bodyPr>
+          <a:lstStyle/>
+          <a:p>
+            <a:pPr marL="342900" indent="-342900">
+              <a:buFont typeface="Arial" panose="020B0604020202020204" pitchFamily="34" charset="0"/>
+              <a:buChar char="•"/>
+            </a:pPr>
+            <a:r>
+              <a:rPr lang="ru-RU" dirty="0">
+                <a:latin typeface="Bookman Old Style" panose="02050604050505020204" pitchFamily="18" charset="0"/>
+              </a:rPr>
+              <a:t>Стабильное и точное управление курсором</a:t>
+            </a:r>
+          </a:p>
+          <a:p>
+            <a:pPr marL="342900" indent="-342900">
+              <a:buFont typeface="Arial" panose="020B0604020202020204" pitchFamily="34" charset="0"/>
+              <a:buChar char="•"/>
+            </a:pPr>
+            <a:r>
+              <a:rPr lang="ru-RU" dirty="0">
+                <a:latin typeface="Bookman Old Style" panose="02050604050505020204" pitchFamily="18" charset="0"/>
+              </a:rPr>
+              <a:t>Пассивную физическую стабилизацию руки</a:t>
+            </a:r>
+          </a:p>
+          <a:p>
+            <a:pPr marL="342900" indent="-342900">
+              <a:buFont typeface="Arial" panose="020B0604020202020204" pitchFamily="34" charset="0"/>
+              <a:buChar char="•"/>
+            </a:pPr>
+            <a:r>
+              <a:rPr lang="ru-RU" dirty="0">
+                <a:latin typeface="Bookman Old Style" panose="02050604050505020204" pitchFamily="18" charset="0"/>
+              </a:rPr>
+              <a:t>Отсутствие сложной калибровки</a:t>
+            </a:r>
+          </a:p>
+          <a:p>
+            <a:pPr marL="342900" indent="-342900">
+              <a:buFont typeface="Arial" panose="020B0604020202020204" pitchFamily="34" charset="0"/>
+              <a:buChar char="•"/>
+            </a:pPr>
+            <a:r>
+              <a:rPr lang="ru-RU" dirty="0">
+                <a:latin typeface="Bookman Old Style" panose="02050604050505020204" pitchFamily="18" charset="0"/>
+              </a:rPr>
+              <a:t>Работа в любой среде, с плохим освещением или в шумных местах по типу офиса</a:t>
+            </a:r>
+          </a:p>
+        </p:txBody>
+      </p:sp>
+      <p:sp>
+        <p:nvSpPr>
+          <p:cNvPr id="16" name="TextBox 15">
+            <a:extLst>
+              <a:ext uri="{FF2B5EF4-FFF2-40B4-BE49-F238E27FC236}">
+                <a16:creationId xmlns:a16="http://schemas.microsoft.com/office/drawing/2014/main" id="{AE15037D-6E4B-250A-65BF-15C055A81B35}"/>
+              </a:ext>
+            </a:extLst>
+          </p:cNvPr>
+          <p:cNvSpPr txBox="1"/>
+          <p:nvPr/>
+        </p:nvSpPr>
+        <p:spPr>
+          <a:xfrm>
+            <a:off x="4370832" y="3346533"/>
+            <a:ext cx="5477256" cy="369332"/>
+          </a:xfrm>
+          <a:prstGeom prst="rect">
+            <a:avLst/>
+          </a:prstGeom>
+          <a:noFill/>
+        </p:spPr>
+        <p:txBody>
+          <a:bodyPr wrap="square" rtlCol="0">
+            <a:spAutoFit/>
+          </a:bodyPr>
+          <a:lstStyle/>
+          <a:p>
+            <a:r>
+              <a:rPr lang="ru-RU" dirty="0">
+                <a:latin typeface="Bookman Old Style" panose="02050604050505020204" pitchFamily="18" charset="0"/>
+              </a:rPr>
+              <a:t>Задачи проекта:</a:t>
+            </a:r>
+          </a:p>
+        </p:txBody>
+      </p:sp>
+      <p:sp>
+        <p:nvSpPr>
+          <p:cNvPr id="17" name="TextBox 16">
+            <a:extLst>
+              <a:ext uri="{FF2B5EF4-FFF2-40B4-BE49-F238E27FC236}">
+                <a16:creationId xmlns:a16="http://schemas.microsoft.com/office/drawing/2014/main" id="{77D84668-9A87-FB8E-C844-42909B460AE2}"/>
+              </a:ext>
+            </a:extLst>
+          </p:cNvPr>
+          <p:cNvSpPr txBox="1"/>
+          <p:nvPr/>
+        </p:nvSpPr>
+        <p:spPr>
+          <a:xfrm>
+            <a:off x="4617720" y="3531199"/>
+            <a:ext cx="6812280" cy="2308324"/>
+          </a:xfrm>
+          <a:prstGeom prst="rect">
+            <a:avLst/>
+          </a:prstGeom>
+          <a:noFill/>
+        </p:spPr>
+        <p:txBody>
+          <a:bodyPr wrap="square" rtlCol="0">
+            <a:spAutoFit/>
+          </a:bodyPr>
+          <a:lstStyle/>
+          <a:p>
+            <a:endParaRPr lang="ru-RU" dirty="0">
+              <a:latin typeface="Bookman Old Style" panose="02050604050505020204" pitchFamily="18" charset="0"/>
+            </a:endParaRPr>
+          </a:p>
+          <a:p>
+            <a:pPr marL="342900" indent="-342900">
+              <a:buFont typeface="+mj-lt"/>
+              <a:buAutoNum type="arabicPeriod"/>
+            </a:pPr>
+            <a:r>
+              <a:rPr lang="ru-RU" dirty="0">
+                <a:latin typeface="Bookman Old Style" panose="02050604050505020204" pitchFamily="18" charset="0"/>
+              </a:rPr>
+              <a:t>Подобрать материалы и электрические компоненты</a:t>
+            </a:r>
+          </a:p>
+          <a:p>
+            <a:pPr marL="342900" indent="-342900">
+              <a:buFont typeface="+mj-lt"/>
+              <a:buAutoNum type="arabicPeriod"/>
+            </a:pPr>
+            <a:endParaRPr lang="ru-RU" dirty="0">
+              <a:latin typeface="Bookman Old Style" panose="02050604050505020204" pitchFamily="18" charset="0"/>
+            </a:endParaRPr>
+          </a:p>
+          <a:p>
+            <a:pPr marL="342900" indent="-342900">
+              <a:buFont typeface="+mj-lt"/>
+              <a:buAutoNum type="arabicPeriod"/>
+            </a:pPr>
+            <a:r>
+              <a:rPr lang="ru-RU" dirty="0">
+                <a:latin typeface="Bookman Old Style" panose="02050604050505020204" pitchFamily="18" charset="0"/>
+              </a:rPr>
+              <a:t>Разработать 3D-модель корпуса с учетом эргономики</a:t>
+            </a:r>
+          </a:p>
+          <a:p>
+            <a:pPr marL="342900" indent="-342900">
+              <a:buFont typeface="+mj-lt"/>
+              <a:buAutoNum type="arabicPeriod"/>
+            </a:pPr>
+            <a:endParaRPr lang="ru-RU" dirty="0">
+              <a:latin typeface="Bookman Old Style" panose="02050604050505020204" pitchFamily="18" charset="0"/>
+            </a:endParaRPr>
+          </a:p>
+          <a:p>
+            <a:pPr marL="342900" indent="-342900">
+              <a:buFont typeface="+mj-lt"/>
+              <a:buAutoNum type="arabicPeriod"/>
+            </a:pPr>
+            <a:r>
+              <a:rPr lang="ru-RU" dirty="0">
+                <a:latin typeface="Bookman Old Style" panose="02050604050505020204" pitchFamily="18" charset="0"/>
+              </a:rPr>
+              <a:t>Распечатать и запрограммировать устройство</a:t>
+            </a:r>
+          </a:p>
+          <a:p>
+            <a:pPr marL="342900" indent="-342900">
+              <a:buFont typeface="+mj-lt"/>
+              <a:buAutoNum type="arabicPeriod"/>
+            </a:pPr>
+            <a:endParaRPr lang="ru-RU" dirty="0">
+              <a:latin typeface="Bookman Old Style" panose="02050604050505020204" pitchFamily="18" charset="0"/>
+            </a:endParaRPr>
+          </a:p>
+          <a:p>
+            <a:pPr marL="342900" indent="-342900">
+              <a:buFont typeface="+mj-lt"/>
+              <a:buAutoNum type="arabicPeriod"/>
+            </a:pPr>
+            <a:r>
+              <a:rPr lang="ru-RU" dirty="0">
+                <a:latin typeface="Bookman Old Style" panose="02050604050505020204" pitchFamily="18" charset="0"/>
+              </a:rPr>
+              <a:t>Протестировать функциональность</a:t>
+            </a:r>
           </a:p>
         </p:txBody>
       </p:sp>
     </p:spTree>
     <p:extLst>
       <p:ext uri="{BB962C8B-B14F-4D97-AF65-F5344CB8AC3E}">
-        <p14:creationId xmlns:p14="http://schemas.microsoft.com/office/powerpoint/2010/main" val="2913182615"/>
+        <p14:creationId xmlns:p14="http://schemas.microsoft.com/office/powerpoint/2010/main" val="1260456811"/>
+      </p:ext>
+    </p:extLst>
+  </p:cSld>
+  <p:clrMapOvr>
+    <a:masterClrMapping/>
+  </p:clrMapOvr>
+</p:sld>
+</file>
+
+<file path=ppt/slides/slide5.xml><?xml version="1.0" encoding="utf-8"?>
+<p:sld xmlns:a="http://schemas.openxmlformats.org/drawingml/2006/main" xmlns:r="http://schemas.openxmlformats.org/officeDocument/2006/relationships" xmlns:p="http://schemas.openxmlformats.org/presentationml/2006/main">
+  <p:cSld>
+    <p:spTree>
+      <p:nvGrpSpPr>
+        <p:cNvPr id="1" name="">
+          <a:extLst>
+            <a:ext uri="{FF2B5EF4-FFF2-40B4-BE49-F238E27FC236}">
+              <a16:creationId xmlns:a16="http://schemas.microsoft.com/office/drawing/2014/main" id="{0ED9D043-962F-1E64-5885-DCC65DFC1DF5}"/>
+            </a:ext>
+          </a:extLst>
+        </p:cNvPr>
+        <p:cNvGrpSpPr/>
+        <p:nvPr/>
+      </p:nvGrpSpPr>
+      <p:grpSpPr>
+        <a:xfrm>
+          <a:off x="0" y="0"/>
+          <a:ext cx="0" cy="0"/>
+          <a:chOff x="0" y="0"/>
+          <a:chExt cx="0" cy="0"/>
+        </a:xfrm>
+      </p:grpSpPr>
+      <p:sp>
+        <p:nvSpPr>
+          <p:cNvPr id="10" name="Прямоугольник 9">
+            <a:extLst>
+              <a:ext uri="{FF2B5EF4-FFF2-40B4-BE49-F238E27FC236}">
+                <a16:creationId xmlns:a16="http://schemas.microsoft.com/office/drawing/2014/main" id="{5AB4948E-403F-8BD1-4F45-E39646424114}"/>
+              </a:ext>
+            </a:extLst>
+          </p:cNvPr>
+          <p:cNvSpPr/>
+          <p:nvPr/>
+        </p:nvSpPr>
+        <p:spPr>
+          <a:xfrm>
+            <a:off x="1124712" y="1682496"/>
+            <a:ext cx="10113264" cy="130549"/>
+          </a:xfrm>
+          <a:prstGeom prst="rect">
+            <a:avLst/>
+          </a:prstGeom>
+          <a:solidFill>
+            <a:schemeClr val="bg1"/>
+          </a:solidFill>
+          <a:ln>
+            <a:noFill/>
+          </a:ln>
+        </p:spPr>
+        <p:style>
+          <a:lnRef idx="2">
+            <a:schemeClr val="accent1">
+              <a:shade val="15000"/>
+            </a:schemeClr>
+          </a:lnRef>
+          <a:fillRef idx="1">
+            <a:schemeClr val="accent1"/>
+          </a:fillRef>
+          <a:effectRef idx="0">
+            <a:schemeClr val="accent1"/>
+          </a:effectRef>
+          <a:fontRef idx="minor">
+            <a:schemeClr val="lt1"/>
+          </a:fontRef>
+        </p:style>
+        <p:txBody>
+          <a:bodyPr rtlCol="0" anchor="ctr"/>
+          <a:lstStyle/>
+          <a:p>
+            <a:pPr algn="ctr"/>
+            <a:endParaRPr lang="ru-RU"/>
+          </a:p>
+        </p:txBody>
+      </p:sp>
+      <p:sp>
+        <p:nvSpPr>
+          <p:cNvPr id="14" name="Прямоугольник 13">
+            <a:extLst>
+              <a:ext uri="{FF2B5EF4-FFF2-40B4-BE49-F238E27FC236}">
+                <a16:creationId xmlns:a16="http://schemas.microsoft.com/office/drawing/2014/main" id="{AA5BDCBD-3ED4-5058-EC0B-E05F263AF05E}"/>
+              </a:ext>
+            </a:extLst>
+          </p:cNvPr>
+          <p:cNvSpPr/>
+          <p:nvPr/>
+        </p:nvSpPr>
+        <p:spPr>
+          <a:xfrm>
+            <a:off x="7668980" y="-672235"/>
+            <a:ext cx="4523020" cy="7668347"/>
+          </a:xfrm>
+          <a:prstGeom prst="rect">
+            <a:avLst/>
+          </a:prstGeom>
+          <a:solidFill>
+            <a:srgbClr val="BD582C"/>
+          </a:solidFill>
+          <a:ln w="57150">
+            <a:solidFill>
+              <a:srgbClr val="E48312"/>
+            </a:solidFill>
+          </a:ln>
+        </p:spPr>
+        <p:style>
+          <a:lnRef idx="2">
+            <a:schemeClr val="accent1">
+              <a:shade val="15000"/>
+            </a:schemeClr>
+          </a:lnRef>
+          <a:fillRef idx="1">
+            <a:schemeClr val="accent1"/>
+          </a:fillRef>
+          <a:effectRef idx="0">
+            <a:schemeClr val="accent1"/>
+          </a:effectRef>
+          <a:fontRef idx="minor">
+            <a:schemeClr val="lt1"/>
+          </a:fontRef>
+        </p:style>
+        <p:txBody>
+          <a:bodyPr rtlCol="0" anchor="ctr"/>
+          <a:lstStyle/>
+          <a:p>
+            <a:pPr algn="ctr"/>
+            <a:endParaRPr lang="ru-RU"/>
+          </a:p>
+        </p:txBody>
+      </p:sp>
+      <p:sp>
+        <p:nvSpPr>
+          <p:cNvPr id="2" name="Заголовок 1">
+            <a:extLst>
+              <a:ext uri="{FF2B5EF4-FFF2-40B4-BE49-F238E27FC236}">
+                <a16:creationId xmlns:a16="http://schemas.microsoft.com/office/drawing/2014/main" id="{68952F2A-5525-5EC3-D8E9-782CE72A233B}"/>
+              </a:ext>
+            </a:extLst>
+          </p:cNvPr>
+          <p:cNvSpPr>
+            <a:spLocks noGrp="1"/>
+          </p:cNvSpPr>
+          <p:nvPr>
+            <p:ph type="title"/>
+          </p:nvPr>
+        </p:nvSpPr>
+        <p:spPr>
+          <a:xfrm>
+            <a:off x="109726" y="-819821"/>
+            <a:ext cx="10012682" cy="1386750"/>
+          </a:xfrm>
+        </p:spPr>
+        <p:txBody>
+          <a:bodyPr>
+            <a:normAutofit/>
+          </a:bodyPr>
+          <a:lstStyle/>
+          <a:p>
+            <a:r>
+              <a:rPr lang="ru-RU" sz="2100" dirty="0">
+                <a:solidFill>
+                  <a:schemeClr val="tx1"/>
+                </a:solidFill>
+                <a:latin typeface="Bookman Old Style" panose="02050604050505020204" pitchFamily="18" charset="0"/>
+              </a:rPr>
+              <a:t>Ценообразование</a:t>
+            </a:r>
+          </a:p>
+        </p:txBody>
+      </p:sp>
+      <p:sp>
+        <p:nvSpPr>
+          <p:cNvPr id="4" name="Прямоугольник 3">
+            <a:extLst>
+              <a:ext uri="{FF2B5EF4-FFF2-40B4-BE49-F238E27FC236}">
+                <a16:creationId xmlns:a16="http://schemas.microsoft.com/office/drawing/2014/main" id="{50D8E95B-08D3-E8D8-CE53-CD07F9EC224A}"/>
+              </a:ext>
+            </a:extLst>
+          </p:cNvPr>
+          <p:cNvSpPr/>
+          <p:nvPr/>
+        </p:nvSpPr>
+        <p:spPr>
+          <a:xfrm>
+            <a:off x="2615184" y="-812723"/>
+            <a:ext cx="45719" cy="1450757"/>
+          </a:xfrm>
+          <a:prstGeom prst="rect">
+            <a:avLst/>
+          </a:prstGeom>
+          <a:noFill/>
+          <a:ln>
+            <a:solidFill>
+              <a:srgbClr val="E48312"/>
+            </a:solidFill>
+          </a:ln>
+        </p:spPr>
+        <p:style>
+          <a:lnRef idx="2">
+            <a:schemeClr val="accent1">
+              <a:shade val="15000"/>
+            </a:schemeClr>
+          </a:lnRef>
+          <a:fillRef idx="1">
+            <a:schemeClr val="accent1"/>
+          </a:fillRef>
+          <a:effectRef idx="0">
+            <a:schemeClr val="accent1"/>
+          </a:effectRef>
+          <a:fontRef idx="minor">
+            <a:schemeClr val="lt1"/>
+          </a:fontRef>
+        </p:style>
+        <p:txBody>
+          <a:bodyPr rtlCol="0" anchor="ctr"/>
+          <a:lstStyle/>
+          <a:p>
+            <a:pPr algn="ctr"/>
+            <a:endParaRPr lang="ru-RU"/>
+          </a:p>
+        </p:txBody>
+      </p:sp>
+      <p:sp>
+        <p:nvSpPr>
+          <p:cNvPr id="5" name="TextBox 4">
+            <a:extLst>
+              <a:ext uri="{FF2B5EF4-FFF2-40B4-BE49-F238E27FC236}">
+                <a16:creationId xmlns:a16="http://schemas.microsoft.com/office/drawing/2014/main" id="{CE5DAC9B-18CA-CB75-84C2-2AB8C4514128}"/>
+              </a:ext>
+            </a:extLst>
+          </p:cNvPr>
+          <p:cNvSpPr txBox="1"/>
+          <p:nvPr/>
+        </p:nvSpPr>
+        <p:spPr>
+          <a:xfrm>
+            <a:off x="2766059" y="193378"/>
+            <a:ext cx="2081784" cy="369332"/>
+          </a:xfrm>
+          <a:prstGeom prst="rect">
+            <a:avLst/>
+          </a:prstGeom>
+          <a:noFill/>
+        </p:spPr>
+        <p:txBody>
+          <a:bodyPr wrap="square" rtlCol="0">
+            <a:spAutoFit/>
+          </a:bodyPr>
+          <a:lstStyle/>
+          <a:p>
+            <a:r>
+              <a:rPr lang="ru-RU" dirty="0">
+                <a:latin typeface="Bookman Old Style" panose="02050604050505020204" pitchFamily="18" charset="0"/>
+              </a:rPr>
+              <a:t>5</a:t>
+            </a:r>
+          </a:p>
+        </p:txBody>
+      </p:sp>
+      <p:sp>
+        <p:nvSpPr>
+          <p:cNvPr id="22" name="Прямоугольник 21">
+            <a:extLst>
+              <a:ext uri="{FF2B5EF4-FFF2-40B4-BE49-F238E27FC236}">
+                <a16:creationId xmlns:a16="http://schemas.microsoft.com/office/drawing/2014/main" id="{20E5DE26-4D9B-5C26-9E1A-51DE74FCA589}"/>
+              </a:ext>
+            </a:extLst>
+          </p:cNvPr>
+          <p:cNvSpPr/>
+          <p:nvPr/>
+        </p:nvSpPr>
+        <p:spPr>
+          <a:xfrm>
+            <a:off x="7260335" y="6407944"/>
+            <a:ext cx="960121" cy="450056"/>
+          </a:xfrm>
+          <a:prstGeom prst="rect">
+            <a:avLst/>
+          </a:prstGeom>
+          <a:solidFill>
+            <a:srgbClr val="BD582C"/>
+          </a:solidFill>
+          <a:ln>
+            <a:solidFill>
+              <a:srgbClr val="BD582C"/>
+            </a:solidFill>
+          </a:ln>
+        </p:spPr>
+        <p:style>
+          <a:lnRef idx="2">
+            <a:schemeClr val="accent1">
+              <a:shade val="15000"/>
+            </a:schemeClr>
+          </a:lnRef>
+          <a:fillRef idx="1">
+            <a:schemeClr val="accent1"/>
+          </a:fillRef>
+          <a:effectRef idx="0">
+            <a:schemeClr val="accent1"/>
+          </a:effectRef>
+          <a:fontRef idx="minor">
+            <a:schemeClr val="lt1"/>
+          </a:fontRef>
+        </p:style>
+        <p:txBody>
+          <a:bodyPr rtlCol="0" anchor="ctr"/>
+          <a:lstStyle/>
+          <a:p>
+            <a:pPr algn="ctr"/>
+            <a:endParaRPr lang="ru-RU"/>
+          </a:p>
+        </p:txBody>
+      </p:sp>
+    </p:spTree>
+    <p:extLst>
+      <p:ext uri="{BB962C8B-B14F-4D97-AF65-F5344CB8AC3E}">
+        <p14:creationId xmlns:p14="http://schemas.microsoft.com/office/powerpoint/2010/main" val="2651898993"/>
+      </p:ext>
+    </p:extLst>
+  </p:cSld>
+  <p:clrMapOvr>
+    <a:masterClrMapping/>
+  </p:clrMapOvr>
+</p:sld>
+</file>
+
+<file path=ppt/slides/slide6.xml><?xml version="1.0" encoding="utf-8"?>
+<p:sld xmlns:a="http://schemas.openxmlformats.org/drawingml/2006/main" xmlns:r="http://schemas.openxmlformats.org/officeDocument/2006/relationships" xmlns:p="http://schemas.openxmlformats.org/presentationml/2006/main">
+  <p:cSld>
+    <p:spTree>
+      <p:nvGrpSpPr>
+        <p:cNvPr id="1" name="">
+          <a:extLst>
+            <a:ext uri="{FF2B5EF4-FFF2-40B4-BE49-F238E27FC236}">
+              <a16:creationId xmlns:a16="http://schemas.microsoft.com/office/drawing/2014/main" id="{30972ED4-718C-8381-4407-942B35E942A0}"/>
+            </a:ext>
+          </a:extLst>
+        </p:cNvPr>
+        <p:cNvGrpSpPr/>
+        <p:nvPr/>
+      </p:nvGrpSpPr>
+      <p:grpSpPr>
+        <a:xfrm>
+          <a:off x="0" y="0"/>
+          <a:ext cx="0" cy="0"/>
+          <a:chOff x="0" y="0"/>
+          <a:chExt cx="0" cy="0"/>
+        </a:xfrm>
+      </p:grpSpPr>
+      <p:sp>
+        <p:nvSpPr>
+          <p:cNvPr id="10" name="Прямоугольник 9">
+            <a:extLst>
+              <a:ext uri="{FF2B5EF4-FFF2-40B4-BE49-F238E27FC236}">
+                <a16:creationId xmlns:a16="http://schemas.microsoft.com/office/drawing/2014/main" id="{3BBFE12A-36AB-BDD3-0938-05896BBD1337}"/>
+              </a:ext>
+            </a:extLst>
+          </p:cNvPr>
+          <p:cNvSpPr/>
+          <p:nvPr/>
+        </p:nvSpPr>
+        <p:spPr>
+          <a:xfrm>
+            <a:off x="1124712" y="1682496"/>
+            <a:ext cx="10113264" cy="130549"/>
+          </a:xfrm>
+          <a:prstGeom prst="rect">
+            <a:avLst/>
+          </a:prstGeom>
+          <a:solidFill>
+            <a:schemeClr val="bg1"/>
+          </a:solidFill>
+          <a:ln>
+            <a:noFill/>
+          </a:ln>
+        </p:spPr>
+        <p:style>
+          <a:lnRef idx="2">
+            <a:schemeClr val="accent1">
+              <a:shade val="15000"/>
+            </a:schemeClr>
+          </a:lnRef>
+          <a:fillRef idx="1">
+            <a:schemeClr val="accent1"/>
+          </a:fillRef>
+          <a:effectRef idx="0">
+            <a:schemeClr val="accent1"/>
+          </a:effectRef>
+          <a:fontRef idx="minor">
+            <a:schemeClr val="lt1"/>
+          </a:fontRef>
+        </p:style>
+        <p:txBody>
+          <a:bodyPr rtlCol="0" anchor="ctr"/>
+          <a:lstStyle/>
+          <a:p>
+            <a:pPr algn="ctr"/>
+            <a:endParaRPr lang="ru-RU"/>
+          </a:p>
+        </p:txBody>
+      </p:sp>
+      <p:sp>
+        <p:nvSpPr>
+          <p:cNvPr id="14" name="Прямоугольник 13">
+            <a:extLst>
+              <a:ext uri="{FF2B5EF4-FFF2-40B4-BE49-F238E27FC236}">
+                <a16:creationId xmlns:a16="http://schemas.microsoft.com/office/drawing/2014/main" id="{A3B0F9DC-F45B-847A-9FB2-2F9200F5DCE5}"/>
+              </a:ext>
+            </a:extLst>
+          </p:cNvPr>
+          <p:cNvSpPr/>
+          <p:nvPr/>
+        </p:nvSpPr>
+        <p:spPr>
+          <a:xfrm>
+            <a:off x="11631168" y="-672235"/>
+            <a:ext cx="560831" cy="7668347"/>
+          </a:xfrm>
+          <a:prstGeom prst="rect">
+            <a:avLst/>
+          </a:prstGeom>
+          <a:solidFill>
+            <a:srgbClr val="BD582C"/>
+          </a:solidFill>
+          <a:ln w="57150">
+            <a:solidFill>
+              <a:srgbClr val="E48312"/>
+            </a:solidFill>
+          </a:ln>
+        </p:spPr>
+        <p:style>
+          <a:lnRef idx="2">
+            <a:schemeClr val="accent1">
+              <a:shade val="15000"/>
+            </a:schemeClr>
+          </a:lnRef>
+          <a:fillRef idx="1">
+            <a:schemeClr val="accent1"/>
+          </a:fillRef>
+          <a:effectRef idx="0">
+            <a:schemeClr val="accent1"/>
+          </a:effectRef>
+          <a:fontRef idx="minor">
+            <a:schemeClr val="lt1"/>
+          </a:fontRef>
+        </p:style>
+        <p:txBody>
+          <a:bodyPr rtlCol="0" anchor="ctr"/>
+          <a:lstStyle/>
+          <a:p>
+            <a:pPr algn="ctr"/>
+            <a:endParaRPr lang="ru-RU"/>
+          </a:p>
+        </p:txBody>
+      </p:sp>
+      <p:sp>
+        <p:nvSpPr>
+          <p:cNvPr id="2" name="Заголовок 1">
+            <a:extLst>
+              <a:ext uri="{FF2B5EF4-FFF2-40B4-BE49-F238E27FC236}">
+                <a16:creationId xmlns:a16="http://schemas.microsoft.com/office/drawing/2014/main" id="{35F089AC-BC09-1BDE-0391-737BEE66C3D6}"/>
+              </a:ext>
+            </a:extLst>
+          </p:cNvPr>
+          <p:cNvSpPr>
+            <a:spLocks noGrp="1"/>
+          </p:cNvSpPr>
+          <p:nvPr>
+            <p:ph type="title"/>
+          </p:nvPr>
+        </p:nvSpPr>
+        <p:spPr>
+          <a:xfrm>
+            <a:off x="109726" y="-819821"/>
+            <a:ext cx="10012682" cy="1386750"/>
+          </a:xfrm>
+        </p:spPr>
+        <p:txBody>
+          <a:bodyPr>
+            <a:normAutofit/>
+          </a:bodyPr>
+          <a:lstStyle/>
+          <a:p>
+            <a:r>
+              <a:rPr lang="ru-RU" sz="2000" dirty="0">
+                <a:solidFill>
+                  <a:schemeClr val="tx1"/>
+                </a:solidFill>
+                <a:latin typeface="Bookman Old Style" panose="02050604050505020204" pitchFamily="18" charset="0"/>
+              </a:rPr>
+              <a:t>Выбор материалов</a:t>
+            </a:r>
+          </a:p>
+        </p:txBody>
+      </p:sp>
+      <p:sp>
+        <p:nvSpPr>
+          <p:cNvPr id="4" name="Прямоугольник 3">
+            <a:extLst>
+              <a:ext uri="{FF2B5EF4-FFF2-40B4-BE49-F238E27FC236}">
+                <a16:creationId xmlns:a16="http://schemas.microsoft.com/office/drawing/2014/main" id="{3BBE68A6-3732-8153-C302-89AC6A57F416}"/>
+              </a:ext>
+            </a:extLst>
+          </p:cNvPr>
+          <p:cNvSpPr/>
+          <p:nvPr/>
+        </p:nvSpPr>
+        <p:spPr>
+          <a:xfrm>
+            <a:off x="2720340" y="-819821"/>
+            <a:ext cx="45719" cy="1450757"/>
+          </a:xfrm>
+          <a:prstGeom prst="rect">
+            <a:avLst/>
+          </a:prstGeom>
+          <a:noFill/>
+          <a:ln>
+            <a:solidFill>
+              <a:srgbClr val="E48312"/>
+            </a:solidFill>
+          </a:ln>
+        </p:spPr>
+        <p:style>
+          <a:lnRef idx="2">
+            <a:schemeClr val="accent1">
+              <a:shade val="15000"/>
+            </a:schemeClr>
+          </a:lnRef>
+          <a:fillRef idx="1">
+            <a:schemeClr val="accent1"/>
+          </a:fillRef>
+          <a:effectRef idx="0">
+            <a:schemeClr val="accent1"/>
+          </a:effectRef>
+          <a:fontRef idx="minor">
+            <a:schemeClr val="lt1"/>
+          </a:fontRef>
+        </p:style>
+        <p:txBody>
+          <a:bodyPr rtlCol="0" anchor="ctr"/>
+          <a:lstStyle/>
+          <a:p>
+            <a:pPr algn="ctr"/>
+            <a:endParaRPr lang="ru-RU"/>
+          </a:p>
+        </p:txBody>
+      </p:sp>
+      <p:sp>
+        <p:nvSpPr>
+          <p:cNvPr id="5" name="TextBox 4">
+            <a:extLst>
+              <a:ext uri="{FF2B5EF4-FFF2-40B4-BE49-F238E27FC236}">
+                <a16:creationId xmlns:a16="http://schemas.microsoft.com/office/drawing/2014/main" id="{738D6350-1169-7BEF-E8BA-89ACBAE1D771}"/>
+              </a:ext>
+            </a:extLst>
+          </p:cNvPr>
+          <p:cNvSpPr txBox="1"/>
+          <p:nvPr/>
+        </p:nvSpPr>
+        <p:spPr>
+          <a:xfrm>
+            <a:off x="2866643" y="197597"/>
+            <a:ext cx="2081784" cy="369332"/>
+          </a:xfrm>
+          <a:prstGeom prst="rect">
+            <a:avLst/>
+          </a:prstGeom>
+          <a:noFill/>
+        </p:spPr>
+        <p:txBody>
+          <a:bodyPr wrap="square" rtlCol="0">
+            <a:spAutoFit/>
+          </a:bodyPr>
+          <a:lstStyle/>
+          <a:p>
+            <a:r>
+              <a:rPr lang="ru-RU" dirty="0">
+                <a:latin typeface="Bookman Old Style" panose="02050604050505020204" pitchFamily="18" charset="0"/>
+              </a:rPr>
+              <a:t>5</a:t>
+            </a:r>
+          </a:p>
+        </p:txBody>
+      </p:sp>
+      <p:sp>
+        <p:nvSpPr>
+          <p:cNvPr id="22" name="Прямоугольник 21">
+            <a:extLst>
+              <a:ext uri="{FF2B5EF4-FFF2-40B4-BE49-F238E27FC236}">
+                <a16:creationId xmlns:a16="http://schemas.microsoft.com/office/drawing/2014/main" id="{AAC992A4-0248-5A10-DB5C-F5CD42A5CD9F}"/>
+              </a:ext>
+            </a:extLst>
+          </p:cNvPr>
+          <p:cNvSpPr/>
+          <p:nvPr/>
+        </p:nvSpPr>
+        <p:spPr>
+          <a:xfrm>
+            <a:off x="10922503" y="6407944"/>
+            <a:ext cx="960121" cy="450056"/>
+          </a:xfrm>
+          <a:prstGeom prst="rect">
+            <a:avLst/>
+          </a:prstGeom>
+          <a:solidFill>
+            <a:srgbClr val="BD582C"/>
+          </a:solidFill>
+          <a:ln>
+            <a:solidFill>
+              <a:srgbClr val="BD582C"/>
+            </a:solidFill>
+          </a:ln>
+        </p:spPr>
+        <p:style>
+          <a:lnRef idx="2">
+            <a:schemeClr val="accent1">
+              <a:shade val="15000"/>
+            </a:schemeClr>
+          </a:lnRef>
+          <a:fillRef idx="1">
+            <a:schemeClr val="accent1"/>
+          </a:fillRef>
+          <a:effectRef idx="0">
+            <a:schemeClr val="accent1"/>
+          </a:effectRef>
+          <a:fontRef idx="minor">
+            <a:schemeClr val="lt1"/>
+          </a:fontRef>
+        </p:style>
+        <p:txBody>
+          <a:bodyPr rtlCol="0" anchor="ctr"/>
+          <a:lstStyle/>
+          <a:p>
+            <a:pPr algn="ctr"/>
+            <a:endParaRPr lang="ru-RU"/>
+          </a:p>
+        </p:txBody>
+      </p:sp>
+      <p:sp>
+        <p:nvSpPr>
+          <p:cNvPr id="6" name="TextBox 5">
+            <a:extLst>
+              <a:ext uri="{FF2B5EF4-FFF2-40B4-BE49-F238E27FC236}">
+                <a16:creationId xmlns:a16="http://schemas.microsoft.com/office/drawing/2014/main" id="{CFB57897-E7DA-2F3A-8F2F-6DF556D90307}"/>
+              </a:ext>
+            </a:extLst>
+          </p:cNvPr>
+          <p:cNvSpPr txBox="1"/>
+          <p:nvPr/>
+        </p:nvSpPr>
+        <p:spPr>
+          <a:xfrm>
+            <a:off x="494441" y="977552"/>
+            <a:ext cx="7473920" cy="369332"/>
+          </a:xfrm>
+          <a:prstGeom prst="rect">
+            <a:avLst/>
+          </a:prstGeom>
+          <a:noFill/>
+        </p:spPr>
+        <p:txBody>
+          <a:bodyPr wrap="square" rtlCol="0">
+            <a:spAutoFit/>
+          </a:bodyPr>
+          <a:lstStyle/>
+          <a:p>
+            <a:r>
+              <a:rPr lang="ru-RU" dirty="0">
+                <a:latin typeface="Bookman Old Style" panose="02050604050505020204" pitchFamily="18" charset="0"/>
+              </a:rPr>
+              <a:t>Для 3</a:t>
+            </a:r>
+            <a:r>
+              <a:rPr lang="en-US" dirty="0">
+                <a:latin typeface="Bookman Old Style" panose="02050604050505020204" pitchFamily="18" charset="0"/>
+              </a:rPr>
+              <a:t>D</a:t>
+            </a:r>
+            <a:r>
+              <a:rPr lang="ru-RU" dirty="0">
+                <a:latin typeface="Bookman Old Style" panose="02050604050505020204" pitchFamily="18" charset="0"/>
+              </a:rPr>
+              <a:t>-печати рассматривались следующие термопластики:</a:t>
+            </a:r>
+          </a:p>
+        </p:txBody>
+      </p:sp>
+      <p:sp>
+        <p:nvSpPr>
+          <p:cNvPr id="7" name="TextBox 6">
+            <a:extLst>
+              <a:ext uri="{FF2B5EF4-FFF2-40B4-BE49-F238E27FC236}">
+                <a16:creationId xmlns:a16="http://schemas.microsoft.com/office/drawing/2014/main" id="{D29E0792-A0D1-8CA8-F159-C2272754789A}"/>
+              </a:ext>
+            </a:extLst>
+          </p:cNvPr>
+          <p:cNvSpPr txBox="1"/>
+          <p:nvPr/>
+        </p:nvSpPr>
+        <p:spPr>
+          <a:xfrm>
+            <a:off x="1060337" y="1422892"/>
+            <a:ext cx="7379574" cy="3650102"/>
+          </a:xfrm>
+          <a:prstGeom prst="rect">
+            <a:avLst/>
+          </a:prstGeom>
+          <a:noFill/>
+        </p:spPr>
+        <p:txBody>
+          <a:bodyPr wrap="square" rtlCol="0">
+            <a:spAutoFit/>
+          </a:bodyPr>
+          <a:lstStyle/>
+          <a:p>
+            <a:pPr marL="285750" indent="-285750">
+              <a:lnSpc>
+                <a:spcPts val="2800"/>
+              </a:lnSpc>
+              <a:buFont typeface="Arial" panose="020B0604020202020204" pitchFamily="34" charset="0"/>
+              <a:buChar char="•"/>
+            </a:pPr>
+            <a:r>
+              <a:rPr lang="ru-RU" dirty="0">
+                <a:latin typeface="Bookman Old Style" panose="02050604050505020204" pitchFamily="18" charset="0"/>
+              </a:rPr>
+              <a:t>PLA </a:t>
+            </a:r>
+            <a:r>
+              <a:rPr lang="en-US" dirty="0">
+                <a:latin typeface="Bookman Old Style" panose="02050604050505020204" pitchFamily="18" charset="0"/>
+              </a:rPr>
+              <a:t>– </a:t>
+            </a:r>
+            <a:r>
+              <a:rPr lang="ru-RU" dirty="0">
+                <a:latin typeface="Bookman Old Style" panose="02050604050505020204" pitchFamily="18" charset="0"/>
+              </a:rPr>
+              <a:t>легко печатается, биоразлагаем, но хрупок и имеет низкую температуру стеклования (~60°C), что неприемлемо для устройства, которое может остаться в автомобиле на солнце.</a:t>
+            </a:r>
+            <a:endParaRPr lang="en-US" dirty="0">
+              <a:latin typeface="Bookman Old Style" panose="02050604050505020204" pitchFamily="18" charset="0"/>
+            </a:endParaRPr>
+          </a:p>
+          <a:p>
+            <a:pPr marL="285750" indent="-285750">
+              <a:lnSpc>
+                <a:spcPts val="2800"/>
+              </a:lnSpc>
+              <a:buFont typeface="Arial" panose="020B0604020202020204" pitchFamily="34" charset="0"/>
+              <a:buChar char="•"/>
+            </a:pPr>
+            <a:r>
+              <a:rPr lang="ru-RU" dirty="0">
+                <a:latin typeface="Bookman Old Style" panose="02050604050505020204" pitchFamily="18" charset="0"/>
+              </a:rPr>
+              <a:t>ABS </a:t>
+            </a:r>
+            <a:r>
+              <a:rPr lang="en-US" dirty="0">
+                <a:latin typeface="Bookman Old Style" panose="02050604050505020204" pitchFamily="18" charset="0"/>
+              </a:rPr>
+              <a:t>– </a:t>
+            </a:r>
+            <a:r>
+              <a:rPr lang="ru-RU" dirty="0">
+                <a:latin typeface="Bookman Old Style" panose="02050604050505020204" pitchFamily="18" charset="0"/>
+              </a:rPr>
+              <a:t>прочнее PLA, но склонен к деформациям при печати ведь требует закрытой камеры, и выделяет опасные испарения.</a:t>
+            </a:r>
+            <a:endParaRPr lang="en-US" dirty="0">
+              <a:latin typeface="Bookman Old Style" panose="02050604050505020204" pitchFamily="18" charset="0"/>
+            </a:endParaRPr>
+          </a:p>
+          <a:p>
+            <a:pPr marL="285750" indent="-285750">
+              <a:lnSpc>
+                <a:spcPts val="2800"/>
+              </a:lnSpc>
+              <a:buFont typeface="Arial" panose="020B0604020202020204" pitchFamily="34" charset="0"/>
+              <a:buChar char="•"/>
+            </a:pPr>
+            <a:r>
+              <a:rPr lang="ru-RU" dirty="0">
+                <a:latin typeface="Bookman Old Style" panose="02050604050505020204" pitchFamily="18" charset="0"/>
+              </a:rPr>
+              <a:t>PETG </a:t>
+            </a:r>
+            <a:r>
+              <a:rPr lang="en-US" dirty="0">
+                <a:latin typeface="Bookman Old Style" panose="02050604050505020204" pitchFamily="18" charset="0"/>
+              </a:rPr>
+              <a:t>–</a:t>
+            </a:r>
+            <a:r>
+              <a:rPr lang="ru-RU" dirty="0">
+                <a:latin typeface="Bookman Old Style" panose="02050604050505020204" pitchFamily="18" charset="0"/>
+              </a:rPr>
+              <a:t> чуть менее прочный чем </a:t>
+            </a:r>
+            <a:r>
+              <a:rPr lang="en-US" dirty="0">
+                <a:latin typeface="Bookman Old Style" panose="02050604050505020204" pitchFamily="18" charset="0"/>
+              </a:rPr>
+              <a:t>ABS, </a:t>
+            </a:r>
+            <a:r>
+              <a:rPr lang="ru-RU" dirty="0">
+                <a:latin typeface="Bookman Old Style" panose="02050604050505020204" pitchFamily="18" charset="0"/>
+              </a:rPr>
+              <a:t>однако не выделяет опасных паров, прост в печати, имеет высокую ударную вязкость и химическую стойкость. </a:t>
+            </a:r>
+          </a:p>
+        </p:txBody>
+      </p:sp>
+      <p:pic>
+        <p:nvPicPr>
+          <p:cNvPr id="11" name="Рисунок 10">
+            <a:extLst>
+              <a:ext uri="{FF2B5EF4-FFF2-40B4-BE49-F238E27FC236}">
+                <a16:creationId xmlns:a16="http://schemas.microsoft.com/office/drawing/2014/main" id="{A48EABFF-670C-99BA-6911-B92A7CCEF09C}"/>
+              </a:ext>
+            </a:extLst>
+          </p:cNvPr>
+          <p:cNvPicPr>
+            <a:picLocks noChangeAspect="1"/>
+          </p:cNvPicPr>
+          <p:nvPr/>
+        </p:nvPicPr>
+        <p:blipFill>
+          <a:blip r:embed="rId2"/>
+          <a:stretch>
+            <a:fillRect/>
+          </a:stretch>
+        </p:blipFill>
+        <p:spPr>
+          <a:xfrm rot="5400000">
+            <a:off x="7896137" y="2432327"/>
+            <a:ext cx="4075367" cy="2395685"/>
+          </a:xfrm>
+          <a:prstGeom prst="rect">
+            <a:avLst/>
+          </a:prstGeom>
+        </p:spPr>
+      </p:pic>
+      <p:sp>
+        <p:nvSpPr>
+          <p:cNvPr id="12" name="TextBox 11">
+            <a:extLst>
+              <a:ext uri="{FF2B5EF4-FFF2-40B4-BE49-F238E27FC236}">
+                <a16:creationId xmlns:a16="http://schemas.microsoft.com/office/drawing/2014/main" id="{E070F16C-194B-FD52-3E37-442614CC597A}"/>
+              </a:ext>
+            </a:extLst>
+          </p:cNvPr>
+          <p:cNvSpPr txBox="1"/>
+          <p:nvPr/>
+        </p:nvSpPr>
+        <p:spPr>
+          <a:xfrm>
+            <a:off x="494441" y="5344687"/>
+            <a:ext cx="8028431" cy="646331"/>
+          </a:xfrm>
+          <a:prstGeom prst="rect">
+            <a:avLst/>
+          </a:prstGeom>
+          <a:noFill/>
+        </p:spPr>
+        <p:txBody>
+          <a:bodyPr wrap="square" rtlCol="0">
+            <a:spAutoFit/>
+          </a:bodyPr>
+          <a:lstStyle/>
+          <a:p>
+            <a:r>
+              <a:rPr lang="ru-RU" dirty="0">
+                <a:latin typeface="Bookman Old Style" panose="02050604050505020204" pitchFamily="18" charset="0"/>
+              </a:rPr>
+              <a:t>Был выбран </a:t>
+            </a:r>
+            <a:r>
+              <a:rPr lang="en-US" dirty="0">
+                <a:latin typeface="Bookman Old Style" panose="02050604050505020204" pitchFamily="18" charset="0"/>
+              </a:rPr>
+              <a:t>PETG </a:t>
+            </a:r>
+            <a:r>
+              <a:rPr lang="ru-RU" dirty="0">
+                <a:latin typeface="Bookman Old Style" panose="02050604050505020204" pitchFamily="18" charset="0"/>
+              </a:rPr>
+              <a:t>пластик(</a:t>
+            </a:r>
+            <a:r>
+              <a:rPr lang="ru-RU" i="1" dirty="0">
+                <a:latin typeface="Bookman Old Style" panose="02050604050505020204" pitchFamily="18" charset="0"/>
+              </a:rPr>
+              <a:t>Полиэтилентерефталат гликоль</a:t>
+            </a:r>
+            <a:r>
+              <a:rPr lang="ru-RU" dirty="0">
+                <a:latin typeface="Bookman Old Style" panose="02050604050505020204" pitchFamily="18" charset="0"/>
+              </a:rPr>
+              <a:t>), ведь он совмещает лучшие стороны своих конкурентов.</a:t>
+            </a:r>
+          </a:p>
+        </p:txBody>
+      </p:sp>
+    </p:spTree>
+    <p:extLst>
+      <p:ext uri="{BB962C8B-B14F-4D97-AF65-F5344CB8AC3E}">
+        <p14:creationId xmlns:p14="http://schemas.microsoft.com/office/powerpoint/2010/main" val="4053437909"/>
       </p:ext>
     </p:extLst>
   </p:cSld>

--- a/Мышка для людей с ОВЗ/Документы/Презентация о манипуляторе.pptx
+++ b/Мышка для людей с ОВЗ/Документы/Презентация о манипуляторе.pptx
@@ -11,6 +11,9 @@
     <p:sldId id="259" r:id="rId5"/>
     <p:sldId id="260" r:id="rId6"/>
     <p:sldId id="261" r:id="rId7"/>
+    <p:sldId id="262" r:id="rId8"/>
+    <p:sldId id="263" r:id="rId9"/>
+    <p:sldId id="264" r:id="rId10"/>
   </p:sldIdLst>
   <p:sldSz cx="12192000" cy="6858000"/>
   <p:notesSz cx="6858000" cy="9144000"/>
@@ -120,6 +123,9 @@
             <p14:sldId id="259"/>
             <p14:sldId id="260"/>
             <p14:sldId id="261"/>
+            <p14:sldId id="262"/>
+            <p14:sldId id="263"/>
+            <p14:sldId id="264"/>
           </p14:sldIdLst>
         </p14:section>
       </p14:sectionLst>
@@ -129,6 +135,32 @@
     </p:ext>
   </p:extLst>
 </p:presentation>
+</file>
+
+<file path=ppt/commentAuthors.xml><?xml version="1.0" encoding="utf-8"?>
+<p:cmAuthorLst xmlns:a="http://schemas.openxmlformats.org/drawingml/2006/main" xmlns:r="http://schemas.openxmlformats.org/officeDocument/2006/relationships" xmlns:p="http://schemas.openxmlformats.org/presentationml/2006/main">
+  <p:cmAuthor id="1" name="Пользователь Windows" initials="ПW" lastIdx="1" clrIdx="0">
+    <p:extLst>
+      <p:ext uri="{19B8F6BF-5375-455C-9EA6-DF929625EA0E}">
+        <p15:presenceInfo xmlns:p15="http://schemas.microsoft.com/office/powerpoint/2012/main" userId="Пользователь Windows" providerId="None"/>
+      </p:ext>
+    </p:extLst>
+  </p:cmAuthor>
+</p:cmAuthorLst>
+</file>
+
+<file path=ppt/comments/comment1.xml><?xml version="1.0" encoding="utf-8"?>
+<p:cmLst xmlns:a="http://schemas.openxmlformats.org/drawingml/2006/main" xmlns:r="http://schemas.openxmlformats.org/officeDocument/2006/relationships" xmlns:p="http://schemas.openxmlformats.org/presentationml/2006/main">
+  <p:cm authorId="1" dt="2026-02-09T10:34:21.973" idx="1">
+    <p:pos x="10" y="10"/>
+    <p:text/>
+    <p:extLst>
+      <p:ext uri="{C676402C-5697-4E1C-873F-D02D1690AC5C}">
+        <p15:threadingInfo xmlns:p15="http://schemas.microsoft.com/office/powerpoint/2012/main" timeZoneBias="-180"/>
+      </p:ext>
+    </p:extLst>
+  </p:cm>
+</p:cmLst>
 </file>
 
 <file path=ppt/slideLayouts/slideLayout1.xml><?xml version="1.0" encoding="utf-8"?>
@@ -357,7 +389,7 @@
           <a:p>
             <a:fld id="{BB72D5D3-D9D5-4A9C-867E-F13F5DA2FF7F}" type="datetimeFigureOut">
               <a:rPr lang="ru-RU" smtClean="0"/>
-              <a:t>08.02.2026</a:t>
+              <a:t>09.02.2026</a:t>
             </a:fld>
             <a:endParaRPr lang="ru-RU"/>
           </a:p>
@@ -565,7 +597,7 @@
           <a:p>
             <a:fld id="{BB72D5D3-D9D5-4A9C-867E-F13F5DA2FF7F}" type="datetimeFigureOut">
               <a:rPr lang="ru-RU" smtClean="0"/>
-              <a:t>08.02.2026</a:t>
+              <a:t>09.02.2026</a:t>
             </a:fld>
             <a:endParaRPr lang="ru-RU"/>
           </a:p>
@@ -821,7 +853,7 @@
           <a:p>
             <a:fld id="{BB72D5D3-D9D5-4A9C-867E-F13F5DA2FF7F}" type="datetimeFigureOut">
               <a:rPr lang="ru-RU" smtClean="0"/>
-              <a:t>08.02.2026</a:t>
+              <a:t>09.02.2026</a:t>
             </a:fld>
             <a:endParaRPr lang="ru-RU"/>
           </a:p>
@@ -995,7 +1027,7 @@
           <a:p>
             <a:fld id="{BB72D5D3-D9D5-4A9C-867E-F13F5DA2FF7F}" type="datetimeFigureOut">
               <a:rPr lang="ru-RU" smtClean="0"/>
-              <a:t>08.02.2026</a:t>
+              <a:t>09.02.2026</a:t>
             </a:fld>
             <a:endParaRPr lang="ru-RU"/>
           </a:p>
@@ -1338,7 +1370,7 @@
           <a:p>
             <a:fld id="{BB72D5D3-D9D5-4A9C-867E-F13F5DA2FF7F}" type="datetimeFigureOut">
               <a:rPr lang="ru-RU" smtClean="0"/>
-              <a:t>08.02.2026</a:t>
+              <a:t>09.02.2026</a:t>
             </a:fld>
             <a:endParaRPr lang="ru-RU"/>
           </a:p>
@@ -1613,7 +1645,7 @@
           <a:p>
             <a:fld id="{BB72D5D3-D9D5-4A9C-867E-F13F5DA2FF7F}" type="datetimeFigureOut">
               <a:rPr lang="ru-RU" smtClean="0"/>
-              <a:t>08.02.2026</a:t>
+              <a:t>09.02.2026</a:t>
             </a:fld>
             <a:endParaRPr lang="ru-RU"/>
           </a:p>
@@ -1992,7 +2024,7 @@
           <a:p>
             <a:fld id="{BB72D5D3-D9D5-4A9C-867E-F13F5DA2FF7F}" type="datetimeFigureOut">
               <a:rPr lang="ru-RU" smtClean="0"/>
-              <a:t>08.02.2026</a:t>
+              <a:t>09.02.2026</a:t>
             </a:fld>
             <a:endParaRPr lang="ru-RU"/>
           </a:p>
@@ -2110,7 +2142,7 @@
           <a:p>
             <a:fld id="{BB72D5D3-D9D5-4A9C-867E-F13F5DA2FF7F}" type="datetimeFigureOut">
               <a:rPr lang="ru-RU" smtClean="0"/>
-              <a:t>08.02.2026</a:t>
+              <a:t>09.02.2026</a:t>
             </a:fld>
             <a:endParaRPr lang="ru-RU"/>
           </a:p>
@@ -2281,7 +2313,7 @@
           <a:p>
             <a:fld id="{BB72D5D3-D9D5-4A9C-867E-F13F5DA2FF7F}" type="datetimeFigureOut">
               <a:rPr lang="ru-RU" smtClean="0"/>
-              <a:t>08.02.2026</a:t>
+              <a:t>09.02.2026</a:t>
             </a:fld>
             <a:endParaRPr lang="ru-RU"/>
           </a:p>
@@ -2635,7 +2667,7 @@
           <a:p>
             <a:fld id="{BB72D5D3-D9D5-4A9C-867E-F13F5DA2FF7F}" type="datetimeFigureOut">
               <a:rPr lang="ru-RU" smtClean="0"/>
-              <a:t>08.02.2026</a:t>
+              <a:t>09.02.2026</a:t>
             </a:fld>
             <a:endParaRPr lang="ru-RU"/>
           </a:p>
@@ -3017,7 +3049,7 @@
           <a:p>
             <a:fld id="{BB72D5D3-D9D5-4A9C-867E-F13F5DA2FF7F}" type="datetimeFigureOut">
               <a:rPr lang="ru-RU" smtClean="0"/>
-              <a:t>08.02.2026</a:t>
+              <a:t>09.02.2026</a:t>
             </a:fld>
             <a:endParaRPr lang="ru-RU"/>
           </a:p>
@@ -3304,7 +3336,7 @@
           <a:p>
             <a:fld id="{BB72D5D3-D9D5-4A9C-867E-F13F5DA2FF7F}" type="datetimeFigureOut">
               <a:rPr lang="ru-RU" smtClean="0"/>
-              <a:t>08.02.2026</a:t>
+              <a:t>09.02.2026</a:t>
             </a:fld>
             <a:endParaRPr lang="ru-RU"/>
           </a:p>
@@ -4007,6 +4039,13 @@
   <p:clrMapOvr>
     <a:masterClrMapping/>
   </p:clrMapOvr>
+  <p:timing>
+    <p:tnLst>
+      <p:par>
+        <p:cTn id="1" dur="indefinite" restart="never" nodeType="tmRoot"/>
+      </p:par>
+    </p:tnLst>
+  </p:timing>
 </p:sld>
 </file>
 
@@ -4318,7 +4357,7 @@
           <p:nvPr/>
         </p:nvPicPr>
         <p:blipFill>
-          <a:blip r:embed="rId3">
+          <a:blip r:embed="rId3" cstate="hqprint">
             <a:extLst>
               <a:ext uri="{28A0092B-C50C-407E-A947-70E740481C1C}">
                 <a14:useLocalDpi xmlns:a14="http://schemas.microsoft.com/office/drawing/2010/main" val="0"/>
@@ -4458,6 +4497,13 @@
   <p:clrMapOvr>
     <a:masterClrMapping/>
   </p:clrMapOvr>
+  <p:timing>
+    <p:tnLst>
+      <p:par>
+        <p:cTn id="1" dur="indefinite" restart="never" nodeType="tmRoot"/>
+      </p:par>
+    </p:tnLst>
+  </p:timing>
 </p:sld>
 </file>
 
@@ -5197,6 +5243,13 @@
   <p:clrMapOvr>
     <a:masterClrMapping/>
   </p:clrMapOvr>
+  <p:timing>
+    <p:tnLst>
+      <p:par>
+        <p:cTn id="1" dur="indefinite" restart="never" nodeType="tmRoot"/>
+      </p:par>
+    </p:tnLst>
+  </p:timing>
 </p:sld>
 </file>
 
@@ -5737,6 +5790,60 @@
           </a:p>
         </p:txBody>
       </p:sp>
+      <p:sp>
+        <p:nvSpPr>
+          <p:cNvPr id="11" name="Прямоугольник 10">
+            <a:extLst>
+              <a:ext uri="{FF2B5EF4-FFF2-40B4-BE49-F238E27FC236}">
+                <a16:creationId xmlns:a16="http://schemas.microsoft.com/office/drawing/2014/main" id="{AA5BDCBD-3ED4-5058-EC0B-E05F263AF05E}"/>
+              </a:ext>
+            </a:extLst>
+          </p:cNvPr>
+          <p:cNvSpPr/>
+          <p:nvPr/>
+        </p:nvSpPr>
+        <p:spPr>
+          <a:xfrm rot="17251257">
+            <a:off x="8887494" y="-5332016"/>
+            <a:ext cx="4523020" cy="7668347"/>
+          </a:xfrm>
+          <a:prstGeom prst="rect">
+            <a:avLst/>
+          </a:prstGeom>
+          <a:solidFill>
+            <a:srgbClr val="BD582C"/>
+          </a:solidFill>
+          <a:ln w="57150">
+            <a:solidFill>
+              <a:srgbClr val="E48312"/>
+            </a:solidFill>
+          </a:ln>
+        </p:spPr>
+        <p:style>
+          <a:lnRef idx="2">
+            <a:schemeClr val="accent1">
+              <a:shade val="15000"/>
+            </a:schemeClr>
+          </a:lnRef>
+          <a:fillRef idx="1">
+            <a:schemeClr val="accent1"/>
+          </a:fillRef>
+          <a:effectRef idx="0">
+            <a:schemeClr val="accent1"/>
+          </a:effectRef>
+          <a:fontRef idx="minor">
+            <a:schemeClr val="lt1"/>
+          </a:fontRef>
+        </p:style>
+        <p:txBody>
+          <a:bodyPr rtlCol="0" anchor="ctr"/>
+          <a:lstStyle/>
+          <a:p>
+            <a:pPr algn="ctr"/>
+            <a:endParaRPr lang="ru-RU"/>
+          </a:p>
+        </p:txBody>
+      </p:sp>
     </p:spTree>
     <p:extLst>
       <p:ext uri="{BB962C8B-B14F-4D97-AF65-F5344CB8AC3E}">
@@ -5747,6 +5854,13 @@
   <p:clrMapOvr>
     <a:masterClrMapping/>
   </p:clrMapOvr>
+  <p:timing>
+    <p:tnLst>
+      <p:par>
+        <p:cTn id="1" dur="indefinite" restart="never" nodeType="tmRoot"/>
+      </p:par>
+    </p:tnLst>
+  </p:timing>
 </p:sld>
 </file>
 
@@ -6062,6 +6176,383 @@
           </a:p>
         </p:txBody>
       </p:sp>
+      <p:graphicFrame>
+        <p:nvGraphicFramePr>
+          <p:cNvPr id="6" name="Таблица 5"/>
+          <p:cNvGraphicFramePr>
+            <a:graphicFrameLocks noGrp="1"/>
+          </p:cNvGraphicFramePr>
+          <p:nvPr>
+            <p:extLst>
+              <p:ext uri="{D42A27DB-BD31-4B8C-83A1-F6EECF244321}">
+                <p14:modId xmlns:p14="http://schemas.microsoft.com/office/powerpoint/2010/main" val="3612157199"/>
+              </p:ext>
+            </p:extLst>
+          </p:nvPr>
+        </p:nvGraphicFramePr>
+        <p:xfrm>
+          <a:off x="223752" y="778482"/>
+          <a:ext cx="3062373" cy="5317517"/>
+        </p:xfrm>
+        <a:graphic>
+          <a:graphicData uri="http://schemas.openxmlformats.org/drawingml/2006/table">
+            <a:tbl>
+              <a:tblPr firstRow="1" firstCol="1" bandRow="1">
+                <a:tableStyleId>{5C22544A-7EE6-4342-B048-85BDC9FD1C3A}</a:tableStyleId>
+              </a:tblPr>
+              <a:tblGrid>
+                <a:gridCol w="2355459">
+                  <a:extLst>
+                    <a:ext uri="{9D8B030D-6E8A-4147-A177-3AD203B41FA5}">
+                      <a16:colId xmlns:a16="http://schemas.microsoft.com/office/drawing/2014/main" val="3099359889"/>
+                    </a:ext>
+                  </a:extLst>
+                </a:gridCol>
+                <a:gridCol w="706914">
+                  <a:extLst>
+                    <a:ext uri="{9D8B030D-6E8A-4147-A177-3AD203B41FA5}">
+                      <a16:colId xmlns:a16="http://schemas.microsoft.com/office/drawing/2014/main" val="2146182567"/>
+                    </a:ext>
+                  </a:extLst>
+                </a:gridCol>
+              </a:tblGrid>
+              <a:tr h="1464131">
+                <a:tc>
+                  <a:txBody>
+                    <a:bodyPr/>
+                    <a:lstStyle/>
+                    <a:p>
+                      <a:pPr algn="ctr">
+                        <a:lnSpc>
+                          <a:spcPct val="150000"/>
+                        </a:lnSpc>
+                        <a:spcAft>
+                          <a:spcPts val="0"/>
+                        </a:spcAft>
+                      </a:pPr>
+                      <a:endParaRPr lang="ru-RU" sz="1400" b="0" kern="100" dirty="0" smtClean="0">
+                        <a:effectLst/>
+                        <a:latin typeface="Bookman Old Style" panose="02050604050505020204" pitchFamily="18" charset="0"/>
+                      </a:endParaRPr>
+                    </a:p>
+                    <a:p>
+                      <a:pPr algn="ctr">
+                        <a:lnSpc>
+                          <a:spcPct val="150000"/>
+                        </a:lnSpc>
+                        <a:spcAft>
+                          <a:spcPts val="0"/>
+                        </a:spcAft>
+                      </a:pPr>
+                      <a:r>
+                        <a:rPr lang="ru-RU" sz="1400" b="0" kern="100" dirty="0" smtClean="0">
+                          <a:effectLst/>
+                          <a:latin typeface="Bookman Old Style" panose="02050604050505020204" pitchFamily="18" charset="0"/>
+                        </a:rPr>
+                        <a:t>Позиция</a:t>
+                      </a:r>
+                      <a:endParaRPr lang="ru-RU" sz="1400" b="0" kern="100" dirty="0">
+                        <a:effectLst/>
+                        <a:latin typeface="Bookman Old Style" panose="02050604050505020204" pitchFamily="18" charset="0"/>
+                        <a:ea typeface="Calibri" panose="020F0502020204030204" pitchFamily="34" charset="0"/>
+                        <a:cs typeface="Times New Roman" panose="02020603050405020304" pitchFamily="18" charset="0"/>
+                      </a:endParaRPr>
+                    </a:p>
+                  </a:txBody>
+                  <a:tcPr marL="50284" marR="50284" marT="0" marB="0"/>
+                </a:tc>
+                <a:tc>
+                  <a:txBody>
+                    <a:bodyPr/>
+                    <a:lstStyle/>
+                    <a:p>
+                      <a:pPr algn="ctr">
+                        <a:lnSpc>
+                          <a:spcPct val="150000"/>
+                        </a:lnSpc>
+                        <a:spcAft>
+                          <a:spcPts val="0"/>
+                        </a:spcAft>
+                      </a:pPr>
+                      <a:r>
+                        <a:rPr lang="ru-RU" sz="1400" b="0" kern="100" dirty="0">
+                          <a:effectLst/>
+                          <a:latin typeface="Bookman Old Style" panose="02050604050505020204" pitchFamily="18" charset="0"/>
+                        </a:rPr>
+                        <a:t>Стоимость, рубли</a:t>
+                      </a:r>
+                      <a:endParaRPr lang="ru-RU" sz="1400" b="0" kern="100" dirty="0">
+                        <a:effectLst/>
+                        <a:latin typeface="Bookman Old Style" panose="02050604050505020204" pitchFamily="18" charset="0"/>
+                        <a:ea typeface="Calibri" panose="020F0502020204030204" pitchFamily="34" charset="0"/>
+                        <a:cs typeface="Times New Roman" panose="02020603050405020304" pitchFamily="18" charset="0"/>
+                      </a:endParaRPr>
+                    </a:p>
+                  </a:txBody>
+                  <a:tcPr marL="50284" marR="50284" marT="0" marB="0"/>
+                </a:tc>
+                <a:extLst>
+                  <a:ext uri="{0D108BD9-81ED-4DB2-BD59-A6C34878D82A}">
+                    <a16:rowId xmlns:a16="http://schemas.microsoft.com/office/drawing/2014/main" val="3213522644"/>
+                  </a:ext>
+                </a:extLst>
+              </a:tr>
+              <a:tr h="1202834">
+                <a:tc>
+                  <a:txBody>
+                    <a:bodyPr/>
+                    <a:lstStyle/>
+                    <a:p>
+                      <a:pPr algn="ctr">
+                        <a:lnSpc>
+                          <a:spcPct val="150000"/>
+                        </a:lnSpc>
+                        <a:spcAft>
+                          <a:spcPts val="0"/>
+                        </a:spcAft>
+                      </a:pPr>
+                      <a:r>
+                        <a:rPr lang="ru-RU" sz="1400" b="0" kern="100" dirty="0">
+                          <a:effectLst/>
+                          <a:latin typeface="Bookman Old Style" panose="02050604050505020204" pitchFamily="18" charset="0"/>
+                        </a:rPr>
+                        <a:t>Пластик </a:t>
+                      </a:r>
+                      <a:r>
+                        <a:rPr lang="en-US" sz="1400" b="0" kern="100" dirty="0">
+                          <a:effectLst/>
+                          <a:latin typeface="Bookman Old Style" panose="02050604050505020204" pitchFamily="18" charset="0"/>
+                        </a:rPr>
+                        <a:t>PETG</a:t>
+                      </a:r>
+                      <a:r>
+                        <a:rPr lang="ru-RU" sz="1400" b="0" kern="100" dirty="0">
+                          <a:effectLst/>
+                          <a:latin typeface="Bookman Old Style" panose="02050604050505020204" pitchFamily="18" charset="0"/>
+                        </a:rPr>
+                        <a:t> (330 г.), резиновые накладки и пружины</a:t>
+                      </a:r>
+                      <a:endParaRPr lang="ru-RU" sz="1400" b="0" kern="100" dirty="0">
+                        <a:effectLst/>
+                        <a:latin typeface="Bookman Old Style" panose="02050604050505020204" pitchFamily="18" charset="0"/>
+                        <a:ea typeface="Calibri" panose="020F0502020204030204" pitchFamily="34" charset="0"/>
+                        <a:cs typeface="Times New Roman" panose="02020603050405020304" pitchFamily="18" charset="0"/>
+                      </a:endParaRPr>
+                    </a:p>
+                  </a:txBody>
+                  <a:tcPr marL="50284" marR="50284" marT="0" marB="0"/>
+                </a:tc>
+                <a:tc>
+                  <a:txBody>
+                    <a:bodyPr/>
+                    <a:lstStyle/>
+                    <a:p>
+                      <a:pPr algn="ctr">
+                        <a:lnSpc>
+                          <a:spcPct val="150000"/>
+                        </a:lnSpc>
+                        <a:spcAft>
+                          <a:spcPts val="0"/>
+                        </a:spcAft>
+                      </a:pPr>
+                      <a:r>
+                        <a:rPr lang="ru-RU" sz="1400" b="0" kern="100" dirty="0" smtClean="0">
+                          <a:effectLst/>
+                          <a:latin typeface="Bookman Old Style" panose="02050604050505020204" pitchFamily="18" charset="0"/>
+                          <a:ea typeface="+mn-ea"/>
+                          <a:cs typeface="+mn-cs"/>
+                        </a:rPr>
+                        <a:t>600</a:t>
+                      </a:r>
+                      <a:endParaRPr lang="ru-RU" sz="1400" b="0" kern="100" dirty="0">
+                        <a:effectLst/>
+                        <a:latin typeface="Bookman Old Style" panose="02050604050505020204" pitchFamily="18" charset="0"/>
+                        <a:ea typeface="Calibri" panose="020F0502020204030204" pitchFamily="34" charset="0"/>
+                        <a:cs typeface="Times New Roman" panose="02020603050405020304" pitchFamily="18" charset="0"/>
+                      </a:endParaRPr>
+                    </a:p>
+                  </a:txBody>
+                  <a:tcPr marL="50284" marR="50284" marT="0" marB="0"/>
+                </a:tc>
+                <a:extLst>
+                  <a:ext uri="{0D108BD9-81ED-4DB2-BD59-A6C34878D82A}">
+                    <a16:rowId xmlns:a16="http://schemas.microsoft.com/office/drawing/2014/main" val="1434116937"/>
+                  </a:ext>
+                </a:extLst>
+              </a:tr>
+              <a:tr h="2217498">
+                <a:tc>
+                  <a:txBody>
+                    <a:bodyPr/>
+                    <a:lstStyle/>
+                    <a:p>
+                      <a:pPr algn="ctr">
+                        <a:lnSpc>
+                          <a:spcPct val="150000"/>
+                        </a:lnSpc>
+                        <a:spcAft>
+                          <a:spcPts val="0"/>
+                        </a:spcAft>
+                      </a:pPr>
+                      <a:r>
+                        <a:rPr lang="ru-RU" sz="1400" b="0" kern="100">
+                          <a:effectLst/>
+                          <a:latin typeface="Bookman Old Style" panose="02050604050505020204" pitchFamily="18" charset="0"/>
+                        </a:rPr>
+                        <a:t>Электрические компоненты(гироскоп </a:t>
+                      </a:r>
+                      <a:r>
+                        <a:rPr lang="en-US" sz="1400" b="0" kern="100">
+                          <a:effectLst/>
+                          <a:latin typeface="Bookman Old Style" panose="02050604050505020204" pitchFamily="18" charset="0"/>
+                        </a:rPr>
+                        <a:t>MPU</a:t>
+                      </a:r>
+                      <a:r>
+                        <a:rPr lang="ru-RU" sz="1400" b="0" kern="100">
+                          <a:effectLst/>
+                          <a:latin typeface="Bookman Old Style" panose="02050604050505020204" pitchFamily="18" charset="0"/>
+                        </a:rPr>
+                        <a:t>-6050, тактовые кнопки, энкодер инкрементальный, </a:t>
+                      </a:r>
+                      <a:r>
+                        <a:rPr lang="en-US" sz="1400" b="0" kern="100">
+                          <a:effectLst/>
+                          <a:latin typeface="Bookman Old Style" panose="02050604050505020204" pitchFamily="18" charset="0"/>
+                        </a:rPr>
+                        <a:t>Arduino Pro Micro</a:t>
+                      </a:r>
+                      <a:r>
+                        <a:rPr lang="ru-RU" sz="1400" b="0" kern="100">
+                          <a:effectLst/>
+                          <a:latin typeface="Bookman Old Style" panose="02050604050505020204" pitchFamily="18" charset="0"/>
+                        </a:rPr>
+                        <a:t>)</a:t>
+                      </a:r>
+                      <a:endParaRPr lang="ru-RU" sz="1400" b="0" kern="100">
+                        <a:effectLst/>
+                        <a:latin typeface="Bookman Old Style" panose="02050604050505020204" pitchFamily="18" charset="0"/>
+                        <a:ea typeface="Calibri" panose="020F0502020204030204" pitchFamily="34" charset="0"/>
+                        <a:cs typeface="Times New Roman" panose="02020603050405020304" pitchFamily="18" charset="0"/>
+                      </a:endParaRPr>
+                    </a:p>
+                  </a:txBody>
+                  <a:tcPr marL="50284" marR="50284" marT="0" marB="0"/>
+                </a:tc>
+                <a:tc>
+                  <a:txBody>
+                    <a:bodyPr/>
+                    <a:lstStyle/>
+                    <a:p>
+                      <a:pPr algn="ctr">
+                        <a:lnSpc>
+                          <a:spcPct val="150000"/>
+                        </a:lnSpc>
+                        <a:spcAft>
+                          <a:spcPts val="0"/>
+                        </a:spcAft>
+                      </a:pPr>
+                      <a:r>
+                        <a:rPr lang="ru-RU" sz="1400" b="0" kern="100" dirty="0" smtClean="0">
+                          <a:effectLst/>
+                          <a:latin typeface="Bookman Old Style" panose="02050604050505020204" pitchFamily="18" charset="0"/>
+                        </a:rPr>
+                        <a:t>780</a:t>
+                      </a:r>
+                      <a:endParaRPr lang="ru-RU" sz="1400" b="0" kern="100" dirty="0">
+                        <a:effectLst/>
+                        <a:latin typeface="Bookman Old Style" panose="02050604050505020204" pitchFamily="18" charset="0"/>
+                        <a:ea typeface="Calibri" panose="020F0502020204030204" pitchFamily="34" charset="0"/>
+                        <a:cs typeface="Times New Roman" panose="02020603050405020304" pitchFamily="18" charset="0"/>
+                      </a:endParaRPr>
+                    </a:p>
+                  </a:txBody>
+                  <a:tcPr marL="50284" marR="50284" marT="0" marB="0"/>
+                </a:tc>
+                <a:extLst>
+                  <a:ext uri="{0D108BD9-81ED-4DB2-BD59-A6C34878D82A}">
+                    <a16:rowId xmlns:a16="http://schemas.microsoft.com/office/drawing/2014/main" val="3729372049"/>
+                  </a:ext>
+                </a:extLst>
+              </a:tr>
+              <a:tr h="433054">
+                <a:tc>
+                  <a:txBody>
+                    <a:bodyPr/>
+                    <a:lstStyle/>
+                    <a:p>
+                      <a:pPr algn="ctr">
+                        <a:lnSpc>
+                          <a:spcPct val="150000"/>
+                        </a:lnSpc>
+                        <a:spcAft>
+                          <a:spcPts val="0"/>
+                        </a:spcAft>
+                      </a:pPr>
+                      <a:r>
+                        <a:rPr lang="ru-RU" sz="1400" b="0" kern="100" dirty="0">
+                          <a:effectLst/>
+                          <a:latin typeface="Bookman Old Style" panose="02050604050505020204" pitchFamily="18" charset="0"/>
+                        </a:rPr>
+                        <a:t>Итого </a:t>
+                      </a:r>
+                      <a:r>
+                        <a:rPr lang="ru-RU" sz="1400" b="0" kern="100" dirty="0" smtClean="0">
+                          <a:effectLst/>
+                          <a:latin typeface="Bookman Old Style" panose="02050604050505020204" pitchFamily="18" charset="0"/>
+                        </a:rPr>
+                        <a:t>стоимость</a:t>
+                      </a:r>
+                      <a:endParaRPr lang="ru-RU" sz="1400" b="0" kern="100" dirty="0">
+                        <a:effectLst/>
+                        <a:latin typeface="Bookman Old Style" panose="02050604050505020204" pitchFamily="18" charset="0"/>
+                        <a:ea typeface="Calibri" panose="020F0502020204030204" pitchFamily="34" charset="0"/>
+                        <a:cs typeface="Times New Roman" panose="02020603050405020304" pitchFamily="18" charset="0"/>
+                      </a:endParaRPr>
+                    </a:p>
+                  </a:txBody>
+                  <a:tcPr marL="50284" marR="50284" marT="0" marB="0"/>
+                </a:tc>
+                <a:tc>
+                  <a:txBody>
+                    <a:bodyPr/>
+                    <a:lstStyle/>
+                    <a:p>
+                      <a:pPr algn="ctr">
+                        <a:lnSpc>
+                          <a:spcPct val="150000"/>
+                        </a:lnSpc>
+                        <a:spcAft>
+                          <a:spcPts val="0"/>
+                        </a:spcAft>
+                      </a:pPr>
+                      <a:r>
+                        <a:rPr lang="ru-RU" sz="1400" b="0" kern="100" dirty="0" smtClean="0">
+                          <a:effectLst/>
+                          <a:latin typeface="Bookman Old Style" panose="02050604050505020204" pitchFamily="18" charset="0"/>
+                        </a:rPr>
+                        <a:t>1380</a:t>
+                      </a:r>
+                      <a:endParaRPr lang="ru-RU" sz="1400" b="0" kern="100" dirty="0">
+                        <a:effectLst/>
+                        <a:latin typeface="Bookman Old Style" panose="02050604050505020204" pitchFamily="18" charset="0"/>
+                        <a:ea typeface="Calibri" panose="020F0502020204030204" pitchFamily="34" charset="0"/>
+                        <a:cs typeface="Times New Roman" panose="02020603050405020304" pitchFamily="18" charset="0"/>
+                      </a:endParaRPr>
+                    </a:p>
+                  </a:txBody>
+                  <a:tcPr marL="50284" marR="50284" marT="0" marB="0"/>
+                </a:tc>
+                <a:extLst>
+                  <a:ext uri="{0D108BD9-81ED-4DB2-BD59-A6C34878D82A}">
+                    <a16:rowId xmlns:a16="http://schemas.microsoft.com/office/drawing/2014/main" val="3040222044"/>
+                  </a:ext>
+                </a:extLst>
+              </a:tr>
+            </a:tbl>
+          </a:graphicData>
+        </a:graphic>
+      </p:graphicFrame>
     </p:spTree>
     <p:extLst>
       <p:ext uri="{BB962C8B-B14F-4D97-AF65-F5344CB8AC3E}">
@@ -6072,6 +6563,13 @@
   <p:clrMapOvr>
     <a:masterClrMapping/>
   </p:clrMapOvr>
+  <p:timing>
+    <p:tnLst>
+      <p:par>
+        <p:cTn id="1" dur="indefinite" restart="never" nodeType="tmRoot"/>
+      </p:par>
+    </p:tnLst>
+  </p:timing>
 </p:sld>
 </file>
 
@@ -6325,11 +6823,14 @@
           <a:lstStyle/>
           <a:p>
             <a:r>
-              <a:rPr lang="ru-RU" dirty="0">
-                <a:latin typeface="Bookman Old Style" panose="02050604050505020204" pitchFamily="18" charset="0"/>
-              </a:rPr>
-              <a:t>5</a:t>
-            </a:r>
+              <a:rPr lang="en-US" dirty="0">
+                <a:latin typeface="Bookman Old Style" panose="02050604050505020204" pitchFamily="18" charset="0"/>
+              </a:rPr>
+              <a:t>6</a:t>
+            </a:r>
+            <a:endParaRPr lang="ru-RU" dirty="0">
+              <a:latin typeface="Bookman Old Style" panose="02050604050505020204" pitchFamily="18" charset="0"/>
+            </a:endParaRPr>
           </a:p>
         </p:txBody>
       </p:sp>
@@ -6665,6 +7166,1797 @@
   <p:clrMapOvr>
     <a:masterClrMapping/>
   </p:clrMapOvr>
+  <p:timing>
+    <p:tnLst>
+      <p:par>
+        <p:cTn id="1" dur="indefinite" restart="never" nodeType="tmRoot"/>
+      </p:par>
+    </p:tnLst>
+  </p:timing>
+</p:sld>
+</file>
+
+<file path=ppt/slides/slide7.xml><?xml version="1.0" encoding="utf-8"?>
+<p:sld xmlns:a="http://schemas.openxmlformats.org/drawingml/2006/main" xmlns:r="http://schemas.openxmlformats.org/officeDocument/2006/relationships" xmlns:p="http://schemas.openxmlformats.org/presentationml/2006/main">
+  <p:cSld>
+    <p:spTree>
+      <p:nvGrpSpPr>
+        <p:cNvPr id="1" name="">
+          <a:extLst>
+            <a:ext uri="{FF2B5EF4-FFF2-40B4-BE49-F238E27FC236}">
+              <a16:creationId xmlns:a16="http://schemas.microsoft.com/office/drawing/2014/main" id="{30972ED4-718C-8381-4407-942B35E942A0}"/>
+            </a:ext>
+          </a:extLst>
+        </p:cNvPr>
+        <p:cNvGrpSpPr/>
+        <p:nvPr/>
+      </p:nvGrpSpPr>
+      <p:grpSpPr>
+        <a:xfrm>
+          <a:off x="0" y="0"/>
+          <a:ext cx="0" cy="0"/>
+          <a:chOff x="0" y="0"/>
+          <a:chExt cx="0" cy="0"/>
+        </a:xfrm>
+      </p:grpSpPr>
+      <p:sp>
+        <p:nvSpPr>
+          <p:cNvPr id="28" name="Прямоугольник 27">
+            <a:extLst>
+              <a:ext uri="{FF2B5EF4-FFF2-40B4-BE49-F238E27FC236}">
+                <a16:creationId xmlns:a16="http://schemas.microsoft.com/office/drawing/2014/main" id="{A3B0F9DC-F45B-847A-9FB2-2F9200F5DCE5}"/>
+              </a:ext>
+            </a:extLst>
+          </p:cNvPr>
+          <p:cNvSpPr/>
+          <p:nvPr/>
+        </p:nvSpPr>
+        <p:spPr>
+          <a:xfrm>
+            <a:off x="10515600" y="3700905"/>
+            <a:ext cx="3484514" cy="3872415"/>
+          </a:xfrm>
+          <a:prstGeom prst="rect">
+            <a:avLst/>
+          </a:prstGeom>
+          <a:solidFill>
+            <a:srgbClr val="BD582C"/>
+          </a:solidFill>
+          <a:ln w="57150">
+            <a:solidFill>
+              <a:srgbClr val="E48312"/>
+            </a:solidFill>
+          </a:ln>
+        </p:spPr>
+        <p:style>
+          <a:lnRef idx="2">
+            <a:schemeClr val="accent1">
+              <a:shade val="15000"/>
+            </a:schemeClr>
+          </a:lnRef>
+          <a:fillRef idx="1">
+            <a:schemeClr val="accent1"/>
+          </a:fillRef>
+          <a:effectRef idx="0">
+            <a:schemeClr val="accent1"/>
+          </a:effectRef>
+          <a:fontRef idx="minor">
+            <a:schemeClr val="lt1"/>
+          </a:fontRef>
+        </p:style>
+        <p:txBody>
+          <a:bodyPr rtlCol="0" anchor="ctr"/>
+          <a:lstStyle/>
+          <a:p>
+            <a:pPr algn="ctr"/>
+            <a:endParaRPr lang="ru-RU"/>
+          </a:p>
+        </p:txBody>
+      </p:sp>
+      <p:sp>
+        <p:nvSpPr>
+          <p:cNvPr id="10" name="Прямоугольник 9">
+            <a:extLst>
+              <a:ext uri="{FF2B5EF4-FFF2-40B4-BE49-F238E27FC236}">
+                <a16:creationId xmlns:a16="http://schemas.microsoft.com/office/drawing/2014/main" id="{3BBFE12A-36AB-BDD3-0938-05896BBD1337}"/>
+              </a:ext>
+            </a:extLst>
+          </p:cNvPr>
+          <p:cNvSpPr/>
+          <p:nvPr/>
+        </p:nvSpPr>
+        <p:spPr>
+          <a:xfrm>
+            <a:off x="1124712" y="1682496"/>
+            <a:ext cx="10113264" cy="130549"/>
+          </a:xfrm>
+          <a:prstGeom prst="rect">
+            <a:avLst/>
+          </a:prstGeom>
+          <a:solidFill>
+            <a:schemeClr val="bg1"/>
+          </a:solidFill>
+          <a:ln>
+            <a:noFill/>
+          </a:ln>
+        </p:spPr>
+        <p:style>
+          <a:lnRef idx="2">
+            <a:schemeClr val="accent1">
+              <a:shade val="15000"/>
+            </a:schemeClr>
+          </a:lnRef>
+          <a:fillRef idx="1">
+            <a:schemeClr val="accent1"/>
+          </a:fillRef>
+          <a:effectRef idx="0">
+            <a:schemeClr val="accent1"/>
+          </a:effectRef>
+          <a:fontRef idx="minor">
+            <a:schemeClr val="lt1"/>
+          </a:fontRef>
+        </p:style>
+        <p:txBody>
+          <a:bodyPr rtlCol="0" anchor="ctr"/>
+          <a:lstStyle/>
+          <a:p>
+            <a:pPr algn="ctr"/>
+            <a:endParaRPr lang="ru-RU"/>
+          </a:p>
+        </p:txBody>
+      </p:sp>
+      <p:sp>
+        <p:nvSpPr>
+          <p:cNvPr id="15" name="Полилиния 14">
+            <a:extLst>
+              <a:ext uri="{FF2B5EF4-FFF2-40B4-BE49-F238E27FC236}">
+                <a16:creationId xmlns:a16="http://schemas.microsoft.com/office/drawing/2014/main" id="{A3B0F9DC-F45B-847A-9FB2-2F9200F5DCE5}"/>
+              </a:ext>
+            </a:extLst>
+          </p:cNvPr>
+          <p:cNvSpPr/>
+          <p:nvPr/>
+        </p:nvSpPr>
+        <p:spPr>
+          <a:xfrm rot="21104435">
+            <a:off x="-680755" y="-501244"/>
+            <a:ext cx="4963983" cy="8113974"/>
+          </a:xfrm>
+          <a:custGeom>
+            <a:avLst/>
+            <a:gdLst>
+              <a:gd name="connsiteX0" fmla="*/ 4865268 w 4865268"/>
+              <a:gd name="connsiteY0" fmla="*/ 0 h 8113974"/>
+              <a:gd name="connsiteX1" fmla="*/ 4865268 w 4865268"/>
+              <a:gd name="connsiteY1" fmla="*/ 8113974 h 8113974"/>
+              <a:gd name="connsiteX2" fmla="*/ 0 w 4865268"/>
+              <a:gd name="connsiteY2" fmla="*/ 8113974 h 8113974"/>
+              <a:gd name="connsiteX3" fmla="*/ 0 w 4865268"/>
+              <a:gd name="connsiteY3" fmla="*/ 7052045 h 8113974"/>
+              <a:gd name="connsiteX4" fmla="*/ 97750 w 4865268"/>
+              <a:gd name="connsiteY4" fmla="*/ 7066234 h 8113974"/>
+              <a:gd name="connsiteX5" fmla="*/ 1082938 w 4865268"/>
+              <a:gd name="connsiteY5" fmla="*/ 279367 h 8113974"/>
+              <a:gd name="connsiteX6" fmla="*/ 0 w 4865268"/>
+              <a:gd name="connsiteY6" fmla="*/ 122167 h 8113974"/>
+              <a:gd name="connsiteX7" fmla="*/ 0 w 4865268"/>
+              <a:gd name="connsiteY7" fmla="*/ 0 h 8113974"/>
+            </a:gdLst>
+            <a:ahLst/>
+            <a:cxnLst>
+              <a:cxn ang="0">
+                <a:pos x="connsiteX0" y="connsiteY0"/>
+              </a:cxn>
+              <a:cxn ang="0">
+                <a:pos x="connsiteX1" y="connsiteY1"/>
+              </a:cxn>
+              <a:cxn ang="0">
+                <a:pos x="connsiteX2" y="connsiteY2"/>
+              </a:cxn>
+              <a:cxn ang="0">
+                <a:pos x="connsiteX3" y="connsiteY3"/>
+              </a:cxn>
+              <a:cxn ang="0">
+                <a:pos x="connsiteX4" y="connsiteY4"/>
+              </a:cxn>
+              <a:cxn ang="0">
+                <a:pos x="connsiteX5" y="connsiteY5"/>
+              </a:cxn>
+              <a:cxn ang="0">
+                <a:pos x="connsiteX6" y="connsiteY6"/>
+              </a:cxn>
+              <a:cxn ang="0">
+                <a:pos x="connsiteX7" y="connsiteY7"/>
+              </a:cxn>
+            </a:cxnLst>
+            <a:rect l="l" t="t" r="r" b="b"/>
+            <a:pathLst>
+              <a:path w="4865268" h="8113974">
+                <a:moveTo>
+                  <a:pt x="4865268" y="0"/>
+                </a:moveTo>
+                <a:lnTo>
+                  <a:pt x="4865268" y="8113974"/>
+                </a:lnTo>
+                <a:lnTo>
+                  <a:pt x="0" y="8113974"/>
+                </a:lnTo>
+                <a:lnTo>
+                  <a:pt x="0" y="7052045"/>
+                </a:lnTo>
+                <a:lnTo>
+                  <a:pt x="97750" y="7066234"/>
+                </a:lnTo>
+                <a:lnTo>
+                  <a:pt x="1082938" y="279367"/>
+                </a:lnTo>
+                <a:lnTo>
+                  <a:pt x="0" y="122167"/>
+                </a:lnTo>
+                <a:lnTo>
+                  <a:pt x="0" y="0"/>
+                </a:lnTo>
+                <a:close/>
+              </a:path>
+            </a:pathLst>
+          </a:custGeom>
+          <a:solidFill>
+            <a:srgbClr val="BD582C"/>
+          </a:solidFill>
+          <a:ln w="57150">
+            <a:solidFill>
+              <a:srgbClr val="E48312"/>
+            </a:solidFill>
+          </a:ln>
+        </p:spPr>
+        <p:style>
+          <a:lnRef idx="2">
+            <a:schemeClr val="accent1">
+              <a:shade val="15000"/>
+            </a:schemeClr>
+          </a:lnRef>
+          <a:fillRef idx="1">
+            <a:schemeClr val="accent1"/>
+          </a:fillRef>
+          <a:effectRef idx="0">
+            <a:schemeClr val="accent1"/>
+          </a:effectRef>
+          <a:fontRef idx="minor">
+            <a:schemeClr val="lt1"/>
+          </a:fontRef>
+        </p:style>
+        <p:txBody>
+          <a:bodyPr wrap="square" rtlCol="0" anchor="ctr">
+            <a:noAutofit/>
+          </a:bodyPr>
+          <a:lstStyle/>
+          <a:p>
+            <a:pPr algn="ctr"/>
+            <a:endParaRPr lang="ru-RU"/>
+          </a:p>
+        </p:txBody>
+      </p:sp>
+      <p:sp>
+        <p:nvSpPr>
+          <p:cNvPr id="2" name="Заголовок 1">
+            <a:extLst>
+              <a:ext uri="{FF2B5EF4-FFF2-40B4-BE49-F238E27FC236}">
+                <a16:creationId xmlns:a16="http://schemas.microsoft.com/office/drawing/2014/main" id="{35F089AC-BC09-1BDE-0391-737BEE66C3D6}"/>
+              </a:ext>
+            </a:extLst>
+          </p:cNvPr>
+          <p:cNvSpPr>
+            <a:spLocks noGrp="1"/>
+          </p:cNvSpPr>
+          <p:nvPr>
+            <p:ph type="title"/>
+          </p:nvPr>
+        </p:nvSpPr>
+        <p:spPr>
+          <a:xfrm>
+            <a:off x="109726" y="-819821"/>
+            <a:ext cx="10012682" cy="1386750"/>
+          </a:xfrm>
+        </p:spPr>
+        <p:txBody>
+          <a:bodyPr>
+            <a:normAutofit/>
+          </a:bodyPr>
+          <a:lstStyle/>
+          <a:p>
+            <a:r>
+              <a:rPr lang="ru-RU" sz="2000" dirty="0" smtClean="0">
+                <a:solidFill>
+                  <a:schemeClr val="bg1"/>
+                </a:solidFill>
+                <a:latin typeface="Bookman Old Style" panose="02050604050505020204" pitchFamily="18" charset="0"/>
+              </a:rPr>
+              <a:t>Процесс изготовления</a:t>
+            </a:r>
+            <a:endParaRPr lang="ru-RU" sz="2000" dirty="0">
+              <a:solidFill>
+                <a:schemeClr val="bg1"/>
+              </a:solidFill>
+              <a:latin typeface="Bookman Old Style" panose="02050604050505020204" pitchFamily="18" charset="0"/>
+            </a:endParaRPr>
+          </a:p>
+        </p:txBody>
+      </p:sp>
+      <p:sp>
+        <p:nvSpPr>
+          <p:cNvPr id="4" name="Прямоугольник 3">
+            <a:extLst>
+              <a:ext uri="{FF2B5EF4-FFF2-40B4-BE49-F238E27FC236}">
+                <a16:creationId xmlns:a16="http://schemas.microsoft.com/office/drawing/2014/main" id="{3BBE68A6-3732-8153-C302-89AC6A57F416}"/>
+              </a:ext>
+            </a:extLst>
+          </p:cNvPr>
+          <p:cNvSpPr/>
+          <p:nvPr/>
+        </p:nvSpPr>
+        <p:spPr>
+          <a:xfrm>
+            <a:off x="3163685" y="-725379"/>
+            <a:ext cx="45719" cy="1450757"/>
+          </a:xfrm>
+          <a:prstGeom prst="rect">
+            <a:avLst/>
+          </a:prstGeom>
+          <a:noFill/>
+          <a:ln>
+            <a:solidFill>
+              <a:srgbClr val="E48312"/>
+            </a:solidFill>
+          </a:ln>
+        </p:spPr>
+        <p:style>
+          <a:lnRef idx="2">
+            <a:schemeClr val="accent1">
+              <a:shade val="15000"/>
+            </a:schemeClr>
+          </a:lnRef>
+          <a:fillRef idx="1">
+            <a:schemeClr val="accent1"/>
+          </a:fillRef>
+          <a:effectRef idx="0">
+            <a:schemeClr val="accent1"/>
+          </a:effectRef>
+          <a:fontRef idx="minor">
+            <a:schemeClr val="lt1"/>
+          </a:fontRef>
+        </p:style>
+        <p:txBody>
+          <a:bodyPr rtlCol="0" anchor="ctr"/>
+          <a:lstStyle/>
+          <a:p>
+            <a:pPr algn="ctr"/>
+            <a:endParaRPr lang="ru-RU"/>
+          </a:p>
+        </p:txBody>
+      </p:sp>
+      <p:sp>
+        <p:nvSpPr>
+          <p:cNvPr id="5" name="TextBox 4">
+            <a:extLst>
+              <a:ext uri="{FF2B5EF4-FFF2-40B4-BE49-F238E27FC236}">
+                <a16:creationId xmlns:a16="http://schemas.microsoft.com/office/drawing/2014/main" id="{738D6350-1169-7BEF-E8BA-89ACBAE1D771}"/>
+              </a:ext>
+            </a:extLst>
+          </p:cNvPr>
+          <p:cNvSpPr txBox="1"/>
+          <p:nvPr/>
+        </p:nvSpPr>
+        <p:spPr>
+          <a:xfrm>
+            <a:off x="3337698" y="197597"/>
+            <a:ext cx="2081784" cy="369332"/>
+          </a:xfrm>
+          <a:prstGeom prst="rect">
+            <a:avLst/>
+          </a:prstGeom>
+          <a:noFill/>
+        </p:spPr>
+        <p:txBody>
+          <a:bodyPr wrap="square" rtlCol="0">
+            <a:spAutoFit/>
+          </a:bodyPr>
+          <a:lstStyle/>
+          <a:p>
+            <a:r>
+              <a:rPr lang="en-US" dirty="0" smtClean="0">
+                <a:solidFill>
+                  <a:schemeClr val="bg1"/>
+                </a:solidFill>
+                <a:latin typeface="Bookman Old Style" panose="02050604050505020204" pitchFamily="18" charset="0"/>
+              </a:rPr>
+              <a:t>7</a:t>
+            </a:r>
+            <a:endParaRPr lang="ru-RU" dirty="0">
+              <a:solidFill>
+                <a:schemeClr val="bg1"/>
+              </a:solidFill>
+              <a:latin typeface="Bookman Old Style" panose="02050604050505020204" pitchFamily="18" charset="0"/>
+            </a:endParaRPr>
+          </a:p>
+        </p:txBody>
+      </p:sp>
+      <p:sp>
+        <p:nvSpPr>
+          <p:cNvPr id="22" name="Прямоугольник 21">
+            <a:extLst>
+              <a:ext uri="{FF2B5EF4-FFF2-40B4-BE49-F238E27FC236}">
+                <a16:creationId xmlns:a16="http://schemas.microsoft.com/office/drawing/2014/main" id="{AAC992A4-0248-5A10-DB5C-F5CD42A5CD9F}"/>
+              </a:ext>
+            </a:extLst>
+          </p:cNvPr>
+          <p:cNvSpPr/>
+          <p:nvPr/>
+        </p:nvSpPr>
+        <p:spPr>
+          <a:xfrm>
+            <a:off x="4183911" y="6407944"/>
+            <a:ext cx="960121" cy="450056"/>
+          </a:xfrm>
+          <a:prstGeom prst="rect">
+            <a:avLst/>
+          </a:prstGeom>
+          <a:solidFill>
+            <a:srgbClr val="BD582C"/>
+          </a:solidFill>
+          <a:ln>
+            <a:solidFill>
+              <a:srgbClr val="BD582C"/>
+            </a:solidFill>
+          </a:ln>
+        </p:spPr>
+        <p:style>
+          <a:lnRef idx="2">
+            <a:schemeClr val="accent1">
+              <a:shade val="15000"/>
+            </a:schemeClr>
+          </a:lnRef>
+          <a:fillRef idx="1">
+            <a:schemeClr val="accent1"/>
+          </a:fillRef>
+          <a:effectRef idx="0">
+            <a:schemeClr val="accent1"/>
+          </a:effectRef>
+          <a:fontRef idx="minor">
+            <a:schemeClr val="lt1"/>
+          </a:fontRef>
+        </p:style>
+        <p:txBody>
+          <a:bodyPr rtlCol="0" anchor="ctr"/>
+          <a:lstStyle/>
+          <a:p>
+            <a:pPr algn="ctr"/>
+            <a:endParaRPr lang="ru-RU"/>
+          </a:p>
+        </p:txBody>
+      </p:sp>
+      <p:pic>
+        <p:nvPicPr>
+          <p:cNvPr id="8" name="Рисунок 7"/>
+          <p:cNvPicPr>
+            <a:picLocks noChangeAspect="1"/>
+          </p:cNvPicPr>
+          <p:nvPr/>
+        </p:nvPicPr>
+        <p:blipFill>
+          <a:blip r:embed="rId2" cstate="hqprint">
+            <a:extLst>
+              <a:ext uri="{28A0092B-C50C-407E-A947-70E740481C1C}">
+                <a14:useLocalDpi xmlns:a14="http://schemas.microsoft.com/office/drawing/2010/main" val="0"/>
+              </a:ext>
+            </a:extLst>
+          </a:blip>
+          <a:stretch>
+            <a:fillRect/>
+          </a:stretch>
+        </p:blipFill>
+        <p:spPr>
+          <a:xfrm>
+            <a:off x="434992" y="819820"/>
+            <a:ext cx="2902706" cy="1965186"/>
+          </a:xfrm>
+          <a:prstGeom prst="rect">
+            <a:avLst/>
+          </a:prstGeom>
+        </p:spPr>
+      </p:pic>
+      <p:pic>
+        <p:nvPicPr>
+          <p:cNvPr id="9" name="Рисунок 8"/>
+          <p:cNvPicPr>
+            <a:picLocks noChangeAspect="1"/>
+          </p:cNvPicPr>
+          <p:nvPr/>
+        </p:nvPicPr>
+        <p:blipFill>
+          <a:blip r:embed="rId3">
+            <a:extLst>
+              <a:ext uri="{28A0092B-C50C-407E-A947-70E740481C1C}">
+                <a14:useLocalDpi xmlns:a14="http://schemas.microsoft.com/office/drawing/2010/main" val="0"/>
+              </a:ext>
+            </a:extLst>
+          </a:blip>
+          <a:stretch>
+            <a:fillRect/>
+          </a:stretch>
+        </p:blipFill>
+        <p:spPr>
+          <a:xfrm>
+            <a:off x="711257" y="2785006"/>
+            <a:ext cx="2863367" cy="1865883"/>
+          </a:xfrm>
+          <a:prstGeom prst="rect">
+            <a:avLst/>
+          </a:prstGeom>
+        </p:spPr>
+      </p:pic>
+      <p:pic>
+        <p:nvPicPr>
+          <p:cNvPr id="16" name="Рисунок 15"/>
+          <p:cNvPicPr>
+            <a:picLocks noChangeAspect="1"/>
+          </p:cNvPicPr>
+          <p:nvPr/>
+        </p:nvPicPr>
+        <p:blipFill rotWithShape="1">
+          <a:blip r:embed="rId4" cstate="hqprint">
+            <a:extLst>
+              <a:ext uri="{28A0092B-C50C-407E-A947-70E740481C1C}">
+                <a14:useLocalDpi xmlns:a14="http://schemas.microsoft.com/office/drawing/2010/main" val="0"/>
+              </a:ext>
+            </a:extLst>
+          </a:blip>
+          <a:srcRect t="15058" b="22463"/>
+          <a:stretch/>
+        </p:blipFill>
+        <p:spPr>
+          <a:xfrm>
+            <a:off x="1263198" y="4650889"/>
+            <a:ext cx="2587691" cy="2039512"/>
+          </a:xfrm>
+          <a:prstGeom prst="rect">
+            <a:avLst/>
+          </a:prstGeom>
+        </p:spPr>
+      </p:pic>
+      <p:sp>
+        <p:nvSpPr>
+          <p:cNvPr id="26" name="Прямоугольник 25">
+            <a:extLst>
+              <a:ext uri="{FF2B5EF4-FFF2-40B4-BE49-F238E27FC236}">
+                <a16:creationId xmlns:a16="http://schemas.microsoft.com/office/drawing/2014/main" id="{A3B0F9DC-F45B-847A-9FB2-2F9200F5DCE5}"/>
+              </a:ext>
+            </a:extLst>
+          </p:cNvPr>
+          <p:cNvSpPr/>
+          <p:nvPr/>
+        </p:nvSpPr>
+        <p:spPr>
+          <a:xfrm rot="1139157">
+            <a:off x="9807594" y="4121353"/>
+            <a:ext cx="3177309" cy="3820043"/>
+          </a:xfrm>
+          <a:prstGeom prst="rect">
+            <a:avLst/>
+          </a:prstGeom>
+          <a:solidFill>
+            <a:srgbClr val="BD582C"/>
+          </a:solidFill>
+          <a:ln w="57150">
+            <a:solidFill>
+              <a:srgbClr val="E48312"/>
+            </a:solidFill>
+          </a:ln>
+        </p:spPr>
+        <p:style>
+          <a:lnRef idx="2">
+            <a:schemeClr val="accent1">
+              <a:shade val="15000"/>
+            </a:schemeClr>
+          </a:lnRef>
+          <a:fillRef idx="1">
+            <a:schemeClr val="accent1"/>
+          </a:fillRef>
+          <a:effectRef idx="0">
+            <a:schemeClr val="accent1"/>
+          </a:effectRef>
+          <a:fontRef idx="minor">
+            <a:schemeClr val="lt1"/>
+          </a:fontRef>
+        </p:style>
+        <p:txBody>
+          <a:bodyPr rtlCol="0" anchor="ctr"/>
+          <a:lstStyle/>
+          <a:p>
+            <a:pPr algn="ctr"/>
+            <a:endParaRPr lang="ru-RU"/>
+          </a:p>
+        </p:txBody>
+      </p:sp>
+      <p:sp>
+        <p:nvSpPr>
+          <p:cNvPr id="27" name="Прямоугольник 26">
+            <a:extLst>
+              <a:ext uri="{FF2B5EF4-FFF2-40B4-BE49-F238E27FC236}">
+                <a16:creationId xmlns:a16="http://schemas.microsoft.com/office/drawing/2014/main" id="{AAC992A4-0248-5A10-DB5C-F5CD42A5CD9F}"/>
+              </a:ext>
+            </a:extLst>
+          </p:cNvPr>
+          <p:cNvSpPr/>
+          <p:nvPr/>
+        </p:nvSpPr>
+        <p:spPr>
+          <a:xfrm>
+            <a:off x="8654702" y="6407944"/>
+            <a:ext cx="960121" cy="450056"/>
+          </a:xfrm>
+          <a:prstGeom prst="rect">
+            <a:avLst/>
+          </a:prstGeom>
+          <a:solidFill>
+            <a:srgbClr val="BD582C"/>
+          </a:solidFill>
+          <a:ln>
+            <a:solidFill>
+              <a:srgbClr val="BD582C"/>
+            </a:solidFill>
+          </a:ln>
+        </p:spPr>
+        <p:style>
+          <a:lnRef idx="2">
+            <a:schemeClr val="accent1">
+              <a:shade val="15000"/>
+            </a:schemeClr>
+          </a:lnRef>
+          <a:fillRef idx="1">
+            <a:schemeClr val="accent1"/>
+          </a:fillRef>
+          <a:effectRef idx="0">
+            <a:schemeClr val="accent1"/>
+          </a:effectRef>
+          <a:fontRef idx="minor">
+            <a:schemeClr val="lt1"/>
+          </a:fontRef>
+        </p:style>
+        <p:txBody>
+          <a:bodyPr rtlCol="0" anchor="ctr"/>
+          <a:lstStyle/>
+          <a:p>
+            <a:pPr algn="ctr"/>
+            <a:endParaRPr lang="ru-RU"/>
+          </a:p>
+        </p:txBody>
+      </p:sp>
+      <p:sp>
+        <p:nvSpPr>
+          <p:cNvPr id="29" name="Прямоугольник 28">
+            <a:extLst>
+              <a:ext uri="{FF2B5EF4-FFF2-40B4-BE49-F238E27FC236}">
+                <a16:creationId xmlns:a16="http://schemas.microsoft.com/office/drawing/2014/main" id="{AAC992A4-0248-5A10-DB5C-F5CD42A5CD9F}"/>
+              </a:ext>
+            </a:extLst>
+          </p:cNvPr>
+          <p:cNvSpPr/>
+          <p:nvPr/>
+        </p:nvSpPr>
+        <p:spPr>
+          <a:xfrm>
+            <a:off x="10541470" y="3737684"/>
+            <a:ext cx="1954332" cy="812405"/>
+          </a:xfrm>
+          <a:prstGeom prst="rect">
+            <a:avLst/>
+          </a:prstGeom>
+          <a:solidFill>
+            <a:srgbClr val="BD582C"/>
+          </a:solidFill>
+          <a:ln>
+            <a:solidFill>
+              <a:srgbClr val="BD582C"/>
+            </a:solidFill>
+          </a:ln>
+        </p:spPr>
+        <p:style>
+          <a:lnRef idx="2">
+            <a:schemeClr val="accent1">
+              <a:shade val="15000"/>
+            </a:schemeClr>
+          </a:lnRef>
+          <a:fillRef idx="1">
+            <a:schemeClr val="accent1"/>
+          </a:fillRef>
+          <a:effectRef idx="0">
+            <a:schemeClr val="accent1"/>
+          </a:effectRef>
+          <a:fontRef idx="minor">
+            <a:schemeClr val="lt1"/>
+          </a:fontRef>
+        </p:style>
+        <p:txBody>
+          <a:bodyPr rtlCol="0" anchor="ctr"/>
+          <a:lstStyle/>
+          <a:p>
+            <a:pPr algn="ctr"/>
+            <a:endParaRPr lang="ru-RU" dirty="0"/>
+          </a:p>
+        </p:txBody>
+      </p:sp>
+      <p:pic>
+        <p:nvPicPr>
+          <p:cNvPr id="33" name="Рисунок 32"/>
+          <p:cNvPicPr>
+            <a:picLocks noChangeAspect="1"/>
+          </p:cNvPicPr>
+          <p:nvPr/>
+        </p:nvPicPr>
+        <p:blipFill rotWithShape="1">
+          <a:blip r:embed="rId5" cstate="hqprint">
+            <a:extLst>
+              <a:ext uri="{28A0092B-C50C-407E-A947-70E740481C1C}">
+                <a14:useLocalDpi xmlns:a14="http://schemas.microsoft.com/office/drawing/2010/main" val="0"/>
+              </a:ext>
+            </a:extLst>
+          </a:blip>
+          <a:srcRect r="9302" b="2669"/>
+          <a:stretch/>
+        </p:blipFill>
+        <p:spPr>
+          <a:xfrm>
+            <a:off x="10122408" y="3799648"/>
+            <a:ext cx="1980202" cy="2833324"/>
+          </a:xfrm>
+          <a:custGeom>
+            <a:avLst/>
+            <a:gdLst>
+              <a:gd name="connsiteX0" fmla="*/ 475085 w 1980202"/>
+              <a:gd name="connsiteY0" fmla="*/ 0 h 2833324"/>
+              <a:gd name="connsiteX1" fmla="*/ 1980202 w 1980202"/>
+              <a:gd name="connsiteY1" fmla="*/ 0 h 2833324"/>
+              <a:gd name="connsiteX2" fmla="*/ 1980202 w 1980202"/>
+              <a:gd name="connsiteY2" fmla="*/ 2833324 h 2833324"/>
+              <a:gd name="connsiteX3" fmla="*/ 0 w 1980202"/>
+              <a:gd name="connsiteY3" fmla="*/ 2833324 h 2833324"/>
+              <a:gd name="connsiteX4" fmla="*/ 0 w 1980202"/>
+              <a:gd name="connsiteY4" fmla="*/ 1366746 h 2833324"/>
+            </a:gdLst>
+            <a:ahLst/>
+            <a:cxnLst>
+              <a:cxn ang="0">
+                <a:pos x="connsiteX0" y="connsiteY0"/>
+              </a:cxn>
+              <a:cxn ang="0">
+                <a:pos x="connsiteX1" y="connsiteY1"/>
+              </a:cxn>
+              <a:cxn ang="0">
+                <a:pos x="connsiteX2" y="connsiteY2"/>
+              </a:cxn>
+              <a:cxn ang="0">
+                <a:pos x="connsiteX3" y="connsiteY3"/>
+              </a:cxn>
+              <a:cxn ang="0">
+                <a:pos x="connsiteX4" y="connsiteY4"/>
+              </a:cxn>
+            </a:cxnLst>
+            <a:rect l="l" t="t" r="r" b="b"/>
+            <a:pathLst>
+              <a:path w="1980202" h="2833324">
+                <a:moveTo>
+                  <a:pt x="475085" y="0"/>
+                </a:moveTo>
+                <a:lnTo>
+                  <a:pt x="1980202" y="0"/>
+                </a:lnTo>
+                <a:lnTo>
+                  <a:pt x="1980202" y="2833324"/>
+                </a:lnTo>
+                <a:lnTo>
+                  <a:pt x="0" y="2833324"/>
+                </a:lnTo>
+                <a:lnTo>
+                  <a:pt x="0" y="1366746"/>
+                </a:lnTo>
+                <a:close/>
+              </a:path>
+            </a:pathLst>
+          </a:custGeom>
+        </p:spPr>
+      </p:pic>
+      <p:sp>
+        <p:nvSpPr>
+          <p:cNvPr id="35" name="TextBox 34"/>
+          <p:cNvSpPr txBox="1"/>
+          <p:nvPr/>
+        </p:nvSpPr>
+        <p:spPr>
+          <a:xfrm>
+            <a:off x="4121420" y="109626"/>
+            <a:ext cx="7981190" cy="733534"/>
+          </a:xfrm>
+          <a:prstGeom prst="rect">
+            <a:avLst/>
+          </a:prstGeom>
+          <a:noFill/>
+        </p:spPr>
+        <p:txBody>
+          <a:bodyPr wrap="square" rtlCol="0">
+            <a:spAutoFit/>
+          </a:bodyPr>
+          <a:lstStyle/>
+          <a:p>
+            <a:pPr>
+              <a:lnSpc>
+                <a:spcPts val="2500"/>
+              </a:lnSpc>
+            </a:pPr>
+            <a:r>
+              <a:rPr lang="ru-RU" sz="1700" dirty="0" smtClean="0">
+                <a:latin typeface="Bookman Old Style" panose="02050604050505020204" pitchFamily="18" charset="0"/>
+              </a:rPr>
+              <a:t>Было решено что будут использоваться следующие электрические компоненты:</a:t>
+            </a:r>
+          </a:p>
+        </p:txBody>
+      </p:sp>
+      <p:sp>
+        <p:nvSpPr>
+          <p:cNvPr id="37" name="TextBox 36"/>
+          <p:cNvSpPr txBox="1"/>
+          <p:nvPr/>
+        </p:nvSpPr>
+        <p:spPr>
+          <a:xfrm>
+            <a:off x="4866162" y="3465989"/>
+            <a:ext cx="4789729" cy="2630657"/>
+          </a:xfrm>
+          <a:prstGeom prst="rect">
+            <a:avLst/>
+          </a:prstGeom>
+          <a:noFill/>
+        </p:spPr>
+        <p:txBody>
+          <a:bodyPr wrap="square" rtlCol="0">
+            <a:spAutoFit/>
+          </a:bodyPr>
+          <a:lstStyle/>
+          <a:p>
+            <a:pPr>
+              <a:lnSpc>
+                <a:spcPts val="2500"/>
+              </a:lnSpc>
+            </a:pPr>
+            <a:r>
+              <a:rPr lang="ru-RU" sz="1700" dirty="0" smtClean="0">
+                <a:latin typeface="Bookman Old Style" panose="02050604050505020204" pitchFamily="18" charset="0"/>
+              </a:rPr>
+              <a:t>После определения эл. компонентов началось моделирование деталей манипулятора. Первая версия рукоятки была недостаточно эргономичной, и была усовершенствована, получив большую площадь опоры для руки и пазы для пальцев. Потом последовала 3</a:t>
+            </a:r>
+            <a:r>
+              <a:rPr lang="en-US" sz="1700" dirty="0" smtClean="0">
+                <a:latin typeface="Bookman Old Style" panose="02050604050505020204" pitchFamily="18" charset="0"/>
+              </a:rPr>
+              <a:t>D</a:t>
+            </a:r>
+            <a:r>
+              <a:rPr lang="ru-RU" sz="1700" dirty="0" smtClean="0">
+                <a:latin typeface="Bookman Old Style" panose="02050604050505020204" pitchFamily="18" charset="0"/>
+              </a:rPr>
+              <a:t> печать и зачистка деталей</a:t>
+            </a:r>
+          </a:p>
+        </p:txBody>
+      </p:sp>
+      <p:sp>
+        <p:nvSpPr>
+          <p:cNvPr id="38" name="TextBox 37"/>
+          <p:cNvSpPr txBox="1"/>
+          <p:nvPr/>
+        </p:nvSpPr>
+        <p:spPr>
+          <a:xfrm>
+            <a:off x="5263883" y="849182"/>
+            <a:ext cx="5547014" cy="2446824"/>
+          </a:xfrm>
+          <a:prstGeom prst="rect">
+            <a:avLst/>
+          </a:prstGeom>
+          <a:noFill/>
+        </p:spPr>
+        <p:txBody>
+          <a:bodyPr wrap="square" rtlCol="0">
+            <a:spAutoFit/>
+          </a:bodyPr>
+          <a:lstStyle/>
+          <a:p>
+            <a:pPr marL="342900" indent="-342900">
+              <a:buFont typeface="+mj-lt"/>
+              <a:buAutoNum type="arabicPeriod"/>
+            </a:pPr>
+            <a:r>
+              <a:rPr lang="en-US" sz="1700" dirty="0" smtClean="0">
+                <a:latin typeface="Bookman Old Style" panose="02050604050505020204" pitchFamily="18" charset="0"/>
+              </a:rPr>
+              <a:t>MPU-6050 </a:t>
+            </a:r>
+            <a:r>
+              <a:rPr lang="ru-RU" sz="1700" dirty="0" smtClean="0">
+                <a:latin typeface="Bookman Old Style" panose="02050604050505020204" pitchFamily="18" charset="0"/>
+              </a:rPr>
+              <a:t>для преобразования наклона манипулятора в сигнал</a:t>
+            </a:r>
+          </a:p>
+          <a:p>
+            <a:pPr marL="342900" indent="-342900">
+              <a:buFont typeface="+mj-lt"/>
+              <a:buAutoNum type="arabicPeriod"/>
+            </a:pPr>
+            <a:r>
+              <a:rPr lang="en-US" sz="1700" dirty="0" smtClean="0">
+                <a:latin typeface="Bookman Old Style" panose="02050604050505020204" pitchFamily="18" charset="0"/>
+              </a:rPr>
+              <a:t>Arduino Pro Micro </a:t>
+            </a:r>
+            <a:r>
+              <a:rPr lang="ru-RU" sz="1700" dirty="0" smtClean="0">
+                <a:latin typeface="Bookman Old Style" panose="02050604050505020204" pitchFamily="18" charset="0"/>
+              </a:rPr>
+              <a:t>для управления компьютером</a:t>
+            </a:r>
+          </a:p>
+          <a:p>
+            <a:pPr marL="342900" indent="-342900">
+              <a:buFont typeface="+mj-lt"/>
+              <a:buAutoNum type="arabicPeriod"/>
+            </a:pPr>
+            <a:r>
+              <a:rPr lang="ru-RU" sz="1700" dirty="0" smtClean="0">
+                <a:latin typeface="Bookman Old Style" panose="02050604050505020204" pitchFamily="18" charset="0"/>
+              </a:rPr>
+              <a:t>Инкрементальный энкодер </a:t>
+            </a:r>
+            <a:r>
+              <a:rPr lang="en-US" sz="1700" dirty="0" smtClean="0">
+                <a:latin typeface="Bookman Old Style" panose="02050604050505020204" pitchFamily="18" charset="0"/>
+              </a:rPr>
+              <a:t>EC11</a:t>
+            </a:r>
+            <a:r>
+              <a:rPr lang="ru-RU" sz="1700" dirty="0" smtClean="0">
+                <a:latin typeface="Bookman Old Style" panose="02050604050505020204" pitchFamily="18" charset="0"/>
+              </a:rPr>
+              <a:t> для имитации прокрутки колесика мыши</a:t>
+            </a:r>
+          </a:p>
+          <a:p>
+            <a:pPr marL="342900" indent="-342900">
+              <a:buFont typeface="+mj-lt"/>
+              <a:buAutoNum type="arabicPeriod"/>
+            </a:pPr>
+            <a:r>
+              <a:rPr lang="ru-RU" sz="1700" dirty="0" smtClean="0">
+                <a:latin typeface="Bookman Old Style" panose="02050604050505020204" pitchFamily="18" charset="0"/>
+              </a:rPr>
+              <a:t>Тактовые кнопки для выбора чувствительности и имитации левого/правого клика мыши</a:t>
+            </a:r>
+            <a:endParaRPr lang="ru-RU" sz="1700" dirty="0">
+              <a:latin typeface="Bookman Old Style" panose="02050604050505020204" pitchFamily="18" charset="0"/>
+            </a:endParaRPr>
+          </a:p>
+        </p:txBody>
+      </p:sp>
+    </p:spTree>
+    <p:extLst>
+      <p:ext uri="{BB962C8B-B14F-4D97-AF65-F5344CB8AC3E}">
+        <p14:creationId xmlns:p14="http://schemas.microsoft.com/office/powerpoint/2010/main" val="4006234280"/>
+      </p:ext>
+    </p:extLst>
+  </p:cSld>
+  <p:clrMapOvr>
+    <a:masterClrMapping/>
+  </p:clrMapOvr>
+  <p:timing>
+    <p:tnLst>
+      <p:par>
+        <p:cTn id="1" dur="indefinite" restart="never" nodeType="tmRoot"/>
+      </p:par>
+    </p:tnLst>
+  </p:timing>
+</p:sld>
+</file>
+
+<file path=ppt/slides/slide8.xml><?xml version="1.0" encoding="utf-8"?>
+<p:sld xmlns:a="http://schemas.openxmlformats.org/drawingml/2006/main" xmlns:r="http://schemas.openxmlformats.org/officeDocument/2006/relationships" xmlns:p="http://schemas.openxmlformats.org/presentationml/2006/main">
+  <p:cSld>
+    <p:spTree>
+      <p:nvGrpSpPr>
+        <p:cNvPr id="1" name="">
+          <a:extLst>
+            <a:ext uri="{FF2B5EF4-FFF2-40B4-BE49-F238E27FC236}">
+              <a16:creationId xmlns:a16="http://schemas.microsoft.com/office/drawing/2014/main" id="{0ED9D043-962F-1E64-5885-DCC65DFC1DF5}"/>
+            </a:ext>
+          </a:extLst>
+        </p:cNvPr>
+        <p:cNvGrpSpPr/>
+        <p:nvPr/>
+      </p:nvGrpSpPr>
+      <p:grpSpPr>
+        <a:xfrm>
+          <a:off x="0" y="0"/>
+          <a:ext cx="0" cy="0"/>
+          <a:chOff x="0" y="0"/>
+          <a:chExt cx="0" cy="0"/>
+        </a:xfrm>
+      </p:grpSpPr>
+      <p:sp>
+        <p:nvSpPr>
+          <p:cNvPr id="10" name="Прямоугольник 9">
+            <a:extLst>
+              <a:ext uri="{FF2B5EF4-FFF2-40B4-BE49-F238E27FC236}">
+                <a16:creationId xmlns:a16="http://schemas.microsoft.com/office/drawing/2014/main" id="{5AB4948E-403F-8BD1-4F45-E39646424114}"/>
+              </a:ext>
+            </a:extLst>
+          </p:cNvPr>
+          <p:cNvSpPr/>
+          <p:nvPr/>
+        </p:nvSpPr>
+        <p:spPr>
+          <a:xfrm>
+            <a:off x="1124712" y="1682496"/>
+            <a:ext cx="10113264" cy="130549"/>
+          </a:xfrm>
+          <a:prstGeom prst="rect">
+            <a:avLst/>
+          </a:prstGeom>
+          <a:solidFill>
+            <a:schemeClr val="bg1"/>
+          </a:solidFill>
+          <a:ln>
+            <a:noFill/>
+          </a:ln>
+        </p:spPr>
+        <p:style>
+          <a:lnRef idx="2">
+            <a:schemeClr val="accent1">
+              <a:shade val="15000"/>
+            </a:schemeClr>
+          </a:lnRef>
+          <a:fillRef idx="1">
+            <a:schemeClr val="accent1"/>
+          </a:fillRef>
+          <a:effectRef idx="0">
+            <a:schemeClr val="accent1"/>
+          </a:effectRef>
+          <a:fontRef idx="minor">
+            <a:schemeClr val="lt1"/>
+          </a:fontRef>
+        </p:style>
+        <p:txBody>
+          <a:bodyPr rtlCol="0" anchor="ctr"/>
+          <a:lstStyle/>
+          <a:p>
+            <a:pPr algn="ctr"/>
+            <a:endParaRPr lang="ru-RU"/>
+          </a:p>
+        </p:txBody>
+      </p:sp>
+      <p:sp>
+        <p:nvSpPr>
+          <p:cNvPr id="2" name="Заголовок 1">
+            <a:extLst>
+              <a:ext uri="{FF2B5EF4-FFF2-40B4-BE49-F238E27FC236}">
+                <a16:creationId xmlns:a16="http://schemas.microsoft.com/office/drawing/2014/main" id="{68952F2A-5525-5EC3-D8E9-782CE72A233B}"/>
+              </a:ext>
+            </a:extLst>
+          </p:cNvPr>
+          <p:cNvSpPr>
+            <a:spLocks noGrp="1"/>
+          </p:cNvSpPr>
+          <p:nvPr>
+            <p:ph type="title"/>
+          </p:nvPr>
+        </p:nvSpPr>
+        <p:spPr>
+          <a:xfrm>
+            <a:off x="109726" y="-819821"/>
+            <a:ext cx="10012682" cy="1386750"/>
+          </a:xfrm>
+        </p:spPr>
+        <p:txBody>
+          <a:bodyPr>
+            <a:normAutofit/>
+          </a:bodyPr>
+          <a:lstStyle/>
+          <a:p>
+            <a:r>
+              <a:rPr lang="ru-RU" sz="2100" dirty="0" smtClean="0">
+                <a:solidFill>
+                  <a:schemeClr val="tx1"/>
+                </a:solidFill>
+                <a:latin typeface="Bookman Old Style" panose="02050604050505020204" pitchFamily="18" charset="0"/>
+              </a:rPr>
+              <a:t>Взрыв - схема</a:t>
+            </a:r>
+            <a:endParaRPr lang="ru-RU" sz="2100" dirty="0">
+              <a:solidFill>
+                <a:schemeClr val="tx1"/>
+              </a:solidFill>
+              <a:latin typeface="Bookman Old Style" panose="02050604050505020204" pitchFamily="18" charset="0"/>
+            </a:endParaRPr>
+          </a:p>
+        </p:txBody>
+      </p:sp>
+      <p:sp>
+        <p:nvSpPr>
+          <p:cNvPr id="4" name="Прямоугольник 3">
+            <a:extLst>
+              <a:ext uri="{FF2B5EF4-FFF2-40B4-BE49-F238E27FC236}">
+                <a16:creationId xmlns:a16="http://schemas.microsoft.com/office/drawing/2014/main" id="{50D8E95B-08D3-E8D8-CE53-CD07F9EC224A}"/>
+              </a:ext>
+            </a:extLst>
+          </p:cNvPr>
+          <p:cNvSpPr/>
+          <p:nvPr/>
+        </p:nvSpPr>
+        <p:spPr>
+          <a:xfrm>
+            <a:off x="2186559" y="-819821"/>
+            <a:ext cx="45719" cy="1450757"/>
+          </a:xfrm>
+          <a:prstGeom prst="rect">
+            <a:avLst/>
+          </a:prstGeom>
+          <a:noFill/>
+          <a:ln>
+            <a:solidFill>
+              <a:srgbClr val="E48312"/>
+            </a:solidFill>
+          </a:ln>
+        </p:spPr>
+        <p:style>
+          <a:lnRef idx="2">
+            <a:schemeClr val="accent1">
+              <a:shade val="15000"/>
+            </a:schemeClr>
+          </a:lnRef>
+          <a:fillRef idx="1">
+            <a:schemeClr val="accent1"/>
+          </a:fillRef>
+          <a:effectRef idx="0">
+            <a:schemeClr val="accent1"/>
+          </a:effectRef>
+          <a:fontRef idx="minor">
+            <a:schemeClr val="lt1"/>
+          </a:fontRef>
+        </p:style>
+        <p:txBody>
+          <a:bodyPr rtlCol="0" anchor="ctr"/>
+          <a:lstStyle/>
+          <a:p>
+            <a:pPr algn="ctr"/>
+            <a:endParaRPr lang="ru-RU"/>
+          </a:p>
+        </p:txBody>
+      </p:sp>
+      <p:sp>
+        <p:nvSpPr>
+          <p:cNvPr id="5" name="TextBox 4">
+            <a:extLst>
+              <a:ext uri="{FF2B5EF4-FFF2-40B4-BE49-F238E27FC236}">
+                <a16:creationId xmlns:a16="http://schemas.microsoft.com/office/drawing/2014/main" id="{CE5DAC9B-18CA-CB75-84C2-2AB8C4514128}"/>
+              </a:ext>
+            </a:extLst>
+          </p:cNvPr>
+          <p:cNvSpPr txBox="1"/>
+          <p:nvPr/>
+        </p:nvSpPr>
+        <p:spPr>
+          <a:xfrm>
+            <a:off x="2315062" y="197597"/>
+            <a:ext cx="2081784" cy="369332"/>
+          </a:xfrm>
+          <a:prstGeom prst="rect">
+            <a:avLst/>
+          </a:prstGeom>
+          <a:noFill/>
+        </p:spPr>
+        <p:txBody>
+          <a:bodyPr wrap="square" rtlCol="0">
+            <a:spAutoFit/>
+          </a:bodyPr>
+          <a:lstStyle/>
+          <a:p>
+            <a:r>
+              <a:rPr lang="ru-RU" dirty="0">
+                <a:latin typeface="Bookman Old Style" panose="02050604050505020204" pitchFamily="18" charset="0"/>
+              </a:rPr>
+              <a:t>8</a:t>
+            </a:r>
+            <a:endParaRPr lang="ru-RU" dirty="0">
+              <a:latin typeface="Bookman Old Style" panose="02050604050505020204" pitchFamily="18" charset="0"/>
+            </a:endParaRPr>
+          </a:p>
+        </p:txBody>
+      </p:sp>
+    </p:spTree>
+    <p:extLst>
+      <p:ext uri="{BB962C8B-B14F-4D97-AF65-F5344CB8AC3E}">
+        <p14:creationId xmlns:p14="http://schemas.microsoft.com/office/powerpoint/2010/main" val="444586696"/>
+      </p:ext>
+    </p:extLst>
+  </p:cSld>
+  <p:clrMapOvr>
+    <a:masterClrMapping/>
+  </p:clrMapOvr>
+  <p:timing>
+    <p:tnLst>
+      <p:par>
+        <p:cTn id="1" dur="indefinite" restart="never" nodeType="tmRoot"/>
+      </p:par>
+    </p:tnLst>
+  </p:timing>
+</p:sld>
+</file>
+
+<file path=ppt/slides/slide9.xml><?xml version="1.0" encoding="utf-8"?>
+<p:sld xmlns:a="http://schemas.openxmlformats.org/drawingml/2006/main" xmlns:r="http://schemas.openxmlformats.org/officeDocument/2006/relationships" xmlns:p="http://schemas.openxmlformats.org/presentationml/2006/main">
+  <p:cSld>
+    <p:spTree>
+      <p:nvGrpSpPr>
+        <p:cNvPr id="1" name="">
+          <a:extLst>
+            <a:ext uri="{FF2B5EF4-FFF2-40B4-BE49-F238E27FC236}">
+              <a16:creationId xmlns:a16="http://schemas.microsoft.com/office/drawing/2014/main" id="{0ED9D043-962F-1E64-5885-DCC65DFC1DF5}"/>
+            </a:ext>
+          </a:extLst>
+        </p:cNvPr>
+        <p:cNvGrpSpPr/>
+        <p:nvPr/>
+      </p:nvGrpSpPr>
+      <p:grpSpPr>
+        <a:xfrm>
+          <a:off x="0" y="0"/>
+          <a:ext cx="0" cy="0"/>
+          <a:chOff x="0" y="0"/>
+          <a:chExt cx="0" cy="0"/>
+        </a:xfrm>
+      </p:grpSpPr>
+      <p:sp>
+        <p:nvSpPr>
+          <p:cNvPr id="10" name="Прямоугольник 9">
+            <a:extLst>
+              <a:ext uri="{FF2B5EF4-FFF2-40B4-BE49-F238E27FC236}">
+                <a16:creationId xmlns:a16="http://schemas.microsoft.com/office/drawing/2014/main" id="{5AB4948E-403F-8BD1-4F45-E39646424114}"/>
+              </a:ext>
+            </a:extLst>
+          </p:cNvPr>
+          <p:cNvSpPr/>
+          <p:nvPr/>
+        </p:nvSpPr>
+        <p:spPr>
+          <a:xfrm>
+            <a:off x="1124712" y="1682496"/>
+            <a:ext cx="10113264" cy="130549"/>
+          </a:xfrm>
+          <a:prstGeom prst="rect">
+            <a:avLst/>
+          </a:prstGeom>
+          <a:solidFill>
+            <a:schemeClr val="bg1"/>
+          </a:solidFill>
+          <a:ln>
+            <a:noFill/>
+          </a:ln>
+        </p:spPr>
+        <p:style>
+          <a:lnRef idx="2">
+            <a:schemeClr val="accent1">
+              <a:shade val="15000"/>
+            </a:schemeClr>
+          </a:lnRef>
+          <a:fillRef idx="1">
+            <a:schemeClr val="accent1"/>
+          </a:fillRef>
+          <a:effectRef idx="0">
+            <a:schemeClr val="accent1"/>
+          </a:effectRef>
+          <a:fontRef idx="minor">
+            <a:schemeClr val="lt1"/>
+          </a:fontRef>
+        </p:style>
+        <p:txBody>
+          <a:bodyPr rtlCol="0" anchor="ctr"/>
+          <a:lstStyle/>
+          <a:p>
+            <a:pPr algn="ctr"/>
+            <a:endParaRPr lang="ru-RU"/>
+          </a:p>
+        </p:txBody>
+      </p:sp>
+      <p:sp>
+        <p:nvSpPr>
+          <p:cNvPr id="14" name="Прямоугольник 13">
+            <a:extLst>
+              <a:ext uri="{FF2B5EF4-FFF2-40B4-BE49-F238E27FC236}">
+                <a16:creationId xmlns:a16="http://schemas.microsoft.com/office/drawing/2014/main" id="{AA5BDCBD-3ED4-5058-EC0B-E05F263AF05E}"/>
+              </a:ext>
+            </a:extLst>
+          </p:cNvPr>
+          <p:cNvSpPr/>
+          <p:nvPr/>
+        </p:nvSpPr>
+        <p:spPr>
+          <a:xfrm rot="313685">
+            <a:off x="7646174" y="-642333"/>
+            <a:ext cx="5200789" cy="8137980"/>
+          </a:xfrm>
+          <a:prstGeom prst="rect">
+            <a:avLst/>
+          </a:prstGeom>
+          <a:solidFill>
+            <a:srgbClr val="BD582C"/>
+          </a:solidFill>
+          <a:ln w="57150">
+            <a:solidFill>
+              <a:srgbClr val="E48312"/>
+            </a:solidFill>
+          </a:ln>
+        </p:spPr>
+        <p:style>
+          <a:lnRef idx="2">
+            <a:schemeClr val="accent1">
+              <a:shade val="15000"/>
+            </a:schemeClr>
+          </a:lnRef>
+          <a:fillRef idx="1">
+            <a:schemeClr val="accent1"/>
+          </a:fillRef>
+          <a:effectRef idx="0">
+            <a:schemeClr val="accent1"/>
+          </a:effectRef>
+          <a:fontRef idx="minor">
+            <a:schemeClr val="lt1"/>
+          </a:fontRef>
+        </p:style>
+        <p:txBody>
+          <a:bodyPr rtlCol="0" anchor="ctr"/>
+          <a:lstStyle/>
+          <a:p>
+            <a:pPr algn="ctr"/>
+            <a:r>
+              <a:rPr lang="ru-RU" dirty="0" smtClean="0"/>
+              <a:t>с</a:t>
+            </a:r>
+            <a:endParaRPr lang="ru-RU" dirty="0"/>
+          </a:p>
+        </p:txBody>
+      </p:sp>
+      <p:sp>
+        <p:nvSpPr>
+          <p:cNvPr id="2" name="Заголовок 1">
+            <a:extLst>
+              <a:ext uri="{FF2B5EF4-FFF2-40B4-BE49-F238E27FC236}">
+                <a16:creationId xmlns:a16="http://schemas.microsoft.com/office/drawing/2014/main" id="{68952F2A-5525-5EC3-D8E9-782CE72A233B}"/>
+              </a:ext>
+            </a:extLst>
+          </p:cNvPr>
+          <p:cNvSpPr>
+            <a:spLocks noGrp="1"/>
+          </p:cNvSpPr>
+          <p:nvPr>
+            <p:ph type="title"/>
+          </p:nvPr>
+        </p:nvSpPr>
+        <p:spPr>
+          <a:xfrm>
+            <a:off x="109726" y="-819821"/>
+            <a:ext cx="10012682" cy="1386750"/>
+          </a:xfrm>
+        </p:spPr>
+        <p:txBody>
+          <a:bodyPr>
+            <a:normAutofit/>
+          </a:bodyPr>
+          <a:lstStyle/>
+          <a:p>
+            <a:r>
+              <a:rPr lang="ru-RU" sz="2000" dirty="0" smtClean="0">
+                <a:solidFill>
+                  <a:schemeClr val="tx1"/>
+                </a:solidFill>
+                <a:latin typeface="Bookman Old Style" panose="02050604050505020204" pitchFamily="18" charset="0"/>
+              </a:rPr>
+              <a:t>Итоги и самооценка</a:t>
+            </a:r>
+            <a:endParaRPr lang="ru-RU" sz="2000" dirty="0">
+              <a:solidFill>
+                <a:schemeClr val="tx1"/>
+              </a:solidFill>
+              <a:latin typeface="Bookman Old Style" panose="02050604050505020204" pitchFamily="18" charset="0"/>
+            </a:endParaRPr>
+          </a:p>
+        </p:txBody>
+      </p:sp>
+      <p:sp>
+        <p:nvSpPr>
+          <p:cNvPr id="4" name="Прямоугольник 3">
+            <a:extLst>
+              <a:ext uri="{FF2B5EF4-FFF2-40B4-BE49-F238E27FC236}">
+                <a16:creationId xmlns:a16="http://schemas.microsoft.com/office/drawing/2014/main" id="{50D8E95B-08D3-E8D8-CE53-CD07F9EC224A}"/>
+              </a:ext>
+            </a:extLst>
+          </p:cNvPr>
+          <p:cNvSpPr/>
+          <p:nvPr/>
+        </p:nvSpPr>
+        <p:spPr>
+          <a:xfrm>
+            <a:off x="2839700" y="-725379"/>
+            <a:ext cx="45719" cy="1450757"/>
+          </a:xfrm>
+          <a:prstGeom prst="rect">
+            <a:avLst/>
+          </a:prstGeom>
+          <a:noFill/>
+          <a:ln>
+            <a:solidFill>
+              <a:srgbClr val="E48312"/>
+            </a:solidFill>
+          </a:ln>
+        </p:spPr>
+        <p:style>
+          <a:lnRef idx="2">
+            <a:schemeClr val="accent1">
+              <a:shade val="15000"/>
+            </a:schemeClr>
+          </a:lnRef>
+          <a:fillRef idx="1">
+            <a:schemeClr val="accent1"/>
+          </a:fillRef>
+          <a:effectRef idx="0">
+            <a:schemeClr val="accent1"/>
+          </a:effectRef>
+          <a:fontRef idx="minor">
+            <a:schemeClr val="lt1"/>
+          </a:fontRef>
+        </p:style>
+        <p:txBody>
+          <a:bodyPr rtlCol="0" anchor="ctr"/>
+          <a:lstStyle/>
+          <a:p>
+            <a:pPr algn="ctr"/>
+            <a:endParaRPr lang="ru-RU"/>
+          </a:p>
+        </p:txBody>
+      </p:sp>
+      <p:sp>
+        <p:nvSpPr>
+          <p:cNvPr id="5" name="TextBox 4">
+            <a:extLst>
+              <a:ext uri="{FF2B5EF4-FFF2-40B4-BE49-F238E27FC236}">
+                <a16:creationId xmlns:a16="http://schemas.microsoft.com/office/drawing/2014/main" id="{CE5DAC9B-18CA-CB75-84C2-2AB8C4514128}"/>
+              </a:ext>
+            </a:extLst>
+          </p:cNvPr>
+          <p:cNvSpPr txBox="1"/>
+          <p:nvPr/>
+        </p:nvSpPr>
+        <p:spPr>
+          <a:xfrm>
+            <a:off x="3034283" y="197597"/>
+            <a:ext cx="2081784" cy="369332"/>
+          </a:xfrm>
+          <a:prstGeom prst="rect">
+            <a:avLst/>
+          </a:prstGeom>
+          <a:noFill/>
+        </p:spPr>
+        <p:txBody>
+          <a:bodyPr wrap="square" rtlCol="0">
+            <a:spAutoFit/>
+          </a:bodyPr>
+          <a:lstStyle/>
+          <a:p>
+            <a:r>
+              <a:rPr lang="ru-RU" dirty="0">
+                <a:latin typeface="Bookman Old Style" panose="02050604050505020204" pitchFamily="18" charset="0"/>
+              </a:rPr>
+              <a:t>9</a:t>
+            </a:r>
+            <a:endParaRPr lang="ru-RU" dirty="0">
+              <a:latin typeface="Bookman Old Style" panose="02050604050505020204" pitchFamily="18" charset="0"/>
+            </a:endParaRPr>
+          </a:p>
+        </p:txBody>
+      </p:sp>
+      <p:sp>
+        <p:nvSpPr>
+          <p:cNvPr id="22" name="Прямоугольник 21">
+            <a:extLst>
+              <a:ext uri="{FF2B5EF4-FFF2-40B4-BE49-F238E27FC236}">
+                <a16:creationId xmlns:a16="http://schemas.microsoft.com/office/drawing/2014/main" id="{20E5DE26-4D9B-5C26-9E1A-51DE74FCA589}"/>
+              </a:ext>
+            </a:extLst>
+          </p:cNvPr>
+          <p:cNvSpPr/>
+          <p:nvPr/>
+        </p:nvSpPr>
+        <p:spPr>
+          <a:xfrm>
+            <a:off x="7260335" y="6407944"/>
+            <a:ext cx="960121" cy="450056"/>
+          </a:xfrm>
+          <a:prstGeom prst="rect">
+            <a:avLst/>
+          </a:prstGeom>
+          <a:solidFill>
+            <a:srgbClr val="BD582C"/>
+          </a:solidFill>
+          <a:ln>
+            <a:solidFill>
+              <a:srgbClr val="BD582C"/>
+            </a:solidFill>
+          </a:ln>
+        </p:spPr>
+        <p:style>
+          <a:lnRef idx="2">
+            <a:schemeClr val="accent1">
+              <a:shade val="15000"/>
+            </a:schemeClr>
+          </a:lnRef>
+          <a:fillRef idx="1">
+            <a:schemeClr val="accent1"/>
+          </a:fillRef>
+          <a:effectRef idx="0">
+            <a:schemeClr val="accent1"/>
+          </a:effectRef>
+          <a:fontRef idx="minor">
+            <a:schemeClr val="lt1"/>
+          </a:fontRef>
+        </p:style>
+        <p:txBody>
+          <a:bodyPr rtlCol="0" anchor="ctr"/>
+          <a:lstStyle/>
+          <a:p>
+            <a:pPr algn="ctr"/>
+            <a:endParaRPr lang="ru-RU"/>
+          </a:p>
+        </p:txBody>
+      </p:sp>
+      <p:pic>
+        <p:nvPicPr>
+          <p:cNvPr id="8" name="Рисунок 7"/>
+          <p:cNvPicPr/>
+          <p:nvPr/>
+        </p:nvPicPr>
+        <p:blipFill>
+          <a:blip r:embed="rId2" cstate="print">
+            <a:extLst>
+              <a:ext uri="{28A0092B-C50C-407E-A947-70E740481C1C}">
+                <a14:useLocalDpi xmlns:a14="http://schemas.microsoft.com/office/drawing/2010/main" val="0"/>
+              </a:ext>
+            </a:extLst>
+          </a:blip>
+          <a:stretch>
+            <a:fillRect/>
+          </a:stretch>
+        </p:blipFill>
+        <p:spPr>
+          <a:xfrm>
+            <a:off x="8143430" y="725378"/>
+            <a:ext cx="3957955" cy="5112265"/>
+          </a:xfrm>
+          <a:prstGeom prst="rect">
+            <a:avLst/>
+          </a:prstGeom>
+        </p:spPr>
+      </p:pic>
+      <p:sp>
+        <p:nvSpPr>
+          <p:cNvPr id="3" name="TextBox 2"/>
+          <p:cNvSpPr txBox="1"/>
+          <p:nvPr/>
+        </p:nvSpPr>
+        <p:spPr>
+          <a:xfrm>
+            <a:off x="482037" y="1004132"/>
+            <a:ext cx="6943112" cy="1477328"/>
+          </a:xfrm>
+          <a:prstGeom prst="rect">
+            <a:avLst/>
+          </a:prstGeom>
+          <a:noFill/>
+        </p:spPr>
+        <p:txBody>
+          <a:bodyPr wrap="square" rtlCol="0">
+            <a:spAutoFit/>
+          </a:bodyPr>
+          <a:lstStyle/>
+          <a:p>
+            <a:pPr marL="285750" indent="-285750">
+              <a:buFont typeface="Arial" panose="020B0604020202020204" pitchFamily="34" charset="0"/>
+              <a:buChar char="•"/>
+            </a:pPr>
+            <a:r>
+              <a:rPr lang="ru-RU" dirty="0">
+                <a:latin typeface="Bookman Old Style" panose="02050604050505020204" pitchFamily="18" charset="0"/>
+              </a:rPr>
+              <a:t>Создан работающий прототип, стабилизирующий мелкие </a:t>
+            </a:r>
+            <a:r>
+              <a:rPr lang="ru-RU" dirty="0" smtClean="0">
+                <a:latin typeface="Bookman Old Style" panose="02050604050505020204" pitchFamily="18" charset="0"/>
+              </a:rPr>
+              <a:t>движения и успешно заменяющий компьютерную мышь. </a:t>
+            </a:r>
+          </a:p>
+          <a:p>
+            <a:pPr marL="285750" indent="-285750">
+              <a:buFont typeface="Arial" panose="020B0604020202020204" pitchFamily="34" charset="0"/>
+              <a:buChar char="•"/>
+            </a:pPr>
+            <a:r>
+              <a:rPr lang="ru-RU" dirty="0" smtClean="0">
+                <a:latin typeface="Bookman Old Style" panose="02050604050505020204" pitchFamily="18" charset="0"/>
+              </a:rPr>
+              <a:t>Устройство не имеет колоссальной цены.</a:t>
+            </a:r>
+          </a:p>
+          <a:p>
+            <a:pPr marL="285750" indent="-285750">
+              <a:buFont typeface="Arial" panose="020B0604020202020204" pitchFamily="34" charset="0"/>
+              <a:buChar char="•"/>
+            </a:pPr>
+            <a:r>
+              <a:rPr lang="ru-RU" dirty="0" smtClean="0">
+                <a:latin typeface="Bookman Old Style" panose="02050604050505020204" pitchFamily="18" charset="0"/>
+              </a:rPr>
+              <a:t>Учтены </a:t>
+            </a:r>
+            <a:r>
+              <a:rPr lang="ru-RU" dirty="0">
+                <a:latin typeface="Bookman Old Style" panose="02050604050505020204" pitchFamily="18" charset="0"/>
+              </a:rPr>
+              <a:t>ключевые </a:t>
+            </a:r>
+            <a:r>
+              <a:rPr lang="ru-RU" dirty="0" smtClean="0">
+                <a:latin typeface="Bookman Old Style" panose="02050604050505020204" pitchFamily="18" charset="0"/>
+              </a:rPr>
+              <a:t>эргономические </a:t>
+            </a:r>
+            <a:r>
+              <a:rPr lang="ru-RU" dirty="0">
+                <a:latin typeface="Bookman Old Style" panose="02050604050505020204" pitchFamily="18" charset="0"/>
+              </a:rPr>
+              <a:t>требования.</a:t>
+            </a:r>
+          </a:p>
+        </p:txBody>
+      </p:sp>
+      <p:sp>
+        <p:nvSpPr>
+          <p:cNvPr id="7" name="TextBox 6"/>
+          <p:cNvSpPr txBox="1"/>
+          <p:nvPr/>
+        </p:nvSpPr>
+        <p:spPr>
+          <a:xfrm>
+            <a:off x="248263" y="668706"/>
+            <a:ext cx="2371725" cy="369332"/>
+          </a:xfrm>
+          <a:prstGeom prst="rect">
+            <a:avLst/>
+          </a:prstGeom>
+          <a:noFill/>
+        </p:spPr>
+        <p:txBody>
+          <a:bodyPr wrap="square" rtlCol="0">
+            <a:spAutoFit/>
+          </a:bodyPr>
+          <a:lstStyle/>
+          <a:p>
+            <a:r>
+              <a:rPr lang="ru-RU" dirty="0" smtClean="0">
+                <a:latin typeface="Bookman Old Style" panose="02050604050505020204" pitchFamily="18" charset="0"/>
+              </a:rPr>
+              <a:t>Итоги работы:</a:t>
+            </a:r>
+            <a:endParaRPr lang="ru-RU" dirty="0">
+              <a:latin typeface="Bookman Old Style" panose="02050604050505020204" pitchFamily="18" charset="0"/>
+            </a:endParaRPr>
+          </a:p>
+        </p:txBody>
+      </p:sp>
+      <p:sp>
+        <p:nvSpPr>
+          <p:cNvPr id="12" name="TextBox 11"/>
+          <p:cNvSpPr txBox="1"/>
+          <p:nvPr/>
+        </p:nvSpPr>
+        <p:spPr>
+          <a:xfrm>
+            <a:off x="600688" y="5237568"/>
+            <a:ext cx="5876925" cy="646331"/>
+          </a:xfrm>
+          <a:prstGeom prst="rect">
+            <a:avLst/>
+          </a:prstGeom>
+          <a:noFill/>
+        </p:spPr>
+        <p:txBody>
+          <a:bodyPr wrap="square" rtlCol="0">
+            <a:spAutoFit/>
+          </a:bodyPr>
+          <a:lstStyle/>
+          <a:p>
+            <a:r>
+              <a:rPr lang="ru-RU" dirty="0" smtClean="0">
+                <a:latin typeface="Bookman Old Style" panose="02050604050505020204" pitchFamily="18" charset="0"/>
+              </a:rPr>
+              <a:t>Развитие проекта в будущем: интеграция</a:t>
+            </a:r>
+            <a:r>
+              <a:rPr lang="en-US" dirty="0">
+                <a:latin typeface="Bookman Old Style" panose="02050604050505020204" pitchFamily="18" charset="0"/>
+              </a:rPr>
+              <a:t> </a:t>
+            </a:r>
+            <a:r>
+              <a:rPr lang="en-US" dirty="0" smtClean="0">
+                <a:latin typeface="Bookman Old Style" panose="02050604050505020204" pitchFamily="18" charset="0"/>
+              </a:rPr>
+              <a:t>c</a:t>
+            </a:r>
+            <a:r>
+              <a:rPr lang="ru-RU" dirty="0" smtClean="0">
+                <a:latin typeface="Bookman Old Style" panose="02050604050505020204" pitchFamily="18" charset="0"/>
+              </a:rPr>
+              <a:t> </a:t>
+            </a:r>
+            <a:r>
+              <a:rPr lang="en-US" dirty="0" smtClean="0">
+                <a:latin typeface="Bookman Old Style" panose="02050604050505020204" pitchFamily="18" charset="0"/>
+              </a:rPr>
+              <a:t>Bluetooth</a:t>
+            </a:r>
+            <a:r>
+              <a:rPr lang="ru-RU" dirty="0" smtClean="0">
+                <a:latin typeface="Bookman Old Style" panose="02050604050505020204" pitchFamily="18" charset="0"/>
+              </a:rPr>
+              <a:t> </a:t>
+            </a:r>
+            <a:r>
+              <a:rPr lang="en-US" dirty="0" smtClean="0">
+                <a:latin typeface="Bookman Old Style" panose="02050604050505020204" pitchFamily="18" charset="0"/>
+              </a:rPr>
+              <a:t>5.3</a:t>
+            </a:r>
+            <a:endParaRPr lang="ru-RU" dirty="0">
+              <a:latin typeface="Bookman Old Style" panose="02050604050505020204" pitchFamily="18" charset="0"/>
+            </a:endParaRPr>
+          </a:p>
+        </p:txBody>
+      </p:sp>
+    </p:spTree>
+    <p:extLst>
+      <p:ext uri="{BB962C8B-B14F-4D97-AF65-F5344CB8AC3E}">
+        <p14:creationId xmlns:p14="http://schemas.microsoft.com/office/powerpoint/2010/main" val="775198529"/>
+      </p:ext>
+    </p:extLst>
+  </p:cSld>
+  <p:clrMapOvr>
+    <a:masterClrMapping/>
+  </p:clrMapOvr>
+  <p:timing>
+    <p:tnLst>
+      <p:par>
+        <p:cTn id="1" dur="indefinite" restart="never" nodeType="tmRoot"/>
+      </p:par>
+    </p:tnLst>
+  </p:timing>
 </p:sld>
 </file>
 

--- a/Мышка для людей с ОВЗ/Документы/Презентация о манипуляторе.pptx
+++ b/Мышка для людей с ОВЗ/Документы/Презентация о манипуляторе.pptx
@@ -5953,8 +5953,8 @@
         </p:nvSpPr>
         <p:spPr>
           <a:xfrm>
-            <a:off x="7668980" y="-672235"/>
-            <a:ext cx="4523020" cy="7668347"/>
+            <a:off x="10954327" y="-672235"/>
+            <a:ext cx="1237672" cy="7668347"/>
           </a:xfrm>
           <a:prstGeom prst="rect">
             <a:avLst/>
@@ -6136,7 +6136,7 @@
         </p:nvSpPr>
         <p:spPr>
           <a:xfrm>
-            <a:off x="7260335" y="6407944"/>
+            <a:off x="10454637" y="6407944"/>
             <a:ext cx="960121" cy="450056"/>
           </a:xfrm>
           <a:prstGeom prst="rect">
@@ -6185,14 +6185,14 @@
           <p:nvPr>
             <p:extLst>
               <p:ext uri="{D42A27DB-BD31-4B8C-83A1-F6EECF244321}">
-                <p14:modId xmlns:p14="http://schemas.microsoft.com/office/powerpoint/2010/main" val="3612157199"/>
+                <p14:modId xmlns:p14="http://schemas.microsoft.com/office/powerpoint/2010/main" val="1429410467"/>
               </p:ext>
             </p:extLst>
           </p:nvPr>
         </p:nvGraphicFramePr>
         <p:xfrm>
-          <a:off x="223752" y="778482"/>
-          <a:ext cx="3062373" cy="5317517"/>
+          <a:off x="354515" y="980471"/>
+          <a:ext cx="3062373" cy="5017159"/>
         </p:xfrm>
         <a:graphic>
           <a:graphicData uri="http://schemas.openxmlformats.org/drawingml/2006/table">
@@ -6216,7 +6216,7 @@
                   </a:extLst>
                 </a:gridCol>
               </a:tblGrid>
-              <a:tr h="1464131">
+              <a:tr h="1079238">
                 <a:tc>
                   <a:txBody>
                     <a:bodyPr/>
@@ -6230,7 +6230,7 @@
                           <a:spcPts val="0"/>
                         </a:spcAft>
                       </a:pPr>
-                      <a:endParaRPr lang="ru-RU" sz="1400" b="0" kern="100" dirty="0" smtClean="0">
+                      <a:endParaRPr lang="ru-RU" sz="1200" b="0" kern="100" dirty="0" smtClean="0">
                         <a:effectLst/>
                         <a:latin typeface="Bookman Old Style" panose="02050604050505020204" pitchFamily="18" charset="0"/>
                       </a:endParaRPr>
@@ -6245,13 +6245,13 @@
                         </a:spcAft>
                       </a:pPr>
                       <a:r>
-                        <a:rPr lang="ru-RU" sz="1400" b="0" kern="100" dirty="0" smtClean="0">
+                        <a:rPr lang="ru-RU" sz="1200" b="0" kern="100" dirty="0" smtClean="0">
                           <a:effectLst/>
                           <a:latin typeface="Bookman Old Style" panose="02050604050505020204" pitchFamily="18" charset="0"/>
                         </a:rPr>
                         <a:t>Позиция</a:t>
                       </a:r>
-                      <a:endParaRPr lang="ru-RU" sz="1400" b="0" kern="100" dirty="0">
+                      <a:endParaRPr lang="ru-RU" sz="1200" b="0" kern="100" dirty="0">
                         <a:effectLst/>
                         <a:latin typeface="Bookman Old Style" panose="02050604050505020204" pitchFamily="18" charset="0"/>
                         <a:ea typeface="Calibri" panose="020F0502020204030204" pitchFamily="34" charset="0"/>
@@ -6275,13 +6275,13 @@
                         </a:spcAft>
                       </a:pPr>
                       <a:r>
-                        <a:rPr lang="ru-RU" sz="1400" b="0" kern="100" dirty="0">
+                        <a:rPr lang="ru-RU" sz="1200" b="0" kern="100" dirty="0">
                           <a:effectLst/>
                           <a:latin typeface="Bookman Old Style" panose="02050604050505020204" pitchFamily="18" charset="0"/>
                         </a:rPr>
                         <a:t>Стоимость, рубли</a:t>
                       </a:r>
-                      <a:endParaRPr lang="ru-RU" sz="1400" b="0" kern="100" dirty="0">
+                      <a:endParaRPr lang="ru-RU" sz="1200" b="0" kern="100" dirty="0">
                         <a:effectLst/>
                         <a:latin typeface="Bookman Old Style" panose="02050604050505020204" pitchFamily="18" charset="0"/>
                         <a:ea typeface="Calibri" panose="020F0502020204030204" pitchFamily="34" charset="0"/>
@@ -6312,27 +6312,27 @@
                         </a:spcAft>
                       </a:pPr>
                       <a:r>
-                        <a:rPr lang="ru-RU" sz="1400" b="0" kern="100" dirty="0">
+                        <a:rPr lang="ru-RU" sz="1200" b="0" kern="100" dirty="0">
                           <a:effectLst/>
                           <a:latin typeface="Bookman Old Style" panose="02050604050505020204" pitchFamily="18" charset="0"/>
                         </a:rPr>
                         <a:t>Пластик </a:t>
                       </a:r>
                       <a:r>
-                        <a:rPr lang="en-US" sz="1400" b="0" kern="100" dirty="0">
+                        <a:rPr lang="en-US" sz="1200" b="0" kern="100" dirty="0">
                           <a:effectLst/>
                           <a:latin typeface="Bookman Old Style" panose="02050604050505020204" pitchFamily="18" charset="0"/>
                         </a:rPr>
                         <a:t>PETG</a:t>
                       </a:r>
                       <a:r>
-                        <a:rPr lang="ru-RU" sz="1400" b="0" kern="100" dirty="0">
+                        <a:rPr lang="ru-RU" sz="1200" b="0" kern="100" dirty="0">
                           <a:effectLst/>
                           <a:latin typeface="Bookman Old Style" panose="02050604050505020204" pitchFamily="18" charset="0"/>
                         </a:rPr>
                         <a:t> (330 г.), резиновые накладки и пружины</a:t>
                       </a:r>
-                      <a:endParaRPr lang="ru-RU" sz="1400" b="0" kern="100" dirty="0">
+                      <a:endParaRPr lang="ru-RU" sz="1200" b="0" kern="100" dirty="0">
                         <a:effectLst/>
                         <a:latin typeface="Bookman Old Style" panose="02050604050505020204" pitchFamily="18" charset="0"/>
                         <a:ea typeface="Calibri" panose="020F0502020204030204" pitchFamily="34" charset="0"/>
@@ -6356,7 +6356,7 @@
                         </a:spcAft>
                       </a:pPr>
                       <a:r>
-                        <a:rPr lang="ru-RU" sz="1400" b="0" kern="100" dirty="0" smtClean="0">
+                        <a:rPr lang="ru-RU" sz="1200" b="0" kern="100" dirty="0" smtClean="0">
                           <a:effectLst/>
                           <a:latin typeface="Bookman Old Style" panose="02050604050505020204" pitchFamily="18" charset="0"/>
                           <a:ea typeface="+mn-ea"/>
@@ -6364,7 +6364,7 @@
                         </a:rPr>
                         <a:t>600</a:t>
                       </a:r>
-                      <a:endParaRPr lang="ru-RU" sz="1400" b="0" kern="100" dirty="0">
+                      <a:endParaRPr lang="ru-RU" sz="1200" b="0" kern="100" dirty="0">
                         <a:effectLst/>
                         <a:latin typeface="Bookman Old Style" panose="02050604050505020204" pitchFamily="18" charset="0"/>
                         <a:ea typeface="Calibri" panose="020F0502020204030204" pitchFamily="34" charset="0"/>
@@ -6395,41 +6395,41 @@
                         </a:spcAft>
                       </a:pPr>
                       <a:r>
-                        <a:rPr lang="ru-RU" sz="1400" b="0" kern="100">
+                        <a:rPr lang="ru-RU" sz="1200" b="0" kern="100">
                           <a:effectLst/>
                           <a:latin typeface="Bookman Old Style" panose="02050604050505020204" pitchFamily="18" charset="0"/>
                         </a:rPr>
                         <a:t>Электрические компоненты(гироскоп </a:t>
                       </a:r>
                       <a:r>
-                        <a:rPr lang="en-US" sz="1400" b="0" kern="100">
+                        <a:rPr lang="en-US" sz="1200" b="0" kern="100">
                           <a:effectLst/>
                           <a:latin typeface="Bookman Old Style" panose="02050604050505020204" pitchFamily="18" charset="0"/>
                         </a:rPr>
                         <a:t>MPU</a:t>
                       </a:r>
                       <a:r>
-                        <a:rPr lang="ru-RU" sz="1400" b="0" kern="100">
+                        <a:rPr lang="ru-RU" sz="1200" b="0" kern="100">
                           <a:effectLst/>
                           <a:latin typeface="Bookman Old Style" panose="02050604050505020204" pitchFamily="18" charset="0"/>
                         </a:rPr>
                         <a:t>-6050, тактовые кнопки, энкодер инкрементальный, </a:t>
                       </a:r>
                       <a:r>
-                        <a:rPr lang="en-US" sz="1400" b="0" kern="100">
+                        <a:rPr lang="en-US" sz="1200" b="0" kern="100">
                           <a:effectLst/>
                           <a:latin typeface="Bookman Old Style" panose="02050604050505020204" pitchFamily="18" charset="0"/>
                         </a:rPr>
                         <a:t>Arduino Pro Micro</a:t>
                       </a:r>
                       <a:r>
-                        <a:rPr lang="ru-RU" sz="1400" b="0" kern="100">
+                        <a:rPr lang="ru-RU" sz="1200" b="0" kern="100">
                           <a:effectLst/>
                           <a:latin typeface="Bookman Old Style" panose="02050604050505020204" pitchFamily="18" charset="0"/>
                         </a:rPr>
                         <a:t>)</a:t>
                       </a:r>
-                      <a:endParaRPr lang="ru-RU" sz="1400" b="0" kern="100">
+                      <a:endParaRPr lang="ru-RU" sz="1200" b="0" kern="100">
                         <a:effectLst/>
                         <a:latin typeface="Bookman Old Style" panose="02050604050505020204" pitchFamily="18" charset="0"/>
                         <a:ea typeface="Calibri" panose="020F0502020204030204" pitchFamily="34" charset="0"/>
@@ -6453,13 +6453,13 @@
                         </a:spcAft>
                       </a:pPr>
                       <a:r>
-                        <a:rPr lang="ru-RU" sz="1400" b="0" kern="100" dirty="0" smtClean="0">
+                        <a:rPr lang="ru-RU" sz="1200" b="0" kern="100" dirty="0" smtClean="0">
                           <a:effectLst/>
                           <a:latin typeface="Bookman Old Style" panose="02050604050505020204" pitchFamily="18" charset="0"/>
                         </a:rPr>
                         <a:t>780</a:t>
                       </a:r>
-                      <a:endParaRPr lang="ru-RU" sz="1400" b="0" kern="100" dirty="0">
+                      <a:endParaRPr lang="ru-RU" sz="1200" b="0" kern="100" dirty="0">
                         <a:effectLst/>
                         <a:latin typeface="Bookman Old Style" panose="02050604050505020204" pitchFamily="18" charset="0"/>
                         <a:ea typeface="Calibri" panose="020F0502020204030204" pitchFamily="34" charset="0"/>
@@ -6490,20 +6490,20 @@
                         </a:spcAft>
                       </a:pPr>
                       <a:r>
-                        <a:rPr lang="ru-RU" sz="1400" b="0" kern="100" dirty="0">
+                        <a:rPr lang="ru-RU" sz="1200" b="0" kern="100" dirty="0">
                           <a:effectLst/>
                           <a:latin typeface="Bookman Old Style" panose="02050604050505020204" pitchFamily="18" charset="0"/>
                         </a:rPr>
                         <a:t>Итого </a:t>
                       </a:r>
                       <a:r>
-                        <a:rPr lang="ru-RU" sz="1400" b="0" kern="100" dirty="0" smtClean="0">
+                        <a:rPr lang="ru-RU" sz="1200" b="0" kern="100" dirty="0" smtClean="0">
                           <a:effectLst/>
                           <a:latin typeface="Bookman Old Style" panose="02050604050505020204" pitchFamily="18" charset="0"/>
                         </a:rPr>
-                        <a:t>стоимость</a:t>
+                        <a:t>розничная себестоимость</a:t>
                       </a:r>
-                      <a:endParaRPr lang="ru-RU" sz="1400" b="0" kern="100" dirty="0">
+                      <a:endParaRPr lang="ru-RU" sz="1200" b="0" kern="100" dirty="0">
                         <a:effectLst/>
                         <a:latin typeface="Bookman Old Style" panose="02050604050505020204" pitchFamily="18" charset="0"/>
                         <a:ea typeface="Calibri" panose="020F0502020204030204" pitchFamily="34" charset="0"/>
@@ -6527,13 +6527,13 @@
                         </a:spcAft>
                       </a:pPr>
                       <a:r>
-                        <a:rPr lang="ru-RU" sz="1400" b="0" kern="100" dirty="0" smtClean="0">
+                        <a:rPr lang="ru-RU" sz="1200" b="0" kern="100" dirty="0" smtClean="0">
                           <a:effectLst/>
                           <a:latin typeface="Bookman Old Style" panose="02050604050505020204" pitchFamily="18" charset="0"/>
                         </a:rPr>
                         <a:t>1380</a:t>
                       </a:r>
-                      <a:endParaRPr lang="ru-RU" sz="1400" b="0" kern="100" dirty="0">
+                      <a:endParaRPr lang="ru-RU" sz="1200" b="0" kern="100" dirty="0">
                         <a:effectLst/>
                         <a:latin typeface="Bookman Old Style" panose="02050604050505020204" pitchFamily="18" charset="0"/>
                         <a:ea typeface="Calibri" panose="020F0502020204030204" pitchFamily="34" charset="0"/>
@@ -6546,6 +6546,716 @@
                 <a:extLst>
                   <a:ext uri="{0D108BD9-81ED-4DB2-BD59-A6C34878D82A}">
                     <a16:rowId xmlns:a16="http://schemas.microsoft.com/office/drawing/2014/main" val="3040222044"/>
+                  </a:ext>
+                </a:extLst>
+              </a:tr>
+            </a:tbl>
+          </a:graphicData>
+        </a:graphic>
+      </p:graphicFrame>
+      <p:graphicFrame>
+        <p:nvGraphicFramePr>
+          <p:cNvPr id="3" name="Таблица 2"/>
+          <p:cNvGraphicFramePr>
+            <a:graphicFrameLocks noGrp="1"/>
+          </p:cNvGraphicFramePr>
+          <p:nvPr>
+            <p:extLst>
+              <p:ext uri="{D42A27DB-BD31-4B8C-83A1-F6EECF244321}">
+                <p14:modId xmlns:p14="http://schemas.microsoft.com/office/powerpoint/2010/main" val="3612873938"/>
+              </p:ext>
+            </p:extLst>
+          </p:nvPr>
+        </p:nvGraphicFramePr>
+        <p:xfrm>
+          <a:off x="3832848" y="378044"/>
+          <a:ext cx="6574755" cy="5762926"/>
+        </p:xfrm>
+        <a:graphic>
+          <a:graphicData uri="http://schemas.openxmlformats.org/drawingml/2006/table">
+            <a:tbl>
+              <a:tblPr firstRow="1" firstCol="1" bandRow="1">
+                <a:tableStyleId>{5C22544A-7EE6-4342-B048-85BDC9FD1C3A}</a:tableStyleId>
+              </a:tblPr>
+              <a:tblGrid>
+                <a:gridCol w="2488983">
+                  <a:extLst>
+                    <a:ext uri="{9D8B030D-6E8A-4147-A177-3AD203B41FA5}">
+                      <a16:colId xmlns:a16="http://schemas.microsoft.com/office/drawing/2014/main" val="1747071466"/>
+                    </a:ext>
+                  </a:extLst>
+                </a:gridCol>
+                <a:gridCol w="1153466">
+                  <a:extLst>
+                    <a:ext uri="{9D8B030D-6E8A-4147-A177-3AD203B41FA5}">
+                      <a16:colId xmlns:a16="http://schemas.microsoft.com/office/drawing/2014/main" val="492268831"/>
+                    </a:ext>
+                  </a:extLst>
+                </a:gridCol>
+                <a:gridCol w="2932306">
+                  <a:extLst>
+                    <a:ext uri="{9D8B030D-6E8A-4147-A177-3AD203B41FA5}">
+                      <a16:colId xmlns:a16="http://schemas.microsoft.com/office/drawing/2014/main" val="3041403376"/>
+                    </a:ext>
+                  </a:extLst>
+                </a:gridCol>
+              </a:tblGrid>
+              <a:tr h="684725">
+                <a:tc>
+                  <a:txBody>
+                    <a:bodyPr/>
+                    <a:lstStyle/>
+                    <a:p>
+                      <a:pPr algn="ctr">
+                        <a:lnSpc>
+                          <a:spcPct val="150000"/>
+                        </a:lnSpc>
+                        <a:spcAft>
+                          <a:spcPts val="0"/>
+                        </a:spcAft>
+                      </a:pPr>
+                      <a:r>
+                        <a:rPr lang="ru-RU" sz="1200" b="0" kern="100" dirty="0" smtClean="0">
+                          <a:effectLst/>
+                          <a:latin typeface="Bookman Old Style" panose="02050604050505020204" pitchFamily="18" charset="0"/>
+                        </a:rPr>
+                        <a:t>Позиция</a:t>
+                      </a:r>
+                      <a:endParaRPr lang="ru-RU" sz="1200" b="0" kern="100" dirty="0">
+                        <a:effectLst/>
+                        <a:latin typeface="Bookman Old Style" panose="02050604050505020204" pitchFamily="18" charset="0"/>
+                        <a:ea typeface="Calibri" panose="020F0502020204030204" pitchFamily="34" charset="0"/>
+                        <a:cs typeface="Times New Roman" panose="02020603050405020304" pitchFamily="18" charset="0"/>
+                      </a:endParaRPr>
+                    </a:p>
+                  </a:txBody>
+                  <a:tcPr marL="50284" marR="50284" marT="0" marB="0"/>
+                </a:tc>
+                <a:tc>
+                  <a:txBody>
+                    <a:bodyPr/>
+                    <a:lstStyle/>
+                    <a:p>
+                      <a:pPr algn="ctr">
+                        <a:lnSpc>
+                          <a:spcPct val="150000"/>
+                        </a:lnSpc>
+                        <a:spcAft>
+                          <a:spcPts val="0"/>
+                        </a:spcAft>
+                      </a:pPr>
+                      <a:r>
+                        <a:rPr lang="ru-RU" sz="1200" b="0" kern="100">
+                          <a:effectLst/>
+                          <a:latin typeface="Bookman Old Style" panose="02050604050505020204" pitchFamily="18" charset="0"/>
+                        </a:rPr>
+                        <a:t>Стоимость, рубли</a:t>
+                      </a:r>
+                      <a:endParaRPr lang="ru-RU" sz="1200" b="0" kern="100">
+                        <a:effectLst/>
+                        <a:latin typeface="Bookman Old Style" panose="02050604050505020204" pitchFamily="18" charset="0"/>
+                        <a:ea typeface="Calibri" panose="020F0502020204030204" pitchFamily="34" charset="0"/>
+                        <a:cs typeface="Times New Roman" panose="02020603050405020304" pitchFamily="18" charset="0"/>
+                      </a:endParaRPr>
+                    </a:p>
+                  </a:txBody>
+                  <a:tcPr marL="50284" marR="50284" marT="0" marB="0"/>
+                </a:tc>
+                <a:tc>
+                  <a:txBody>
+                    <a:bodyPr/>
+                    <a:lstStyle/>
+                    <a:p>
+                      <a:pPr algn="ctr">
+                        <a:lnSpc>
+                          <a:spcPct val="150000"/>
+                        </a:lnSpc>
+                        <a:spcAft>
+                          <a:spcPts val="0"/>
+                        </a:spcAft>
+                      </a:pPr>
+                      <a:r>
+                        <a:rPr lang="ru-RU" sz="1200" b="0" kern="100" dirty="0">
+                          <a:effectLst/>
+                          <a:latin typeface="Bookman Old Style" panose="02050604050505020204" pitchFamily="18" charset="0"/>
+                        </a:rPr>
+                        <a:t>Примечания</a:t>
+                      </a:r>
+                      <a:endParaRPr lang="ru-RU" sz="1200" b="0" kern="100" dirty="0">
+                        <a:effectLst/>
+                        <a:latin typeface="Bookman Old Style" panose="02050604050505020204" pitchFamily="18" charset="0"/>
+                        <a:ea typeface="Calibri" panose="020F0502020204030204" pitchFamily="34" charset="0"/>
+                        <a:cs typeface="Times New Roman" panose="02020603050405020304" pitchFamily="18" charset="0"/>
+                      </a:endParaRPr>
+                    </a:p>
+                  </a:txBody>
+                  <a:tcPr marL="50284" marR="50284" marT="0" marB="0"/>
+                </a:tc>
+                <a:extLst>
+                  <a:ext uri="{0D108BD9-81ED-4DB2-BD59-A6C34878D82A}">
+                    <a16:rowId xmlns:a16="http://schemas.microsoft.com/office/drawing/2014/main" val="2797529198"/>
+                  </a:ext>
+                </a:extLst>
+              </a:tr>
+              <a:tr h="940875">
+                <a:tc>
+                  <a:txBody>
+                    <a:bodyPr/>
+                    <a:lstStyle/>
+                    <a:p>
+                      <a:pPr algn="just">
+                        <a:lnSpc>
+                          <a:spcPct val="150000"/>
+                        </a:lnSpc>
+                        <a:spcAft>
+                          <a:spcPts val="0"/>
+                        </a:spcAft>
+                      </a:pPr>
+                      <a:r>
+                        <a:rPr lang="ru-RU" sz="1200" b="0" kern="100">
+                          <a:effectLst/>
+                          <a:latin typeface="Bookman Old Style" panose="02050604050505020204" pitchFamily="18" charset="0"/>
+                        </a:rPr>
+                        <a:t>Пластик </a:t>
+                      </a:r>
+                      <a:r>
+                        <a:rPr lang="en-US" sz="1200" b="0" kern="100">
+                          <a:effectLst/>
+                          <a:latin typeface="Bookman Old Style" panose="02050604050505020204" pitchFamily="18" charset="0"/>
+                        </a:rPr>
+                        <a:t>PETG</a:t>
+                      </a:r>
+                      <a:r>
+                        <a:rPr lang="ru-RU" sz="1200" b="0" kern="100">
+                          <a:effectLst/>
+                          <a:latin typeface="Bookman Old Style" panose="02050604050505020204" pitchFamily="18" charset="0"/>
+                        </a:rPr>
+                        <a:t> (330 г.), резиновые накладки и пружины</a:t>
+                      </a:r>
+                      <a:endParaRPr lang="ru-RU" sz="1200" b="0" kern="100">
+                        <a:effectLst/>
+                        <a:latin typeface="Bookman Old Style" panose="02050604050505020204" pitchFamily="18" charset="0"/>
+                        <a:ea typeface="Calibri" panose="020F0502020204030204" pitchFamily="34" charset="0"/>
+                        <a:cs typeface="Times New Roman" panose="02020603050405020304" pitchFamily="18" charset="0"/>
+                      </a:endParaRPr>
+                    </a:p>
+                  </a:txBody>
+                  <a:tcPr marL="50284" marR="50284" marT="0" marB="0"/>
+                </a:tc>
+                <a:tc>
+                  <a:txBody>
+                    <a:bodyPr/>
+                    <a:lstStyle/>
+                    <a:p>
+                      <a:pPr algn="ctr">
+                        <a:lnSpc>
+                          <a:spcPct val="150000"/>
+                        </a:lnSpc>
+                        <a:spcAft>
+                          <a:spcPts val="0"/>
+                        </a:spcAft>
+                      </a:pPr>
+                      <a:r>
+                        <a:rPr lang="ru-RU" sz="1200" b="0" kern="100">
+                          <a:effectLst/>
+                          <a:latin typeface="Bookman Old Style" panose="02050604050505020204" pitchFamily="18" charset="0"/>
+                        </a:rPr>
+                        <a:t>510</a:t>
+                      </a:r>
+                      <a:endParaRPr lang="ru-RU" sz="1200" b="0" kern="100">
+                        <a:effectLst/>
+                        <a:latin typeface="Bookman Old Style" panose="02050604050505020204" pitchFamily="18" charset="0"/>
+                        <a:ea typeface="Calibri" panose="020F0502020204030204" pitchFamily="34" charset="0"/>
+                        <a:cs typeface="Times New Roman" panose="02020603050405020304" pitchFamily="18" charset="0"/>
+                      </a:endParaRPr>
+                    </a:p>
+                  </a:txBody>
+                  <a:tcPr marL="50284" marR="50284" marT="0" marB="0"/>
+                </a:tc>
+                <a:tc>
+                  <a:txBody>
+                    <a:bodyPr/>
+                    <a:lstStyle/>
+                    <a:p>
+                      <a:pPr>
+                        <a:lnSpc>
+                          <a:spcPct val="150000"/>
+                        </a:lnSpc>
+                        <a:spcAft>
+                          <a:spcPts val="0"/>
+                        </a:spcAft>
+                      </a:pPr>
+                      <a:r>
+                        <a:rPr lang="ru-RU" sz="1200" b="0" kern="100">
+                          <a:effectLst/>
+                          <a:latin typeface="Bookman Old Style" panose="02050604050505020204" pitchFamily="18" charset="0"/>
+                        </a:rPr>
+                        <a:t>Оптовая закупка (600 р., Снижение цены 15% при покупке оптом &gt;10 кг пластика или &gt;500 шт. пружин)</a:t>
+                      </a:r>
+                      <a:endParaRPr lang="ru-RU" sz="1200" b="0" kern="100">
+                        <a:effectLst/>
+                        <a:latin typeface="Bookman Old Style" panose="02050604050505020204" pitchFamily="18" charset="0"/>
+                        <a:ea typeface="Calibri" panose="020F0502020204030204" pitchFamily="34" charset="0"/>
+                        <a:cs typeface="Times New Roman" panose="02020603050405020304" pitchFamily="18" charset="0"/>
+                      </a:endParaRPr>
+                    </a:p>
+                  </a:txBody>
+                  <a:tcPr marL="50284" marR="50284" marT="0" marB="0"/>
+                </a:tc>
+                <a:extLst>
+                  <a:ext uri="{0D108BD9-81ED-4DB2-BD59-A6C34878D82A}">
+                    <a16:rowId xmlns:a16="http://schemas.microsoft.com/office/drawing/2014/main" val="1141505239"/>
+                  </a:ext>
+                </a:extLst>
+              </a:tr>
+              <a:tr h="1034473">
+                <a:tc>
+                  <a:txBody>
+                    <a:bodyPr/>
+                    <a:lstStyle/>
+                    <a:p>
+                      <a:pPr>
+                        <a:lnSpc>
+                          <a:spcPct val="150000"/>
+                        </a:lnSpc>
+                        <a:spcAft>
+                          <a:spcPts val="0"/>
+                        </a:spcAft>
+                      </a:pPr>
+                      <a:r>
+                        <a:rPr lang="ru-RU" sz="1200" b="0" kern="100">
+                          <a:effectLst/>
+                          <a:latin typeface="Bookman Old Style" panose="02050604050505020204" pitchFamily="18" charset="0"/>
+                        </a:rPr>
+                        <a:t>Электрические компоненты(гироскоп </a:t>
+                      </a:r>
+                      <a:r>
+                        <a:rPr lang="en-US" sz="1200" b="0" kern="100">
+                          <a:effectLst/>
+                          <a:latin typeface="Bookman Old Style" panose="02050604050505020204" pitchFamily="18" charset="0"/>
+                        </a:rPr>
+                        <a:t>MPU</a:t>
+                      </a:r>
+                      <a:r>
+                        <a:rPr lang="ru-RU" sz="1200" b="0" kern="100">
+                          <a:effectLst/>
+                          <a:latin typeface="Bookman Old Style" panose="02050604050505020204" pitchFamily="18" charset="0"/>
+                        </a:rPr>
+                        <a:t>-6050, тактовые кнопки, энкодер инкрементальный, </a:t>
+                      </a:r>
+                      <a:r>
+                        <a:rPr lang="en-US" sz="1200" b="0" kern="100">
+                          <a:effectLst/>
+                          <a:latin typeface="Bookman Old Style" panose="02050604050505020204" pitchFamily="18" charset="0"/>
+                        </a:rPr>
+                        <a:t>Arduino Pro Micro</a:t>
+                      </a:r>
+                      <a:r>
+                        <a:rPr lang="ru-RU" sz="1200" b="0" kern="100">
+                          <a:effectLst/>
+                          <a:latin typeface="Bookman Old Style" panose="02050604050505020204" pitchFamily="18" charset="0"/>
+                        </a:rPr>
+                        <a:t>)</a:t>
+                      </a:r>
+                      <a:endParaRPr lang="ru-RU" sz="1200" b="0" kern="100">
+                        <a:effectLst/>
+                        <a:latin typeface="Bookman Old Style" panose="02050604050505020204" pitchFamily="18" charset="0"/>
+                        <a:ea typeface="Calibri" panose="020F0502020204030204" pitchFamily="34" charset="0"/>
+                        <a:cs typeface="Times New Roman" panose="02020603050405020304" pitchFamily="18" charset="0"/>
+                      </a:endParaRPr>
+                    </a:p>
+                  </a:txBody>
+                  <a:tcPr marL="50284" marR="50284" marT="0" marB="0"/>
+                </a:tc>
+                <a:tc>
+                  <a:txBody>
+                    <a:bodyPr/>
+                    <a:lstStyle/>
+                    <a:p>
+                      <a:pPr algn="ctr">
+                        <a:lnSpc>
+                          <a:spcPct val="150000"/>
+                        </a:lnSpc>
+                        <a:spcAft>
+                          <a:spcPts val="0"/>
+                        </a:spcAft>
+                      </a:pPr>
+                      <a:r>
+                        <a:rPr lang="ru-RU" sz="1200" b="0" kern="100" dirty="0">
+                          <a:effectLst/>
+                          <a:latin typeface="Bookman Old Style" panose="02050604050505020204" pitchFamily="18" charset="0"/>
+                        </a:rPr>
+                        <a:t>660</a:t>
+                      </a:r>
+                      <a:endParaRPr lang="ru-RU" sz="1200" b="0" kern="100" dirty="0">
+                        <a:effectLst/>
+                        <a:latin typeface="Bookman Old Style" panose="02050604050505020204" pitchFamily="18" charset="0"/>
+                        <a:ea typeface="Calibri" panose="020F0502020204030204" pitchFamily="34" charset="0"/>
+                        <a:cs typeface="Times New Roman" panose="02020603050405020304" pitchFamily="18" charset="0"/>
+                      </a:endParaRPr>
+                    </a:p>
+                  </a:txBody>
+                  <a:tcPr marL="50284" marR="50284" marT="0" marB="0"/>
+                </a:tc>
+                <a:tc>
+                  <a:txBody>
+                    <a:bodyPr/>
+                    <a:lstStyle/>
+                    <a:p>
+                      <a:pPr>
+                        <a:lnSpc>
+                          <a:spcPct val="150000"/>
+                        </a:lnSpc>
+                        <a:spcAft>
+                          <a:spcPts val="0"/>
+                        </a:spcAft>
+                      </a:pPr>
+                      <a:r>
+                        <a:rPr lang="ru-RU" sz="1200" b="0" kern="100" dirty="0">
+                          <a:effectLst/>
+                          <a:latin typeface="Bookman Old Style" panose="02050604050505020204" pitchFamily="18" charset="0"/>
+                        </a:rPr>
+                        <a:t>Оптовая закупка (780 р.,  Снижение на 15% при покупке оптом, &gt;250 штук каждого)</a:t>
+                      </a:r>
+                      <a:endParaRPr lang="ru-RU" sz="1200" b="0" kern="100" dirty="0">
+                        <a:effectLst/>
+                        <a:latin typeface="Bookman Old Style" panose="02050604050505020204" pitchFamily="18" charset="0"/>
+                        <a:ea typeface="Calibri" panose="020F0502020204030204" pitchFamily="34" charset="0"/>
+                        <a:cs typeface="Times New Roman" panose="02020603050405020304" pitchFamily="18" charset="0"/>
+                      </a:endParaRPr>
+                    </a:p>
+                  </a:txBody>
+                  <a:tcPr marL="50284" marR="50284" marT="0" marB="0"/>
+                </a:tc>
+                <a:extLst>
+                  <a:ext uri="{0D108BD9-81ED-4DB2-BD59-A6C34878D82A}">
+                    <a16:rowId xmlns:a16="http://schemas.microsoft.com/office/drawing/2014/main" val="1769889045"/>
+                  </a:ext>
+                </a:extLst>
+              </a:tr>
+              <a:tr h="1159092">
+                <a:tc>
+                  <a:txBody>
+                    <a:bodyPr/>
+                    <a:lstStyle/>
+                    <a:p>
+                      <a:pPr>
+                        <a:lnSpc>
+                          <a:spcPct val="150000"/>
+                        </a:lnSpc>
+                        <a:spcAft>
+                          <a:spcPts val="0"/>
+                        </a:spcAft>
+                      </a:pPr>
+                      <a:r>
+                        <a:rPr lang="ru-RU" sz="1200" b="0" kern="100">
+                          <a:effectLst/>
+                          <a:latin typeface="Bookman Old Style" panose="02050604050505020204" pitchFamily="18" charset="0"/>
+                        </a:rPr>
+                        <a:t>Печать на 3</a:t>
+                      </a:r>
+                      <a:r>
+                        <a:rPr lang="en-US" sz="1200" b="0" kern="100">
+                          <a:effectLst/>
+                          <a:latin typeface="Bookman Old Style" panose="02050604050505020204" pitchFamily="18" charset="0"/>
+                        </a:rPr>
+                        <a:t>D</a:t>
+                      </a:r>
+                      <a:r>
+                        <a:rPr lang="ru-RU" sz="1200" b="0" kern="100">
+                          <a:effectLst/>
+                          <a:latin typeface="Bookman Old Style" panose="02050604050505020204" pitchFamily="18" charset="0"/>
+                        </a:rPr>
+                        <a:t> принтере и сборка</a:t>
+                      </a:r>
+                      <a:endParaRPr lang="ru-RU" sz="1200" b="0" kern="100">
+                        <a:effectLst/>
+                        <a:latin typeface="Bookman Old Style" panose="02050604050505020204" pitchFamily="18" charset="0"/>
+                        <a:ea typeface="Calibri" panose="020F0502020204030204" pitchFamily="34" charset="0"/>
+                        <a:cs typeface="Times New Roman" panose="02020603050405020304" pitchFamily="18" charset="0"/>
+                      </a:endParaRPr>
+                    </a:p>
+                  </a:txBody>
+                  <a:tcPr marL="50284" marR="50284" marT="0" marB="0"/>
+                </a:tc>
+                <a:tc>
+                  <a:txBody>
+                    <a:bodyPr/>
+                    <a:lstStyle/>
+                    <a:p>
+                      <a:pPr algn="ctr">
+                        <a:lnSpc>
+                          <a:spcPct val="150000"/>
+                        </a:lnSpc>
+                        <a:spcAft>
+                          <a:spcPts val="0"/>
+                        </a:spcAft>
+                      </a:pPr>
+                      <a:r>
+                        <a:rPr lang="ru-RU" sz="1200" b="0" kern="100">
+                          <a:effectLst/>
+                          <a:latin typeface="Bookman Old Style" panose="02050604050505020204" pitchFamily="18" charset="0"/>
+                        </a:rPr>
+                        <a:t>250</a:t>
+                      </a:r>
+                      <a:endParaRPr lang="ru-RU" sz="1200" b="0" kern="100">
+                        <a:effectLst/>
+                        <a:latin typeface="Bookman Old Style" panose="02050604050505020204" pitchFamily="18" charset="0"/>
+                        <a:ea typeface="Calibri" panose="020F0502020204030204" pitchFamily="34" charset="0"/>
+                        <a:cs typeface="Times New Roman" panose="02020603050405020304" pitchFamily="18" charset="0"/>
+                      </a:endParaRPr>
+                    </a:p>
+                  </a:txBody>
+                  <a:tcPr marL="50284" marR="50284" marT="0" marB="0"/>
+                </a:tc>
+                <a:tc>
+                  <a:txBody>
+                    <a:bodyPr/>
+                    <a:lstStyle/>
+                    <a:p>
+                      <a:pPr>
+                        <a:lnSpc>
+                          <a:spcPct val="150000"/>
+                        </a:lnSpc>
+                        <a:spcAft>
+                          <a:spcPts val="0"/>
+                        </a:spcAft>
+                      </a:pPr>
+                      <a:r>
+                        <a:rPr lang="ru-RU" sz="1200" b="0" kern="100">
+                          <a:effectLst/>
+                          <a:latin typeface="Bookman Old Style" panose="02050604050505020204" pitchFamily="18" charset="0"/>
+                        </a:rPr>
+                        <a:t>Использование промышленного принтера, а не домашнего(0.5 р./г вместо 1.2 р./г)</a:t>
+                      </a:r>
+                      <a:endParaRPr lang="ru-RU" sz="1200" b="0" kern="100">
+                        <a:effectLst/>
+                        <a:latin typeface="Bookman Old Style" panose="02050604050505020204" pitchFamily="18" charset="0"/>
+                        <a:ea typeface="Calibri" panose="020F0502020204030204" pitchFamily="34" charset="0"/>
+                        <a:cs typeface="Times New Roman" panose="02020603050405020304" pitchFamily="18" charset="0"/>
+                      </a:endParaRPr>
+                    </a:p>
+                  </a:txBody>
+                  <a:tcPr marL="50284" marR="50284" marT="0" marB="0"/>
+                </a:tc>
+                <a:extLst>
+                  <a:ext uri="{0D108BD9-81ED-4DB2-BD59-A6C34878D82A}">
+                    <a16:rowId xmlns:a16="http://schemas.microsoft.com/office/drawing/2014/main" val="2767093221"/>
+                  </a:ext>
+                </a:extLst>
+              </a:tr>
+              <a:tr h="921909">
+                <a:tc>
+                  <a:txBody>
+                    <a:bodyPr/>
+                    <a:lstStyle/>
+                    <a:p>
+                      <a:pPr>
+                        <a:lnSpc>
+                          <a:spcPct val="150000"/>
+                        </a:lnSpc>
+                        <a:spcAft>
+                          <a:spcPts val="0"/>
+                        </a:spcAft>
+                      </a:pPr>
+                      <a:r>
+                        <a:rPr lang="ru-RU" sz="1200" b="0" kern="100">
+                          <a:effectLst/>
+                          <a:latin typeface="Bookman Old Style" panose="02050604050505020204" pitchFamily="18" charset="0"/>
+                        </a:rPr>
+                        <a:t>Упаковка, логистика и маржинальные расходы</a:t>
+                      </a:r>
+                      <a:endParaRPr lang="ru-RU" sz="1200" b="0" kern="100">
+                        <a:effectLst/>
+                        <a:latin typeface="Bookman Old Style" panose="02050604050505020204" pitchFamily="18" charset="0"/>
+                        <a:ea typeface="Calibri" panose="020F0502020204030204" pitchFamily="34" charset="0"/>
+                        <a:cs typeface="Times New Roman" panose="02020603050405020304" pitchFamily="18" charset="0"/>
+                      </a:endParaRPr>
+                    </a:p>
+                  </a:txBody>
+                  <a:tcPr marL="50284" marR="50284" marT="0" marB="0"/>
+                </a:tc>
+                <a:tc>
+                  <a:txBody>
+                    <a:bodyPr/>
+                    <a:lstStyle/>
+                    <a:p>
+                      <a:pPr algn="ctr">
+                        <a:lnSpc>
+                          <a:spcPct val="150000"/>
+                        </a:lnSpc>
+                        <a:spcAft>
+                          <a:spcPts val="0"/>
+                        </a:spcAft>
+                      </a:pPr>
+                      <a:r>
+                        <a:rPr lang="ru-RU" sz="1200" b="0" kern="100" dirty="0">
+                          <a:effectLst/>
+                          <a:latin typeface="Bookman Old Style" panose="02050604050505020204" pitchFamily="18" charset="0"/>
+                        </a:rPr>
+                        <a:t>200</a:t>
+                      </a:r>
+                      <a:endParaRPr lang="ru-RU" sz="1200" b="0" kern="100" dirty="0">
+                        <a:effectLst/>
+                        <a:latin typeface="Bookman Old Style" panose="02050604050505020204" pitchFamily="18" charset="0"/>
+                        <a:ea typeface="Calibri" panose="020F0502020204030204" pitchFamily="34" charset="0"/>
+                        <a:cs typeface="Times New Roman" panose="02020603050405020304" pitchFamily="18" charset="0"/>
+                      </a:endParaRPr>
+                    </a:p>
+                  </a:txBody>
+                  <a:tcPr marL="50284" marR="50284" marT="0" marB="0"/>
+                </a:tc>
+                <a:tc>
+                  <a:txBody>
+                    <a:bodyPr/>
+                    <a:lstStyle/>
+                    <a:p>
+                      <a:pPr>
+                        <a:lnSpc>
+                          <a:spcPct val="150000"/>
+                        </a:lnSpc>
+                        <a:spcAft>
+                          <a:spcPts val="0"/>
+                        </a:spcAft>
+                      </a:pPr>
+                      <a:r>
+                        <a:rPr lang="ru-RU" sz="1200" b="0" kern="100">
+                          <a:effectLst/>
+                          <a:latin typeface="Bookman Old Style" panose="02050604050505020204" pitchFamily="18" charset="0"/>
+                        </a:rPr>
+                        <a:t>Включает цену упаковки, транспортировки, хранения и т.д. </a:t>
+                      </a:r>
+                      <a:endParaRPr lang="ru-RU" sz="1200" b="0" kern="100">
+                        <a:effectLst/>
+                        <a:latin typeface="Bookman Old Style" panose="02050604050505020204" pitchFamily="18" charset="0"/>
+                        <a:ea typeface="Calibri" panose="020F0502020204030204" pitchFamily="34" charset="0"/>
+                        <a:cs typeface="Times New Roman" panose="02020603050405020304" pitchFamily="18" charset="0"/>
+                      </a:endParaRPr>
+                    </a:p>
+                  </a:txBody>
+                  <a:tcPr marL="50284" marR="50284" marT="0" marB="0"/>
+                </a:tc>
+                <a:extLst>
+                  <a:ext uri="{0D108BD9-81ED-4DB2-BD59-A6C34878D82A}">
+                    <a16:rowId xmlns:a16="http://schemas.microsoft.com/office/drawing/2014/main" val="648659560"/>
+                  </a:ext>
+                </a:extLst>
+              </a:tr>
+              <a:tr h="684725">
+                <a:tc>
+                  <a:txBody>
+                    <a:bodyPr/>
+                    <a:lstStyle/>
+                    <a:p>
+                      <a:pPr>
+                        <a:lnSpc>
+                          <a:spcPct val="150000"/>
+                        </a:lnSpc>
+                        <a:spcAft>
+                          <a:spcPts val="0"/>
+                        </a:spcAft>
+                      </a:pPr>
+                      <a:r>
+                        <a:rPr lang="ru-RU" sz="1200" b="0" kern="100" dirty="0">
+                          <a:effectLst/>
+                          <a:latin typeface="Bookman Old Style" panose="02050604050505020204" pitchFamily="18" charset="0"/>
+                        </a:rPr>
+                        <a:t>Итого </a:t>
+                      </a:r>
+                      <a:r>
+                        <a:rPr lang="ru-RU" sz="1200" b="0" kern="100" dirty="0" smtClean="0">
+                          <a:effectLst/>
+                          <a:latin typeface="Bookman Old Style" panose="02050604050505020204" pitchFamily="18" charset="0"/>
+                        </a:rPr>
+                        <a:t>промышленная</a:t>
+                      </a:r>
+                      <a:r>
+                        <a:rPr lang="ru-RU" sz="1200" b="0" kern="100" baseline="0" dirty="0" smtClean="0">
+                          <a:effectLst/>
+                          <a:latin typeface="Bookman Old Style" panose="02050604050505020204" pitchFamily="18" charset="0"/>
+                        </a:rPr>
+                        <a:t> </a:t>
+                      </a:r>
+                      <a:r>
+                        <a:rPr lang="ru-RU" sz="1200" b="0" kern="100" dirty="0" smtClean="0">
+                          <a:effectLst/>
+                          <a:latin typeface="Bookman Old Style" panose="02050604050505020204" pitchFamily="18" charset="0"/>
+                        </a:rPr>
+                        <a:t>стоимость</a:t>
+                      </a:r>
+                      <a:endParaRPr lang="ru-RU" sz="1200" b="0" kern="100" dirty="0">
+                        <a:effectLst/>
+                        <a:latin typeface="Bookman Old Style" panose="02050604050505020204" pitchFamily="18" charset="0"/>
+                        <a:ea typeface="Calibri" panose="020F0502020204030204" pitchFamily="34" charset="0"/>
+                        <a:cs typeface="Times New Roman" panose="02020603050405020304" pitchFamily="18" charset="0"/>
+                      </a:endParaRPr>
+                    </a:p>
+                  </a:txBody>
+                  <a:tcPr marL="50284" marR="50284" marT="0" marB="0"/>
+                </a:tc>
+                <a:tc>
+                  <a:txBody>
+                    <a:bodyPr/>
+                    <a:lstStyle/>
+                    <a:p>
+                      <a:pPr algn="ctr">
+                        <a:lnSpc>
+                          <a:spcPct val="150000"/>
+                        </a:lnSpc>
+                        <a:spcAft>
+                          <a:spcPts val="0"/>
+                        </a:spcAft>
+                      </a:pPr>
+                      <a:r>
+                        <a:rPr lang="ru-RU" sz="1200" b="0" kern="100" dirty="0">
+                          <a:effectLst/>
+                          <a:latin typeface="Bookman Old Style" panose="02050604050505020204" pitchFamily="18" charset="0"/>
+                        </a:rPr>
+                        <a:t>1620</a:t>
+                      </a:r>
+                      <a:endParaRPr lang="ru-RU" sz="1200" b="0" kern="100" dirty="0">
+                        <a:effectLst/>
+                        <a:latin typeface="Bookman Old Style" panose="02050604050505020204" pitchFamily="18" charset="0"/>
+                        <a:ea typeface="Calibri" panose="020F0502020204030204" pitchFamily="34" charset="0"/>
+                        <a:cs typeface="Times New Roman" panose="02020603050405020304" pitchFamily="18" charset="0"/>
+                      </a:endParaRPr>
+                    </a:p>
+                  </a:txBody>
+                  <a:tcPr marL="50284" marR="50284" marT="0" marB="0"/>
+                </a:tc>
+                <a:tc>
+                  <a:txBody>
+                    <a:bodyPr/>
+                    <a:lstStyle/>
+                    <a:p>
+                      <a:pPr algn="just">
+                        <a:lnSpc>
+                          <a:spcPct val="150000"/>
+                        </a:lnSpc>
+                        <a:spcAft>
+                          <a:spcPts val="0"/>
+                        </a:spcAft>
+                      </a:pPr>
+                      <a:r>
+                        <a:rPr lang="ru-RU" sz="1200" b="0" kern="100" dirty="0">
+                          <a:effectLst/>
+                          <a:latin typeface="Bookman Old Style" panose="02050604050505020204" pitchFamily="18" charset="0"/>
+                        </a:rPr>
+                        <a:t> </a:t>
+                      </a:r>
+                      <a:endParaRPr lang="ru-RU" sz="1200" b="0" kern="100" dirty="0">
+                        <a:effectLst/>
+                        <a:latin typeface="Bookman Old Style" panose="02050604050505020204" pitchFamily="18" charset="0"/>
+                        <a:ea typeface="Calibri" panose="020F0502020204030204" pitchFamily="34" charset="0"/>
+                        <a:cs typeface="Times New Roman" panose="02020603050405020304" pitchFamily="18" charset="0"/>
+                      </a:endParaRPr>
+                    </a:p>
+                  </a:txBody>
+                  <a:tcPr marL="50284" marR="50284" marT="0" marB="0"/>
+                </a:tc>
+                <a:extLst>
+                  <a:ext uri="{0D108BD9-81ED-4DB2-BD59-A6C34878D82A}">
+                    <a16:rowId xmlns:a16="http://schemas.microsoft.com/office/drawing/2014/main" val="1237960558"/>
                   </a:ext>
                 </a:extLst>
               </a:tr>
@@ -8147,6 +8857,158 @@
           </a:p>
         </p:txBody>
       </p:sp>
+      <p:pic>
+        <p:nvPicPr>
+          <p:cNvPr id="2050" name="Picture 2" descr="Picture background"/>
+          <p:cNvPicPr>
+            <a:picLocks noChangeAspect="1" noChangeArrowheads="1"/>
+          </p:cNvPicPr>
+          <p:nvPr/>
+        </p:nvPicPr>
+        <p:blipFill>
+          <a:blip r:embed="rId6" cstate="hqprint">
+            <a:extLst>
+              <a:ext uri="{28A0092B-C50C-407E-A947-70E740481C1C}">
+                <a14:useLocalDpi xmlns:a14="http://schemas.microsoft.com/office/drawing/2010/main" val="0"/>
+              </a:ext>
+            </a:extLst>
+          </a:blip>
+          <a:srcRect/>
+          <a:stretch>
+            <a:fillRect/>
+          </a:stretch>
+        </p:blipFill>
+        <p:spPr bwMode="auto">
+          <a:xfrm>
+            <a:off x="10256860" y="1327950"/>
+            <a:ext cx="1188407" cy="1188407"/>
+          </a:xfrm>
+          <a:prstGeom prst="rect">
+            <a:avLst/>
+          </a:prstGeom>
+          <a:noFill/>
+          <a:extLst>
+            <a:ext uri="{909E8E84-426E-40DD-AFC4-6F175D3DCCD1}">
+              <a14:hiddenFill xmlns:a14="http://schemas.microsoft.com/office/drawing/2010/main">
+                <a:solidFill>
+                  <a:srgbClr val="FFFFFF"/>
+                </a:solidFill>
+              </a14:hiddenFill>
+            </a:ext>
+          </a:extLst>
+        </p:spPr>
+      </p:pic>
+      <p:pic>
+        <p:nvPicPr>
+          <p:cNvPr id="3" name="Рисунок 2"/>
+          <p:cNvPicPr>
+            <a:picLocks noChangeAspect="1"/>
+          </p:cNvPicPr>
+          <p:nvPr/>
+        </p:nvPicPr>
+        <p:blipFill rotWithShape="1">
+          <a:blip r:embed="rId7" cstate="hqprint">
+            <a:extLst>
+              <a:ext uri="{28A0092B-C50C-407E-A947-70E740481C1C}">
+                <a14:useLocalDpi xmlns:a14="http://schemas.microsoft.com/office/drawing/2010/main" val="0"/>
+              </a:ext>
+            </a:extLst>
+          </a:blip>
+          <a:srcRect l="18020" t="24789" r="15648" b="20972"/>
+          <a:stretch/>
+        </p:blipFill>
+        <p:spPr>
+          <a:xfrm>
+            <a:off x="10305881" y="599809"/>
+            <a:ext cx="1090367" cy="891601"/>
+          </a:xfrm>
+          <a:prstGeom prst="rect">
+            <a:avLst/>
+          </a:prstGeom>
+        </p:spPr>
+      </p:pic>
+      <p:pic>
+        <p:nvPicPr>
+          <p:cNvPr id="2052" name="Picture 4" descr="Picture background"/>
+          <p:cNvPicPr>
+            <a:picLocks noChangeAspect="1" noChangeArrowheads="1"/>
+          </p:cNvPicPr>
+          <p:nvPr/>
+        </p:nvPicPr>
+        <p:blipFill>
+          <a:blip r:embed="rId8" cstate="hqprint">
+            <a:extLst>
+              <a:ext uri="{28A0092B-C50C-407E-A947-70E740481C1C}">
+                <a14:useLocalDpi xmlns:a14="http://schemas.microsoft.com/office/drawing/2010/main" val="0"/>
+              </a:ext>
+            </a:extLst>
+          </a:blip>
+          <a:srcRect/>
+          <a:stretch>
+            <a:fillRect/>
+          </a:stretch>
+        </p:blipFill>
+        <p:spPr bwMode="auto">
+          <a:xfrm rot="4062822">
+            <a:off x="10904241" y="2299441"/>
+            <a:ext cx="1117587" cy="1117587"/>
+          </a:xfrm>
+          <a:prstGeom prst="rect">
+            <a:avLst/>
+          </a:prstGeom>
+          <a:noFill/>
+          <a:extLst>
+            <a:ext uri="{909E8E84-426E-40DD-AFC4-6F175D3DCCD1}">
+              <a14:hiddenFill xmlns:a14="http://schemas.microsoft.com/office/drawing/2010/main">
+                <a:solidFill>
+                  <a:srgbClr val="FFFFFF"/>
+                </a:solidFill>
+              </a14:hiddenFill>
+            </a:ext>
+          </a:extLst>
+        </p:spPr>
+      </p:pic>
+      <p:pic>
+        <p:nvPicPr>
+          <p:cNvPr id="2054" name="Picture 6" descr="https://avatars.mds.yandex.net/get-goods_pic/14045641/hat2c249d07c31a47bc42936a31d51ea9f8/orig"/>
+          <p:cNvPicPr>
+            <a:picLocks noChangeAspect="1" noChangeArrowheads="1"/>
+          </p:cNvPicPr>
+          <p:nvPr/>
+        </p:nvPicPr>
+        <p:blipFill>
+          <a:blip r:embed="rId9" cstate="hqprint">
+            <a:extLst>
+              <a:ext uri="{28A0092B-C50C-407E-A947-70E740481C1C}">
+                <a14:useLocalDpi xmlns:a14="http://schemas.microsoft.com/office/drawing/2010/main" val="0"/>
+              </a:ext>
+            </a:extLst>
+          </a:blip>
+          <a:srcRect/>
+          <a:stretch>
+            <a:fillRect/>
+          </a:stretch>
+        </p:blipFill>
+        <p:spPr bwMode="auto">
+          <a:xfrm>
+            <a:off x="10176952" y="2376949"/>
+            <a:ext cx="637024" cy="551663"/>
+          </a:xfrm>
+          <a:prstGeom prst="rect">
+            <a:avLst/>
+          </a:prstGeom>
+          <a:noFill/>
+          <a:extLst>
+            <a:ext uri="{909E8E84-426E-40DD-AFC4-6F175D3DCCD1}">
+              <a14:hiddenFill xmlns:a14="http://schemas.microsoft.com/office/drawing/2010/main">
+                <a:solidFill>
+                  <a:srgbClr val="FFFFFF"/>
+                </a:solidFill>
+              </a14:hiddenFill>
+            </a:ext>
+          </a:extLst>
+        </p:spPr>
+      </p:pic>
     </p:spTree>
     <p:extLst>
       <p:ext uri="{BB962C8B-B14F-4D97-AF65-F5344CB8AC3E}">
@@ -8374,9 +9236,6 @@
               </a:rPr>
               <a:t>8</a:t>
             </a:r>
-            <a:endParaRPr lang="ru-RU" dirty="0">
-              <a:latin typeface="Bookman Old Style" panose="02050604050505020204" pitchFamily="18" charset="0"/>
-            </a:endParaRPr>
           </a:p>
         </p:txBody>
       </p:sp>
@@ -8665,9 +9524,6 @@
               </a:rPr>
               <a:t>9</a:t>
             </a:r>
-            <a:endParaRPr lang="ru-RU" dirty="0">
-              <a:latin typeface="Bookman Old Style" panose="02050604050505020204" pitchFamily="18" charset="0"/>
-            </a:endParaRPr>
           </a:p>
         </p:txBody>
       </p:sp>
@@ -8761,8 +9617,8 @@
         </p:nvSpPr>
         <p:spPr>
           <a:xfrm>
-            <a:off x="482037" y="1004132"/>
-            <a:ext cx="6943112" cy="1477328"/>
+            <a:off x="482037" y="1087021"/>
+            <a:ext cx="6943112" cy="1793824"/>
           </a:xfrm>
           <a:prstGeom prst="rect">
             <a:avLst/>
@@ -8776,6 +9632,9 @@
           <a:lstStyle/>
           <a:p>
             <a:pPr marL="285750" indent="-285750">
+              <a:lnSpc>
+                <a:spcPts val="2700"/>
+              </a:lnSpc>
               <a:buFont typeface="Arial" panose="020B0604020202020204" pitchFamily="34" charset="0"/>
               <a:buChar char="•"/>
             </a:pPr>
@@ -8794,6 +9653,9 @@
           </a:p>
           <a:p>
             <a:pPr marL="285750" indent="-285750">
+              <a:lnSpc>
+                <a:spcPts val="2700"/>
+              </a:lnSpc>
               <a:buFont typeface="Arial" panose="020B0604020202020204" pitchFamily="34" charset="0"/>
               <a:buChar char="•"/>
             </a:pPr>
@@ -8806,6 +9668,9 @@
           </a:p>
           <a:p>
             <a:pPr marL="285750" indent="-285750">
+              <a:lnSpc>
+                <a:spcPts val="2700"/>
+              </a:lnSpc>
               <a:buFont typeface="Arial" panose="020B0604020202020204" pitchFamily="34" charset="0"/>
               <a:buChar char="•"/>
             </a:pPr>
@@ -8878,8 +9743,8 @@
         </p:nvSpPr>
         <p:spPr>
           <a:xfrm>
-            <a:off x="600688" y="5237568"/>
-            <a:ext cx="5876925" cy="646331"/>
+            <a:off x="248263" y="4674337"/>
+            <a:ext cx="5876925" cy="836126"/>
           </a:xfrm>
           <a:prstGeom prst="rect">
             <a:avLst/>
@@ -8892,11 +9757,34 @@
           </a:bodyPr>
           <a:lstStyle/>
           <a:p>
+            <a:pPr>
+              <a:lnSpc>
+                <a:spcPts val="2900"/>
+              </a:lnSpc>
+            </a:pPr>
             <a:r>
               <a:rPr lang="ru-RU" dirty="0" smtClean="0">
                 <a:latin typeface="Bookman Old Style" panose="02050604050505020204" pitchFamily="18" charset="0"/>
               </a:rPr>
-              <a:t>Развитие проекта в будущем: интеграция</a:t>
+              <a:t>Предполагается </a:t>
+            </a:r>
+            <a:r>
+              <a:rPr lang="ru-RU" dirty="0">
+                <a:latin typeface="Bookman Old Style" panose="02050604050505020204" pitchFamily="18" charset="0"/>
+              </a:rPr>
+              <a:t>р</a:t>
+            </a:r>
+            <a:r>
+              <a:rPr lang="ru-RU" dirty="0" smtClean="0">
+                <a:latin typeface="Bookman Old Style" panose="02050604050505020204" pitchFamily="18" charset="0"/>
+              </a:rPr>
+              <a:t>азвитие </a:t>
+            </a:r>
+            <a:r>
+              <a:rPr lang="ru-RU" dirty="0" smtClean="0">
+                <a:latin typeface="Bookman Old Style" panose="02050604050505020204" pitchFamily="18" charset="0"/>
+              </a:rPr>
+              <a:t>проекта в будущем: интеграция</a:t>
             </a:r>
             <a:r>
               <a:rPr lang="en-US" dirty="0">
@@ -8933,6 +9821,45 @@
                 <a:latin typeface="Bookman Old Style" panose="02050604050505020204" pitchFamily="18" charset="0"/>
               </a:rPr>
               <a:t>5.3</a:t>
+            </a:r>
+            <a:endParaRPr lang="ru-RU" dirty="0">
+              <a:latin typeface="Bookman Old Style" panose="02050604050505020204" pitchFamily="18" charset="0"/>
+            </a:endParaRPr>
+          </a:p>
+        </p:txBody>
+      </p:sp>
+      <p:sp>
+        <p:nvSpPr>
+          <p:cNvPr id="6" name="TextBox 5"/>
+          <p:cNvSpPr txBox="1"/>
+          <p:nvPr/>
+        </p:nvSpPr>
+        <p:spPr>
+          <a:xfrm>
+            <a:off x="248263" y="3359528"/>
+            <a:ext cx="6623592" cy="836126"/>
+          </a:xfrm>
+          <a:prstGeom prst="rect">
+            <a:avLst/>
+          </a:prstGeom>
+          <a:noFill/>
+        </p:spPr>
+        <p:txBody>
+          <a:bodyPr wrap="square" rtlCol="0">
+            <a:spAutoFit/>
+          </a:bodyPr>
+          <a:lstStyle/>
+          <a:p>
+            <a:pPr>
+              <a:lnSpc>
+                <a:spcPts val="2900"/>
+              </a:lnSpc>
+            </a:pPr>
+            <a:r>
+              <a:rPr lang="ru-RU" dirty="0" smtClean="0">
+                <a:latin typeface="Bookman Old Style" panose="02050604050505020204" pitchFamily="18" charset="0"/>
+              </a:rPr>
+              <a:t>Я считаю, что все поставленные задачи выполнены и устройство можно считать завершенным.</a:t>
             </a:r>
             <a:endParaRPr lang="ru-RU" dirty="0">
               <a:latin typeface="Bookman Old Style" panose="02050604050505020204" pitchFamily="18" charset="0"/>

--- a/Мышка для людей с ОВЗ/Документы/Презентация о манипуляторе.pptx
+++ b/Мышка для людей с ОВЗ/Документы/Презентация о манипуляторе.pptx
@@ -5,7 +5,7 @@
     <p:sldMasterId id="2147483660" r:id="rId1"/>
   </p:sldMasterIdLst>
   <p:sldIdLst>
-    <p:sldId id="256" r:id="rId2"/>
+    <p:sldId id="265" r:id="rId2"/>
     <p:sldId id="257" r:id="rId3"/>
     <p:sldId id="258" r:id="rId4"/>
     <p:sldId id="259" r:id="rId5"/>
@@ -117,7 +117,7 @@
       <p14:sectionLst xmlns:p14="http://schemas.microsoft.com/office/powerpoint/2010/main">
         <p14:section name="Раздел по умолчанию" id="{DFA60C96-6CC5-44CA-B53D-1E5252E7293D}">
           <p14:sldIdLst>
-            <p14:sldId id="256"/>
+            <p14:sldId id="265"/>
             <p14:sldId id="257"/>
             <p14:sldId id="258"/>
             <p14:sldId id="259"/>
@@ -3862,69 +3862,328 @@
       </p:grpSpPr>
       <p:sp>
         <p:nvSpPr>
-          <p:cNvPr id="2" name="Заголовок 1">
+          <p:cNvPr id="2" name="Прямоугольник 1">
             <a:extLst>
               <a:ext uri="{FF2B5EF4-FFF2-40B4-BE49-F238E27FC236}">
-                <a16:creationId xmlns:a16="http://schemas.microsoft.com/office/drawing/2014/main" id="{A7E67CE6-09FF-3E05-770F-7A3E9CEE4882}"/>
+                <a16:creationId xmlns:a16="http://schemas.microsoft.com/office/drawing/2014/main" id="{8351F05A-A149-91D9-F06E-BE9FD1261F7A}"/>
               </a:ext>
             </a:extLst>
           </p:cNvPr>
-          <p:cNvSpPr>
-            <a:spLocks noGrp="1"/>
+          <p:cNvSpPr/>
+          <p:nvPr/>
+        </p:nvSpPr>
+        <p:spPr>
+          <a:xfrm>
+            <a:off x="1170432" y="4251960"/>
+            <a:ext cx="10113264" cy="130549"/>
+          </a:xfrm>
+          <a:prstGeom prst="rect">
+            <a:avLst/>
+          </a:prstGeom>
+          <a:solidFill>
+            <a:schemeClr val="bg1"/>
+          </a:solidFill>
+          <a:ln>
+            <a:noFill/>
+          </a:ln>
+        </p:spPr>
+        <p:style>
+          <a:lnRef idx="2">
+            <a:schemeClr val="accent1">
+              <a:shade val="15000"/>
+            </a:schemeClr>
+          </a:lnRef>
+          <a:fillRef idx="1">
+            <a:schemeClr val="accent1"/>
+          </a:fillRef>
+          <a:effectRef idx="0">
+            <a:schemeClr val="accent1"/>
+          </a:effectRef>
+          <a:fontRef idx="minor">
+            <a:schemeClr val="lt1"/>
+          </a:fontRef>
+        </p:style>
+        <p:txBody>
+          <a:bodyPr rtlCol="0" anchor="ctr"/>
+          <a:lstStyle/>
+          <a:p>
+            <a:pPr algn="ctr"/>
+            <a:endParaRPr lang="ru-RU"/>
+          </a:p>
+        </p:txBody>
+      </p:sp>
+      <p:sp>
+        <p:nvSpPr>
+          <p:cNvPr id="4" name="Заголовок 1"/>
+          <p:cNvSpPr txBox="1">
+            <a:spLocks/>
           </p:cNvSpPr>
-          <p:nvPr>
-            <p:ph type="ctrTitle"/>
-          </p:nvPr>
-        </p:nvSpPr>
-        <p:spPr>
-          <a:xfrm>
-            <a:off x="1524000" y="2644648"/>
-            <a:ext cx="9144000" cy="1305560"/>
-          </a:xfrm>
-        </p:spPr>
-        <p:txBody>
-          <a:bodyPr>
+          <p:nvPr/>
+        </p:nvSpPr>
+        <p:spPr>
+          <a:xfrm>
+            <a:off x="1371600" y="46402"/>
+            <a:ext cx="9485375" cy="1312745"/>
+          </a:xfrm>
+          <a:prstGeom prst="rect">
+            <a:avLst/>
+          </a:prstGeom>
+        </p:spPr>
+        <p:txBody>
+          <a:bodyPr vert="horz" lIns="91440" tIns="45720" rIns="91440" bIns="45720" rtlCol="0" anchor="ctr">
             <a:normAutofit/>
           </a:bodyPr>
-          <a:lstStyle/>
-          <a:p>
-            <a:pPr algn="ctr"/>
-            <a:r>
-              <a:rPr lang="ru-RU" sz="3200" dirty="0">
+          <a:lstStyle>
+            <a:lvl1pPr algn="ctr" defTabSz="914400" rtl="0" eaLnBrk="1" latinLnBrk="0" hangingPunct="1">
+              <a:spcBef>
+                <a:spcPct val="0"/>
+              </a:spcBef>
+              <a:buNone/>
+              <a:defRPr sz="4400" kern="1200">
+                <a:solidFill>
+                  <a:schemeClr val="tx1"/>
+                </a:solidFill>
+                <a:latin typeface="+mj-lt"/>
+                <a:ea typeface="+mj-ea"/>
+                <a:cs typeface="+mj-cs"/>
+              </a:defRPr>
+            </a:lvl1pPr>
+          </a:lstStyle>
+          <a:p>
+            <a:r>
+              <a:rPr lang="ru-RU" sz="2000" dirty="0">
                 <a:latin typeface="Bookman Old Style" panose="02050604050505020204" pitchFamily="18" charset="0"/>
+                <a:cs typeface="Arial" pitchFamily="34" charset="0"/>
               </a:rPr>
-              <a:t>Манипулятор для людей с</a:t>
-            </a:r>
-            <a:br>
-              <a:rPr lang="ru-RU" sz="3200" dirty="0">
+              <a:t>Государственное бюджетное общеобразовательное учреждение </a:t>
+            </a:r>
+            <a:endParaRPr lang="en-US" sz="2000" dirty="0">
+              <a:latin typeface="Bookman Old Style" panose="02050604050505020204" pitchFamily="18" charset="0"/>
+              <a:cs typeface="Arial" pitchFamily="34" charset="0"/>
+            </a:endParaRPr>
+          </a:p>
+          <a:p>
+            <a:r>
+              <a:rPr lang="ru-RU" sz="2000" dirty="0">
                 <a:latin typeface="Bookman Old Style" panose="02050604050505020204" pitchFamily="18" charset="0"/>
+                <a:cs typeface="Arial" pitchFamily="34" charset="0"/>
               </a:rPr>
-            </a:br>
-            <a:r>
-              <a:rPr lang="ru-RU" sz="3200" dirty="0">
+              <a:t>города Москвы «Школа № 1103 имени Героя Российской Федерации А.В. Соломатина»</a:t>
+            </a:r>
+          </a:p>
+        </p:txBody>
+      </p:sp>
+      <p:sp>
+        <p:nvSpPr>
+          <p:cNvPr id="5" name="Подзаголовок 2"/>
+          <p:cNvSpPr txBox="1">
+            <a:spLocks/>
+          </p:cNvSpPr>
+          <p:nvPr/>
+        </p:nvSpPr>
+        <p:spPr>
+          <a:xfrm>
+            <a:off x="2644139" y="2077504"/>
+            <a:ext cx="6783325" cy="1126283"/>
+          </a:xfrm>
+          <a:prstGeom prst="rect">
+            <a:avLst/>
+          </a:prstGeom>
+        </p:spPr>
+        <p:txBody>
+          <a:bodyPr vert="horz" lIns="91440" tIns="45720" rIns="91440" bIns="45720" rtlCol="0">
+            <a:normAutofit/>
+          </a:bodyPr>
+          <a:lstStyle>
+            <a:lvl1pPr marL="0" indent="0" algn="ctr" defTabSz="914400" rtl="0" eaLnBrk="1" latinLnBrk="0" hangingPunct="1">
+              <a:spcBef>
+                <a:spcPct val="20000"/>
+              </a:spcBef>
+              <a:buFont typeface="Arial" pitchFamily="34" charset="0"/>
+              <a:buNone/>
+              <a:defRPr sz="3200" kern="1200">
+                <a:solidFill>
+                  <a:schemeClr val="tx1">
+                    <a:tint val="75000"/>
+                  </a:schemeClr>
+                </a:solidFill>
+                <a:latin typeface="+mn-lt"/>
+                <a:ea typeface="+mn-ea"/>
+                <a:cs typeface="+mn-cs"/>
+              </a:defRPr>
+            </a:lvl1pPr>
+            <a:lvl2pPr marL="457200" indent="0" algn="ctr" defTabSz="914400" rtl="0" eaLnBrk="1" latinLnBrk="0" hangingPunct="1">
+              <a:spcBef>
+                <a:spcPct val="20000"/>
+              </a:spcBef>
+              <a:buFont typeface="Arial" pitchFamily="34" charset="0"/>
+              <a:buNone/>
+              <a:defRPr sz="2800" kern="1200">
+                <a:solidFill>
+                  <a:schemeClr val="tx1">
+                    <a:tint val="75000"/>
+                  </a:schemeClr>
+                </a:solidFill>
+                <a:latin typeface="+mn-lt"/>
+                <a:ea typeface="+mn-ea"/>
+                <a:cs typeface="+mn-cs"/>
+              </a:defRPr>
+            </a:lvl2pPr>
+            <a:lvl3pPr marL="914400" indent="0" algn="ctr" defTabSz="914400" rtl="0" eaLnBrk="1" latinLnBrk="0" hangingPunct="1">
+              <a:spcBef>
+                <a:spcPct val="20000"/>
+              </a:spcBef>
+              <a:buFont typeface="Arial" pitchFamily="34" charset="0"/>
+              <a:buNone/>
+              <a:defRPr sz="2400" kern="1200">
+                <a:solidFill>
+                  <a:schemeClr val="tx1">
+                    <a:tint val="75000"/>
+                  </a:schemeClr>
+                </a:solidFill>
+                <a:latin typeface="+mn-lt"/>
+                <a:ea typeface="+mn-ea"/>
+                <a:cs typeface="+mn-cs"/>
+              </a:defRPr>
+            </a:lvl3pPr>
+            <a:lvl4pPr marL="1371600" indent="0" algn="ctr" defTabSz="914400" rtl="0" eaLnBrk="1" latinLnBrk="0" hangingPunct="1">
+              <a:spcBef>
+                <a:spcPct val="20000"/>
+              </a:spcBef>
+              <a:buFont typeface="Arial" pitchFamily="34" charset="0"/>
+              <a:buNone/>
+              <a:defRPr sz="2000" kern="1200">
+                <a:solidFill>
+                  <a:schemeClr val="tx1">
+                    <a:tint val="75000"/>
+                  </a:schemeClr>
+                </a:solidFill>
+                <a:latin typeface="+mn-lt"/>
+                <a:ea typeface="+mn-ea"/>
+                <a:cs typeface="+mn-cs"/>
+              </a:defRPr>
+            </a:lvl4pPr>
+            <a:lvl5pPr marL="1828800" indent="0" algn="ctr" defTabSz="914400" rtl="0" eaLnBrk="1" latinLnBrk="0" hangingPunct="1">
+              <a:spcBef>
+                <a:spcPct val="20000"/>
+              </a:spcBef>
+              <a:buFont typeface="Arial" pitchFamily="34" charset="0"/>
+              <a:buNone/>
+              <a:defRPr sz="2000" kern="1200">
+                <a:solidFill>
+                  <a:schemeClr val="tx1">
+                    <a:tint val="75000"/>
+                  </a:schemeClr>
+                </a:solidFill>
+                <a:latin typeface="+mn-lt"/>
+                <a:ea typeface="+mn-ea"/>
+                <a:cs typeface="+mn-cs"/>
+              </a:defRPr>
+            </a:lvl5pPr>
+            <a:lvl6pPr marL="2286000" indent="0" algn="ctr" defTabSz="914400" rtl="0" eaLnBrk="1" latinLnBrk="0" hangingPunct="1">
+              <a:spcBef>
+                <a:spcPct val="20000"/>
+              </a:spcBef>
+              <a:buFont typeface="Arial" pitchFamily="34" charset="0"/>
+              <a:buNone/>
+              <a:defRPr sz="2000" kern="1200">
+                <a:solidFill>
+                  <a:schemeClr val="tx1">
+                    <a:tint val="75000"/>
+                  </a:schemeClr>
+                </a:solidFill>
+                <a:latin typeface="+mn-lt"/>
+                <a:ea typeface="+mn-ea"/>
+                <a:cs typeface="+mn-cs"/>
+              </a:defRPr>
+            </a:lvl6pPr>
+            <a:lvl7pPr marL="2743200" indent="0" algn="ctr" defTabSz="914400" rtl="0" eaLnBrk="1" latinLnBrk="0" hangingPunct="1">
+              <a:spcBef>
+                <a:spcPct val="20000"/>
+              </a:spcBef>
+              <a:buFont typeface="Arial" pitchFamily="34" charset="0"/>
+              <a:buNone/>
+              <a:defRPr sz="2000" kern="1200">
+                <a:solidFill>
+                  <a:schemeClr val="tx1">
+                    <a:tint val="75000"/>
+                  </a:schemeClr>
+                </a:solidFill>
+                <a:latin typeface="+mn-lt"/>
+                <a:ea typeface="+mn-ea"/>
+                <a:cs typeface="+mn-cs"/>
+              </a:defRPr>
+            </a:lvl7pPr>
+            <a:lvl8pPr marL="3200400" indent="0" algn="ctr" defTabSz="914400" rtl="0" eaLnBrk="1" latinLnBrk="0" hangingPunct="1">
+              <a:spcBef>
+                <a:spcPct val="20000"/>
+              </a:spcBef>
+              <a:buFont typeface="Arial" pitchFamily="34" charset="0"/>
+              <a:buNone/>
+              <a:defRPr sz="2000" kern="1200">
+                <a:solidFill>
+                  <a:schemeClr val="tx1">
+                    <a:tint val="75000"/>
+                  </a:schemeClr>
+                </a:solidFill>
+                <a:latin typeface="+mn-lt"/>
+                <a:ea typeface="+mn-ea"/>
+                <a:cs typeface="+mn-cs"/>
+              </a:defRPr>
+            </a:lvl8pPr>
+            <a:lvl9pPr marL="3657600" indent="0" algn="ctr" defTabSz="914400" rtl="0" eaLnBrk="1" latinLnBrk="0" hangingPunct="1">
+              <a:spcBef>
+                <a:spcPct val="20000"/>
+              </a:spcBef>
+              <a:buFont typeface="Arial" pitchFamily="34" charset="0"/>
+              <a:buNone/>
+              <a:defRPr sz="2000" kern="1200">
+                <a:solidFill>
+                  <a:schemeClr val="tx1">
+                    <a:tint val="75000"/>
+                  </a:schemeClr>
+                </a:solidFill>
+                <a:latin typeface="+mn-lt"/>
+                <a:ea typeface="+mn-ea"/>
+                <a:cs typeface="+mn-cs"/>
+              </a:defRPr>
+            </a:lvl9pPr>
+          </a:lstStyle>
+          <a:p>
+            <a:r>
+              <a:rPr lang="ru-RU" sz="2400" dirty="0">
+                <a:solidFill>
+                  <a:schemeClr val="tx1"/>
+                </a:solidFill>
                 <a:latin typeface="Bookman Old Style" panose="02050604050505020204" pitchFamily="18" charset="0"/>
+                <a:cs typeface="Arial" pitchFamily="34" charset="0"/>
               </a:rPr>
-              <a:t> ограниченной моторикой рук</a:t>
-            </a:r>
-          </a:p>
-        </p:txBody>
-      </p:sp>
-      <p:sp>
-        <p:nvSpPr>
-          <p:cNvPr id="4" name="TextBox 3">
-            <a:extLst>
-              <a:ext uri="{FF2B5EF4-FFF2-40B4-BE49-F238E27FC236}">
-                <a16:creationId xmlns:a16="http://schemas.microsoft.com/office/drawing/2014/main" id="{49264EBC-55D9-797E-85FB-CF5F151AB620}"/>
-              </a:ext>
-            </a:extLst>
-          </p:cNvPr>
+              <a:t>Манипулятор для людей с ограниченной моторикой рук</a:t>
+            </a:r>
+          </a:p>
+          <a:p>
+            <a:endParaRPr lang="ru-RU" sz="6600" dirty="0">
+              <a:latin typeface="Bookman Old Style" panose="02050604050505020204" pitchFamily="18" charset="0"/>
+              <a:cs typeface="Times New Roman" panose="02020603050405020304" pitchFamily="18" charset="0"/>
+            </a:endParaRPr>
+          </a:p>
+          <a:p>
+            <a:endParaRPr lang="ru-RU" dirty="0">
+              <a:latin typeface="Bookman Old Style" panose="02050604050505020204" pitchFamily="18" charset="0"/>
+            </a:endParaRPr>
+          </a:p>
+        </p:txBody>
+      </p:sp>
+      <p:sp>
+        <p:nvSpPr>
+          <p:cNvPr id="6" name="TextBox 5"/>
           <p:cNvSpPr txBox="1"/>
           <p:nvPr/>
         </p:nvSpPr>
         <p:spPr>
           <a:xfrm>
-            <a:off x="5623560" y="6461235"/>
-            <a:ext cx="2468880" cy="315471"/>
+            <a:off x="7790829" y="3654214"/>
+            <a:ext cx="4401171" cy="2538259"/>
           </a:xfrm>
           <a:prstGeom prst="rect">
             <a:avLst/>
@@ -3937,94 +4196,149 @@
           </a:bodyPr>
           <a:lstStyle/>
           <a:p>
-            <a:r>
-              <a:rPr lang="ru-RU" sz="1450" dirty="0">
+            <a:pPr>
+              <a:lnSpc>
+                <a:spcPct val="150000"/>
+              </a:lnSpc>
+            </a:pPr>
+            <a:r>
+              <a:rPr lang="ru-RU" dirty="0">
+                <a:latin typeface="Bookman Old Style" panose="02050604050505020204" pitchFamily="18" charset="0"/>
+                <a:cs typeface="Arial" pitchFamily="34" charset="0"/>
+              </a:rPr>
+              <a:t>Участник</a:t>
+            </a:r>
+            <a:r>
+              <a:rPr lang="en-US" dirty="0">
+                <a:latin typeface="Bookman Old Style" panose="02050604050505020204" pitchFamily="18" charset="0"/>
+                <a:cs typeface="Arial" pitchFamily="34" charset="0"/>
+              </a:rPr>
+              <a:t>:</a:t>
+            </a:r>
+            <a:endParaRPr lang="ru-RU" dirty="0">
+              <a:latin typeface="Bookman Old Style" panose="02050604050505020204" pitchFamily="18" charset="0"/>
+              <a:cs typeface="Arial" pitchFamily="34" charset="0"/>
+            </a:endParaRPr>
+          </a:p>
+          <a:p>
+            <a:pPr>
+              <a:lnSpc>
+                <a:spcPct val="150000"/>
+              </a:lnSpc>
+            </a:pPr>
+            <a:r>
+              <a:rPr lang="ru-RU" dirty="0">
+                <a:latin typeface="Bookman Old Style" panose="02050604050505020204" pitchFamily="18" charset="0"/>
+                <a:cs typeface="Arial" pitchFamily="34" charset="0"/>
+              </a:rPr>
+              <a:t>ученик 9 «И» класса ГБОУ </a:t>
+            </a:r>
+          </a:p>
+          <a:p>
+            <a:pPr>
+              <a:lnSpc>
+                <a:spcPct val="150000"/>
+              </a:lnSpc>
+            </a:pPr>
+            <a:r>
+              <a:rPr lang="ru-RU" dirty="0">
+                <a:latin typeface="Bookman Old Style" panose="02050604050505020204" pitchFamily="18" charset="0"/>
+                <a:cs typeface="Arial" pitchFamily="34" charset="0"/>
+              </a:rPr>
+              <a:t>Школа № 1103  Пивоваров Андрей</a:t>
+            </a:r>
+          </a:p>
+          <a:p>
+            <a:pPr>
+              <a:lnSpc>
+                <a:spcPct val="150000"/>
+              </a:lnSpc>
+            </a:pPr>
+            <a:r>
+              <a:rPr lang="ru-RU" dirty="0">
+                <a:latin typeface="Bookman Old Style" panose="02050604050505020204" pitchFamily="18" charset="0"/>
+                <a:cs typeface="Arial" pitchFamily="34" charset="0"/>
+              </a:rPr>
+              <a:t>Руководитель</a:t>
+            </a:r>
+            <a:r>
+              <a:rPr lang="en-US" dirty="0">
+                <a:latin typeface="Bookman Old Style" panose="02050604050505020204" pitchFamily="18" charset="0"/>
+                <a:cs typeface="Arial" pitchFamily="34" charset="0"/>
+              </a:rPr>
+              <a:t>: </a:t>
+            </a:r>
+            <a:endParaRPr lang="ru-RU" dirty="0">
+              <a:latin typeface="Bookman Old Style" panose="02050604050505020204" pitchFamily="18" charset="0"/>
+              <a:cs typeface="Arial" pitchFamily="34" charset="0"/>
+            </a:endParaRPr>
+          </a:p>
+          <a:p>
+            <a:pPr>
+              <a:lnSpc>
+                <a:spcPct val="150000"/>
+              </a:lnSpc>
+            </a:pPr>
+            <a:r>
+              <a:rPr lang="ru-RU" dirty="0">
+                <a:latin typeface="Bookman Old Style" panose="02050604050505020204" pitchFamily="18" charset="0"/>
+                <a:cs typeface="Arial" pitchFamily="34" charset="0"/>
+              </a:rPr>
+              <a:t>учитель ГБОУ Школа № 1103 </a:t>
+            </a:r>
+          </a:p>
+          <a:p>
+            <a:pPr>
+              <a:lnSpc>
+                <a:spcPct val="150000"/>
+              </a:lnSpc>
+            </a:pPr>
+            <a:r>
+              <a:rPr lang="ru-RU" dirty="0">
+                <a:latin typeface="Bookman Old Style" panose="02050604050505020204" pitchFamily="18" charset="0"/>
+                <a:cs typeface="Arial" pitchFamily="34" charset="0"/>
+              </a:rPr>
+              <a:t>Сокур Мария Евгеньевна</a:t>
+            </a:r>
+          </a:p>
+        </p:txBody>
+      </p:sp>
+      <p:sp>
+        <p:nvSpPr>
+          <p:cNvPr id="7" name="TextBox 6"/>
+          <p:cNvSpPr txBox="1"/>
+          <p:nvPr/>
+        </p:nvSpPr>
+        <p:spPr>
+          <a:xfrm>
+            <a:off x="5132844" y="6413611"/>
+            <a:ext cx="1962888" cy="456535"/>
+          </a:xfrm>
+          <a:prstGeom prst="rect">
+            <a:avLst/>
+          </a:prstGeom>
+          <a:noFill/>
+        </p:spPr>
+        <p:txBody>
+          <a:bodyPr wrap="square" rtlCol="0">
+            <a:spAutoFit/>
+          </a:bodyPr>
+          <a:lstStyle/>
+          <a:p>
+            <a:pPr>
+              <a:lnSpc>
+                <a:spcPct val="150000"/>
+              </a:lnSpc>
+            </a:pPr>
+            <a:r>
+              <a:rPr lang="ru-RU" b="1" dirty="0">
                 <a:solidFill>
                   <a:schemeClr val="bg1"/>
                 </a:solidFill>
                 <a:latin typeface="Bookman Old Style" panose="02050604050505020204" pitchFamily="18" charset="0"/>
+                <a:cs typeface="Arial" pitchFamily="34" charset="0"/>
               </a:rPr>
-              <a:t>Пивоваров Андрей</a:t>
-            </a:r>
-          </a:p>
-        </p:txBody>
-      </p:sp>
-      <p:sp>
-        <p:nvSpPr>
-          <p:cNvPr id="5" name="TextBox 4">
-            <a:extLst>
-              <a:ext uri="{FF2B5EF4-FFF2-40B4-BE49-F238E27FC236}">
-                <a16:creationId xmlns:a16="http://schemas.microsoft.com/office/drawing/2014/main" id="{D4D49818-C97B-F3D4-2D67-125763F3C840}"/>
-              </a:ext>
-            </a:extLst>
-          </p:cNvPr>
-          <p:cNvSpPr txBox="1"/>
-          <p:nvPr/>
-        </p:nvSpPr>
-        <p:spPr>
-          <a:xfrm>
-            <a:off x="7991856" y="6461236"/>
-            <a:ext cx="4648200" cy="307777"/>
-          </a:xfrm>
-          <a:prstGeom prst="rect">
-            <a:avLst/>
-          </a:prstGeom>
-          <a:noFill/>
-        </p:spPr>
-        <p:txBody>
-          <a:bodyPr wrap="square" rtlCol="0">
-            <a:spAutoFit/>
-          </a:bodyPr>
-          <a:lstStyle/>
-          <a:p>
-            <a:r>
-              <a:rPr lang="ru-RU" sz="1400" dirty="0">
-                <a:solidFill>
-                  <a:schemeClr val="bg1"/>
-                </a:solidFill>
-                <a:latin typeface="Bookman Old Style" panose="02050604050505020204" pitchFamily="18" charset="0"/>
-              </a:rPr>
-              <a:t>ГБОУ СОШ №1103 Имени А. В. Соломатина</a:t>
-            </a:r>
-          </a:p>
-        </p:txBody>
-      </p:sp>
-      <p:sp>
-        <p:nvSpPr>
-          <p:cNvPr id="6" name="TextBox 5">
-            <a:extLst>
-              <a:ext uri="{FF2B5EF4-FFF2-40B4-BE49-F238E27FC236}">
-                <a16:creationId xmlns:a16="http://schemas.microsoft.com/office/drawing/2014/main" id="{B0D075A8-1855-F355-7718-BB9AEB66D38F}"/>
-              </a:ext>
-            </a:extLst>
-          </p:cNvPr>
-          <p:cNvSpPr txBox="1"/>
-          <p:nvPr/>
-        </p:nvSpPr>
-        <p:spPr>
-          <a:xfrm>
-            <a:off x="0" y="6466362"/>
-            <a:ext cx="2715768" cy="338554"/>
-          </a:xfrm>
-          <a:prstGeom prst="rect">
-            <a:avLst/>
-          </a:prstGeom>
-          <a:noFill/>
-        </p:spPr>
-        <p:txBody>
-          <a:bodyPr wrap="square" rtlCol="0">
-            <a:spAutoFit/>
-          </a:bodyPr>
-          <a:lstStyle/>
-          <a:p>
-            <a:r>
-              <a:rPr lang="ru-RU" sz="1600" dirty="0">
-                <a:solidFill>
-                  <a:schemeClr val="bg1"/>
-                </a:solidFill>
-                <a:latin typeface="Bookman Old Style" panose="02050604050505020204" pitchFamily="18" charset="0"/>
-              </a:rPr>
-              <a:t>Москва, 2026 год</a:t>
+              <a:t>Москва, 2026</a:t>
             </a:r>
           </a:p>
         </p:txBody>
@@ -4032,20 +4346,13 @@
     </p:spTree>
     <p:extLst>
       <p:ext uri="{BB962C8B-B14F-4D97-AF65-F5344CB8AC3E}">
-        <p14:creationId xmlns:p14="http://schemas.microsoft.com/office/powerpoint/2010/main" val="2968940016"/>
+        <p14:creationId xmlns:p14="http://schemas.microsoft.com/office/powerpoint/2010/main" val="2375317715"/>
       </p:ext>
     </p:extLst>
   </p:cSld>
   <p:clrMapOvr>
     <a:masterClrMapping/>
   </p:clrMapOvr>
-  <p:timing>
-    <p:tnLst>
-      <p:par>
-        <p:cTn id="1" dur="indefinite" restart="never" nodeType="tmRoot"/>
-      </p:par>
-    </p:tnLst>
-  </p:timing>
 </p:sld>
 </file>
 
@@ -4392,8 +4699,8 @@
         </p:nvSpPr>
         <p:spPr>
           <a:xfrm>
-            <a:off x="4617720" y="494198"/>
-            <a:ext cx="7325511" cy="5541710"/>
+            <a:off x="4617720" y="969686"/>
+            <a:ext cx="7325511" cy="4364465"/>
           </a:xfrm>
           <a:prstGeom prst="rect">
             <a:avLst/>
@@ -4415,7 +4722,7 @@
               <a:rPr lang="ru-RU" sz="1700" dirty="0">
                 <a:latin typeface="Bookman Old Style" panose="02050604050505020204" pitchFamily="18" charset="0"/>
               </a:rPr>
-              <a:t>Множество людей в современном мире страдают от проблем с мелкой моторикой на подобии тремора, в результате инсульта, паркинсонизма, артрита, церебрального паралича или травм, и все они часто имеют трудности при коммуникации с цифровой средой, которая в наше время отвечает за поток информации, учебу, работу и многое другое. Для таких людей обыкновенные средства ввода часто становятся непреодолимым барьером.</a:t>
+              <a:t>Множество людей в современном мире страдают от проблем с мелкой моторикой, и все они часто имеют трудности при коммуникации с цифровой средой, которая в наше время отвечает за поток информации, учебу, работу и многое другое. Для таких людей обыкновенные средства ввода часто становятся непреодолимым барьером.</a:t>
             </a:r>
           </a:p>
           <a:p>
@@ -4428,7 +4735,7 @@
               <a:rPr lang="ru-RU" sz="1700" dirty="0">
                 <a:latin typeface="Bookman Old Style" panose="02050604050505020204" pitchFamily="18" charset="0"/>
               </a:rPr>
-              <a:t>На рынке есть устройства которые в теории могут помочь при таком роде проблемы, однако они имеют критические недостатки. Высокая стоимость от 5 тыс. рублей, сложность настройки, необходимость в специальной подготовке пользователя, а также часто минимальная эффективность при треморе делает их неподходящими для пожилых людей или людей с ограниченными возможностями.</a:t>
+              <a:t>Высокая стоимость от 5 тыс. рублей, сложность настройки, необходимость в специальной подготовке пользователя, а также часто минимальная эффективность при треморе делает аналоги на рынке неподходящими для пожилых людей или людей с ограниченными возможностями.</a:t>
             </a:r>
           </a:p>
         </p:txBody>
@@ -4497,13 +4804,6 @@
   <p:clrMapOvr>
     <a:masterClrMapping/>
   </p:clrMapOvr>
-  <p:timing>
-    <p:tnLst>
-      <p:par>
-        <p:cTn id="1" dur="indefinite" restart="never" nodeType="tmRoot"/>
-      </p:par>
-    </p:tnLst>
-  </p:timing>
 </p:sld>
 </file>
 
@@ -5243,13 +5543,6 @@
   <p:clrMapOvr>
     <a:masterClrMapping/>
   </p:clrMapOvr>
-  <p:timing>
-    <p:tnLst>
-      <p:par>
-        <p:cTn id="1" dur="indefinite" restart="never" nodeType="tmRoot"/>
-      </p:par>
-    </p:tnLst>
-  </p:timing>
 </p:sld>
 </file>
 
@@ -5854,13 +6147,6 @@
   <p:clrMapOvr>
     <a:masterClrMapping/>
   </p:clrMapOvr>
-  <p:timing>
-    <p:tnLst>
-      <p:par>
-        <p:cTn id="1" dur="indefinite" restart="never" nodeType="tmRoot"/>
-      </p:par>
-    </p:tnLst>
-  </p:timing>
 </p:sld>
 </file>
 
@@ -6230,7 +6516,7 @@
                           <a:spcPts val="0"/>
                         </a:spcAft>
                       </a:pPr>
-                      <a:endParaRPr lang="ru-RU" sz="1200" b="0" kern="100" dirty="0" smtClean="0">
+                      <a:endParaRPr lang="ru-RU" sz="1200" b="0" kern="100" dirty="0">
                         <a:effectLst/>
                         <a:latin typeface="Bookman Old Style" panose="02050604050505020204" pitchFamily="18" charset="0"/>
                       </a:endParaRPr>
@@ -6245,7 +6531,7 @@
                         </a:spcAft>
                       </a:pPr>
                       <a:r>
-                        <a:rPr lang="ru-RU" sz="1200" b="0" kern="100" dirty="0" smtClean="0">
+                        <a:rPr lang="ru-RU" sz="1200" b="0" kern="100" dirty="0">
                           <a:effectLst/>
                           <a:latin typeface="Bookman Old Style" panose="02050604050505020204" pitchFamily="18" charset="0"/>
                         </a:rPr>
@@ -6356,7 +6642,7 @@
                         </a:spcAft>
                       </a:pPr>
                       <a:r>
-                        <a:rPr lang="ru-RU" sz="1200" b="0" kern="100" dirty="0" smtClean="0">
+                        <a:rPr lang="ru-RU" sz="1200" b="0" kern="100" dirty="0">
                           <a:effectLst/>
                           <a:latin typeface="Bookman Old Style" panose="02050604050505020204" pitchFamily="18" charset="0"/>
                           <a:ea typeface="+mn-ea"/>
@@ -6453,7 +6739,7 @@
                         </a:spcAft>
                       </a:pPr>
                       <a:r>
-                        <a:rPr lang="ru-RU" sz="1200" b="0" kern="100" dirty="0" smtClean="0">
+                        <a:rPr lang="ru-RU" sz="1200" b="0" kern="100" dirty="0">
                           <a:effectLst/>
                           <a:latin typeface="Bookman Old Style" panose="02050604050505020204" pitchFamily="18" charset="0"/>
                         </a:rPr>
@@ -6494,14 +6780,7 @@
                           <a:effectLst/>
                           <a:latin typeface="Bookman Old Style" panose="02050604050505020204" pitchFamily="18" charset="0"/>
                         </a:rPr>
-                        <a:t>Итого </a:t>
-                      </a:r>
-                      <a:r>
-                        <a:rPr lang="ru-RU" sz="1200" b="0" kern="100" dirty="0" smtClean="0">
-                          <a:effectLst/>
-                          <a:latin typeface="Bookman Old Style" panose="02050604050505020204" pitchFamily="18" charset="0"/>
-                        </a:rPr>
-                        <a:t>розничная себестоимость</a:t>
+                        <a:t>Итого розничная себестоимость</a:t>
                       </a:r>
                       <a:endParaRPr lang="ru-RU" sz="1200" b="0" kern="100" dirty="0">
                         <a:effectLst/>
@@ -6527,7 +6806,7 @@
                         </a:spcAft>
                       </a:pPr>
                       <a:r>
-                        <a:rPr lang="ru-RU" sz="1200" b="0" kern="100" dirty="0" smtClean="0">
+                        <a:rPr lang="ru-RU" sz="1200" b="0" kern="100" dirty="0">
                           <a:effectLst/>
                           <a:latin typeface="Bookman Old Style" panose="02050604050505020204" pitchFamily="18" charset="0"/>
                         </a:rPr>
@@ -6615,7 +6894,7 @@
                         </a:spcAft>
                       </a:pPr>
                       <a:r>
-                        <a:rPr lang="ru-RU" sz="1200" b="0" kern="100" dirty="0" smtClean="0">
+                        <a:rPr lang="ru-RU" sz="1200" b="0" kern="100" dirty="0">
                           <a:effectLst/>
                           <a:latin typeface="Bookman Old Style" panose="02050604050505020204" pitchFamily="18" charset="0"/>
                         </a:rPr>
@@ -7160,24 +7439,17 @@
                           <a:effectLst/>
                           <a:latin typeface="Bookman Old Style" panose="02050604050505020204" pitchFamily="18" charset="0"/>
                         </a:rPr>
-                        <a:t>Итого </a:t>
+                        <a:t>Итого промышленная</a:t>
                       </a:r>
                       <a:r>
-                        <a:rPr lang="ru-RU" sz="1200" b="0" kern="100" dirty="0" smtClean="0">
-                          <a:effectLst/>
-                          <a:latin typeface="Bookman Old Style" panose="02050604050505020204" pitchFamily="18" charset="0"/>
-                        </a:rPr>
-                        <a:t>промышленная</a:t>
-                      </a:r>
-                      <a:r>
-                        <a:rPr lang="ru-RU" sz="1200" b="0" kern="100" baseline="0" dirty="0" smtClean="0">
+                        <a:rPr lang="ru-RU" sz="1200" b="0" kern="100" baseline="0" dirty="0">
                           <a:effectLst/>
                           <a:latin typeface="Bookman Old Style" panose="02050604050505020204" pitchFamily="18" charset="0"/>
                         </a:rPr>
                         <a:t> </a:t>
                       </a:r>
                       <a:r>
-                        <a:rPr lang="ru-RU" sz="1200" b="0" kern="100" dirty="0" smtClean="0">
+                        <a:rPr lang="ru-RU" sz="1200" b="0" kern="100" dirty="0">
                           <a:effectLst/>
                           <a:latin typeface="Bookman Old Style" panose="02050604050505020204" pitchFamily="18" charset="0"/>
                         </a:rPr>
@@ -7273,13 +7545,6 @@
   <p:clrMapOvr>
     <a:masterClrMapping/>
   </p:clrMapOvr>
-  <p:timing>
-    <p:tnLst>
-      <p:par>
-        <p:cTn id="1" dur="indefinite" restart="never" nodeType="tmRoot"/>
-      </p:par>
-    </p:tnLst>
-  </p:timing>
 </p:sld>
 </file>
 
@@ -7876,13 +8141,6 @@
   <p:clrMapOvr>
     <a:masterClrMapping/>
   </p:clrMapOvr>
-  <p:timing>
-    <p:tnLst>
-      <p:par>
-        <p:cTn id="1" dur="indefinite" restart="never" nodeType="tmRoot"/>
-      </p:par>
-    </p:tnLst>
-  </p:timing>
 </p:sld>
 </file>
 
@@ -8175,7 +8433,7 @@
           <a:lstStyle/>
           <a:p>
             <a:r>
-              <a:rPr lang="ru-RU" sz="2000" dirty="0" smtClean="0">
+              <a:rPr lang="ru-RU" sz="2000" dirty="0">
                 <a:solidFill>
                   <a:schemeClr val="bg1"/>
                 </a:solidFill>
@@ -8183,12 +8441,6 @@
               </a:rPr>
               <a:t>Процесс изготовления</a:t>
             </a:r>
-            <a:endParaRPr lang="ru-RU" sz="2000" dirty="0">
-              <a:solidFill>
-                <a:schemeClr val="bg1"/>
-              </a:solidFill>
-              <a:latin typeface="Bookman Old Style" panose="02050604050505020204" pitchFamily="18" charset="0"/>
-            </a:endParaRPr>
           </a:p>
         </p:txBody>
       </p:sp>
@@ -8273,7 +8525,7 @@
           <a:lstStyle/>
           <a:p>
             <a:r>
-              <a:rPr lang="en-US" dirty="0" smtClean="0">
+              <a:rPr lang="en-US" dirty="0">
                 <a:solidFill>
                   <a:schemeClr val="bg1"/>
                 </a:solidFill>
@@ -8703,7 +8955,7 @@
               </a:lnSpc>
             </a:pPr>
             <a:r>
-              <a:rPr lang="ru-RU" sz="1700" dirty="0" smtClean="0">
+              <a:rPr lang="ru-RU" sz="1700" dirty="0">
                 <a:latin typeface="Bookman Old Style" panose="02050604050505020204" pitchFamily="18" charset="0"/>
               </a:rPr>
               <a:t>Было решено что будут использоваться следующие электрические компоненты:</a:t>
@@ -8739,19 +8991,19 @@
               </a:lnSpc>
             </a:pPr>
             <a:r>
-              <a:rPr lang="ru-RU" sz="1700" dirty="0" smtClean="0">
+              <a:rPr lang="ru-RU" sz="1700" dirty="0">
                 <a:latin typeface="Bookman Old Style" panose="02050604050505020204" pitchFamily="18" charset="0"/>
               </a:rPr>
               <a:t>После определения эл. компонентов началось моделирование деталей манипулятора. Первая версия рукоятки была недостаточно эргономичной, и была усовершенствована, получив большую площадь опоры для руки и пазы для пальцев. Потом последовала 3</a:t>
             </a:r>
             <a:r>
-              <a:rPr lang="en-US" sz="1700" dirty="0" smtClean="0">
+              <a:rPr lang="en-US" sz="1700" dirty="0">
                 <a:latin typeface="Bookman Old Style" panose="02050604050505020204" pitchFamily="18" charset="0"/>
               </a:rPr>
               <a:t>D</a:t>
             </a:r>
             <a:r>
-              <a:rPr lang="ru-RU" sz="1700" dirty="0" smtClean="0">
+              <a:rPr lang="ru-RU" sz="1700" dirty="0">
                 <a:latin typeface="Bookman Old Style" panose="02050604050505020204" pitchFamily="18" charset="0"/>
               </a:rPr>
               <a:t> печать и зачистка деталей</a:t>
@@ -8786,13 +9038,13 @@
               <a:buAutoNum type="arabicPeriod"/>
             </a:pPr>
             <a:r>
-              <a:rPr lang="en-US" sz="1700" dirty="0" smtClean="0">
+              <a:rPr lang="en-US" sz="1700" dirty="0">
                 <a:latin typeface="Bookman Old Style" panose="02050604050505020204" pitchFamily="18" charset="0"/>
               </a:rPr>
               <a:t>MPU-6050 </a:t>
             </a:r>
             <a:r>
-              <a:rPr lang="ru-RU" sz="1700" dirty="0" smtClean="0">
+              <a:rPr lang="ru-RU" sz="1700" dirty="0">
                 <a:latin typeface="Bookman Old Style" panose="02050604050505020204" pitchFamily="18" charset="0"/>
               </a:rPr>
               <a:t>для преобразования наклона манипулятора в сигнал</a:t>
@@ -8804,13 +9056,13 @@
               <a:buAutoNum type="arabicPeriod"/>
             </a:pPr>
             <a:r>
-              <a:rPr lang="en-US" sz="1700" dirty="0" smtClean="0">
+              <a:rPr lang="en-US" sz="1700" dirty="0">
                 <a:latin typeface="Bookman Old Style" panose="02050604050505020204" pitchFamily="18" charset="0"/>
               </a:rPr>
               <a:t>Arduino Pro Micro </a:t>
             </a:r>
             <a:r>
-              <a:rPr lang="ru-RU" sz="1700" dirty="0" smtClean="0">
+              <a:rPr lang="ru-RU" sz="1700" dirty="0">
                 <a:latin typeface="Bookman Old Style" panose="02050604050505020204" pitchFamily="18" charset="0"/>
               </a:rPr>
               <a:t>для управления компьютером</a:t>
@@ -8822,19 +9074,19 @@
               <a:buAutoNum type="arabicPeriod"/>
             </a:pPr>
             <a:r>
-              <a:rPr lang="ru-RU" sz="1700" dirty="0" smtClean="0">
+              <a:rPr lang="ru-RU" sz="1700" dirty="0">
                 <a:latin typeface="Bookman Old Style" panose="02050604050505020204" pitchFamily="18" charset="0"/>
               </a:rPr>
               <a:t>Инкрементальный энкодер </a:t>
             </a:r>
             <a:r>
-              <a:rPr lang="en-US" sz="1700" dirty="0" smtClean="0">
+              <a:rPr lang="en-US" sz="1700" dirty="0">
                 <a:latin typeface="Bookman Old Style" panose="02050604050505020204" pitchFamily="18" charset="0"/>
               </a:rPr>
               <a:t>EC11</a:t>
             </a:r>
             <a:r>
-              <a:rPr lang="ru-RU" sz="1700" dirty="0" smtClean="0">
+              <a:rPr lang="ru-RU" sz="1700" dirty="0">
                 <a:latin typeface="Bookman Old Style" panose="02050604050505020204" pitchFamily="18" charset="0"/>
               </a:rPr>
               <a:t> для имитации прокрутки колесика мыши</a:t>
@@ -8846,14 +9098,11 @@
               <a:buAutoNum type="arabicPeriod"/>
             </a:pPr>
             <a:r>
-              <a:rPr lang="ru-RU" sz="1700" dirty="0" smtClean="0">
+              <a:rPr lang="ru-RU" sz="1700" dirty="0">
                 <a:latin typeface="Bookman Old Style" panose="02050604050505020204" pitchFamily="18" charset="0"/>
               </a:rPr>
               <a:t>Тактовые кнопки для выбора чувствительности и имитации левого/правого клика мыши</a:t>
             </a:r>
-            <a:endParaRPr lang="ru-RU" sz="1700" dirty="0">
-              <a:latin typeface="Bookman Old Style" panose="02050604050505020204" pitchFamily="18" charset="0"/>
-            </a:endParaRPr>
           </a:p>
         </p:txBody>
       </p:sp>
@@ -9019,13 +9268,6 @@
   <p:clrMapOvr>
     <a:masterClrMapping/>
   </p:clrMapOvr>
-  <p:timing>
-    <p:tnLst>
-      <p:par>
-        <p:cTn id="1" dur="indefinite" restart="never" nodeType="tmRoot"/>
-      </p:par>
-    </p:tnLst>
-  </p:timing>
 </p:sld>
 </file>
 
@@ -9133,7 +9375,7 @@
           <a:lstStyle/>
           <a:p>
             <a:r>
-              <a:rPr lang="ru-RU" sz="2100" dirty="0" smtClean="0">
+              <a:rPr lang="ru-RU" sz="2100" dirty="0">
                 <a:solidFill>
                   <a:schemeClr val="tx1"/>
                 </a:solidFill>
@@ -9141,12 +9383,6 @@
               </a:rPr>
               <a:t>Взрыв - схема</a:t>
             </a:r>
-            <a:endParaRPr lang="ru-RU" sz="2100" dirty="0">
-              <a:solidFill>
-                <a:schemeClr val="tx1"/>
-              </a:solidFill>
-              <a:latin typeface="Bookman Old Style" panose="02050604050505020204" pitchFamily="18" charset="0"/>
-            </a:endParaRPr>
           </a:p>
         </p:txBody>
       </p:sp>
@@ -9249,13 +9485,6 @@
   <p:clrMapOvr>
     <a:masterClrMapping/>
   </p:clrMapOvr>
-  <p:timing>
-    <p:tnLst>
-      <p:par>
-        <p:cTn id="1" dur="indefinite" restart="never" nodeType="tmRoot"/>
-      </p:par>
-    </p:tnLst>
-  </p:timing>
 </p:sld>
 </file>
 
@@ -9385,10 +9614,9 @@
           <a:p>
             <a:pPr algn="ctr"/>
             <a:r>
-              <a:rPr lang="ru-RU" dirty="0" smtClean="0"/>
+              <a:rPr lang="ru-RU" dirty="0"/>
               <a:t>с</a:t>
             </a:r>
-            <a:endParaRPr lang="ru-RU" dirty="0"/>
           </a:p>
         </p:txBody>
       </p:sp>
@@ -9421,7 +9649,7 @@
           <a:lstStyle/>
           <a:p>
             <a:r>
-              <a:rPr lang="ru-RU" sz="2000" dirty="0" smtClean="0">
+              <a:rPr lang="ru-RU" sz="2000" dirty="0">
                 <a:solidFill>
                   <a:schemeClr val="tx1"/>
                 </a:solidFill>
@@ -9429,12 +9657,6 @@
               </a:rPr>
               <a:t>Итоги и самооценка</a:t>
             </a:r>
-            <a:endParaRPr lang="ru-RU" sz="2000" dirty="0">
-              <a:solidFill>
-                <a:schemeClr val="tx1"/>
-              </a:solidFill>
-              <a:latin typeface="Bookman Old Style" panose="02050604050505020204" pitchFamily="18" charset="0"/>
-            </a:endParaRPr>
           </a:p>
         </p:txBody>
       </p:sp>
@@ -9642,13 +9864,7 @@
               <a:rPr lang="ru-RU" dirty="0">
                 <a:latin typeface="Bookman Old Style" panose="02050604050505020204" pitchFamily="18" charset="0"/>
               </a:rPr>
-              <a:t>Создан работающий прототип, стабилизирующий мелкие </a:t>
-            </a:r>
-            <a:r>
-              <a:rPr lang="ru-RU" dirty="0" smtClean="0">
-                <a:latin typeface="Bookman Old Style" panose="02050604050505020204" pitchFamily="18" charset="0"/>
-              </a:rPr>
-              <a:t>движения и успешно заменяющий компьютерную мышь. </a:t>
+              <a:t>Создан работающий прототип, стабилизирующий мелкие движения и успешно заменяющий компьютерную мышь. </a:t>
             </a:r>
           </a:p>
           <a:p>
@@ -9660,7 +9876,7 @@
               <a:buChar char="•"/>
             </a:pPr>
             <a:r>
-              <a:rPr lang="ru-RU" dirty="0" smtClean="0">
+              <a:rPr lang="ru-RU" dirty="0">
                 <a:latin typeface="Bookman Old Style" panose="02050604050505020204" pitchFamily="18" charset="0"/>
               </a:rPr>
               <a:t>Устройство не имеет колоссальной цены.</a:t>
@@ -9675,28 +9891,10 @@
               <a:buChar char="•"/>
             </a:pPr>
             <a:r>
-              <a:rPr lang="ru-RU" dirty="0" smtClean="0">
-                <a:latin typeface="Bookman Old Style" panose="02050604050505020204" pitchFamily="18" charset="0"/>
-              </a:rPr>
-              <a:t>Учтены </a:t>
-            </a:r>
-            <a:r>
               <a:rPr lang="ru-RU" dirty="0">
                 <a:latin typeface="Bookman Old Style" panose="02050604050505020204" pitchFamily="18" charset="0"/>
               </a:rPr>
-              <a:t>ключевые </a:t>
-            </a:r>
-            <a:r>
-              <a:rPr lang="ru-RU" dirty="0" smtClean="0">
-                <a:latin typeface="Bookman Old Style" panose="02050604050505020204" pitchFamily="18" charset="0"/>
-              </a:rPr>
-              <a:t>эргономические </a:t>
-            </a:r>
-            <a:r>
-              <a:rPr lang="ru-RU" dirty="0">
-                <a:latin typeface="Bookman Old Style" panose="02050604050505020204" pitchFamily="18" charset="0"/>
-              </a:rPr>
-              <a:t>требования.</a:t>
+              <a:t>Учтены ключевые эргономические требования.</a:t>
             </a:r>
           </a:p>
         </p:txBody>
@@ -9724,14 +9922,11 @@
           <a:lstStyle/>
           <a:p>
             <a:r>
-              <a:rPr lang="ru-RU" dirty="0" smtClean="0">
+              <a:rPr lang="ru-RU" dirty="0">
                 <a:latin typeface="Bookman Old Style" panose="02050604050505020204" pitchFamily="18" charset="0"/>
               </a:rPr>
               <a:t>Итоги работы:</a:t>
             </a:r>
-            <a:endParaRPr lang="ru-RU" dirty="0">
-              <a:latin typeface="Bookman Old Style" panose="02050604050505020204" pitchFamily="18" charset="0"/>
-            </a:endParaRPr>
           </a:p>
         </p:txBody>
       </p:sp>
@@ -9763,61 +9958,37 @@
               </a:lnSpc>
             </a:pPr>
             <a:r>
-              <a:rPr lang="ru-RU" dirty="0" smtClean="0">
-                <a:latin typeface="Bookman Old Style" panose="02050604050505020204" pitchFamily="18" charset="0"/>
-              </a:rPr>
-              <a:t>Предполагается </a:t>
-            </a:r>
-            <a:r>
               <a:rPr lang="ru-RU" dirty="0">
                 <a:latin typeface="Bookman Old Style" panose="02050604050505020204" pitchFamily="18" charset="0"/>
               </a:rPr>
-              <a:t>р</a:t>
-            </a:r>
-            <a:r>
-              <a:rPr lang="ru-RU" dirty="0" smtClean="0">
-                <a:latin typeface="Bookman Old Style" panose="02050604050505020204" pitchFamily="18" charset="0"/>
-              </a:rPr>
-              <a:t>азвитие </a:t>
-            </a:r>
-            <a:r>
-              <a:rPr lang="ru-RU" dirty="0" smtClean="0">
-                <a:latin typeface="Bookman Old Style" panose="02050604050505020204" pitchFamily="18" charset="0"/>
-              </a:rPr>
-              <a:t>проекта в будущем: интеграция</a:t>
+              <a:t>Предполагается развитие проекта в будущем: интеграция</a:t>
             </a:r>
             <a:r>
               <a:rPr lang="en-US" dirty="0">
                 <a:latin typeface="Bookman Old Style" panose="02050604050505020204" pitchFamily="18" charset="0"/>
               </a:rPr>
-              <a:t> </a:t>
-            </a:r>
-            <a:r>
-              <a:rPr lang="en-US" dirty="0" smtClean="0">
-                <a:latin typeface="Bookman Old Style" panose="02050604050505020204" pitchFamily="18" charset="0"/>
-              </a:rPr>
-              <a:t>c</a:t>
-            </a:r>
-            <a:r>
-              <a:rPr lang="ru-RU" dirty="0" smtClean="0">
+              <a:t> c</a:t>
+            </a:r>
+            <a:r>
+              <a:rPr lang="ru-RU" dirty="0">
                 <a:latin typeface="Bookman Old Style" panose="02050604050505020204" pitchFamily="18" charset="0"/>
               </a:rPr>
               <a:t> </a:t>
             </a:r>
             <a:r>
-              <a:rPr lang="en-US" dirty="0" smtClean="0">
+              <a:rPr lang="en-US" dirty="0">
                 <a:latin typeface="Bookman Old Style" panose="02050604050505020204" pitchFamily="18" charset="0"/>
               </a:rPr>
               <a:t>Bluetooth</a:t>
             </a:r>
             <a:r>
-              <a:rPr lang="ru-RU" dirty="0" smtClean="0">
+              <a:rPr lang="ru-RU" dirty="0">
                 <a:latin typeface="Bookman Old Style" panose="02050604050505020204" pitchFamily="18" charset="0"/>
               </a:rPr>
               <a:t> </a:t>
             </a:r>
             <a:r>
-              <a:rPr lang="en-US" dirty="0" smtClean="0">
+              <a:rPr lang="en-US" dirty="0">
                 <a:latin typeface="Bookman Old Style" panose="02050604050505020204" pitchFamily="18" charset="0"/>
               </a:rPr>
               <a:t>5.3</a:t>
@@ -9856,14 +10027,11 @@
               </a:lnSpc>
             </a:pPr>
             <a:r>
-              <a:rPr lang="ru-RU" dirty="0" smtClean="0">
+              <a:rPr lang="ru-RU" dirty="0">
                 <a:latin typeface="Bookman Old Style" panose="02050604050505020204" pitchFamily="18" charset="0"/>
               </a:rPr>
               <a:t>Я считаю, что все поставленные задачи выполнены и устройство можно считать завершенным.</a:t>
             </a:r>
-            <a:endParaRPr lang="ru-RU" dirty="0">
-              <a:latin typeface="Bookman Old Style" panose="02050604050505020204" pitchFamily="18" charset="0"/>
-            </a:endParaRPr>
           </a:p>
         </p:txBody>
       </p:sp>
@@ -9877,13 +10045,6 @@
   <p:clrMapOvr>
     <a:masterClrMapping/>
   </p:clrMapOvr>
-  <p:timing>
-    <p:tnLst>
-      <p:par>
-        <p:cTn id="1" dur="indefinite" restart="never" nodeType="tmRoot"/>
-      </p:par>
-    </p:tnLst>
-  </p:timing>
 </p:sld>
 </file>
 

--- a/Мышка для людей с ОВЗ/Документы/Презентация о манипуляторе.pptx
+++ b/Мышка для людей с ОВЗ/Документы/Презентация о манипуляторе.pptx
@@ -389,7 +389,7 @@
           <a:p>
             <a:fld id="{BB72D5D3-D9D5-4A9C-867E-F13F5DA2FF7F}" type="datetimeFigureOut">
               <a:rPr lang="ru-RU" smtClean="0"/>
-              <a:t>09.02.2026</a:t>
+              <a:t>10.02.2026</a:t>
             </a:fld>
             <a:endParaRPr lang="ru-RU"/>
           </a:p>
@@ -597,7 +597,7 @@
           <a:p>
             <a:fld id="{BB72D5D3-D9D5-4A9C-867E-F13F5DA2FF7F}" type="datetimeFigureOut">
               <a:rPr lang="ru-RU" smtClean="0"/>
-              <a:t>09.02.2026</a:t>
+              <a:t>10.02.2026</a:t>
             </a:fld>
             <a:endParaRPr lang="ru-RU"/>
           </a:p>
@@ -853,7 +853,7 @@
           <a:p>
             <a:fld id="{BB72D5D3-D9D5-4A9C-867E-F13F5DA2FF7F}" type="datetimeFigureOut">
               <a:rPr lang="ru-RU" smtClean="0"/>
-              <a:t>09.02.2026</a:t>
+              <a:t>10.02.2026</a:t>
             </a:fld>
             <a:endParaRPr lang="ru-RU"/>
           </a:p>
@@ -1027,7 +1027,7 @@
           <a:p>
             <a:fld id="{BB72D5D3-D9D5-4A9C-867E-F13F5DA2FF7F}" type="datetimeFigureOut">
               <a:rPr lang="ru-RU" smtClean="0"/>
-              <a:t>09.02.2026</a:t>
+              <a:t>10.02.2026</a:t>
             </a:fld>
             <a:endParaRPr lang="ru-RU"/>
           </a:p>
@@ -1370,7 +1370,7 @@
           <a:p>
             <a:fld id="{BB72D5D3-D9D5-4A9C-867E-F13F5DA2FF7F}" type="datetimeFigureOut">
               <a:rPr lang="ru-RU" smtClean="0"/>
-              <a:t>09.02.2026</a:t>
+              <a:t>10.02.2026</a:t>
             </a:fld>
             <a:endParaRPr lang="ru-RU"/>
           </a:p>
@@ -1645,7 +1645,7 @@
           <a:p>
             <a:fld id="{BB72D5D3-D9D5-4A9C-867E-F13F5DA2FF7F}" type="datetimeFigureOut">
               <a:rPr lang="ru-RU" smtClean="0"/>
-              <a:t>09.02.2026</a:t>
+              <a:t>10.02.2026</a:t>
             </a:fld>
             <a:endParaRPr lang="ru-RU"/>
           </a:p>
@@ -2024,7 +2024,7 @@
           <a:p>
             <a:fld id="{BB72D5D3-D9D5-4A9C-867E-F13F5DA2FF7F}" type="datetimeFigureOut">
               <a:rPr lang="ru-RU" smtClean="0"/>
-              <a:t>09.02.2026</a:t>
+              <a:t>10.02.2026</a:t>
             </a:fld>
             <a:endParaRPr lang="ru-RU"/>
           </a:p>
@@ -2142,7 +2142,7 @@
           <a:p>
             <a:fld id="{BB72D5D3-D9D5-4A9C-867E-F13F5DA2FF7F}" type="datetimeFigureOut">
               <a:rPr lang="ru-RU" smtClean="0"/>
-              <a:t>09.02.2026</a:t>
+              <a:t>10.02.2026</a:t>
             </a:fld>
             <a:endParaRPr lang="ru-RU"/>
           </a:p>
@@ -2313,7 +2313,7 @@
           <a:p>
             <a:fld id="{BB72D5D3-D9D5-4A9C-867E-F13F5DA2FF7F}" type="datetimeFigureOut">
               <a:rPr lang="ru-RU" smtClean="0"/>
-              <a:t>09.02.2026</a:t>
+              <a:t>10.02.2026</a:t>
             </a:fld>
             <a:endParaRPr lang="ru-RU"/>
           </a:p>
@@ -2667,7 +2667,7 @@
           <a:p>
             <a:fld id="{BB72D5D3-D9D5-4A9C-867E-F13F5DA2FF7F}" type="datetimeFigureOut">
               <a:rPr lang="ru-RU" smtClean="0"/>
-              <a:t>09.02.2026</a:t>
+              <a:t>10.02.2026</a:t>
             </a:fld>
             <a:endParaRPr lang="ru-RU"/>
           </a:p>
@@ -3049,7 +3049,7 @@
           <a:p>
             <a:fld id="{BB72D5D3-D9D5-4A9C-867E-F13F5DA2FF7F}" type="datetimeFigureOut">
               <a:rPr lang="ru-RU" smtClean="0"/>
-              <a:t>09.02.2026</a:t>
+              <a:t>10.02.2026</a:t>
             </a:fld>
             <a:endParaRPr lang="ru-RU"/>
           </a:p>
@@ -3336,7 +3336,7 @@
           <a:p>
             <a:fld id="{BB72D5D3-D9D5-4A9C-867E-F13F5DA2FF7F}" type="datetimeFigureOut">
               <a:rPr lang="ru-RU" smtClean="0"/>
-              <a:t>09.02.2026</a:t>
+              <a:t>10.02.2026</a:t>
             </a:fld>
             <a:endParaRPr lang="ru-RU"/>
           </a:p>
@@ -4804,6 +4804,13 @@
   <p:clrMapOvr>
     <a:masterClrMapping/>
   </p:clrMapOvr>
+  <p:timing>
+    <p:tnLst>
+      <p:par>
+        <p:cTn id="1" dur="indefinite" restart="never" nodeType="tmRoot"/>
+      </p:par>
+    </p:tnLst>
+  </p:timing>
 </p:sld>
 </file>
 
@@ -5543,6 +5550,13 @@
   <p:clrMapOvr>
     <a:masterClrMapping/>
   </p:clrMapOvr>
+  <p:timing>
+    <p:tnLst>
+      <p:par>
+        <p:cTn id="1" dur="indefinite" restart="never" nodeType="tmRoot"/>
+      </p:par>
+    </p:tnLst>
+  </p:timing>
 </p:sld>
 </file>
 
@@ -6147,6 +6161,13 @@
   <p:clrMapOvr>
     <a:masterClrMapping/>
   </p:clrMapOvr>
+  <p:timing>
+    <p:tnLst>
+      <p:par>
+        <p:cTn id="1" dur="indefinite" restart="never" nodeType="tmRoot"/>
+      </p:par>
+    </p:tnLst>
+  </p:timing>
 </p:sld>
 </file>
 
@@ -6848,7 +6869,7 @@
         </p:nvGraphicFramePr>
         <p:xfrm>
           <a:off x="3832848" y="378044"/>
-          <a:ext cx="6574755" cy="5762926"/>
+          <a:ext cx="6574755" cy="5731875"/>
         </p:xfrm>
         <a:graphic>
           <a:graphicData uri="http://schemas.openxmlformats.org/drawingml/2006/table">
@@ -7545,6 +7566,13 @@
   <p:clrMapOvr>
     <a:masterClrMapping/>
   </p:clrMapOvr>
+  <p:timing>
+    <p:tnLst>
+      <p:par>
+        <p:cTn id="1" dur="indefinite" restart="never" nodeType="tmRoot"/>
+      </p:par>
+    </p:tnLst>
+  </p:timing>
 </p:sld>
 </file>
 
@@ -8141,6 +8169,13 @@
   <p:clrMapOvr>
     <a:masterClrMapping/>
   </p:clrMapOvr>
+  <p:timing>
+    <p:tnLst>
+      <p:par>
+        <p:cTn id="1" dur="indefinite" restart="never" nodeType="tmRoot"/>
+      </p:par>
+    </p:tnLst>
+  </p:timing>
 </p:sld>
 </file>
 
@@ -8971,8 +9006,8 @@
         </p:nvSpPr>
         <p:spPr>
           <a:xfrm>
-            <a:off x="4866162" y="3465989"/>
-            <a:ext cx="4789729" cy="2630657"/>
+            <a:off x="4813462" y="3555743"/>
+            <a:ext cx="4789729" cy="1617559"/>
           </a:xfrm>
           <a:prstGeom prst="rect">
             <a:avLst/>
@@ -8987,14 +9022,26 @@
           <a:p>
             <a:pPr>
               <a:lnSpc>
-                <a:spcPts val="2500"/>
+                <a:spcPct val="150000"/>
               </a:lnSpc>
             </a:pPr>
             <a:r>
               <a:rPr lang="ru-RU" sz="1700" dirty="0">
                 <a:latin typeface="Bookman Old Style" panose="02050604050505020204" pitchFamily="18" charset="0"/>
               </a:rPr>
-              <a:t>После определения эл. компонентов началось моделирование деталей манипулятора. Первая версия рукоятки была недостаточно эргономичной, и была усовершенствована, получив большую площадь опоры для руки и пазы для пальцев. Потом последовала 3</a:t>
+              <a:t>После определения эл. компонентов началось моделирование деталей манипулятора. </a:t>
+            </a:r>
+            <a:r>
+              <a:rPr lang="ru-RU" sz="1700" dirty="0" smtClean="0">
+                <a:latin typeface="Bookman Old Style" panose="02050604050505020204" pitchFamily="18" charset="0"/>
+              </a:rPr>
+              <a:t>Потом </a:t>
+            </a:r>
+            <a:r>
+              <a:rPr lang="ru-RU" sz="1700" dirty="0">
+                <a:latin typeface="Bookman Old Style" panose="02050604050505020204" pitchFamily="18" charset="0"/>
+              </a:rPr>
+              <a:t>последовала 3</a:t>
             </a:r>
             <a:r>
               <a:rPr lang="en-US" sz="1700" dirty="0">
@@ -9268,6 +9315,13 @@
   <p:clrMapOvr>
     <a:masterClrMapping/>
   </p:clrMapOvr>
+  <p:timing>
+    <p:tnLst>
+      <p:par>
+        <p:cTn id="1" dur="indefinite" restart="never" nodeType="tmRoot"/>
+      </p:par>
+    </p:tnLst>
+  </p:timing>
 </p:sld>
 </file>
 
@@ -9475,6 +9529,36 @@
           </a:p>
         </p:txBody>
       </p:sp>
+      <p:pic>
+        <p:nvPicPr>
+          <p:cNvPr id="3" name="Рисунок 2"/>
+          <p:cNvPicPr>
+            <a:picLocks noChangeAspect="1"/>
+          </p:cNvPicPr>
+          <p:nvPr/>
+        </p:nvPicPr>
+        <p:blipFill>
+          <a:blip r:embed="rId2">
+            <a:extLst>
+              <a:ext uri="{28A0092B-C50C-407E-A947-70E740481C1C}">
+                <a14:useLocalDpi xmlns:a14="http://schemas.microsoft.com/office/drawing/2010/main" val="0"/>
+              </a:ext>
+            </a:extLst>
+          </a:blip>
+          <a:stretch>
+            <a:fillRect/>
+          </a:stretch>
+        </p:blipFill>
+        <p:spPr>
+          <a:xfrm>
+            <a:off x="2901719" y="197597"/>
+            <a:ext cx="8069580" cy="5951220"/>
+          </a:xfrm>
+          <a:prstGeom prst="rect">
+            <a:avLst/>
+          </a:prstGeom>
+        </p:spPr>
+      </p:pic>
     </p:spTree>
     <p:extLst>
       <p:ext uri="{BB962C8B-B14F-4D97-AF65-F5344CB8AC3E}">
@@ -9485,6 +9569,13 @@
   <p:clrMapOvr>
     <a:masterClrMapping/>
   </p:clrMapOvr>
+  <p:timing>
+    <p:tnLst>
+      <p:par>
+        <p:cTn id="1" dur="indefinite" restart="never" nodeType="tmRoot"/>
+      </p:par>
+    </p:tnLst>
+  </p:timing>
 </p:sld>
 </file>
 

--- a/Мышка для людей с ОВЗ/Документы/Презентация о манипуляторе.pptx
+++ b/Мышка для людей с ОВЗ/Документы/Презентация о манипуляторе.pptx
@@ -4687,61 +4687,6 @@
       </p:pic>
       <p:sp>
         <p:nvSpPr>
-          <p:cNvPr id="13" name="TextBox 12">
-            <a:extLst>
-              <a:ext uri="{FF2B5EF4-FFF2-40B4-BE49-F238E27FC236}">
-                <a16:creationId xmlns:a16="http://schemas.microsoft.com/office/drawing/2014/main" id="{E688D54D-CE18-D886-E409-CC353FBDB53A}"/>
-              </a:ext>
-            </a:extLst>
-          </p:cNvPr>
-          <p:cNvSpPr txBox="1"/>
-          <p:nvPr/>
-        </p:nvSpPr>
-        <p:spPr>
-          <a:xfrm>
-            <a:off x="4617720" y="969686"/>
-            <a:ext cx="7325511" cy="4364465"/>
-          </a:xfrm>
-          <a:prstGeom prst="rect">
-            <a:avLst/>
-          </a:prstGeom>
-          <a:noFill/>
-        </p:spPr>
-        <p:txBody>
-          <a:bodyPr wrap="square" rtlCol="0">
-            <a:spAutoFit/>
-          </a:bodyPr>
-          <a:lstStyle/>
-          <a:p>
-            <a:pPr algn="just">
-              <a:lnSpc>
-                <a:spcPct val="150000"/>
-              </a:lnSpc>
-            </a:pPr>
-            <a:r>
-              <a:rPr lang="ru-RU" sz="1700" dirty="0">
-                <a:latin typeface="Bookman Old Style" panose="02050604050505020204" pitchFamily="18" charset="0"/>
-              </a:rPr>
-              <a:t>Множество людей в современном мире страдают от проблем с мелкой моторикой, и все они часто имеют трудности при коммуникации с цифровой средой, которая в наше время отвечает за поток информации, учебу, работу и многое другое. Для таких людей обыкновенные средства ввода часто становятся непреодолимым барьером.</a:t>
-            </a:r>
-          </a:p>
-          <a:p>
-            <a:pPr algn="just">
-              <a:lnSpc>
-                <a:spcPct val="150000"/>
-              </a:lnSpc>
-            </a:pPr>
-            <a:r>
-              <a:rPr lang="ru-RU" sz="1700" dirty="0">
-                <a:latin typeface="Bookman Old Style" panose="02050604050505020204" pitchFamily="18" charset="0"/>
-              </a:rPr>
-              <a:t>Высокая стоимость от 5 тыс. рублей, сложность настройки, необходимость в специальной подготовке пользователя, а также часто минимальная эффективность при треморе делает аналоги на рынке неподходящими для пожилых людей или людей с ограниченными возможностями.</a:t>
-            </a:r>
-          </a:p>
-        </p:txBody>
-      </p:sp>
-      <p:sp>
-        <p:nvSpPr>
           <p:cNvPr id="22" name="Прямоугольник 21">
             <a:extLst>
               <a:ext uri="{FF2B5EF4-FFF2-40B4-BE49-F238E27FC236}">
@@ -4794,6 +4739,136 @@
           </a:p>
         </p:txBody>
       </p:sp>
+      <p:sp>
+        <p:nvSpPr>
+          <p:cNvPr id="6" name="TextBox 5">
+            <a:extLst>
+              <a:ext uri="{FF2B5EF4-FFF2-40B4-BE49-F238E27FC236}">
+                <a16:creationId xmlns:a16="http://schemas.microsoft.com/office/drawing/2014/main" id="{20FC27AE-8F82-81F9-C985-CDA318D3822B}"/>
+              </a:ext>
+            </a:extLst>
+          </p:cNvPr>
+          <p:cNvSpPr txBox="1"/>
+          <p:nvPr/>
+        </p:nvSpPr>
+        <p:spPr>
+          <a:xfrm>
+            <a:off x="4370832" y="1427395"/>
+            <a:ext cx="6377940" cy="1291764"/>
+          </a:xfrm>
+          <a:prstGeom prst="rect">
+            <a:avLst/>
+          </a:prstGeom>
+          <a:noFill/>
+        </p:spPr>
+        <p:txBody>
+          <a:bodyPr wrap="square">
+            <a:spAutoFit/>
+          </a:bodyPr>
+          <a:lstStyle/>
+          <a:p>
+            <a:pPr lvl="1" algn="just">
+              <a:lnSpc>
+                <a:spcPct val="150000"/>
+              </a:lnSpc>
+            </a:pPr>
+            <a:r>
+              <a:rPr lang="ru-RU" sz="1800" dirty="0">
+                <a:latin typeface="Bookman Old Style" panose="02050604050505020204" pitchFamily="18" charset="0"/>
+              </a:rPr>
+              <a:t>Цифровая среда недоступна для людей с ограниченной моторикой, ведь существующие решения имеют:</a:t>
+            </a:r>
+          </a:p>
+        </p:txBody>
+      </p:sp>
+      <p:sp>
+        <p:nvSpPr>
+          <p:cNvPr id="7" name="TextBox 6">
+            <a:extLst>
+              <a:ext uri="{FF2B5EF4-FFF2-40B4-BE49-F238E27FC236}">
+                <a16:creationId xmlns:a16="http://schemas.microsoft.com/office/drawing/2014/main" id="{103A404E-2F5C-A308-9FF5-FB5EF244CA4A}"/>
+              </a:ext>
+            </a:extLst>
+          </p:cNvPr>
+          <p:cNvSpPr txBox="1"/>
+          <p:nvPr/>
+        </p:nvSpPr>
+        <p:spPr>
+          <a:xfrm>
+            <a:off x="5684474" y="2846246"/>
+            <a:ext cx="5338618" cy="1707262"/>
+          </a:xfrm>
+          <a:prstGeom prst="rect">
+            <a:avLst/>
+          </a:prstGeom>
+          <a:noFill/>
+        </p:spPr>
+        <p:txBody>
+          <a:bodyPr wrap="square" rtlCol="0">
+            <a:spAutoFit/>
+          </a:bodyPr>
+          <a:lstStyle/>
+          <a:p>
+            <a:pPr marL="285750" indent="-285750">
+              <a:lnSpc>
+                <a:spcPct val="150000"/>
+              </a:lnSpc>
+              <a:buFont typeface="Arial" panose="020B0604020202020204" pitchFamily="34" charset="0"/>
+              <a:buChar char="•"/>
+            </a:pPr>
+            <a:r>
+              <a:rPr lang="ru-RU" dirty="0">
+                <a:latin typeface="Bookman Old Style" panose="02050604050505020204" pitchFamily="18" charset="0"/>
+              </a:rPr>
+              <a:t>Высокую стоимость(от 5000 </a:t>
+            </a:r>
+            <a:r>
+              <a:rPr lang="ru-RU" dirty="0">
+                <a:latin typeface="Arial Narrow" panose="020B0606020202030204" pitchFamily="34" charset="0"/>
+                <a:ea typeface="Calibri" panose="020F0502020204030204" pitchFamily="34" charset="0"/>
+                <a:cs typeface="Calibri" panose="020F0502020204030204" pitchFamily="34" charset="0"/>
+              </a:rPr>
+              <a:t>₽</a:t>
+            </a:r>
+            <a:r>
+              <a:rPr lang="ru-RU" dirty="0">
+                <a:latin typeface="Bookman Old Style" panose="02050604050505020204" pitchFamily="18" charset="0"/>
+              </a:rPr>
+              <a:t>)</a:t>
+            </a:r>
+          </a:p>
+          <a:p>
+            <a:pPr marL="285750" indent="-285750">
+              <a:lnSpc>
+                <a:spcPct val="150000"/>
+              </a:lnSpc>
+              <a:buFont typeface="Arial" panose="020B0604020202020204" pitchFamily="34" charset="0"/>
+              <a:buChar char="•"/>
+            </a:pPr>
+            <a:r>
+              <a:rPr lang="ru-RU" dirty="0">
+                <a:latin typeface="Bookman Old Style" panose="02050604050505020204" pitchFamily="18" charset="0"/>
+              </a:rPr>
+              <a:t>Сложную настройку</a:t>
+            </a:r>
+          </a:p>
+          <a:p>
+            <a:pPr marL="285750" indent="-285750">
+              <a:lnSpc>
+                <a:spcPct val="150000"/>
+              </a:lnSpc>
+              <a:buFont typeface="Arial" panose="020B0604020202020204" pitchFamily="34" charset="0"/>
+              <a:buChar char="•"/>
+            </a:pPr>
+            <a:r>
+              <a:rPr lang="ru-RU" dirty="0">
+                <a:latin typeface="Bookman Old Style" panose="02050604050505020204" pitchFamily="18" charset="0"/>
+              </a:rPr>
+              <a:t>Минимальную эффективность при треморе</a:t>
+            </a:r>
+          </a:p>
+        </p:txBody>
+      </p:sp>
     </p:spTree>
     <p:extLst>
       <p:ext uri="{BB962C8B-B14F-4D97-AF65-F5344CB8AC3E}">
@@ -4804,13 +4879,6 @@
   <p:clrMapOvr>
     <a:masterClrMapping/>
   </p:clrMapOvr>
-  <p:timing>
-    <p:tnLst>
-      <p:par>
-        <p:cTn id="1" dur="indefinite" restart="never" nodeType="tmRoot"/>
-      </p:par>
-    </p:tnLst>
-  </p:timing>
 </p:sld>
 </file>
 
@@ -5319,7 +5387,7 @@
                 </a:solidFill>
                 <a:latin typeface="Bookman Old Style" panose="02050604050505020204" pitchFamily="18" charset="0"/>
               </a:rPr>
-              <a:t>Следит за движением глаз, не задействует руки, однако имеет сложную калибровку, высокую стоимость и сильные неточности при недостатке света.</a:t>
+              <a:t>Следит за движением глаз, не задействует руки, но имеет сложную калибровку, высокую стоимость и сильные неточности при недостатке света.</a:t>
             </a:r>
           </a:p>
         </p:txBody>
@@ -5411,7 +5479,7 @@
                 </a:solidFill>
                 <a:latin typeface="Bookman Old Style" panose="02050604050505020204" pitchFamily="18" charset="0"/>
               </a:rPr>
-              <a:t>Так же не задействует рук, но  нестабилен в шумной среде, имеет высокую стоимость и не подходит людям испытывающим проблемы с речью.</a:t>
+              <a:t>Не задействует рук, но  нестабилен в шумной среде, имеет высокую стоимость и не подходит людям испытывающим проблемы с речью.</a:t>
             </a:r>
             <a:endParaRPr lang="en-US" sz="1600" dirty="0">
               <a:solidFill>
@@ -5495,7 +5563,7 @@
                 </a:solidFill>
                 <a:latin typeface="Bookman Old Style" panose="02050604050505020204" pitchFamily="18" charset="0"/>
               </a:rPr>
-              <a:t>Не задействует всю руку, однако требует точной мелкой моторики, что очень редко наблюдается у людей с тремором рук.</a:t>
+              <a:t>Не задействует всю руку, однако требует точной мелкой моторики, что недостижимо у людей с тремором рук.</a:t>
             </a:r>
           </a:p>
         </p:txBody>
@@ -5550,13 +5618,6 @@
   <p:clrMapOvr>
     <a:masterClrMapping/>
   </p:clrMapOvr>
-  <p:timing>
-    <p:tnLst>
-      <p:par>
-        <p:cTn id="1" dur="indefinite" restart="never" nodeType="tmRoot"/>
-      </p:par>
-    </p:tnLst>
-  </p:timing>
 </p:sld>
 </file>
 
@@ -6161,13 +6222,6 @@
   <p:clrMapOvr>
     <a:masterClrMapping/>
   </p:clrMapOvr>
-  <p:timing>
-    <p:tnLst>
-      <p:par>
-        <p:cTn id="1" dur="indefinite" restart="never" nodeType="tmRoot"/>
-      </p:par>
-    </p:tnLst>
-  </p:timing>
 </p:sld>
 </file>
 
@@ -7566,13 +7620,6 @@
   <p:clrMapOvr>
     <a:masterClrMapping/>
   </p:clrMapOvr>
-  <p:timing>
-    <p:tnLst>
-      <p:par>
-        <p:cTn id="1" dur="indefinite" restart="never" nodeType="tmRoot"/>
-      </p:par>
-    </p:tnLst>
-  </p:timing>
 </p:sld>
 </file>
 
@@ -7940,134 +7987,6 @@
           </a:p>
         </p:txBody>
       </p:sp>
-      <p:sp>
-        <p:nvSpPr>
-          <p:cNvPr id="7" name="TextBox 6">
-            <a:extLst>
-              <a:ext uri="{FF2B5EF4-FFF2-40B4-BE49-F238E27FC236}">
-                <a16:creationId xmlns:a16="http://schemas.microsoft.com/office/drawing/2014/main" id="{D29E0792-A0D1-8CA8-F159-C2272754789A}"/>
-              </a:ext>
-            </a:extLst>
-          </p:cNvPr>
-          <p:cNvSpPr txBox="1"/>
-          <p:nvPr/>
-        </p:nvSpPr>
-        <p:spPr>
-          <a:xfrm>
-            <a:off x="1060337" y="1422892"/>
-            <a:ext cx="7379574" cy="3650102"/>
-          </a:xfrm>
-          <a:prstGeom prst="rect">
-            <a:avLst/>
-          </a:prstGeom>
-          <a:noFill/>
-        </p:spPr>
-        <p:txBody>
-          <a:bodyPr wrap="square" rtlCol="0">
-            <a:spAutoFit/>
-          </a:bodyPr>
-          <a:lstStyle/>
-          <a:p>
-            <a:pPr marL="285750" indent="-285750">
-              <a:lnSpc>
-                <a:spcPts val="2800"/>
-              </a:lnSpc>
-              <a:buFont typeface="Arial" panose="020B0604020202020204" pitchFamily="34" charset="0"/>
-              <a:buChar char="•"/>
-            </a:pPr>
-            <a:r>
-              <a:rPr lang="ru-RU" dirty="0">
-                <a:latin typeface="Bookman Old Style" panose="02050604050505020204" pitchFamily="18" charset="0"/>
-              </a:rPr>
-              <a:t>PLA </a:t>
-            </a:r>
-            <a:r>
-              <a:rPr lang="en-US" dirty="0">
-                <a:latin typeface="Bookman Old Style" panose="02050604050505020204" pitchFamily="18" charset="0"/>
-              </a:rPr>
-              <a:t>– </a:t>
-            </a:r>
-            <a:r>
-              <a:rPr lang="ru-RU" dirty="0">
-                <a:latin typeface="Bookman Old Style" panose="02050604050505020204" pitchFamily="18" charset="0"/>
-              </a:rPr>
-              <a:t>легко печатается, биоразлагаем, но хрупок и имеет низкую температуру стеклования (~60°C), что неприемлемо для устройства, которое может остаться в автомобиле на солнце.</a:t>
-            </a:r>
-            <a:endParaRPr lang="en-US" dirty="0">
-              <a:latin typeface="Bookman Old Style" panose="02050604050505020204" pitchFamily="18" charset="0"/>
-            </a:endParaRPr>
-          </a:p>
-          <a:p>
-            <a:pPr marL="285750" indent="-285750">
-              <a:lnSpc>
-                <a:spcPts val="2800"/>
-              </a:lnSpc>
-              <a:buFont typeface="Arial" panose="020B0604020202020204" pitchFamily="34" charset="0"/>
-              <a:buChar char="•"/>
-            </a:pPr>
-            <a:r>
-              <a:rPr lang="ru-RU" dirty="0">
-                <a:latin typeface="Bookman Old Style" panose="02050604050505020204" pitchFamily="18" charset="0"/>
-              </a:rPr>
-              <a:t>ABS </a:t>
-            </a:r>
-            <a:r>
-              <a:rPr lang="en-US" dirty="0">
-                <a:latin typeface="Bookman Old Style" panose="02050604050505020204" pitchFamily="18" charset="0"/>
-              </a:rPr>
-              <a:t>– </a:t>
-            </a:r>
-            <a:r>
-              <a:rPr lang="ru-RU" dirty="0">
-                <a:latin typeface="Bookman Old Style" panose="02050604050505020204" pitchFamily="18" charset="0"/>
-              </a:rPr>
-              <a:t>прочнее PLA, но склонен к деформациям при печати ведь требует закрытой камеры, и выделяет опасные испарения.</a:t>
-            </a:r>
-            <a:endParaRPr lang="en-US" dirty="0">
-              <a:latin typeface="Bookman Old Style" panose="02050604050505020204" pitchFamily="18" charset="0"/>
-            </a:endParaRPr>
-          </a:p>
-          <a:p>
-            <a:pPr marL="285750" indent="-285750">
-              <a:lnSpc>
-                <a:spcPts val="2800"/>
-              </a:lnSpc>
-              <a:buFont typeface="Arial" panose="020B0604020202020204" pitchFamily="34" charset="0"/>
-              <a:buChar char="•"/>
-            </a:pPr>
-            <a:r>
-              <a:rPr lang="ru-RU" dirty="0">
-                <a:latin typeface="Bookman Old Style" panose="02050604050505020204" pitchFamily="18" charset="0"/>
-              </a:rPr>
-              <a:t>PETG </a:t>
-            </a:r>
-            <a:r>
-              <a:rPr lang="en-US" dirty="0">
-                <a:latin typeface="Bookman Old Style" panose="02050604050505020204" pitchFamily="18" charset="0"/>
-              </a:rPr>
-              <a:t>–</a:t>
-            </a:r>
-            <a:r>
-              <a:rPr lang="ru-RU" dirty="0">
-                <a:latin typeface="Bookman Old Style" panose="02050604050505020204" pitchFamily="18" charset="0"/>
-              </a:rPr>
-              <a:t> чуть менее прочный чем </a:t>
-            </a:r>
-            <a:r>
-              <a:rPr lang="en-US" dirty="0">
-                <a:latin typeface="Bookman Old Style" panose="02050604050505020204" pitchFamily="18" charset="0"/>
-              </a:rPr>
-              <a:t>ABS, </a:t>
-            </a:r>
-            <a:r>
-              <a:rPr lang="ru-RU" dirty="0">
-                <a:latin typeface="Bookman Old Style" panose="02050604050505020204" pitchFamily="18" charset="0"/>
-              </a:rPr>
-              <a:t>однако не выделяет опасных паров, прост в печати, имеет высокую ударную вязкость и химическую стойкость. </a:t>
-            </a:r>
-          </a:p>
-        </p:txBody>
-      </p:sp>
       <p:pic>
         <p:nvPicPr>
           <p:cNvPr id="11" name="Рисунок 10">
@@ -8159,6 +8078,134 @@
           </a:p>
         </p:txBody>
       </p:sp>
+      <p:sp>
+        <p:nvSpPr>
+          <p:cNvPr id="8" name="TextBox 7">
+            <a:extLst>
+              <a:ext uri="{FF2B5EF4-FFF2-40B4-BE49-F238E27FC236}">
+                <a16:creationId xmlns:a16="http://schemas.microsoft.com/office/drawing/2014/main" id="{E3E0C848-BDB1-DAFC-4A08-E6CDB8B32FF3}"/>
+              </a:ext>
+            </a:extLst>
+          </p:cNvPr>
+          <p:cNvSpPr txBox="1"/>
+          <p:nvPr/>
+        </p:nvSpPr>
+        <p:spPr>
+          <a:xfrm>
+            <a:off x="731520" y="1518567"/>
+            <a:ext cx="8153578" cy="3359959"/>
+          </a:xfrm>
+          <a:prstGeom prst="rect">
+            <a:avLst/>
+          </a:prstGeom>
+          <a:noFill/>
+        </p:spPr>
+        <p:txBody>
+          <a:bodyPr wrap="square" rtlCol="0">
+            <a:spAutoFit/>
+          </a:bodyPr>
+          <a:lstStyle/>
+          <a:p>
+            <a:pPr marL="285750" indent="-285750">
+              <a:lnSpc>
+                <a:spcPct val="150000"/>
+              </a:lnSpc>
+              <a:buFont typeface="Arial" panose="020B0604020202020204" pitchFamily="34" charset="0"/>
+              <a:buChar char="•"/>
+            </a:pPr>
+            <a:r>
+              <a:rPr lang="ru-RU" dirty="0">
+                <a:latin typeface="Bookman Old Style" panose="02050604050505020204" pitchFamily="18" charset="0"/>
+              </a:rPr>
+              <a:t>PLA </a:t>
+            </a:r>
+            <a:r>
+              <a:rPr lang="en-US" dirty="0">
+                <a:latin typeface="Bookman Old Style" panose="02050604050505020204" pitchFamily="18" charset="0"/>
+              </a:rPr>
+              <a:t>– </a:t>
+            </a:r>
+            <a:r>
+              <a:rPr lang="ru-RU" dirty="0">
+                <a:latin typeface="Bookman Old Style" panose="02050604050505020204" pitchFamily="18" charset="0"/>
+              </a:rPr>
+              <a:t>легко печатается, биоразлагаем, но хрупок и имеет низкую температуру стеклования (~60°C), что неприемлемо для устройства, которое может остаться в автомобиле на солнце.</a:t>
+            </a:r>
+            <a:endParaRPr lang="en-US" dirty="0">
+              <a:latin typeface="Bookman Old Style" panose="02050604050505020204" pitchFamily="18" charset="0"/>
+            </a:endParaRPr>
+          </a:p>
+          <a:p>
+            <a:pPr marL="285750" indent="-285750">
+              <a:lnSpc>
+                <a:spcPct val="150000"/>
+              </a:lnSpc>
+              <a:buFont typeface="Arial" panose="020B0604020202020204" pitchFamily="34" charset="0"/>
+              <a:buChar char="•"/>
+            </a:pPr>
+            <a:r>
+              <a:rPr lang="ru-RU" dirty="0">
+                <a:latin typeface="Bookman Old Style" panose="02050604050505020204" pitchFamily="18" charset="0"/>
+              </a:rPr>
+              <a:t>ABS </a:t>
+            </a:r>
+            <a:r>
+              <a:rPr lang="en-US" dirty="0">
+                <a:latin typeface="Bookman Old Style" panose="02050604050505020204" pitchFamily="18" charset="0"/>
+              </a:rPr>
+              <a:t>– </a:t>
+            </a:r>
+            <a:r>
+              <a:rPr lang="ru-RU" dirty="0">
+                <a:latin typeface="Bookman Old Style" panose="02050604050505020204" pitchFamily="18" charset="0"/>
+              </a:rPr>
+              <a:t>прочнее PLA, но склонен к деформациям при печати ведь требует закрытой камеры, и выделяет опасные испарения.</a:t>
+            </a:r>
+            <a:endParaRPr lang="en-US" dirty="0">
+              <a:latin typeface="Bookman Old Style" panose="02050604050505020204" pitchFamily="18" charset="0"/>
+            </a:endParaRPr>
+          </a:p>
+          <a:p>
+            <a:pPr marL="285750" indent="-285750">
+              <a:lnSpc>
+                <a:spcPct val="150000"/>
+              </a:lnSpc>
+              <a:buFont typeface="Arial" panose="020B0604020202020204" pitchFamily="34" charset="0"/>
+              <a:buChar char="•"/>
+            </a:pPr>
+            <a:r>
+              <a:rPr lang="ru-RU" dirty="0">
+                <a:latin typeface="Bookman Old Style" panose="02050604050505020204" pitchFamily="18" charset="0"/>
+              </a:rPr>
+              <a:t>PETG </a:t>
+            </a:r>
+            <a:r>
+              <a:rPr lang="en-US" dirty="0">
+                <a:latin typeface="Bookman Old Style" panose="02050604050505020204" pitchFamily="18" charset="0"/>
+              </a:rPr>
+              <a:t>–</a:t>
+            </a:r>
+            <a:r>
+              <a:rPr lang="ru-RU" dirty="0">
+                <a:latin typeface="Bookman Old Style" panose="02050604050505020204" pitchFamily="18" charset="0"/>
+              </a:rPr>
+              <a:t> чуть менее прочный чем </a:t>
+            </a:r>
+            <a:r>
+              <a:rPr lang="en-US" dirty="0">
+                <a:latin typeface="Bookman Old Style" panose="02050604050505020204" pitchFamily="18" charset="0"/>
+              </a:rPr>
+              <a:t>ABS, </a:t>
+            </a:r>
+            <a:r>
+              <a:rPr lang="ru-RU" dirty="0">
+                <a:latin typeface="Bookman Old Style" panose="02050604050505020204" pitchFamily="18" charset="0"/>
+              </a:rPr>
+              <a:t>однако не выделяет опасных паров, прост в печати, имеет высокую ударную вязкость и химическую стойкость. </a:t>
+            </a:r>
+          </a:p>
+        </p:txBody>
+      </p:sp>
     </p:spTree>
     <p:extLst>
       <p:ext uri="{BB962C8B-B14F-4D97-AF65-F5344CB8AC3E}">
@@ -8169,13 +8216,6 @@
   <p:clrMapOvr>
     <a:masterClrMapping/>
   </p:clrMapOvr>
-  <p:timing>
-    <p:tnLst>
-      <p:par>
-        <p:cTn id="1" dur="indefinite" restart="never" nodeType="tmRoot"/>
-      </p:par>
-    </p:tnLst>
-  </p:timing>
 </p:sld>
 </file>
 
@@ -9006,7 +9046,7 @@
         </p:nvSpPr>
         <p:spPr>
           <a:xfrm>
-            <a:off x="4813462" y="3555743"/>
+            <a:off x="4813462" y="4069431"/>
             <a:ext cx="4789729" cy="1617559"/>
           </a:xfrm>
           <a:prstGeom prst="rect">
@@ -9029,19 +9069,7 @@
               <a:rPr lang="ru-RU" sz="1700" dirty="0">
                 <a:latin typeface="Bookman Old Style" panose="02050604050505020204" pitchFamily="18" charset="0"/>
               </a:rPr>
-              <a:t>После определения эл. компонентов началось моделирование деталей манипулятора. </a:t>
-            </a:r>
-            <a:r>
-              <a:rPr lang="ru-RU" sz="1700" dirty="0" smtClean="0">
-                <a:latin typeface="Bookman Old Style" panose="02050604050505020204" pitchFamily="18" charset="0"/>
-              </a:rPr>
-              <a:t>Потом </a:t>
-            </a:r>
-            <a:r>
-              <a:rPr lang="ru-RU" sz="1700" dirty="0">
-                <a:latin typeface="Bookman Old Style" panose="02050604050505020204" pitchFamily="18" charset="0"/>
-              </a:rPr>
-              <a:t>последовала 3</a:t>
+              <a:t>После определения эл. компонентов началось моделирование деталей манипулятора. Потом последовала 3</a:t>
             </a:r>
             <a:r>
               <a:rPr lang="en-US" sz="1700" dirty="0">
@@ -9066,8 +9094,8 @@
         </p:nvSpPr>
         <p:spPr>
           <a:xfrm>
-            <a:off x="5263883" y="849182"/>
-            <a:ext cx="5547014" cy="2446824"/>
+            <a:off x="4269793" y="800274"/>
+            <a:ext cx="5940206" cy="2953757"/>
           </a:xfrm>
           <a:prstGeom prst="rect">
             <a:avLst/>
@@ -9080,75 +9108,69 @@
           </a:bodyPr>
           <a:lstStyle/>
           <a:p>
-            <a:pPr marL="342900" indent="-342900">
+            <a:pPr marL="742950" lvl="1" indent="-285750">
+              <a:lnSpc>
+                <a:spcPct val="150000"/>
+              </a:lnSpc>
               <a:buFont typeface="+mj-lt"/>
               <a:buAutoNum type="arabicPeriod"/>
             </a:pPr>
             <a:r>
-              <a:rPr lang="en-US" sz="1700" dirty="0">
+              <a:rPr lang="ru-RU" dirty="0">
                 <a:latin typeface="Bookman Old Style" panose="02050604050505020204" pitchFamily="18" charset="0"/>
               </a:rPr>
-              <a:t>MPU-6050 </a:t>
-            </a:r>
-            <a:r>
-              <a:rPr lang="ru-RU" sz="1700" dirty="0">
-                <a:latin typeface="Bookman Old Style" panose="02050604050505020204" pitchFamily="18" charset="0"/>
-              </a:rPr>
-              <a:t>для преобразования наклона манипулятора в сигнал</a:t>
-            </a:r>
-          </a:p>
-          <a:p>
-            <a:pPr marL="342900" indent="-342900">
+              <a:t>Датчик MPU-6050: отслеживание наклона рукояти</a:t>
+            </a:r>
+          </a:p>
+          <a:p>
+            <a:pPr marL="742950" lvl="1" indent="-285750">
+              <a:lnSpc>
+                <a:spcPct val="150000"/>
+              </a:lnSpc>
               <a:buFont typeface="+mj-lt"/>
               <a:buAutoNum type="arabicPeriod"/>
             </a:pPr>
             <a:r>
-              <a:rPr lang="en-US" sz="1700" dirty="0">
+              <a:rPr lang="ru-RU" dirty="0" err="1">
                 <a:latin typeface="Bookman Old Style" panose="02050604050505020204" pitchFamily="18" charset="0"/>
               </a:rPr>
-              <a:t>Arduino Pro Micro </a:t>
-            </a:r>
-            <a:r>
-              <a:rPr lang="ru-RU" sz="1700" dirty="0">
+              <a:t>Arduino</a:t>
+            </a:r>
+            <a:r>
+              <a:rPr lang="ru-RU" dirty="0">
                 <a:latin typeface="Bookman Old Style" panose="02050604050505020204" pitchFamily="18" charset="0"/>
               </a:rPr>
-              <a:t>для управления компьютером</a:t>
-            </a:r>
-          </a:p>
-          <a:p>
-            <a:pPr marL="342900" indent="-342900">
+              <a:t> Pro Micro: управление компьютером</a:t>
+            </a:r>
+          </a:p>
+          <a:p>
+            <a:pPr marL="742950" lvl="1" indent="-285750">
+              <a:lnSpc>
+                <a:spcPct val="150000"/>
+              </a:lnSpc>
               <a:buFont typeface="+mj-lt"/>
               <a:buAutoNum type="arabicPeriod"/>
             </a:pPr>
             <a:r>
-              <a:rPr lang="ru-RU" sz="1700" dirty="0">
+              <a:rPr lang="ru-RU" dirty="0">
                 <a:latin typeface="Bookman Old Style" panose="02050604050505020204" pitchFamily="18" charset="0"/>
               </a:rPr>
-              <a:t>Инкрементальный энкодер </a:t>
-            </a:r>
-            <a:r>
-              <a:rPr lang="en-US" sz="1700" dirty="0">
-                <a:latin typeface="Bookman Old Style" panose="02050604050505020204" pitchFamily="18" charset="0"/>
-              </a:rPr>
-              <a:t>EC11</a:t>
-            </a:r>
-            <a:r>
-              <a:rPr lang="ru-RU" sz="1700" dirty="0">
-                <a:latin typeface="Bookman Old Style" panose="02050604050505020204" pitchFamily="18" charset="0"/>
-              </a:rPr>
-              <a:t> для имитации прокрутки колесика мыши</a:t>
-            </a:r>
-          </a:p>
-          <a:p>
-            <a:pPr marL="342900" indent="-342900">
+              <a:t>Энкодер EC11: имитация колесика мыши</a:t>
+            </a:r>
+          </a:p>
+          <a:p>
+            <a:pPr marL="742950" lvl="1" indent="-285750">
+              <a:lnSpc>
+                <a:spcPct val="150000"/>
+              </a:lnSpc>
               <a:buFont typeface="+mj-lt"/>
               <a:buAutoNum type="arabicPeriod"/>
             </a:pPr>
             <a:r>
-              <a:rPr lang="ru-RU" sz="1700" dirty="0">
+              <a:rPr lang="ru-RU" dirty="0">
                 <a:latin typeface="Bookman Old Style" panose="02050604050505020204" pitchFamily="18" charset="0"/>
               </a:rPr>
-              <a:t>Тактовые кнопки для выбора чувствительности и имитации левого/правого клика мыши</a:t>
+              <a:t>Тактовые кнопки: клики и выбор чувствительности</a:t>
             </a:r>
           </a:p>
         </p:txBody>
@@ -9315,13 +9337,6 @@
   <p:clrMapOvr>
     <a:masterClrMapping/>
   </p:clrMapOvr>
-  <p:timing>
-    <p:tnLst>
-      <p:par>
-        <p:cTn id="1" dur="indefinite" restart="never" nodeType="tmRoot"/>
-      </p:par>
-    </p:tnLst>
-  </p:timing>
 </p:sld>
 </file>
 
@@ -9569,13 +9584,6 @@
   <p:clrMapOvr>
     <a:masterClrMapping/>
   </p:clrMapOvr>
-  <p:timing>
-    <p:tnLst>
-      <p:par>
-        <p:cTn id="1" dur="indefinite" restart="never" nodeType="tmRoot"/>
-      </p:par>
-    </p:tnLst>
-  </p:timing>
 </p:sld>
 </file>
 

--- a/Мышка для людей с ОВЗ/Документы/Презентация о манипуляторе.pptx
+++ b/Мышка для людей с ОВЗ/Документы/Презентация о манипуляторе.pptx
@@ -4,15 +4,18 @@
   <p:sldMasterIdLst>
     <p:sldMasterId id="2147483660" r:id="rId1"/>
   </p:sldMasterIdLst>
+  <p:notesMasterIdLst>
+    <p:notesMasterId r:id="rId11"/>
+  </p:notesMasterIdLst>
   <p:sldIdLst>
     <p:sldId id="265" r:id="rId2"/>
     <p:sldId id="257" r:id="rId3"/>
     <p:sldId id="258" r:id="rId4"/>
     <p:sldId id="259" r:id="rId5"/>
-    <p:sldId id="260" r:id="rId6"/>
-    <p:sldId id="261" r:id="rId7"/>
-    <p:sldId id="262" r:id="rId8"/>
-    <p:sldId id="263" r:id="rId9"/>
+    <p:sldId id="261" r:id="rId6"/>
+    <p:sldId id="262" r:id="rId7"/>
+    <p:sldId id="263" r:id="rId8"/>
+    <p:sldId id="260" r:id="rId9"/>
     <p:sldId id="264" r:id="rId10"/>
   </p:sldIdLst>
   <p:sldSz cx="12192000" cy="6858000"/>
@@ -121,10 +124,10 @@
             <p14:sldId id="257"/>
             <p14:sldId id="258"/>
             <p14:sldId id="259"/>
-            <p14:sldId id="260"/>
             <p14:sldId id="261"/>
             <p14:sldId id="262"/>
             <p14:sldId id="263"/>
+            <p14:sldId id="260"/>
             <p14:sldId id="264"/>
           </p14:sldIdLst>
         </p14:section>
@@ -161,6 +164,439 @@
     </p:extLst>
   </p:cm>
 </p:cmLst>
+</file>
+
+<file path=ppt/notesMasters/notesMaster1.xml><?xml version="1.0" encoding="utf-8"?>
+<p:notesMaster xmlns:a="http://schemas.openxmlformats.org/drawingml/2006/main" xmlns:r="http://schemas.openxmlformats.org/officeDocument/2006/relationships" xmlns:p="http://schemas.openxmlformats.org/presentationml/2006/main">
+  <p:cSld>
+    <p:bg>
+      <p:bgRef idx="1001">
+        <a:schemeClr val="bg1"/>
+      </p:bgRef>
+    </p:bg>
+    <p:spTree>
+      <p:nvGrpSpPr>
+        <p:cNvPr id="1" name=""/>
+        <p:cNvGrpSpPr/>
+        <p:nvPr/>
+      </p:nvGrpSpPr>
+      <p:grpSpPr>
+        <a:xfrm>
+          <a:off x="0" y="0"/>
+          <a:ext cx="0" cy="0"/>
+          <a:chOff x="0" y="0"/>
+          <a:chExt cx="0" cy="0"/>
+        </a:xfrm>
+      </p:grpSpPr>
+      <p:sp>
+        <p:nvSpPr>
+          <p:cNvPr id="2" name="Верхний колонтитул 1"/>
+          <p:cNvSpPr>
+            <a:spLocks noGrp="1"/>
+          </p:cNvSpPr>
+          <p:nvPr>
+            <p:ph type="hdr" sz="quarter"/>
+          </p:nvPr>
+        </p:nvSpPr>
+        <p:spPr>
+          <a:xfrm>
+            <a:off x="0" y="0"/>
+            <a:ext cx="2971800" cy="458788"/>
+          </a:xfrm>
+          <a:prstGeom prst="rect">
+            <a:avLst/>
+          </a:prstGeom>
+        </p:spPr>
+        <p:txBody>
+          <a:bodyPr vert="horz" lIns="91440" tIns="45720" rIns="91440" bIns="45720" rtlCol="0"/>
+          <a:lstStyle>
+            <a:lvl1pPr algn="l">
+              <a:defRPr sz="1200"/>
+            </a:lvl1pPr>
+          </a:lstStyle>
+          <a:p>
+            <a:endParaRPr lang="ru-RU"/>
+          </a:p>
+        </p:txBody>
+      </p:sp>
+      <p:sp>
+        <p:nvSpPr>
+          <p:cNvPr id="3" name="Дата 2"/>
+          <p:cNvSpPr>
+            <a:spLocks noGrp="1"/>
+          </p:cNvSpPr>
+          <p:nvPr>
+            <p:ph type="dt" idx="1"/>
+          </p:nvPr>
+        </p:nvSpPr>
+        <p:spPr>
+          <a:xfrm>
+            <a:off x="3884613" y="0"/>
+            <a:ext cx="2971800" cy="458788"/>
+          </a:xfrm>
+          <a:prstGeom prst="rect">
+            <a:avLst/>
+          </a:prstGeom>
+        </p:spPr>
+        <p:txBody>
+          <a:bodyPr vert="horz" lIns="91440" tIns="45720" rIns="91440" bIns="45720" rtlCol="0"/>
+          <a:lstStyle>
+            <a:lvl1pPr algn="r">
+              <a:defRPr sz="1200"/>
+            </a:lvl1pPr>
+          </a:lstStyle>
+          <a:p>
+            <a:fld id="{EBF7A100-4B19-4A5B-B19D-7C22E5CF3150}" type="datetimeFigureOut">
+              <a:rPr lang="ru-RU" smtClean="0"/>
+              <a:t>11.02.2026</a:t>
+            </a:fld>
+            <a:endParaRPr lang="ru-RU"/>
+          </a:p>
+        </p:txBody>
+      </p:sp>
+      <p:sp>
+        <p:nvSpPr>
+          <p:cNvPr id="4" name="Образ слайда 3"/>
+          <p:cNvSpPr>
+            <a:spLocks noGrp="1" noRot="1" noChangeAspect="1"/>
+          </p:cNvSpPr>
+          <p:nvPr>
+            <p:ph type="sldImg" idx="2"/>
+          </p:nvPr>
+        </p:nvSpPr>
+        <p:spPr>
+          <a:xfrm>
+            <a:off x="685800" y="1143000"/>
+            <a:ext cx="5486400" cy="3086100"/>
+          </a:xfrm>
+          <a:prstGeom prst="rect">
+            <a:avLst/>
+          </a:prstGeom>
+          <a:noFill/>
+          <a:ln w="12700">
+            <a:solidFill>
+              <a:prstClr val="black"/>
+            </a:solidFill>
+          </a:ln>
+        </p:spPr>
+        <p:txBody>
+          <a:bodyPr vert="horz" lIns="91440" tIns="45720" rIns="91440" bIns="45720" rtlCol="0" anchor="ctr"/>
+          <a:lstStyle/>
+          <a:p>
+            <a:endParaRPr lang="ru-RU"/>
+          </a:p>
+        </p:txBody>
+      </p:sp>
+      <p:sp>
+        <p:nvSpPr>
+          <p:cNvPr id="5" name="Заметки 4"/>
+          <p:cNvSpPr>
+            <a:spLocks noGrp="1"/>
+          </p:cNvSpPr>
+          <p:nvPr>
+            <p:ph type="body" sz="quarter" idx="3"/>
+          </p:nvPr>
+        </p:nvSpPr>
+        <p:spPr>
+          <a:xfrm>
+            <a:off x="685800" y="4400550"/>
+            <a:ext cx="5486400" cy="3600450"/>
+          </a:xfrm>
+          <a:prstGeom prst="rect">
+            <a:avLst/>
+          </a:prstGeom>
+        </p:spPr>
+        <p:txBody>
+          <a:bodyPr vert="horz" lIns="91440" tIns="45720" rIns="91440" bIns="45720" rtlCol="0"/>
+          <a:lstStyle/>
+          <a:p>
+            <a:pPr lvl="0"/>
+            <a:r>
+              <a:rPr lang="ru-RU"/>
+              <a:t>Образец текста</a:t>
+            </a:r>
+          </a:p>
+          <a:p>
+            <a:pPr lvl="1"/>
+            <a:r>
+              <a:rPr lang="ru-RU"/>
+              <a:t>Второй уровень</a:t>
+            </a:r>
+          </a:p>
+          <a:p>
+            <a:pPr lvl="2"/>
+            <a:r>
+              <a:rPr lang="ru-RU"/>
+              <a:t>Третий уровень</a:t>
+            </a:r>
+          </a:p>
+          <a:p>
+            <a:pPr lvl="3"/>
+            <a:r>
+              <a:rPr lang="ru-RU"/>
+              <a:t>Четвертый уровень</a:t>
+            </a:r>
+          </a:p>
+          <a:p>
+            <a:pPr lvl="4"/>
+            <a:r>
+              <a:rPr lang="ru-RU"/>
+              <a:t>Пятый уровень</a:t>
+            </a:r>
+          </a:p>
+        </p:txBody>
+      </p:sp>
+      <p:sp>
+        <p:nvSpPr>
+          <p:cNvPr id="6" name="Нижний колонтитул 5"/>
+          <p:cNvSpPr>
+            <a:spLocks noGrp="1"/>
+          </p:cNvSpPr>
+          <p:nvPr>
+            <p:ph type="ftr" sz="quarter" idx="4"/>
+          </p:nvPr>
+        </p:nvSpPr>
+        <p:spPr>
+          <a:xfrm>
+            <a:off x="0" y="8685213"/>
+            <a:ext cx="2971800" cy="458787"/>
+          </a:xfrm>
+          <a:prstGeom prst="rect">
+            <a:avLst/>
+          </a:prstGeom>
+        </p:spPr>
+        <p:txBody>
+          <a:bodyPr vert="horz" lIns="91440" tIns="45720" rIns="91440" bIns="45720" rtlCol="0" anchor="b"/>
+          <a:lstStyle>
+            <a:lvl1pPr algn="l">
+              <a:defRPr sz="1200"/>
+            </a:lvl1pPr>
+          </a:lstStyle>
+          <a:p>
+            <a:endParaRPr lang="ru-RU"/>
+          </a:p>
+        </p:txBody>
+      </p:sp>
+      <p:sp>
+        <p:nvSpPr>
+          <p:cNvPr id="7" name="Номер слайда 6"/>
+          <p:cNvSpPr>
+            <a:spLocks noGrp="1"/>
+          </p:cNvSpPr>
+          <p:nvPr>
+            <p:ph type="sldNum" sz="quarter" idx="5"/>
+          </p:nvPr>
+        </p:nvSpPr>
+        <p:spPr>
+          <a:xfrm>
+            <a:off x="3884613" y="8685213"/>
+            <a:ext cx="2971800" cy="458787"/>
+          </a:xfrm>
+          <a:prstGeom prst="rect">
+            <a:avLst/>
+          </a:prstGeom>
+        </p:spPr>
+        <p:txBody>
+          <a:bodyPr vert="horz" lIns="91440" tIns="45720" rIns="91440" bIns="45720" rtlCol="0" anchor="b"/>
+          <a:lstStyle>
+            <a:lvl1pPr algn="r">
+              <a:defRPr sz="1200"/>
+            </a:lvl1pPr>
+          </a:lstStyle>
+          <a:p>
+            <a:fld id="{F2B6DCF1-7120-498E-94ED-383180DBAAA0}" type="slidenum">
+              <a:rPr lang="ru-RU" smtClean="0"/>
+              <a:t>‹#›</a:t>
+            </a:fld>
+            <a:endParaRPr lang="ru-RU"/>
+          </a:p>
+        </p:txBody>
+      </p:sp>
+    </p:spTree>
+    <p:extLst>
+      <p:ext uri="{BB962C8B-B14F-4D97-AF65-F5344CB8AC3E}">
+        <p14:creationId xmlns:p14="http://schemas.microsoft.com/office/powerpoint/2010/main" val="1970863359"/>
+      </p:ext>
+    </p:extLst>
+  </p:cSld>
+  <p:clrMap bg1="lt1" tx1="dk1" bg2="lt2" tx2="dk2" accent1="accent1" accent2="accent2" accent3="accent3" accent4="accent4" accent5="accent5" accent6="accent6" hlink="hlink" folHlink="folHlink"/>
+  <p:notesStyle>
+    <a:lvl1pPr marL="0" algn="l" defTabSz="914400" rtl="0" eaLnBrk="1" latinLnBrk="0" hangingPunct="1">
+      <a:defRPr sz="1200" kern="1200">
+        <a:solidFill>
+          <a:schemeClr val="tx1"/>
+        </a:solidFill>
+        <a:latin typeface="+mn-lt"/>
+        <a:ea typeface="+mn-ea"/>
+        <a:cs typeface="+mn-cs"/>
+      </a:defRPr>
+    </a:lvl1pPr>
+    <a:lvl2pPr marL="457200" algn="l" defTabSz="914400" rtl="0" eaLnBrk="1" latinLnBrk="0" hangingPunct="1">
+      <a:defRPr sz="1200" kern="1200">
+        <a:solidFill>
+          <a:schemeClr val="tx1"/>
+        </a:solidFill>
+        <a:latin typeface="+mn-lt"/>
+        <a:ea typeface="+mn-ea"/>
+        <a:cs typeface="+mn-cs"/>
+      </a:defRPr>
+    </a:lvl2pPr>
+    <a:lvl3pPr marL="914400" algn="l" defTabSz="914400" rtl="0" eaLnBrk="1" latinLnBrk="0" hangingPunct="1">
+      <a:defRPr sz="1200" kern="1200">
+        <a:solidFill>
+          <a:schemeClr val="tx1"/>
+        </a:solidFill>
+        <a:latin typeface="+mn-lt"/>
+        <a:ea typeface="+mn-ea"/>
+        <a:cs typeface="+mn-cs"/>
+      </a:defRPr>
+    </a:lvl3pPr>
+    <a:lvl4pPr marL="1371600" algn="l" defTabSz="914400" rtl="0" eaLnBrk="1" latinLnBrk="0" hangingPunct="1">
+      <a:defRPr sz="1200" kern="1200">
+        <a:solidFill>
+          <a:schemeClr val="tx1"/>
+        </a:solidFill>
+        <a:latin typeface="+mn-lt"/>
+        <a:ea typeface="+mn-ea"/>
+        <a:cs typeface="+mn-cs"/>
+      </a:defRPr>
+    </a:lvl4pPr>
+    <a:lvl5pPr marL="1828800" algn="l" defTabSz="914400" rtl="0" eaLnBrk="1" latinLnBrk="0" hangingPunct="1">
+      <a:defRPr sz="1200" kern="1200">
+        <a:solidFill>
+          <a:schemeClr val="tx1"/>
+        </a:solidFill>
+        <a:latin typeface="+mn-lt"/>
+        <a:ea typeface="+mn-ea"/>
+        <a:cs typeface="+mn-cs"/>
+      </a:defRPr>
+    </a:lvl5pPr>
+    <a:lvl6pPr marL="2286000" algn="l" defTabSz="914400" rtl="0" eaLnBrk="1" latinLnBrk="0" hangingPunct="1">
+      <a:defRPr sz="1200" kern="1200">
+        <a:solidFill>
+          <a:schemeClr val="tx1"/>
+        </a:solidFill>
+        <a:latin typeface="+mn-lt"/>
+        <a:ea typeface="+mn-ea"/>
+        <a:cs typeface="+mn-cs"/>
+      </a:defRPr>
+    </a:lvl6pPr>
+    <a:lvl7pPr marL="2743200" algn="l" defTabSz="914400" rtl="0" eaLnBrk="1" latinLnBrk="0" hangingPunct="1">
+      <a:defRPr sz="1200" kern="1200">
+        <a:solidFill>
+          <a:schemeClr val="tx1"/>
+        </a:solidFill>
+        <a:latin typeface="+mn-lt"/>
+        <a:ea typeface="+mn-ea"/>
+        <a:cs typeface="+mn-cs"/>
+      </a:defRPr>
+    </a:lvl7pPr>
+    <a:lvl8pPr marL="3200400" algn="l" defTabSz="914400" rtl="0" eaLnBrk="1" latinLnBrk="0" hangingPunct="1">
+      <a:defRPr sz="1200" kern="1200">
+        <a:solidFill>
+          <a:schemeClr val="tx1"/>
+        </a:solidFill>
+        <a:latin typeface="+mn-lt"/>
+        <a:ea typeface="+mn-ea"/>
+        <a:cs typeface="+mn-cs"/>
+      </a:defRPr>
+    </a:lvl8pPr>
+    <a:lvl9pPr marL="3657600" algn="l" defTabSz="914400" rtl="0" eaLnBrk="1" latinLnBrk="0" hangingPunct="1">
+      <a:defRPr sz="1200" kern="1200">
+        <a:solidFill>
+          <a:schemeClr val="tx1"/>
+        </a:solidFill>
+        <a:latin typeface="+mn-lt"/>
+        <a:ea typeface="+mn-ea"/>
+        <a:cs typeface="+mn-cs"/>
+      </a:defRPr>
+    </a:lvl9pPr>
+  </p:notesStyle>
+</p:notesMaster>
+</file>
+
+<file path=ppt/notesSlides/notesSlide1.xml><?xml version="1.0" encoding="utf-8"?>
+<p:notes xmlns:a="http://schemas.openxmlformats.org/drawingml/2006/main" xmlns:r="http://schemas.openxmlformats.org/officeDocument/2006/relationships" xmlns:p="http://schemas.openxmlformats.org/presentationml/2006/main">
+  <p:cSld>
+    <p:spTree>
+      <p:nvGrpSpPr>
+        <p:cNvPr id="1" name=""/>
+        <p:cNvGrpSpPr/>
+        <p:nvPr/>
+      </p:nvGrpSpPr>
+      <p:grpSpPr>
+        <a:xfrm>
+          <a:off x="0" y="0"/>
+          <a:ext cx="0" cy="0"/>
+          <a:chOff x="0" y="0"/>
+          <a:chExt cx="0" cy="0"/>
+        </a:xfrm>
+      </p:grpSpPr>
+      <p:sp>
+        <p:nvSpPr>
+          <p:cNvPr id="2" name="Образ слайда 1"/>
+          <p:cNvSpPr>
+            <a:spLocks noGrp="1" noRot="1" noChangeAspect="1"/>
+          </p:cNvSpPr>
+          <p:nvPr>
+            <p:ph type="sldImg"/>
+          </p:nvPr>
+        </p:nvSpPr>
+        <p:spPr/>
+      </p:sp>
+      <p:sp>
+        <p:nvSpPr>
+          <p:cNvPr id="3" name="Заметки 2"/>
+          <p:cNvSpPr>
+            <a:spLocks noGrp="1"/>
+          </p:cNvSpPr>
+          <p:nvPr>
+            <p:ph type="body" idx="1"/>
+          </p:nvPr>
+        </p:nvSpPr>
+        <p:spPr/>
+        <p:txBody>
+          <a:bodyPr/>
+          <a:lstStyle/>
+          <a:p>
+            <a:endParaRPr lang="ru-RU" dirty="0"/>
+          </a:p>
+        </p:txBody>
+      </p:sp>
+      <p:sp>
+        <p:nvSpPr>
+          <p:cNvPr id="4" name="Номер слайда 3"/>
+          <p:cNvSpPr>
+            <a:spLocks noGrp="1"/>
+          </p:cNvSpPr>
+          <p:nvPr>
+            <p:ph type="sldNum" sz="quarter" idx="5"/>
+          </p:nvPr>
+        </p:nvSpPr>
+        <p:spPr/>
+        <p:txBody>
+          <a:bodyPr/>
+          <a:lstStyle/>
+          <a:p>
+            <a:fld id="{F2B6DCF1-7120-498E-94ED-383180DBAAA0}" type="slidenum">
+              <a:rPr lang="ru-RU" smtClean="0"/>
+              <a:t>6</a:t>
+            </a:fld>
+            <a:endParaRPr lang="ru-RU"/>
+          </a:p>
+        </p:txBody>
+      </p:sp>
+    </p:spTree>
+    <p:extLst>
+      <p:ext uri="{BB962C8B-B14F-4D97-AF65-F5344CB8AC3E}">
+        <p14:creationId xmlns:p14="http://schemas.microsoft.com/office/powerpoint/2010/main" val="1885579368"/>
+      </p:ext>
+    </p:extLst>
+  </p:cSld>
+  <p:clrMapOvr>
+    <a:masterClrMapping/>
+  </p:clrMapOvr>
+</p:notes>
 </file>
 
 <file path=ppt/slideLayouts/slideLayout1.xml><?xml version="1.0" encoding="utf-8"?>
@@ -389,7 +825,7 @@
           <a:p>
             <a:fld id="{BB72D5D3-D9D5-4A9C-867E-F13F5DA2FF7F}" type="datetimeFigureOut">
               <a:rPr lang="ru-RU" smtClean="0"/>
-              <a:t>10.02.2026</a:t>
+              <a:t>11.02.2026</a:t>
             </a:fld>
             <a:endParaRPr lang="ru-RU"/>
           </a:p>
@@ -597,7 +1033,7 @@
           <a:p>
             <a:fld id="{BB72D5D3-D9D5-4A9C-867E-F13F5DA2FF7F}" type="datetimeFigureOut">
               <a:rPr lang="ru-RU" smtClean="0"/>
-              <a:t>10.02.2026</a:t>
+              <a:t>11.02.2026</a:t>
             </a:fld>
             <a:endParaRPr lang="ru-RU"/>
           </a:p>
@@ -853,7 +1289,7 @@
           <a:p>
             <a:fld id="{BB72D5D3-D9D5-4A9C-867E-F13F5DA2FF7F}" type="datetimeFigureOut">
               <a:rPr lang="ru-RU" smtClean="0"/>
-              <a:t>10.02.2026</a:t>
+              <a:t>11.02.2026</a:t>
             </a:fld>
             <a:endParaRPr lang="ru-RU"/>
           </a:p>
@@ -1027,7 +1463,7 @@
           <a:p>
             <a:fld id="{BB72D5D3-D9D5-4A9C-867E-F13F5DA2FF7F}" type="datetimeFigureOut">
               <a:rPr lang="ru-RU" smtClean="0"/>
-              <a:t>10.02.2026</a:t>
+              <a:t>11.02.2026</a:t>
             </a:fld>
             <a:endParaRPr lang="ru-RU"/>
           </a:p>
@@ -1370,7 +1806,7 @@
           <a:p>
             <a:fld id="{BB72D5D3-D9D5-4A9C-867E-F13F5DA2FF7F}" type="datetimeFigureOut">
               <a:rPr lang="ru-RU" smtClean="0"/>
-              <a:t>10.02.2026</a:t>
+              <a:t>11.02.2026</a:t>
             </a:fld>
             <a:endParaRPr lang="ru-RU"/>
           </a:p>
@@ -1645,7 +2081,7 @@
           <a:p>
             <a:fld id="{BB72D5D3-D9D5-4A9C-867E-F13F5DA2FF7F}" type="datetimeFigureOut">
               <a:rPr lang="ru-RU" smtClean="0"/>
-              <a:t>10.02.2026</a:t>
+              <a:t>11.02.2026</a:t>
             </a:fld>
             <a:endParaRPr lang="ru-RU"/>
           </a:p>
@@ -2024,7 +2460,7 @@
           <a:p>
             <a:fld id="{BB72D5D3-D9D5-4A9C-867E-F13F5DA2FF7F}" type="datetimeFigureOut">
               <a:rPr lang="ru-RU" smtClean="0"/>
-              <a:t>10.02.2026</a:t>
+              <a:t>11.02.2026</a:t>
             </a:fld>
             <a:endParaRPr lang="ru-RU"/>
           </a:p>
@@ -2142,7 +2578,7 @@
           <a:p>
             <a:fld id="{BB72D5D3-D9D5-4A9C-867E-F13F5DA2FF7F}" type="datetimeFigureOut">
               <a:rPr lang="ru-RU" smtClean="0"/>
-              <a:t>10.02.2026</a:t>
+              <a:t>11.02.2026</a:t>
             </a:fld>
             <a:endParaRPr lang="ru-RU"/>
           </a:p>
@@ -2313,7 +2749,7 @@
           <a:p>
             <a:fld id="{BB72D5D3-D9D5-4A9C-867E-F13F5DA2FF7F}" type="datetimeFigureOut">
               <a:rPr lang="ru-RU" smtClean="0"/>
-              <a:t>10.02.2026</a:t>
+              <a:t>11.02.2026</a:t>
             </a:fld>
             <a:endParaRPr lang="ru-RU"/>
           </a:p>
@@ -2667,7 +3103,7 @@
           <a:p>
             <a:fld id="{BB72D5D3-D9D5-4A9C-867E-F13F5DA2FF7F}" type="datetimeFigureOut">
               <a:rPr lang="ru-RU" smtClean="0"/>
-              <a:t>10.02.2026</a:t>
+              <a:t>11.02.2026</a:t>
             </a:fld>
             <a:endParaRPr lang="ru-RU"/>
           </a:p>
@@ -3049,7 +3485,7 @@
           <a:p>
             <a:fld id="{BB72D5D3-D9D5-4A9C-867E-F13F5DA2FF7F}" type="datetimeFigureOut">
               <a:rPr lang="ru-RU" smtClean="0"/>
-              <a:t>10.02.2026</a:t>
+              <a:t>11.02.2026</a:t>
             </a:fld>
             <a:endParaRPr lang="ru-RU"/>
           </a:p>
@@ -3336,7 +3772,7 @@
           <a:p>
             <a:fld id="{BB72D5D3-D9D5-4A9C-867E-F13F5DA2FF7F}" type="datetimeFigureOut">
               <a:rPr lang="ru-RU" smtClean="0"/>
-              <a:t>10.02.2026</a:t>
+              <a:t>11.02.2026</a:t>
             </a:fld>
             <a:endParaRPr lang="ru-RU"/>
           </a:p>
@@ -3862,119 +4298,6 @@
       </p:grpSpPr>
       <p:sp>
         <p:nvSpPr>
-          <p:cNvPr id="2" name="Прямоугольник 1">
-            <a:extLst>
-              <a:ext uri="{FF2B5EF4-FFF2-40B4-BE49-F238E27FC236}">
-                <a16:creationId xmlns:a16="http://schemas.microsoft.com/office/drawing/2014/main" id="{8351F05A-A149-91D9-F06E-BE9FD1261F7A}"/>
-              </a:ext>
-            </a:extLst>
-          </p:cNvPr>
-          <p:cNvSpPr/>
-          <p:nvPr/>
-        </p:nvSpPr>
-        <p:spPr>
-          <a:xfrm>
-            <a:off x="1170432" y="4251960"/>
-            <a:ext cx="10113264" cy="130549"/>
-          </a:xfrm>
-          <a:prstGeom prst="rect">
-            <a:avLst/>
-          </a:prstGeom>
-          <a:solidFill>
-            <a:schemeClr val="bg1"/>
-          </a:solidFill>
-          <a:ln>
-            <a:noFill/>
-          </a:ln>
-        </p:spPr>
-        <p:style>
-          <a:lnRef idx="2">
-            <a:schemeClr val="accent1">
-              <a:shade val="15000"/>
-            </a:schemeClr>
-          </a:lnRef>
-          <a:fillRef idx="1">
-            <a:schemeClr val="accent1"/>
-          </a:fillRef>
-          <a:effectRef idx="0">
-            <a:schemeClr val="accent1"/>
-          </a:effectRef>
-          <a:fontRef idx="minor">
-            <a:schemeClr val="lt1"/>
-          </a:fontRef>
-        </p:style>
-        <p:txBody>
-          <a:bodyPr rtlCol="0" anchor="ctr"/>
-          <a:lstStyle/>
-          <a:p>
-            <a:pPr algn="ctr"/>
-            <a:endParaRPr lang="ru-RU"/>
-          </a:p>
-        </p:txBody>
-      </p:sp>
-      <p:sp>
-        <p:nvSpPr>
-          <p:cNvPr id="4" name="Заголовок 1"/>
-          <p:cNvSpPr txBox="1">
-            <a:spLocks/>
-          </p:cNvSpPr>
-          <p:nvPr/>
-        </p:nvSpPr>
-        <p:spPr>
-          <a:xfrm>
-            <a:off x="1371600" y="46402"/>
-            <a:ext cx="9485375" cy="1312745"/>
-          </a:xfrm>
-          <a:prstGeom prst="rect">
-            <a:avLst/>
-          </a:prstGeom>
-        </p:spPr>
-        <p:txBody>
-          <a:bodyPr vert="horz" lIns="91440" tIns="45720" rIns="91440" bIns="45720" rtlCol="0" anchor="ctr">
-            <a:normAutofit/>
-          </a:bodyPr>
-          <a:lstStyle>
-            <a:lvl1pPr algn="ctr" defTabSz="914400" rtl="0" eaLnBrk="1" latinLnBrk="0" hangingPunct="1">
-              <a:spcBef>
-                <a:spcPct val="0"/>
-              </a:spcBef>
-              <a:buNone/>
-              <a:defRPr sz="4400" kern="1200">
-                <a:solidFill>
-                  <a:schemeClr val="tx1"/>
-                </a:solidFill>
-                <a:latin typeface="+mj-lt"/>
-                <a:ea typeface="+mj-ea"/>
-                <a:cs typeface="+mj-cs"/>
-              </a:defRPr>
-            </a:lvl1pPr>
-          </a:lstStyle>
-          <a:p>
-            <a:r>
-              <a:rPr lang="ru-RU" sz="2000" dirty="0">
-                <a:latin typeface="Bookman Old Style" panose="02050604050505020204" pitchFamily="18" charset="0"/>
-                <a:cs typeface="Arial" pitchFamily="34" charset="0"/>
-              </a:rPr>
-              <a:t>Государственное бюджетное общеобразовательное учреждение </a:t>
-            </a:r>
-            <a:endParaRPr lang="en-US" sz="2000" dirty="0">
-              <a:latin typeface="Bookman Old Style" panose="02050604050505020204" pitchFamily="18" charset="0"/>
-              <a:cs typeface="Arial" pitchFamily="34" charset="0"/>
-            </a:endParaRPr>
-          </a:p>
-          <a:p>
-            <a:r>
-              <a:rPr lang="ru-RU" sz="2000" dirty="0">
-                <a:latin typeface="Bookman Old Style" panose="02050604050505020204" pitchFamily="18" charset="0"/>
-                <a:cs typeface="Arial" pitchFamily="34" charset="0"/>
-              </a:rPr>
-              <a:t>города Москвы «Школа № 1103 имени Героя Российской Федерации А.В. Соломатина»</a:t>
-            </a:r>
-          </a:p>
-        </p:txBody>
-      </p:sp>
-      <p:sp>
-        <p:nvSpPr>
           <p:cNvPr id="5" name="Подзаголовок 2"/>
           <p:cNvSpPr txBox="1">
             <a:spLocks/>
@@ -3983,7 +4306,7 @@
         </p:nvSpPr>
         <p:spPr>
           <a:xfrm>
-            <a:off x="2644139" y="2077504"/>
+            <a:off x="2704337" y="2865858"/>
             <a:ext cx="6783325" cy="1126283"/>
           </a:xfrm>
           <a:prstGeom prst="rect">
@@ -4155,150 +4478,10 @@
                 <a:solidFill>
                   <a:schemeClr val="tx1"/>
                 </a:solidFill>
-                <a:latin typeface="Bookman Old Style" panose="02050604050505020204" pitchFamily="18" charset="0"/>
-                <a:cs typeface="Arial" pitchFamily="34" charset="0"/>
+                <a:latin typeface="Times New Roman" panose="02020603050405020304" pitchFamily="18" charset="0"/>
+                <a:cs typeface="Times New Roman" panose="02020603050405020304" pitchFamily="18" charset="0"/>
               </a:rPr>
               <a:t>Манипулятор для людей с ограниченной моторикой рук</a:t>
-            </a:r>
-          </a:p>
-          <a:p>
-            <a:endParaRPr lang="ru-RU" sz="6600" dirty="0">
-              <a:latin typeface="Bookman Old Style" panose="02050604050505020204" pitchFamily="18" charset="0"/>
-              <a:cs typeface="Times New Roman" panose="02020603050405020304" pitchFamily="18" charset="0"/>
-            </a:endParaRPr>
-          </a:p>
-          <a:p>
-            <a:endParaRPr lang="ru-RU" dirty="0">
-              <a:latin typeface="Bookman Old Style" panose="02050604050505020204" pitchFamily="18" charset="0"/>
-            </a:endParaRPr>
-          </a:p>
-        </p:txBody>
-      </p:sp>
-      <p:sp>
-        <p:nvSpPr>
-          <p:cNvPr id="6" name="TextBox 5"/>
-          <p:cNvSpPr txBox="1"/>
-          <p:nvPr/>
-        </p:nvSpPr>
-        <p:spPr>
-          <a:xfrm>
-            <a:off x="7790829" y="3654214"/>
-            <a:ext cx="4401171" cy="2538259"/>
-          </a:xfrm>
-          <a:prstGeom prst="rect">
-            <a:avLst/>
-          </a:prstGeom>
-          <a:noFill/>
-        </p:spPr>
-        <p:txBody>
-          <a:bodyPr wrap="square" rtlCol="0">
-            <a:spAutoFit/>
-          </a:bodyPr>
-          <a:lstStyle/>
-          <a:p>
-            <a:pPr>
-              <a:lnSpc>
-                <a:spcPct val="150000"/>
-              </a:lnSpc>
-            </a:pPr>
-            <a:r>
-              <a:rPr lang="ru-RU" dirty="0">
-                <a:latin typeface="Bookman Old Style" panose="02050604050505020204" pitchFamily="18" charset="0"/>
-                <a:cs typeface="Arial" pitchFamily="34" charset="0"/>
-              </a:rPr>
-              <a:t>Участник</a:t>
-            </a:r>
-            <a:r>
-              <a:rPr lang="en-US" dirty="0">
-                <a:latin typeface="Bookman Old Style" panose="02050604050505020204" pitchFamily="18" charset="0"/>
-                <a:cs typeface="Arial" pitchFamily="34" charset="0"/>
-              </a:rPr>
-              <a:t>:</a:t>
-            </a:r>
-            <a:endParaRPr lang="ru-RU" dirty="0">
-              <a:latin typeface="Bookman Old Style" panose="02050604050505020204" pitchFamily="18" charset="0"/>
-              <a:cs typeface="Arial" pitchFamily="34" charset="0"/>
-            </a:endParaRPr>
-          </a:p>
-          <a:p>
-            <a:pPr>
-              <a:lnSpc>
-                <a:spcPct val="150000"/>
-              </a:lnSpc>
-            </a:pPr>
-            <a:r>
-              <a:rPr lang="ru-RU" dirty="0">
-                <a:latin typeface="Bookman Old Style" panose="02050604050505020204" pitchFamily="18" charset="0"/>
-                <a:cs typeface="Arial" pitchFamily="34" charset="0"/>
-              </a:rPr>
-              <a:t>ученик 9 «И» класса ГБОУ </a:t>
-            </a:r>
-          </a:p>
-          <a:p>
-            <a:pPr>
-              <a:lnSpc>
-                <a:spcPct val="150000"/>
-              </a:lnSpc>
-            </a:pPr>
-            <a:r>
-              <a:rPr lang="ru-RU" dirty="0">
-                <a:latin typeface="Bookman Old Style" panose="02050604050505020204" pitchFamily="18" charset="0"/>
-                <a:cs typeface="Arial" pitchFamily="34" charset="0"/>
-              </a:rPr>
-              <a:t>Школа № 1103  Пивоваров Андрей</a:t>
-            </a:r>
-          </a:p>
-          <a:p>
-            <a:pPr>
-              <a:lnSpc>
-                <a:spcPct val="150000"/>
-              </a:lnSpc>
-            </a:pPr>
-            <a:r>
-              <a:rPr lang="ru-RU" dirty="0">
-                <a:latin typeface="Bookman Old Style" panose="02050604050505020204" pitchFamily="18" charset="0"/>
-                <a:cs typeface="Arial" pitchFamily="34" charset="0"/>
-              </a:rPr>
-              <a:t>Руководитель</a:t>
-            </a:r>
-            <a:r>
-              <a:rPr lang="en-US" dirty="0">
-                <a:latin typeface="Bookman Old Style" panose="02050604050505020204" pitchFamily="18" charset="0"/>
-                <a:cs typeface="Arial" pitchFamily="34" charset="0"/>
-              </a:rPr>
-              <a:t>: </a:t>
-            </a:r>
-            <a:endParaRPr lang="ru-RU" dirty="0">
-              <a:latin typeface="Bookman Old Style" panose="02050604050505020204" pitchFamily="18" charset="0"/>
-              <a:cs typeface="Arial" pitchFamily="34" charset="0"/>
-            </a:endParaRPr>
-          </a:p>
-          <a:p>
-            <a:pPr>
-              <a:lnSpc>
-                <a:spcPct val="150000"/>
-              </a:lnSpc>
-            </a:pPr>
-            <a:r>
-              <a:rPr lang="ru-RU" dirty="0">
-                <a:latin typeface="Bookman Old Style" panose="02050604050505020204" pitchFamily="18" charset="0"/>
-                <a:cs typeface="Arial" pitchFamily="34" charset="0"/>
-              </a:rPr>
-              <a:t>учитель ГБОУ Школа № 1103 </a:t>
-            </a:r>
-          </a:p>
-          <a:p>
-            <a:pPr>
-              <a:lnSpc>
-                <a:spcPct val="150000"/>
-              </a:lnSpc>
-            </a:pPr>
-            <a:r>
-              <a:rPr lang="ru-RU" dirty="0">
-                <a:latin typeface="Bookman Old Style" panose="02050604050505020204" pitchFamily="18" charset="0"/>
-                <a:cs typeface="Arial" pitchFamily="34" charset="0"/>
-              </a:rPr>
-              <a:t>Сокур Мария Евгеньевна</a:t>
             </a:r>
           </a:p>
         </p:txBody>
@@ -4512,7 +4695,8 @@
                 <a:solidFill>
                   <a:schemeClr val="bg1"/>
                 </a:solidFill>
-                <a:latin typeface="Bookman Old Style" panose="02050604050505020204" pitchFamily="18" charset="0"/>
+                <a:latin typeface="Times New Roman" panose="02020603050405020304" pitchFamily="18" charset="0"/>
+                <a:cs typeface="Times New Roman" panose="02020603050405020304" pitchFamily="18" charset="0"/>
               </a:rPr>
               <a:t>Причины создания проекта</a:t>
             </a:r>
@@ -4533,7 +4717,7 @@
         </p:nvSpPr>
         <p:spPr>
           <a:xfrm>
-            <a:off x="3730752" y="-819821"/>
+            <a:off x="3209544" y="-819821"/>
             <a:ext cx="45719" cy="1450757"/>
           </a:xfrm>
           <a:prstGeom prst="rect">
@@ -4585,7 +4769,7 @@
         </p:nvSpPr>
         <p:spPr>
           <a:xfrm>
-            <a:off x="3826763" y="197597"/>
+            <a:off x="3375660" y="193379"/>
             <a:ext cx="2081784" cy="369332"/>
           </a:xfrm>
           <a:prstGeom prst="rect">
@@ -4604,7 +4788,8 @@
                 <a:solidFill>
                   <a:schemeClr val="bg1"/>
                 </a:solidFill>
-                <a:latin typeface="Bookman Old Style" panose="02050604050505020204" pitchFamily="18" charset="0"/>
+                <a:latin typeface="Times New Roman" panose="02020603050405020304" pitchFamily="18" charset="0"/>
+                <a:cs typeface="Times New Roman" panose="02020603050405020304" pitchFamily="18" charset="0"/>
               </a:rPr>
               <a:t>2</a:t>
             </a:r>
@@ -4753,8 +4938,8 @@
         </p:nvSpPr>
         <p:spPr>
           <a:xfrm>
-            <a:off x="4370832" y="1427395"/>
-            <a:ext cx="6377940" cy="1291764"/>
+            <a:off x="4416552" y="1794638"/>
+            <a:ext cx="6377940" cy="1421992"/>
           </a:xfrm>
           <a:prstGeom prst="rect">
             <a:avLst/>
@@ -4773,8 +4958,9 @@
               </a:lnSpc>
             </a:pPr>
             <a:r>
-              <a:rPr lang="ru-RU" sz="1800" dirty="0">
-                <a:latin typeface="Bookman Old Style" panose="02050604050505020204" pitchFamily="18" charset="0"/>
+              <a:rPr lang="ru-RU" sz="2000" dirty="0">
+                <a:latin typeface="Times New Roman" panose="02020603050405020304" pitchFamily="18" charset="0"/>
+                <a:cs typeface="Times New Roman" panose="02020603050405020304" pitchFamily="18" charset="0"/>
               </a:rPr>
               <a:t>Цифровая среда недоступна для людей с ограниченной моторикой, ведь существующие решения имеют:</a:t>
             </a:r>
@@ -4795,8 +4981,8 @@
         </p:nvSpPr>
         <p:spPr>
           <a:xfrm>
-            <a:off x="5684474" y="2846246"/>
-            <a:ext cx="5338618" cy="1707262"/>
+            <a:off x="6010458" y="3181916"/>
+            <a:ext cx="5338618" cy="1421992"/>
           </a:xfrm>
           <a:prstGeom prst="rect">
             <a:avLst/>
@@ -4817,22 +5003,24 @@
               <a:buChar char="•"/>
             </a:pPr>
             <a:r>
-              <a:rPr lang="ru-RU" dirty="0">
-                <a:latin typeface="Bookman Old Style" panose="02050604050505020204" pitchFamily="18" charset="0"/>
+              <a:rPr lang="ru-RU" sz="2000" dirty="0">
+                <a:latin typeface="Times New Roman" panose="02020603050405020304" pitchFamily="18" charset="0"/>
+                <a:cs typeface="Times New Roman" panose="02020603050405020304" pitchFamily="18" charset="0"/>
               </a:rPr>
               <a:t>Высокую стоимость(от 5000 </a:t>
             </a:r>
             <a:r>
-              <a:rPr lang="ru-RU" dirty="0">
-                <a:latin typeface="Arial Narrow" panose="020B0606020202030204" pitchFamily="34" charset="0"/>
+              <a:rPr lang="ru-RU" sz="2000" dirty="0">
+                <a:latin typeface="Times New Roman" panose="02020603050405020304" pitchFamily="18" charset="0"/>
                 <a:ea typeface="Calibri" panose="020F0502020204030204" pitchFamily="34" charset="0"/>
-                <a:cs typeface="Calibri" panose="020F0502020204030204" pitchFamily="34" charset="0"/>
+                <a:cs typeface="Times New Roman" panose="02020603050405020304" pitchFamily="18" charset="0"/>
               </a:rPr>
               <a:t>₽</a:t>
             </a:r>
             <a:r>
-              <a:rPr lang="ru-RU" dirty="0">
-                <a:latin typeface="Bookman Old Style" panose="02050604050505020204" pitchFamily="18" charset="0"/>
+              <a:rPr lang="ru-RU" sz="2000" dirty="0">
+                <a:latin typeface="Times New Roman" panose="02020603050405020304" pitchFamily="18" charset="0"/>
+                <a:cs typeface="Times New Roman" panose="02020603050405020304" pitchFamily="18" charset="0"/>
               </a:rPr>
               <a:t>)</a:t>
             </a:r>
@@ -4846,8 +5034,9 @@
               <a:buChar char="•"/>
             </a:pPr>
             <a:r>
-              <a:rPr lang="ru-RU" dirty="0">
-                <a:latin typeface="Bookman Old Style" panose="02050604050505020204" pitchFamily="18" charset="0"/>
+              <a:rPr lang="ru-RU" sz="2000" dirty="0">
+                <a:latin typeface="Times New Roman" panose="02020603050405020304" pitchFamily="18" charset="0"/>
+                <a:cs typeface="Times New Roman" panose="02020603050405020304" pitchFamily="18" charset="0"/>
               </a:rPr>
               <a:t>Сложную настройку</a:t>
             </a:r>
@@ -4861,8 +5050,9 @@
               <a:buChar char="•"/>
             </a:pPr>
             <a:r>
-              <a:rPr lang="ru-RU" dirty="0">
-                <a:latin typeface="Bookman Old Style" panose="02050604050505020204" pitchFamily="18" charset="0"/>
+              <a:rPr lang="ru-RU" sz="2000" dirty="0">
+                <a:latin typeface="Times New Roman" panose="02020603050405020304" pitchFamily="18" charset="0"/>
+                <a:cs typeface="Times New Roman" panose="02020603050405020304" pitchFamily="18" charset="0"/>
               </a:rPr>
               <a:t>Минимальную эффективность при треморе</a:t>
             </a:r>
@@ -4971,7 +5161,7 @@
         </p:nvSpPr>
         <p:spPr>
           <a:xfrm rot="16200000">
-            <a:off x="4240595" y="-893004"/>
+            <a:off x="4240595" y="13821"/>
             <a:ext cx="3710809" cy="12362691"/>
           </a:xfrm>
           <a:prstGeom prst="rect">
@@ -5044,9 +5234,10 @@
                 <a:solidFill>
                   <a:schemeClr val="tx1"/>
                 </a:solidFill>
-                <a:latin typeface="Bookman Old Style" panose="02050604050505020204" pitchFamily="18" charset="0"/>
+                <a:latin typeface="Times New Roman" panose="02020603050405020304" pitchFamily="18" charset="0"/>
+                <a:cs typeface="Times New Roman" panose="02020603050405020304" pitchFamily="18" charset="0"/>
               </a:rPr>
-              <a:t>Анализ аналогов</a:t>
+              <a:t>Рассмотрение аналогов</a:t>
             </a:r>
           </a:p>
         </p:txBody>
@@ -5065,7 +5256,7 @@
         </p:nvSpPr>
         <p:spPr>
           <a:xfrm>
-            <a:off x="2395728" y="-819821"/>
+            <a:off x="2734836" y="-761716"/>
             <a:ext cx="45719" cy="1450757"/>
           </a:xfrm>
           <a:prstGeom prst="rect">
@@ -5117,7 +5308,7 @@
         </p:nvSpPr>
         <p:spPr>
           <a:xfrm>
-            <a:off x="2486758" y="193378"/>
+            <a:off x="2872932" y="232183"/>
             <a:ext cx="2081784" cy="369332"/>
           </a:xfrm>
           <a:prstGeom prst="rect">
@@ -5133,7 +5324,8 @@
           <a:p>
             <a:r>
               <a:rPr lang="ru-RU" dirty="0">
-                <a:latin typeface="Bookman Old Style" panose="02050604050505020204" pitchFamily="18" charset="0"/>
+                <a:latin typeface="Times New Roman" panose="02020603050405020304" pitchFamily="18" charset="0"/>
+                <a:cs typeface="Times New Roman" panose="02020603050405020304" pitchFamily="18" charset="0"/>
               </a:rPr>
               <a:t>3</a:t>
             </a:r>
@@ -5217,68 +5409,12 @@
         </p:blipFill>
         <p:spPr>
           <a:xfrm>
-            <a:off x="723902" y="746261"/>
-            <a:ext cx="3034281" cy="2452122"/>
+            <a:off x="430941" y="996100"/>
+            <a:ext cx="3528058" cy="2851163"/>
           </a:xfrm>
           <a:prstGeom prst="rect">
             <a:avLst/>
           </a:prstGeom>
-        </p:spPr>
-      </p:pic>
-      <p:pic>
-        <p:nvPicPr>
-          <p:cNvPr id="1028" name="Picture 4" descr="Logitech Marble Trackball Mouse (910-000808) | 250000072601">
-            <a:extLst>
-              <a:ext uri="{FF2B5EF4-FFF2-40B4-BE49-F238E27FC236}">
-                <a16:creationId xmlns:a16="http://schemas.microsoft.com/office/drawing/2014/main" id="{8813296E-A5AA-7C05-2EB8-E4320A46F88C}"/>
-              </a:ext>
-            </a:extLst>
-          </p:cNvPr>
-          <p:cNvPicPr>
-            <a:picLocks noChangeAspect="1" noChangeArrowheads="1"/>
-          </p:cNvPicPr>
-          <p:nvPr/>
-        </p:nvPicPr>
-        <p:blipFill>
-          <a:blip r:embed="rId3">
-            <a:extLst>
-              <a:ext uri="{BEBA8EAE-BF5A-486C-A8C5-ECC9F3942E4B}">
-                <a14:imgProps xmlns:a14="http://schemas.microsoft.com/office/drawing/2010/main">
-                  <a14:imgLayer r:embed="rId4">
-                    <a14:imgEffect>
-                      <a14:brightnessContrast bright="20000" contrast="-40000"/>
-                    </a14:imgEffect>
-                  </a14:imgLayer>
-                </a14:imgProps>
-              </a:ext>
-              <a:ext uri="{28A0092B-C50C-407E-A947-70E740481C1C}">
-                <a14:useLocalDpi xmlns:a14="http://schemas.microsoft.com/office/drawing/2010/main" val="0"/>
-              </a:ext>
-            </a:extLst>
-          </a:blip>
-          <a:srcRect/>
-          <a:stretch>
-            <a:fillRect/>
-          </a:stretch>
-        </p:blipFill>
-        <p:spPr bwMode="auto">
-          <a:xfrm>
-            <a:off x="8572920" y="862879"/>
-            <a:ext cx="2573616" cy="2071890"/>
-          </a:xfrm>
-          <a:prstGeom prst="rect">
-            <a:avLst/>
-          </a:prstGeom>
-          <a:noFill/>
-          <a:extLst>
-            <a:ext uri="{909E8E84-426E-40DD-AFC4-6F175D3DCCD1}">
-              <a14:hiddenFill xmlns:a14="http://schemas.microsoft.com/office/drawing/2010/main">
-                <a:solidFill>
-                  <a:srgbClr val="FFFFFF"/>
-                </a:solidFill>
-              </a14:hiddenFill>
-            </a:ext>
-          </a:extLst>
         </p:spPr>
       </p:pic>
       <p:pic>
@@ -5296,7 +5432,7 @@
           <p:nvPr/>
         </p:nvPicPr>
         <p:blipFill>
-          <a:blip r:embed="rId5">
+          <a:blip r:embed="rId3">
             <a:extLst>
               <a:ext uri="{28A0092B-C50C-407E-A947-70E740481C1C}">
                 <a14:useLocalDpi xmlns:a14="http://schemas.microsoft.com/office/drawing/2010/main" val="0"/>
@@ -5309,8 +5445,8 @@
         </p:blipFill>
         <p:spPr>
           <a:xfrm>
-            <a:off x="4527044" y="320485"/>
-            <a:ext cx="3034281" cy="3034281"/>
+            <a:off x="4189473" y="562710"/>
+            <a:ext cx="3446524" cy="3446524"/>
           </a:xfrm>
           <a:prstGeom prst="rect">
             <a:avLst/>
@@ -5331,8 +5467,8 @@
         </p:nvSpPr>
         <p:spPr>
           <a:xfrm>
-            <a:off x="408450" y="3616487"/>
-            <a:ext cx="3458778" cy="1815882"/>
+            <a:off x="0" y="5154014"/>
+            <a:ext cx="3913824" cy="707886"/>
           </a:xfrm>
           <a:prstGeom prst="rect">
             <a:avLst/>
@@ -5345,49 +5481,55 @@
           </a:bodyPr>
           <a:lstStyle/>
           <a:p>
-            <a:r>
-              <a:rPr lang="ru-RU" sz="1600" dirty="0">
+            <a:pPr algn="ctr"/>
+            <a:r>
+              <a:rPr lang="ru-RU" sz="2000" dirty="0">
                 <a:solidFill>
                   <a:schemeClr val="bg1"/>
                 </a:solidFill>
-                <a:latin typeface="Bookman Old Style" panose="02050604050505020204" pitchFamily="18" charset="0"/>
+                <a:latin typeface="Times New Roman" panose="02020603050405020304" pitchFamily="18" charset="0"/>
+                <a:cs typeface="Times New Roman" panose="02020603050405020304" pitchFamily="18" charset="0"/>
               </a:rPr>
-              <a:t>Головной указатель «</a:t>
-            </a:r>
-            <a:r>
-              <a:rPr lang="en-US" sz="1600" dirty="0">
+              <a:t>Головной указатель</a:t>
+            </a:r>
+            <a:br>
+              <a:rPr lang="ru-RU" sz="2000" dirty="0">
                 <a:solidFill>
                   <a:schemeClr val="bg1"/>
                 </a:solidFill>
-                <a:latin typeface="Bookman Old Style" panose="02050604050505020204" pitchFamily="18" charset="0"/>
+                <a:latin typeface="Times New Roman" panose="02020603050405020304" pitchFamily="18" charset="0"/>
+                <a:cs typeface="Times New Roman" panose="02020603050405020304" pitchFamily="18" charset="0"/>
               </a:rPr>
-              <a:t>Eye Gaze</a:t>
-            </a:r>
-            <a:r>
-              <a:rPr lang="ru-RU" sz="1600" dirty="0">
+            </a:br>
+            <a:r>
+              <a:rPr lang="ru-RU" sz="2000" dirty="0">
                 <a:solidFill>
                   <a:schemeClr val="bg1"/>
                 </a:solidFill>
-                <a:latin typeface="Bookman Old Style" panose="02050604050505020204" pitchFamily="18" charset="0"/>
+                <a:latin typeface="Times New Roman" panose="02020603050405020304" pitchFamily="18" charset="0"/>
+                <a:cs typeface="Times New Roman" panose="02020603050405020304" pitchFamily="18" charset="0"/>
               </a:rPr>
-              <a:t>»</a:t>
-            </a:r>
-            <a:br>
-              <a:rPr lang="ru-RU" sz="1600" dirty="0">
+              <a:t>«</a:t>
+            </a:r>
+            <a:r>
+              <a:rPr lang="en-US" sz="2000" dirty="0">
                 <a:solidFill>
                   <a:schemeClr val="bg1"/>
                 </a:solidFill>
-                <a:latin typeface="Bookman Old Style" panose="02050604050505020204" pitchFamily="18" charset="0"/>
+                <a:latin typeface="Times New Roman" panose="02020603050405020304" pitchFamily="18" charset="0"/>
+                <a:cs typeface="Times New Roman" panose="02020603050405020304" pitchFamily="18" charset="0"/>
               </a:rPr>
-            </a:br>
-            <a:r>
-              <a:rPr lang="ru-RU" sz="1600" dirty="0">
+              <a:t>Eye Gaze</a:t>
+            </a:r>
+            <a:r>
+              <a:rPr lang="ru-RU" sz="2000" dirty="0">
                 <a:solidFill>
                   <a:schemeClr val="bg1"/>
                 </a:solidFill>
-                <a:latin typeface="Bookman Old Style" panose="02050604050505020204" pitchFamily="18" charset="0"/>
+                <a:latin typeface="Times New Roman" panose="02020603050405020304" pitchFamily="18" charset="0"/>
+                <a:cs typeface="Times New Roman" panose="02020603050405020304" pitchFamily="18" charset="0"/>
               </a:rPr>
-              <a:t>Следит за движением глаз, не задействует руки, но имеет сложную калибровку, высокую стоимость и сильные неточности при недостатке света.</a:t>
+              <a:t>»</a:t>
             </a:r>
           </a:p>
         </p:txBody>
@@ -5406,8 +5548,8 @@
         </p:nvSpPr>
         <p:spPr>
           <a:xfrm>
-            <a:off x="4361025" y="3577402"/>
-            <a:ext cx="3699848" cy="1815882"/>
+            <a:off x="4044346" y="5134105"/>
+            <a:ext cx="4012955" cy="707886"/>
           </a:xfrm>
           <a:prstGeom prst="rect">
             <a:avLst/>
@@ -5420,72 +5562,62 @@
           </a:bodyPr>
           <a:lstStyle/>
           <a:p>
-            <a:r>
-              <a:rPr lang="ru-RU" sz="1600" dirty="0">
+            <a:pPr algn="ctr"/>
+            <a:r>
+              <a:rPr lang="ru-RU" sz="2000" dirty="0">
                 <a:solidFill>
                   <a:schemeClr val="bg1"/>
                 </a:solidFill>
-                <a:latin typeface="Bookman Old Style" panose="02050604050505020204" pitchFamily="18" charset="0"/>
+                <a:latin typeface="Times New Roman" panose="02020603050405020304" pitchFamily="18" charset="0"/>
+                <a:cs typeface="Times New Roman" panose="02020603050405020304" pitchFamily="18" charset="0"/>
               </a:rPr>
-              <a:t>Голосовой указатель</a:t>
+              <a:t>Программа</a:t>
             </a:r>
             <a:br>
-              <a:rPr lang="ru-RU" sz="1600" dirty="0">
+              <a:rPr lang="ru-RU" sz="2000" dirty="0">
                 <a:solidFill>
                   <a:schemeClr val="bg1"/>
                 </a:solidFill>
-                <a:latin typeface="Bookman Old Style" panose="02050604050505020204" pitchFamily="18" charset="0"/>
+                <a:latin typeface="Times New Roman" panose="02020603050405020304" pitchFamily="18" charset="0"/>
+                <a:cs typeface="Times New Roman" panose="02020603050405020304" pitchFamily="18" charset="0"/>
               </a:rPr>
             </a:br>
             <a:r>
-              <a:rPr lang="ru-RU" sz="1600" dirty="0">
+              <a:rPr lang="ru-RU" sz="2000" dirty="0">
                 <a:solidFill>
                   <a:schemeClr val="bg1"/>
                 </a:solidFill>
-                <a:latin typeface="Bookman Old Style" panose="02050604050505020204" pitchFamily="18" charset="0"/>
+                <a:latin typeface="Times New Roman" panose="02020603050405020304" pitchFamily="18" charset="0"/>
+                <a:cs typeface="Times New Roman" panose="02020603050405020304" pitchFamily="18" charset="0"/>
               </a:rPr>
-              <a:t>«</a:t>
-            </a:r>
-            <a:r>
-              <a:rPr lang="en-US" sz="1600" dirty="0">
+              <a:t> «</a:t>
+            </a:r>
+            <a:r>
+              <a:rPr lang="en-US" sz="2000" dirty="0">
                 <a:solidFill>
                   <a:schemeClr val="bg1"/>
                 </a:solidFill>
-                <a:latin typeface="Bookman Old Style" panose="02050604050505020204" pitchFamily="18" charset="0"/>
+                <a:latin typeface="Times New Roman" panose="02020603050405020304" pitchFamily="18" charset="0"/>
+                <a:cs typeface="Times New Roman" panose="02020603050405020304" pitchFamily="18" charset="0"/>
               </a:rPr>
               <a:t>Dragon Naturally Speaking</a:t>
             </a:r>
             <a:r>
-              <a:rPr lang="ru-RU" sz="1600" dirty="0">
+              <a:rPr lang="ru-RU" sz="2000" dirty="0">
                 <a:solidFill>
                   <a:schemeClr val="bg1"/>
                 </a:solidFill>
-                <a:latin typeface="Bookman Old Style" panose="02050604050505020204" pitchFamily="18" charset="0"/>
+                <a:latin typeface="Times New Roman" panose="02020603050405020304" pitchFamily="18" charset="0"/>
+                <a:cs typeface="Times New Roman" panose="02020603050405020304" pitchFamily="18" charset="0"/>
               </a:rPr>
               <a:t>»</a:t>
             </a:r>
-            <a:endParaRPr lang="en-US" sz="1600" dirty="0">
+            <a:endParaRPr lang="en-US" sz="2000" dirty="0">
               <a:solidFill>
                 <a:schemeClr val="bg1"/>
               </a:solidFill>
-              <a:latin typeface="Bookman Old Style" panose="02050604050505020204" pitchFamily="18" charset="0"/>
-            </a:endParaRPr>
-          </a:p>
-          <a:p>
-            <a:r>
-              <a:rPr lang="ru-RU" sz="1600" dirty="0">
-                <a:solidFill>
-                  <a:schemeClr val="bg1"/>
-                </a:solidFill>
-                <a:latin typeface="Bookman Old Style" panose="02050604050505020204" pitchFamily="18" charset="0"/>
-              </a:rPr>
-              <a:t>Не задействует рук, но  нестабилен в шумной среде, имеет высокую стоимость и не подходит людям испытывающим проблемы с речью.</a:t>
-            </a:r>
-            <a:endParaRPr lang="en-US" sz="1600" dirty="0">
-              <a:solidFill>
-                <a:schemeClr val="bg1"/>
-              </a:solidFill>
-              <a:latin typeface="Bookman Old Style" panose="02050604050505020204" pitchFamily="18" charset="0"/>
+              <a:latin typeface="Times New Roman" panose="02020603050405020304" pitchFamily="18" charset="0"/>
+              <a:cs typeface="Times New Roman" panose="02020603050405020304" pitchFamily="18" charset="0"/>
             </a:endParaRPr>
           </a:p>
         </p:txBody>
@@ -5504,8 +5636,8 @@
         </p:nvSpPr>
         <p:spPr>
           <a:xfrm>
-            <a:off x="8755380" y="3605844"/>
-            <a:ext cx="2948940" cy="1569660"/>
+            <a:off x="8581967" y="5169145"/>
+            <a:ext cx="3695378" cy="707886"/>
           </a:xfrm>
           <a:prstGeom prst="rect">
             <a:avLst/>
@@ -5518,96 +5650,100 @@
           </a:bodyPr>
           <a:lstStyle/>
           <a:p>
-            <a:r>
-              <a:rPr lang="en-US" sz="1600" dirty="0">
+            <a:pPr algn="ctr"/>
+            <a:r>
+              <a:rPr lang="ru-RU" sz="2000" dirty="0">
                 <a:solidFill>
                   <a:schemeClr val="bg1"/>
                 </a:solidFill>
-                <a:latin typeface="Bookman Old Style" panose="02050604050505020204" pitchFamily="18" charset="0"/>
+                <a:latin typeface="Times New Roman" panose="02020603050405020304" pitchFamily="18" charset="0"/>
+                <a:cs typeface="Times New Roman" panose="02020603050405020304" pitchFamily="18" charset="0"/>
               </a:rPr>
-              <a:t>Trackball </a:t>
-            </a:r>
-            <a:r>
-              <a:rPr lang="ru-RU" sz="1600" dirty="0">
+              <a:t>Планшет</a:t>
+            </a:r>
+          </a:p>
+          <a:p>
+            <a:pPr algn="ctr"/>
+            <a:r>
+              <a:rPr lang="ru-RU" sz="2000" dirty="0">
                 <a:solidFill>
                   <a:schemeClr val="bg1"/>
                 </a:solidFill>
-                <a:latin typeface="Bookman Old Style" panose="02050604050505020204" pitchFamily="18" charset="0"/>
+                <a:latin typeface="Times New Roman" panose="02020603050405020304" pitchFamily="18" charset="0"/>
+                <a:cs typeface="Times New Roman" panose="02020603050405020304" pitchFamily="18" charset="0"/>
               </a:rPr>
               <a:t>«</a:t>
             </a:r>
             <a:r>
-              <a:rPr lang="en-US" sz="1600" dirty="0">
+              <a:rPr lang="en-US" sz="2000" dirty="0">
                 <a:solidFill>
                   <a:schemeClr val="bg1"/>
                 </a:solidFill>
-                <a:latin typeface="Bookman Old Style" panose="02050604050505020204" pitchFamily="18" charset="0"/>
+                <a:latin typeface="Times New Roman" panose="02020603050405020304" pitchFamily="18" charset="0"/>
+                <a:cs typeface="Times New Roman" panose="02020603050405020304" pitchFamily="18" charset="0"/>
               </a:rPr>
-              <a:t>Logitech Marble</a:t>
-            </a:r>
-            <a:r>
-              <a:rPr lang="ru-RU" sz="1600" dirty="0">
+              <a:t>Wacom Bamboo</a:t>
+            </a:r>
+            <a:r>
+              <a:rPr lang="ru-RU" sz="2000" dirty="0">
                 <a:solidFill>
                   <a:schemeClr val="bg1"/>
                 </a:solidFill>
-                <a:latin typeface="Bookman Old Style" panose="02050604050505020204" pitchFamily="18" charset="0"/>
+                <a:latin typeface="Times New Roman" panose="02020603050405020304" pitchFamily="18" charset="0"/>
+                <a:cs typeface="Times New Roman" panose="02020603050405020304" pitchFamily="18" charset="0"/>
               </a:rPr>
               <a:t>»</a:t>
             </a:r>
           </a:p>
-          <a:p>
-            <a:r>
-              <a:rPr lang="ru-RU" sz="1600" dirty="0">
-                <a:solidFill>
-                  <a:schemeClr val="bg1"/>
-                </a:solidFill>
-                <a:latin typeface="Bookman Old Style" panose="02050604050505020204" pitchFamily="18" charset="0"/>
-              </a:rPr>
-              <a:t>Не задействует всю руку, однако требует точной мелкой моторики, что недостижимо у людей с тремором рук.</a:t>
-            </a:r>
-          </a:p>
-        </p:txBody>
-      </p:sp>
-      <p:sp>
-        <p:nvSpPr>
-          <p:cNvPr id="26" name="TextBox 25">
+        </p:txBody>
+      </p:sp>
+      <p:pic>
+        <p:nvPicPr>
+          <p:cNvPr id="2050" name="Picture 2" descr="Wacom Bamboo Graphics Tablet Review and Rating">
             <a:extLst>
               <a:ext uri="{FF2B5EF4-FFF2-40B4-BE49-F238E27FC236}">
-                <a16:creationId xmlns:a16="http://schemas.microsoft.com/office/drawing/2014/main" id="{51C1815B-F396-BA02-D269-6D3991EDF780}"/>
+                <a16:creationId xmlns:a16="http://schemas.microsoft.com/office/drawing/2014/main" id="{B04DF9F1-29F2-EF6F-93C6-F7327EC025D0}"/>
               </a:ext>
             </a:extLst>
           </p:cNvPr>
-          <p:cNvSpPr txBox="1"/>
+          <p:cNvPicPr>
+            <a:picLocks noChangeAspect="1" noChangeArrowheads="1"/>
+          </p:cNvPicPr>
           <p:nvPr/>
-        </p:nvSpPr>
-        <p:spPr>
-          <a:xfrm>
-            <a:off x="193548" y="5615920"/>
-            <a:ext cx="11894820" cy="646331"/>
+        </p:nvPicPr>
+        <p:blipFill>
+          <a:blip r:embed="rId4">
+            <a:extLst>
+              <a:ext uri="{28A0092B-C50C-407E-A947-70E740481C1C}">
+                <a14:useLocalDpi xmlns:a14="http://schemas.microsoft.com/office/drawing/2010/main" val="0"/>
+              </a:ext>
+            </a:extLst>
+          </a:blip>
+          <a:srcRect/>
+          <a:stretch>
+            <a:fillRect/>
+          </a:stretch>
+        </p:blipFill>
+        <p:spPr bwMode="auto">
+          <a:xfrm>
+            <a:off x="7905720" y="996100"/>
+            <a:ext cx="4026027" cy="2745452"/>
           </a:xfrm>
           <a:prstGeom prst="rect">
             <a:avLst/>
           </a:prstGeom>
           <a:noFill/>
-        </p:spPr>
-        <p:txBody>
-          <a:bodyPr wrap="square" rtlCol="0">
-            <a:spAutoFit/>
-          </a:bodyPr>
-          <a:lstStyle/>
-          <a:p>
-            <a:r>
-              <a:rPr lang="ru-RU" dirty="0">
+          <a:extLst>
+            <a:ext uri="{909E8E84-426E-40DD-AFC4-6F175D3DCCD1}">
+              <a14:hiddenFill xmlns:a14="http://schemas.microsoft.com/office/drawing/2010/main">
                 <a:solidFill>
-                  <a:schemeClr val="bg1"/>
+                  <a:srgbClr val="FFFFFF"/>
                 </a:solidFill>
-                <a:latin typeface="Bookman Old Style" panose="02050604050505020204" pitchFamily="18" charset="0"/>
-              </a:rPr>
-              <a:t>Анализ показал, что ни один из существующих аналогов не решает ключевую проблему: физическая стабилизация движения руки при сохранении интуитивного, привычного интерфейса.</a:t>
-            </a:r>
-          </a:p>
-        </p:txBody>
-      </p:sp>
+              </a14:hiddenFill>
+            </a:ext>
+          </a:extLst>
+        </p:spPr>
+      </p:pic>
     </p:spTree>
     <p:extLst>
       <p:ext uri="{BB962C8B-B14F-4D97-AF65-F5344CB8AC3E}">
@@ -5729,7 +5865,8 @@
                 <a:solidFill>
                   <a:schemeClr val="tx1"/>
                 </a:solidFill>
-                <a:latin typeface="Bookman Old Style" panose="02050604050505020204" pitchFamily="18" charset="0"/>
+                <a:latin typeface="Times New Roman" panose="02020603050405020304" pitchFamily="18" charset="0"/>
+                <a:cs typeface="Times New Roman" panose="02020603050405020304" pitchFamily="18" charset="0"/>
               </a:rPr>
               <a:t>Цели и задачи</a:t>
             </a:r>
@@ -5750,7 +5887,7 @@
         </p:nvSpPr>
         <p:spPr>
           <a:xfrm>
-            <a:off x="2535936" y="-819821"/>
+            <a:off x="2023873" y="-768914"/>
             <a:ext cx="45719" cy="1450757"/>
           </a:xfrm>
           <a:prstGeom prst="rect">
@@ -5802,8 +5939,8 @@
         </p:nvSpPr>
         <p:spPr>
           <a:xfrm>
-            <a:off x="2708557" y="197597"/>
-            <a:ext cx="2081784" cy="369332"/>
+            <a:off x="2178409" y="140512"/>
+            <a:ext cx="2081784" cy="400110"/>
           </a:xfrm>
           <a:prstGeom prst="rect">
             <a:avLst/>
@@ -5817,8 +5954,9 @@
           <a:lstStyle/>
           <a:p>
             <a:r>
-              <a:rPr lang="ru-RU" dirty="0">
-                <a:latin typeface="Bookman Old Style" panose="02050604050505020204" pitchFamily="18" charset="0"/>
+              <a:rPr lang="ru-RU" sz="2000" dirty="0">
+                <a:latin typeface="Times New Roman" panose="02020603050405020304" pitchFamily="18" charset="0"/>
+                <a:cs typeface="Times New Roman" panose="02020603050405020304" pitchFamily="18" charset="0"/>
               </a:rPr>
               <a:t>4</a:t>
             </a:r>
@@ -5894,7 +6032,7 @@
         <p:spPr>
           <a:xfrm>
             <a:off x="478535" y="863408"/>
-            <a:ext cx="6041137" cy="646331"/>
+            <a:ext cx="6041137" cy="707886"/>
           </a:xfrm>
           <a:prstGeom prst="rect">
             <a:avLst/>
@@ -5909,26 +6047,30 @@
           <a:p>
             <a:pPr algn="just"/>
             <a:r>
-              <a:rPr lang="ru-RU" b="1" dirty="0">
-                <a:latin typeface="Bookman Old Style" panose="02050604050505020204" pitchFamily="18" charset="0"/>
+              <a:rPr lang="ru-RU" sz="2000" b="1" dirty="0">
+                <a:latin typeface="Times New Roman" panose="02020603050405020304" pitchFamily="18" charset="0"/>
+                <a:cs typeface="Times New Roman" panose="02020603050405020304" pitchFamily="18" charset="0"/>
               </a:rPr>
               <a:t>Целью работы </a:t>
             </a:r>
             <a:r>
-              <a:rPr lang="ru-RU" dirty="0">
-                <a:latin typeface="Bookman Old Style" panose="02050604050505020204" pitchFamily="18" charset="0"/>
+              <a:rPr lang="ru-RU" sz="2000" dirty="0">
+                <a:latin typeface="Times New Roman" panose="02020603050405020304" pitchFamily="18" charset="0"/>
+                <a:cs typeface="Times New Roman" panose="02020603050405020304" pitchFamily="18" charset="0"/>
               </a:rPr>
               <a:t>является</a:t>
             </a:r>
             <a:r>
-              <a:rPr lang="ru-RU" b="1" dirty="0">
-                <a:latin typeface="Bookman Old Style" panose="02050604050505020204" pitchFamily="18" charset="0"/>
+              <a:rPr lang="ru-RU" sz="2000" b="1" dirty="0">
+                <a:latin typeface="Times New Roman" panose="02020603050405020304" pitchFamily="18" charset="0"/>
+                <a:cs typeface="Times New Roman" panose="02020603050405020304" pitchFamily="18" charset="0"/>
               </a:rPr>
               <a:t> </a:t>
             </a:r>
             <a:r>
-              <a:rPr lang="ru-RU" dirty="0">
-                <a:latin typeface="Bookman Old Style" panose="02050604050505020204" pitchFamily="18" charset="0"/>
+              <a:rPr lang="ru-RU" sz="2000" dirty="0">
+                <a:latin typeface="Times New Roman" panose="02020603050405020304" pitchFamily="18" charset="0"/>
+                <a:cs typeface="Times New Roman" panose="02020603050405020304" pitchFamily="18" charset="0"/>
               </a:rPr>
               <a:t>создание механического манипулятора, обеспечивающего:</a:t>
             </a:r>
@@ -5949,8 +6091,8 @@
         </p:nvSpPr>
         <p:spPr>
           <a:xfrm>
-            <a:off x="832513" y="1402733"/>
-            <a:ext cx="5833872" cy="1477328"/>
+            <a:off x="1275588" y="1597015"/>
+            <a:ext cx="5833872" cy="1938992"/>
           </a:xfrm>
           <a:prstGeom prst="rect">
             <a:avLst/>
@@ -5968,8 +6110,9 @@
               <a:buChar char="•"/>
             </a:pPr>
             <a:r>
-              <a:rPr lang="ru-RU" dirty="0">
-                <a:latin typeface="Bookman Old Style" panose="02050604050505020204" pitchFamily="18" charset="0"/>
+              <a:rPr lang="ru-RU" sz="2000" dirty="0">
+                <a:latin typeface="Times New Roman" panose="02020603050405020304" pitchFamily="18" charset="0"/>
+                <a:cs typeface="Times New Roman" panose="02020603050405020304" pitchFamily="18" charset="0"/>
               </a:rPr>
               <a:t>Стабильное и точное управление курсором</a:t>
             </a:r>
@@ -5980,8 +6123,9 @@
               <a:buChar char="•"/>
             </a:pPr>
             <a:r>
-              <a:rPr lang="ru-RU" dirty="0">
-                <a:latin typeface="Bookman Old Style" panose="02050604050505020204" pitchFamily="18" charset="0"/>
+              <a:rPr lang="ru-RU" sz="2000" dirty="0">
+                <a:latin typeface="Times New Roman" panose="02020603050405020304" pitchFamily="18" charset="0"/>
+                <a:cs typeface="Times New Roman" panose="02020603050405020304" pitchFamily="18" charset="0"/>
               </a:rPr>
               <a:t>Пассивную физическую стабилизацию руки</a:t>
             </a:r>
@@ -5992,8 +6136,9 @@
               <a:buChar char="•"/>
             </a:pPr>
             <a:r>
-              <a:rPr lang="ru-RU" dirty="0">
-                <a:latin typeface="Bookman Old Style" panose="02050604050505020204" pitchFamily="18" charset="0"/>
+              <a:rPr lang="ru-RU" sz="2000" dirty="0">
+                <a:latin typeface="Times New Roman" panose="02020603050405020304" pitchFamily="18" charset="0"/>
+                <a:cs typeface="Times New Roman" panose="02020603050405020304" pitchFamily="18" charset="0"/>
               </a:rPr>
               <a:t>Отсутствие сложной калибровки</a:t>
             </a:r>
@@ -6004,10 +6149,24 @@
               <a:buChar char="•"/>
             </a:pPr>
             <a:r>
-              <a:rPr lang="ru-RU" dirty="0">
-                <a:latin typeface="Bookman Old Style" panose="02050604050505020204" pitchFamily="18" charset="0"/>
+              <a:rPr lang="ru-RU" sz="2000" dirty="0">
+                <a:latin typeface="Times New Roman" panose="02020603050405020304" pitchFamily="18" charset="0"/>
+                <a:cs typeface="Times New Roman" panose="02020603050405020304" pitchFamily="18" charset="0"/>
               </a:rPr>
               <a:t>Работа в любой среде, с плохим освещением или в шумных местах по типу офиса</a:t>
+            </a:r>
+          </a:p>
+          <a:p>
+            <a:pPr marL="342900" indent="-342900">
+              <a:buFont typeface="Arial" panose="020B0604020202020204" pitchFamily="34" charset="0"/>
+              <a:buChar char="•"/>
+            </a:pPr>
+            <a:r>
+              <a:rPr lang="ru-RU" sz="2000" dirty="0">
+                <a:latin typeface="Times New Roman" panose="02020603050405020304" pitchFamily="18" charset="0"/>
+                <a:cs typeface="Times New Roman" panose="02020603050405020304" pitchFamily="18" charset="0"/>
+              </a:rPr>
+              <a:t>Имеющий приемлемую стоимость </a:t>
             </a:r>
           </a:p>
         </p:txBody>
@@ -6026,8 +6185,8 @@
         </p:nvSpPr>
         <p:spPr>
           <a:xfrm>
-            <a:off x="4370832" y="3346533"/>
-            <a:ext cx="5477256" cy="369332"/>
+            <a:off x="4260193" y="3447154"/>
+            <a:ext cx="5477256" cy="400110"/>
           </a:xfrm>
           <a:prstGeom prst="rect">
             <a:avLst/>
@@ -6041,8 +6200,9 @@
           <a:lstStyle/>
           <a:p>
             <a:r>
-              <a:rPr lang="ru-RU" dirty="0">
-                <a:latin typeface="Bookman Old Style" panose="02050604050505020204" pitchFamily="18" charset="0"/>
+              <a:rPr lang="ru-RU" sz="2000" b="1" dirty="0">
+                <a:latin typeface="Times New Roman" panose="02020603050405020304" pitchFamily="18" charset="0"/>
+                <a:cs typeface="Times New Roman" panose="02020603050405020304" pitchFamily="18" charset="0"/>
               </a:rPr>
               <a:t>Задачи проекта:</a:t>
             </a:r>
@@ -6063,8 +6223,8 @@
         </p:nvSpPr>
         <p:spPr>
           <a:xfrm>
-            <a:off x="4617720" y="3531199"/>
-            <a:ext cx="6812280" cy="2308324"/>
+            <a:off x="4928804" y="3540815"/>
+            <a:ext cx="6812280" cy="2554545"/>
           </a:xfrm>
           <a:prstGeom prst="rect">
             <a:avLst/>
@@ -6077,8 +6237,9 @@
           </a:bodyPr>
           <a:lstStyle/>
           <a:p>
-            <a:endParaRPr lang="ru-RU" dirty="0">
-              <a:latin typeface="Bookman Old Style" panose="02050604050505020204" pitchFamily="18" charset="0"/>
+            <a:endParaRPr lang="ru-RU" sz="2000" dirty="0">
+              <a:latin typeface="Times New Roman" panose="02020603050405020304" pitchFamily="18" charset="0"/>
+              <a:cs typeface="Times New Roman" panose="02020603050405020304" pitchFamily="18" charset="0"/>
             </a:endParaRPr>
           </a:p>
           <a:p>
@@ -6087,8 +6248,9 @@
               <a:buAutoNum type="arabicPeriod"/>
             </a:pPr>
             <a:r>
-              <a:rPr lang="ru-RU" dirty="0">
-                <a:latin typeface="Bookman Old Style" panose="02050604050505020204" pitchFamily="18" charset="0"/>
+              <a:rPr lang="ru-RU" sz="2000" dirty="0">
+                <a:latin typeface="Times New Roman" panose="02020603050405020304" pitchFamily="18" charset="0"/>
+                <a:cs typeface="Times New Roman" panose="02020603050405020304" pitchFamily="18" charset="0"/>
               </a:rPr>
               <a:t>Подобрать материалы и электрические компоненты</a:t>
             </a:r>
@@ -6098,8 +6260,9 @@
               <a:buFont typeface="+mj-lt"/>
               <a:buAutoNum type="arabicPeriod"/>
             </a:pPr>
-            <a:endParaRPr lang="ru-RU" dirty="0">
-              <a:latin typeface="Bookman Old Style" panose="02050604050505020204" pitchFamily="18" charset="0"/>
+            <a:endParaRPr lang="ru-RU" sz="2000" dirty="0">
+              <a:latin typeface="Times New Roman" panose="02020603050405020304" pitchFamily="18" charset="0"/>
+              <a:cs typeface="Times New Roman" panose="02020603050405020304" pitchFamily="18" charset="0"/>
             </a:endParaRPr>
           </a:p>
           <a:p>
@@ -6108,8 +6271,9 @@
               <a:buAutoNum type="arabicPeriod"/>
             </a:pPr>
             <a:r>
-              <a:rPr lang="ru-RU" dirty="0">
-                <a:latin typeface="Bookman Old Style" panose="02050604050505020204" pitchFamily="18" charset="0"/>
+              <a:rPr lang="ru-RU" sz="2000" dirty="0">
+                <a:latin typeface="Times New Roman" panose="02020603050405020304" pitchFamily="18" charset="0"/>
+                <a:cs typeface="Times New Roman" panose="02020603050405020304" pitchFamily="18" charset="0"/>
               </a:rPr>
               <a:t>Разработать 3D-модель корпуса с учетом эргономики</a:t>
             </a:r>
@@ -6119,8 +6283,9 @@
               <a:buFont typeface="+mj-lt"/>
               <a:buAutoNum type="arabicPeriod"/>
             </a:pPr>
-            <a:endParaRPr lang="ru-RU" dirty="0">
-              <a:latin typeface="Bookman Old Style" panose="02050604050505020204" pitchFamily="18" charset="0"/>
+            <a:endParaRPr lang="ru-RU" sz="2000" dirty="0">
+              <a:latin typeface="Times New Roman" panose="02020603050405020304" pitchFamily="18" charset="0"/>
+              <a:cs typeface="Times New Roman" panose="02020603050405020304" pitchFamily="18" charset="0"/>
             </a:endParaRPr>
           </a:p>
           <a:p>
@@ -6129,8 +6294,9 @@
               <a:buAutoNum type="arabicPeriod"/>
             </a:pPr>
             <a:r>
-              <a:rPr lang="ru-RU" dirty="0">
-                <a:latin typeface="Bookman Old Style" panose="02050604050505020204" pitchFamily="18" charset="0"/>
+              <a:rPr lang="ru-RU" sz="2000" dirty="0">
+                <a:latin typeface="Times New Roman" panose="02020603050405020304" pitchFamily="18" charset="0"/>
+                <a:cs typeface="Times New Roman" panose="02020603050405020304" pitchFamily="18" charset="0"/>
               </a:rPr>
               <a:t>Распечатать и запрограммировать устройство</a:t>
             </a:r>
@@ -6140,8 +6306,9 @@
               <a:buFont typeface="+mj-lt"/>
               <a:buAutoNum type="arabicPeriod"/>
             </a:pPr>
-            <a:endParaRPr lang="ru-RU" dirty="0">
-              <a:latin typeface="Bookman Old Style" panose="02050604050505020204" pitchFamily="18" charset="0"/>
+            <a:endParaRPr lang="ru-RU" sz="2000" dirty="0">
+              <a:latin typeface="Times New Roman" panose="02020603050405020304" pitchFamily="18" charset="0"/>
+              <a:cs typeface="Times New Roman" panose="02020603050405020304" pitchFamily="18" charset="0"/>
             </a:endParaRPr>
           </a:p>
           <a:p>
@@ -6150,8 +6317,9 @@
               <a:buAutoNum type="arabicPeriod"/>
             </a:pPr>
             <a:r>
-              <a:rPr lang="ru-RU" dirty="0">
-                <a:latin typeface="Bookman Old Style" panose="02050604050505020204" pitchFamily="18" charset="0"/>
+              <a:rPr lang="ru-RU" sz="2000" dirty="0">
+                <a:latin typeface="Times New Roman" panose="02020603050405020304" pitchFamily="18" charset="0"/>
+                <a:cs typeface="Times New Roman" panose="02020603050405020304" pitchFamily="18" charset="0"/>
               </a:rPr>
               <a:t>Протестировать функциональность</a:t>
             </a:r>
@@ -6226,6 +6394,1680 @@
 </file>
 
 <file path=ppt/slides/slide5.xml><?xml version="1.0" encoding="utf-8"?>
+<p:sld xmlns:a="http://schemas.openxmlformats.org/drawingml/2006/main" xmlns:r="http://schemas.openxmlformats.org/officeDocument/2006/relationships" xmlns:p="http://schemas.openxmlformats.org/presentationml/2006/main">
+  <p:cSld>
+    <p:spTree>
+      <p:nvGrpSpPr>
+        <p:cNvPr id="1" name="">
+          <a:extLst>
+            <a:ext uri="{FF2B5EF4-FFF2-40B4-BE49-F238E27FC236}">
+              <a16:creationId xmlns:a16="http://schemas.microsoft.com/office/drawing/2014/main" id="{30972ED4-718C-8381-4407-942B35E942A0}"/>
+            </a:ext>
+          </a:extLst>
+        </p:cNvPr>
+        <p:cNvGrpSpPr/>
+        <p:nvPr/>
+      </p:nvGrpSpPr>
+      <p:grpSpPr>
+        <a:xfrm>
+          <a:off x="0" y="0"/>
+          <a:ext cx="0" cy="0"/>
+          <a:chOff x="0" y="0"/>
+          <a:chExt cx="0" cy="0"/>
+        </a:xfrm>
+      </p:grpSpPr>
+      <p:pic>
+        <p:nvPicPr>
+          <p:cNvPr id="24" name="Рисунок 23">
+            <a:extLst>
+              <a:ext uri="{FF2B5EF4-FFF2-40B4-BE49-F238E27FC236}">
+                <a16:creationId xmlns:a16="http://schemas.microsoft.com/office/drawing/2014/main" id="{EB125186-4F35-F01A-52F6-120B863DCF36}"/>
+              </a:ext>
+            </a:extLst>
+          </p:cNvPr>
+          <p:cNvPicPr>
+            <a:picLocks noChangeAspect="1"/>
+          </p:cNvPicPr>
+          <p:nvPr/>
+        </p:nvPicPr>
+        <p:blipFill>
+          <a:blip r:embed="rId2"/>
+          <a:stretch>
+            <a:fillRect/>
+          </a:stretch>
+        </p:blipFill>
+        <p:spPr>
+          <a:xfrm>
+            <a:off x="4298150" y="3716515"/>
+            <a:ext cx="3584086" cy="2106888"/>
+          </a:xfrm>
+          <a:prstGeom prst="rect">
+            <a:avLst/>
+          </a:prstGeom>
+        </p:spPr>
+      </p:pic>
+      <p:sp>
+        <p:nvSpPr>
+          <p:cNvPr id="10" name="Прямоугольник 9">
+            <a:extLst>
+              <a:ext uri="{FF2B5EF4-FFF2-40B4-BE49-F238E27FC236}">
+                <a16:creationId xmlns:a16="http://schemas.microsoft.com/office/drawing/2014/main" id="{3BBFE12A-36AB-BDD3-0938-05896BBD1337}"/>
+              </a:ext>
+            </a:extLst>
+          </p:cNvPr>
+          <p:cNvSpPr/>
+          <p:nvPr/>
+        </p:nvSpPr>
+        <p:spPr>
+          <a:xfrm>
+            <a:off x="1124712" y="1682496"/>
+            <a:ext cx="10113264" cy="130549"/>
+          </a:xfrm>
+          <a:prstGeom prst="rect">
+            <a:avLst/>
+          </a:prstGeom>
+          <a:solidFill>
+            <a:schemeClr val="bg1"/>
+          </a:solidFill>
+          <a:ln>
+            <a:noFill/>
+          </a:ln>
+        </p:spPr>
+        <p:style>
+          <a:lnRef idx="2">
+            <a:schemeClr val="accent1">
+              <a:shade val="15000"/>
+            </a:schemeClr>
+          </a:lnRef>
+          <a:fillRef idx="1">
+            <a:schemeClr val="accent1"/>
+          </a:fillRef>
+          <a:effectRef idx="0">
+            <a:schemeClr val="accent1"/>
+          </a:effectRef>
+          <a:fontRef idx="minor">
+            <a:schemeClr val="lt1"/>
+          </a:fontRef>
+        </p:style>
+        <p:txBody>
+          <a:bodyPr rtlCol="0" anchor="ctr"/>
+          <a:lstStyle/>
+          <a:p>
+            <a:pPr algn="ctr"/>
+            <a:endParaRPr lang="ru-RU"/>
+          </a:p>
+        </p:txBody>
+      </p:sp>
+      <p:sp>
+        <p:nvSpPr>
+          <p:cNvPr id="14" name="Прямоугольник 13">
+            <a:extLst>
+              <a:ext uri="{FF2B5EF4-FFF2-40B4-BE49-F238E27FC236}">
+                <a16:creationId xmlns:a16="http://schemas.microsoft.com/office/drawing/2014/main" id="{A3B0F9DC-F45B-847A-9FB2-2F9200F5DCE5}"/>
+              </a:ext>
+            </a:extLst>
+          </p:cNvPr>
+          <p:cNvSpPr/>
+          <p:nvPr/>
+        </p:nvSpPr>
+        <p:spPr>
+          <a:xfrm>
+            <a:off x="11631168" y="-672235"/>
+            <a:ext cx="560831" cy="7668347"/>
+          </a:xfrm>
+          <a:prstGeom prst="rect">
+            <a:avLst/>
+          </a:prstGeom>
+          <a:solidFill>
+            <a:srgbClr val="BD582C"/>
+          </a:solidFill>
+          <a:ln w="57150">
+            <a:solidFill>
+              <a:srgbClr val="E48312"/>
+            </a:solidFill>
+          </a:ln>
+        </p:spPr>
+        <p:style>
+          <a:lnRef idx="2">
+            <a:schemeClr val="accent1">
+              <a:shade val="15000"/>
+            </a:schemeClr>
+          </a:lnRef>
+          <a:fillRef idx="1">
+            <a:schemeClr val="accent1"/>
+          </a:fillRef>
+          <a:effectRef idx="0">
+            <a:schemeClr val="accent1"/>
+          </a:effectRef>
+          <a:fontRef idx="minor">
+            <a:schemeClr val="lt1"/>
+          </a:fontRef>
+        </p:style>
+        <p:txBody>
+          <a:bodyPr rtlCol="0" anchor="ctr"/>
+          <a:lstStyle/>
+          <a:p>
+            <a:pPr algn="ctr"/>
+            <a:endParaRPr lang="ru-RU"/>
+          </a:p>
+        </p:txBody>
+      </p:sp>
+      <p:sp>
+        <p:nvSpPr>
+          <p:cNvPr id="2" name="Заголовок 1">
+            <a:extLst>
+              <a:ext uri="{FF2B5EF4-FFF2-40B4-BE49-F238E27FC236}">
+                <a16:creationId xmlns:a16="http://schemas.microsoft.com/office/drawing/2014/main" id="{35F089AC-BC09-1BDE-0391-737BEE66C3D6}"/>
+              </a:ext>
+            </a:extLst>
+          </p:cNvPr>
+          <p:cNvSpPr>
+            <a:spLocks noGrp="1"/>
+          </p:cNvSpPr>
+          <p:nvPr>
+            <p:ph type="title"/>
+          </p:nvPr>
+        </p:nvSpPr>
+        <p:spPr>
+          <a:xfrm>
+            <a:off x="109726" y="-819821"/>
+            <a:ext cx="10012682" cy="1386750"/>
+          </a:xfrm>
+        </p:spPr>
+        <p:txBody>
+          <a:bodyPr>
+            <a:normAutofit/>
+          </a:bodyPr>
+          <a:lstStyle/>
+          <a:p>
+            <a:r>
+              <a:rPr lang="ru-RU" sz="2000" dirty="0">
+                <a:solidFill>
+                  <a:schemeClr val="tx1"/>
+                </a:solidFill>
+                <a:latin typeface="Times New Roman" panose="02020603050405020304" pitchFamily="18" charset="0"/>
+                <a:cs typeface="Times New Roman" panose="02020603050405020304" pitchFamily="18" charset="0"/>
+              </a:rPr>
+              <a:t>Выбор электрических компонентов и материалов</a:t>
+            </a:r>
+          </a:p>
+        </p:txBody>
+      </p:sp>
+      <p:sp>
+        <p:nvSpPr>
+          <p:cNvPr id="4" name="Прямоугольник 3">
+            <a:extLst>
+              <a:ext uri="{FF2B5EF4-FFF2-40B4-BE49-F238E27FC236}">
+                <a16:creationId xmlns:a16="http://schemas.microsoft.com/office/drawing/2014/main" id="{3BBE68A6-3732-8153-C302-89AC6A57F416}"/>
+              </a:ext>
+            </a:extLst>
+          </p:cNvPr>
+          <p:cNvSpPr/>
+          <p:nvPr/>
+        </p:nvSpPr>
+        <p:spPr>
+          <a:xfrm>
+            <a:off x="5390207" y="-718261"/>
+            <a:ext cx="45719" cy="1450757"/>
+          </a:xfrm>
+          <a:prstGeom prst="rect">
+            <a:avLst/>
+          </a:prstGeom>
+          <a:noFill/>
+          <a:ln>
+            <a:solidFill>
+              <a:srgbClr val="E48312"/>
+            </a:solidFill>
+          </a:ln>
+        </p:spPr>
+        <p:style>
+          <a:lnRef idx="2">
+            <a:schemeClr val="accent1">
+              <a:shade val="15000"/>
+            </a:schemeClr>
+          </a:lnRef>
+          <a:fillRef idx="1">
+            <a:schemeClr val="accent1"/>
+          </a:fillRef>
+          <a:effectRef idx="0">
+            <a:schemeClr val="accent1"/>
+          </a:effectRef>
+          <a:fontRef idx="minor">
+            <a:schemeClr val="lt1"/>
+          </a:fontRef>
+        </p:style>
+        <p:txBody>
+          <a:bodyPr rtlCol="0" anchor="ctr"/>
+          <a:lstStyle/>
+          <a:p>
+            <a:pPr algn="ctr"/>
+            <a:endParaRPr lang="ru-RU"/>
+          </a:p>
+        </p:txBody>
+      </p:sp>
+      <p:sp>
+        <p:nvSpPr>
+          <p:cNvPr id="5" name="TextBox 4">
+            <a:extLst>
+              <a:ext uri="{FF2B5EF4-FFF2-40B4-BE49-F238E27FC236}">
+                <a16:creationId xmlns:a16="http://schemas.microsoft.com/office/drawing/2014/main" id="{738D6350-1169-7BEF-E8BA-89ACBAE1D771}"/>
+              </a:ext>
+            </a:extLst>
+          </p:cNvPr>
+          <p:cNvSpPr txBox="1"/>
+          <p:nvPr/>
+        </p:nvSpPr>
+        <p:spPr>
+          <a:xfrm>
+            <a:off x="5577230" y="213560"/>
+            <a:ext cx="2081784" cy="369332"/>
+          </a:xfrm>
+          <a:prstGeom prst="rect">
+            <a:avLst/>
+          </a:prstGeom>
+          <a:noFill/>
+        </p:spPr>
+        <p:txBody>
+          <a:bodyPr wrap="square" rtlCol="0">
+            <a:spAutoFit/>
+          </a:bodyPr>
+          <a:lstStyle/>
+          <a:p>
+            <a:r>
+              <a:rPr lang="ru-RU" dirty="0">
+                <a:latin typeface="Times New Roman" panose="02020603050405020304" pitchFamily="18" charset="0"/>
+                <a:cs typeface="Times New Roman" panose="02020603050405020304" pitchFamily="18" charset="0"/>
+              </a:rPr>
+              <a:t>5</a:t>
+            </a:r>
+          </a:p>
+        </p:txBody>
+      </p:sp>
+      <p:sp>
+        <p:nvSpPr>
+          <p:cNvPr id="22" name="Прямоугольник 21">
+            <a:extLst>
+              <a:ext uri="{FF2B5EF4-FFF2-40B4-BE49-F238E27FC236}">
+                <a16:creationId xmlns:a16="http://schemas.microsoft.com/office/drawing/2014/main" id="{AAC992A4-0248-5A10-DB5C-F5CD42A5CD9F}"/>
+              </a:ext>
+            </a:extLst>
+          </p:cNvPr>
+          <p:cNvSpPr/>
+          <p:nvPr/>
+        </p:nvSpPr>
+        <p:spPr>
+          <a:xfrm>
+            <a:off x="10922503" y="6407944"/>
+            <a:ext cx="960121" cy="450056"/>
+          </a:xfrm>
+          <a:prstGeom prst="rect">
+            <a:avLst/>
+          </a:prstGeom>
+          <a:solidFill>
+            <a:srgbClr val="BD582C"/>
+          </a:solidFill>
+          <a:ln>
+            <a:solidFill>
+              <a:srgbClr val="BD582C"/>
+            </a:solidFill>
+          </a:ln>
+        </p:spPr>
+        <p:style>
+          <a:lnRef idx="2">
+            <a:schemeClr val="accent1">
+              <a:shade val="15000"/>
+            </a:schemeClr>
+          </a:lnRef>
+          <a:fillRef idx="1">
+            <a:schemeClr val="accent1"/>
+          </a:fillRef>
+          <a:effectRef idx="0">
+            <a:schemeClr val="accent1"/>
+          </a:effectRef>
+          <a:fontRef idx="minor">
+            <a:schemeClr val="lt1"/>
+          </a:fontRef>
+        </p:style>
+        <p:txBody>
+          <a:bodyPr rtlCol="0" anchor="ctr"/>
+          <a:lstStyle/>
+          <a:p>
+            <a:pPr algn="ctr"/>
+            <a:endParaRPr lang="ru-RU"/>
+          </a:p>
+        </p:txBody>
+      </p:sp>
+      <p:pic>
+        <p:nvPicPr>
+          <p:cNvPr id="3" name="Picture 2" descr="Picture background">
+            <a:extLst>
+              <a:ext uri="{FF2B5EF4-FFF2-40B4-BE49-F238E27FC236}">
+                <a16:creationId xmlns:a16="http://schemas.microsoft.com/office/drawing/2014/main" id="{526BC0D6-2C5C-8695-44D2-72E55BBB9A56}"/>
+              </a:ext>
+            </a:extLst>
+          </p:cNvPr>
+          <p:cNvPicPr>
+            <a:picLocks noChangeAspect="1" noChangeArrowheads="1"/>
+          </p:cNvPicPr>
+          <p:nvPr/>
+        </p:nvPicPr>
+        <p:blipFill>
+          <a:blip r:embed="rId3" cstate="hqprint">
+            <a:extLst>
+              <a:ext uri="{28A0092B-C50C-407E-A947-70E740481C1C}">
+                <a14:useLocalDpi xmlns:a14="http://schemas.microsoft.com/office/drawing/2010/main" val="0"/>
+              </a:ext>
+            </a:extLst>
+          </a:blip>
+          <a:srcRect/>
+          <a:stretch>
+            <a:fillRect/>
+          </a:stretch>
+        </p:blipFill>
+        <p:spPr bwMode="auto">
+          <a:xfrm>
+            <a:off x="3599280" y="614136"/>
+            <a:ext cx="2303482" cy="2303482"/>
+          </a:xfrm>
+          <a:prstGeom prst="rect">
+            <a:avLst/>
+          </a:prstGeom>
+          <a:noFill/>
+          <a:extLst>
+            <a:ext uri="{909E8E84-426E-40DD-AFC4-6F175D3DCCD1}">
+              <a14:hiddenFill xmlns:a14="http://schemas.microsoft.com/office/drawing/2010/main">
+                <a:solidFill>
+                  <a:srgbClr val="FFFFFF"/>
+                </a:solidFill>
+              </a14:hiddenFill>
+            </a:ext>
+          </a:extLst>
+        </p:spPr>
+      </p:pic>
+      <p:pic>
+        <p:nvPicPr>
+          <p:cNvPr id="7" name="Рисунок 6">
+            <a:extLst>
+              <a:ext uri="{FF2B5EF4-FFF2-40B4-BE49-F238E27FC236}">
+                <a16:creationId xmlns:a16="http://schemas.microsoft.com/office/drawing/2014/main" id="{36B143CE-F886-B956-E8C6-A2828840150E}"/>
+              </a:ext>
+            </a:extLst>
+          </p:cNvPr>
+          <p:cNvPicPr>
+            <a:picLocks noChangeAspect="1"/>
+          </p:cNvPicPr>
+          <p:nvPr/>
+        </p:nvPicPr>
+        <p:blipFill rotWithShape="1">
+          <a:blip r:embed="rId4" cstate="hqprint">
+            <a:extLst>
+              <a:ext uri="{28A0092B-C50C-407E-A947-70E740481C1C}">
+                <a14:useLocalDpi xmlns:a14="http://schemas.microsoft.com/office/drawing/2010/main" val="0"/>
+              </a:ext>
+            </a:extLst>
+          </a:blip>
+          <a:srcRect l="18020" t="24789" r="15648" b="20972"/>
+          <a:stretch/>
+        </p:blipFill>
+        <p:spPr>
+          <a:xfrm>
+            <a:off x="768481" y="993772"/>
+            <a:ext cx="1844175" cy="1507995"/>
+          </a:xfrm>
+          <a:prstGeom prst="rect">
+            <a:avLst/>
+          </a:prstGeom>
+        </p:spPr>
+      </p:pic>
+      <p:pic>
+        <p:nvPicPr>
+          <p:cNvPr id="9" name="Picture 4" descr="Picture background">
+            <a:extLst>
+              <a:ext uri="{FF2B5EF4-FFF2-40B4-BE49-F238E27FC236}">
+                <a16:creationId xmlns:a16="http://schemas.microsoft.com/office/drawing/2014/main" id="{5C66CC17-CF8D-AEDD-4426-73E18A111747}"/>
+              </a:ext>
+            </a:extLst>
+          </p:cNvPr>
+          <p:cNvPicPr>
+            <a:picLocks noChangeAspect="1" noChangeArrowheads="1"/>
+          </p:cNvPicPr>
+          <p:nvPr/>
+        </p:nvPicPr>
+        <p:blipFill>
+          <a:blip r:embed="rId5" cstate="hqprint">
+            <a:extLst>
+              <a:ext uri="{28A0092B-C50C-407E-A947-70E740481C1C}">
+                <a14:useLocalDpi xmlns:a14="http://schemas.microsoft.com/office/drawing/2010/main" val="0"/>
+              </a:ext>
+            </a:extLst>
+          </a:blip>
+          <a:srcRect/>
+          <a:stretch>
+            <a:fillRect/>
+          </a:stretch>
+        </p:blipFill>
+        <p:spPr bwMode="auto">
+          <a:xfrm rot="4062822">
+            <a:off x="6484090" y="496957"/>
+            <a:ext cx="2229615" cy="2229615"/>
+          </a:xfrm>
+          <a:prstGeom prst="rect">
+            <a:avLst/>
+          </a:prstGeom>
+          <a:noFill/>
+          <a:extLst>
+            <a:ext uri="{909E8E84-426E-40DD-AFC4-6F175D3DCCD1}">
+              <a14:hiddenFill xmlns:a14="http://schemas.microsoft.com/office/drawing/2010/main">
+                <a:solidFill>
+                  <a:srgbClr val="FFFFFF"/>
+                </a:solidFill>
+              </a14:hiddenFill>
+            </a:ext>
+          </a:extLst>
+        </p:spPr>
+      </p:pic>
+      <p:pic>
+        <p:nvPicPr>
+          <p:cNvPr id="13" name="Picture 6" descr="https://avatars.mds.yandex.net/get-goods_pic/14045641/hat2c249d07c31a47bc42936a31d51ea9f8/orig">
+            <a:extLst>
+              <a:ext uri="{FF2B5EF4-FFF2-40B4-BE49-F238E27FC236}">
+                <a16:creationId xmlns:a16="http://schemas.microsoft.com/office/drawing/2014/main" id="{AFA8C40E-32BC-2C12-7859-50C351EC00C9}"/>
+              </a:ext>
+            </a:extLst>
+          </p:cNvPr>
+          <p:cNvPicPr>
+            <a:picLocks noChangeAspect="1" noChangeArrowheads="1"/>
+          </p:cNvPicPr>
+          <p:nvPr/>
+        </p:nvPicPr>
+        <p:blipFill>
+          <a:blip r:embed="rId6" cstate="hqprint">
+            <a:extLst>
+              <a:ext uri="{28A0092B-C50C-407E-A947-70E740481C1C}">
+                <a14:useLocalDpi xmlns:a14="http://schemas.microsoft.com/office/drawing/2010/main" val="0"/>
+              </a:ext>
+            </a:extLst>
+          </a:blip>
+          <a:srcRect/>
+          <a:stretch>
+            <a:fillRect/>
+          </a:stretch>
+        </p:blipFill>
+        <p:spPr bwMode="auto">
+          <a:xfrm>
+            <a:off x="9643728" y="1341937"/>
+            <a:ext cx="1088008" cy="942215"/>
+          </a:xfrm>
+          <a:prstGeom prst="rect">
+            <a:avLst/>
+          </a:prstGeom>
+          <a:noFill/>
+          <a:extLst>
+            <a:ext uri="{909E8E84-426E-40DD-AFC4-6F175D3DCCD1}">
+              <a14:hiddenFill xmlns:a14="http://schemas.microsoft.com/office/drawing/2010/main">
+                <a:solidFill>
+                  <a:srgbClr val="FFFFFF"/>
+                </a:solidFill>
+              </a14:hiddenFill>
+            </a:ext>
+          </a:extLst>
+        </p:spPr>
+      </p:pic>
+      <p:sp>
+        <p:nvSpPr>
+          <p:cNvPr id="17" name="TextBox 16">
+            <a:extLst>
+              <a:ext uri="{FF2B5EF4-FFF2-40B4-BE49-F238E27FC236}">
+                <a16:creationId xmlns:a16="http://schemas.microsoft.com/office/drawing/2014/main" id="{0EF5A205-C0C3-50FB-393C-E812356D1E88}"/>
+              </a:ext>
+            </a:extLst>
+          </p:cNvPr>
+          <p:cNvSpPr txBox="1"/>
+          <p:nvPr/>
+        </p:nvSpPr>
+        <p:spPr>
+          <a:xfrm>
+            <a:off x="662960" y="2727983"/>
+            <a:ext cx="4329503" cy="369332"/>
+          </a:xfrm>
+          <a:prstGeom prst="rect">
+            <a:avLst/>
+          </a:prstGeom>
+          <a:noFill/>
+        </p:spPr>
+        <p:txBody>
+          <a:bodyPr wrap="square" rtlCol="0">
+            <a:spAutoFit/>
+          </a:bodyPr>
+          <a:lstStyle/>
+          <a:p>
+            <a:r>
+              <a:rPr lang="ru-RU" dirty="0">
+                <a:latin typeface="Times New Roman" panose="02020603050405020304" pitchFamily="18" charset="0"/>
+                <a:cs typeface="Times New Roman" panose="02020603050405020304" pitchFamily="18" charset="0"/>
+              </a:rPr>
+              <a:t>Гироскоп </a:t>
+            </a:r>
+            <a:r>
+              <a:rPr lang="en-US" dirty="0">
+                <a:latin typeface="Times New Roman" panose="02020603050405020304" pitchFamily="18" charset="0"/>
+                <a:cs typeface="Times New Roman" panose="02020603050405020304" pitchFamily="18" charset="0"/>
+              </a:rPr>
+              <a:t>MPU-6050</a:t>
+            </a:r>
+            <a:endParaRPr lang="ru-RU" dirty="0">
+              <a:latin typeface="Times New Roman" panose="02020603050405020304" pitchFamily="18" charset="0"/>
+              <a:cs typeface="Times New Roman" panose="02020603050405020304" pitchFamily="18" charset="0"/>
+            </a:endParaRPr>
+          </a:p>
+        </p:txBody>
+      </p:sp>
+      <p:sp>
+        <p:nvSpPr>
+          <p:cNvPr id="18" name="TextBox 17">
+            <a:extLst>
+              <a:ext uri="{FF2B5EF4-FFF2-40B4-BE49-F238E27FC236}">
+                <a16:creationId xmlns:a16="http://schemas.microsoft.com/office/drawing/2014/main" id="{0EF5A205-C0C3-50FB-393C-E812356D1E88}"/>
+              </a:ext>
+            </a:extLst>
+          </p:cNvPr>
+          <p:cNvSpPr txBox="1"/>
+          <p:nvPr/>
+        </p:nvSpPr>
+        <p:spPr>
+          <a:xfrm>
+            <a:off x="3672771" y="2730887"/>
+            <a:ext cx="2195461" cy="646331"/>
+          </a:xfrm>
+          <a:prstGeom prst="rect">
+            <a:avLst/>
+          </a:prstGeom>
+          <a:noFill/>
+        </p:spPr>
+        <p:txBody>
+          <a:bodyPr wrap="square" rtlCol="0">
+            <a:spAutoFit/>
+          </a:bodyPr>
+          <a:lstStyle/>
+          <a:p>
+            <a:pPr algn="ctr"/>
+            <a:r>
+              <a:rPr lang="ru-RU" dirty="0">
+                <a:latin typeface="Times New Roman" panose="02020603050405020304" pitchFamily="18" charset="0"/>
+                <a:cs typeface="Times New Roman" panose="02020603050405020304" pitchFamily="18" charset="0"/>
+              </a:rPr>
+              <a:t>Микроконтроллер</a:t>
+            </a:r>
+            <a:br>
+              <a:rPr lang="ru-RU" dirty="0">
+                <a:latin typeface="Times New Roman" panose="02020603050405020304" pitchFamily="18" charset="0"/>
+                <a:cs typeface="Times New Roman" panose="02020603050405020304" pitchFamily="18" charset="0"/>
+              </a:rPr>
+            </a:br>
+            <a:r>
+              <a:rPr lang="en-US" dirty="0">
+                <a:latin typeface="Times New Roman" panose="02020603050405020304" pitchFamily="18" charset="0"/>
+                <a:cs typeface="Times New Roman" panose="02020603050405020304" pitchFamily="18" charset="0"/>
+              </a:rPr>
+              <a:t>Arduino Pro Micro</a:t>
+            </a:r>
+            <a:endParaRPr lang="ru-RU" dirty="0">
+              <a:latin typeface="Times New Roman" panose="02020603050405020304" pitchFamily="18" charset="0"/>
+              <a:cs typeface="Times New Roman" panose="02020603050405020304" pitchFamily="18" charset="0"/>
+            </a:endParaRPr>
+          </a:p>
+        </p:txBody>
+      </p:sp>
+      <p:sp>
+        <p:nvSpPr>
+          <p:cNvPr id="19" name="TextBox 18">
+            <a:extLst>
+              <a:ext uri="{FF2B5EF4-FFF2-40B4-BE49-F238E27FC236}">
+                <a16:creationId xmlns:a16="http://schemas.microsoft.com/office/drawing/2014/main" id="{E003B38A-0219-5638-6DD9-8D1FAB875EA3}"/>
+              </a:ext>
+            </a:extLst>
+          </p:cNvPr>
+          <p:cNvSpPr txBox="1"/>
+          <p:nvPr/>
+        </p:nvSpPr>
+        <p:spPr>
+          <a:xfrm>
+            <a:off x="6500789" y="2830861"/>
+            <a:ext cx="2382200" cy="646331"/>
+          </a:xfrm>
+          <a:prstGeom prst="rect">
+            <a:avLst/>
+          </a:prstGeom>
+          <a:noFill/>
+        </p:spPr>
+        <p:txBody>
+          <a:bodyPr wrap="square" rtlCol="0">
+            <a:spAutoFit/>
+          </a:bodyPr>
+          <a:lstStyle/>
+          <a:p>
+            <a:pPr algn="ctr"/>
+            <a:r>
+              <a:rPr lang="ru-RU" dirty="0">
+                <a:latin typeface="Times New Roman" panose="02020603050405020304" pitchFamily="18" charset="0"/>
+                <a:cs typeface="Times New Roman" panose="02020603050405020304" pitchFamily="18" charset="0"/>
+              </a:rPr>
+              <a:t>Инкрементальный энкодер </a:t>
+            </a:r>
+            <a:r>
+              <a:rPr lang="en-US" dirty="0">
+                <a:latin typeface="Times New Roman" panose="02020603050405020304" pitchFamily="18" charset="0"/>
+                <a:cs typeface="Times New Roman" panose="02020603050405020304" pitchFamily="18" charset="0"/>
+              </a:rPr>
+              <a:t>EC11</a:t>
+            </a:r>
+            <a:endParaRPr lang="ru-RU" dirty="0">
+              <a:latin typeface="Times New Roman" panose="02020603050405020304" pitchFamily="18" charset="0"/>
+              <a:cs typeface="Times New Roman" panose="02020603050405020304" pitchFamily="18" charset="0"/>
+            </a:endParaRPr>
+          </a:p>
+        </p:txBody>
+      </p:sp>
+      <p:sp>
+        <p:nvSpPr>
+          <p:cNvPr id="20" name="TextBox 19">
+            <a:extLst>
+              <a:ext uri="{FF2B5EF4-FFF2-40B4-BE49-F238E27FC236}">
+                <a16:creationId xmlns:a16="http://schemas.microsoft.com/office/drawing/2014/main" id="{FA244417-D6AE-CC68-BFA4-8C57AB583BE1}"/>
+              </a:ext>
+            </a:extLst>
+          </p:cNvPr>
+          <p:cNvSpPr txBox="1"/>
+          <p:nvPr/>
+        </p:nvSpPr>
+        <p:spPr>
+          <a:xfrm>
+            <a:off x="9239187" y="2631599"/>
+            <a:ext cx="2000655" cy="369332"/>
+          </a:xfrm>
+          <a:prstGeom prst="rect">
+            <a:avLst/>
+          </a:prstGeom>
+          <a:noFill/>
+        </p:spPr>
+        <p:txBody>
+          <a:bodyPr wrap="square" rtlCol="0">
+            <a:spAutoFit/>
+          </a:bodyPr>
+          <a:lstStyle/>
+          <a:p>
+            <a:r>
+              <a:rPr lang="ru-RU" dirty="0">
+                <a:latin typeface="Times New Roman" panose="02020603050405020304" pitchFamily="18" charset="0"/>
+                <a:cs typeface="Times New Roman" panose="02020603050405020304" pitchFamily="18" charset="0"/>
+              </a:rPr>
+              <a:t>Тактовые кнопки</a:t>
+            </a:r>
+          </a:p>
+        </p:txBody>
+      </p:sp>
+      <p:sp>
+        <p:nvSpPr>
+          <p:cNvPr id="21" name="TextBox 20">
+            <a:extLst>
+              <a:ext uri="{FF2B5EF4-FFF2-40B4-BE49-F238E27FC236}">
+                <a16:creationId xmlns:a16="http://schemas.microsoft.com/office/drawing/2014/main" id="{E6C19204-A23D-4208-D74A-B162F6B3B37F}"/>
+              </a:ext>
+            </a:extLst>
+          </p:cNvPr>
+          <p:cNvSpPr txBox="1"/>
+          <p:nvPr/>
+        </p:nvSpPr>
+        <p:spPr>
+          <a:xfrm>
+            <a:off x="4992463" y="5874532"/>
+            <a:ext cx="2195461" cy="369332"/>
+          </a:xfrm>
+          <a:prstGeom prst="rect">
+            <a:avLst/>
+          </a:prstGeom>
+          <a:noFill/>
+        </p:spPr>
+        <p:txBody>
+          <a:bodyPr wrap="square" rtlCol="0">
+            <a:spAutoFit/>
+          </a:bodyPr>
+          <a:lstStyle/>
+          <a:p>
+            <a:r>
+              <a:rPr lang="ru-RU" dirty="0">
+                <a:latin typeface="Times New Roman" panose="02020603050405020304" pitchFamily="18" charset="0"/>
+                <a:cs typeface="Times New Roman" panose="02020603050405020304" pitchFamily="18" charset="0"/>
+              </a:rPr>
+              <a:t>Термопластик </a:t>
+            </a:r>
+            <a:r>
+              <a:rPr lang="en-US" dirty="0">
+                <a:latin typeface="Times New Roman" panose="02020603050405020304" pitchFamily="18" charset="0"/>
+                <a:cs typeface="Times New Roman" panose="02020603050405020304" pitchFamily="18" charset="0"/>
+              </a:rPr>
+              <a:t>PETG</a:t>
+            </a:r>
+            <a:endParaRPr lang="ru-RU" dirty="0">
+              <a:latin typeface="Times New Roman" panose="02020603050405020304" pitchFamily="18" charset="0"/>
+              <a:cs typeface="Times New Roman" panose="02020603050405020304" pitchFamily="18" charset="0"/>
+            </a:endParaRPr>
+          </a:p>
+        </p:txBody>
+      </p:sp>
+    </p:spTree>
+    <p:extLst>
+      <p:ext uri="{BB962C8B-B14F-4D97-AF65-F5344CB8AC3E}">
+        <p14:creationId xmlns:p14="http://schemas.microsoft.com/office/powerpoint/2010/main" val="4053437909"/>
+      </p:ext>
+    </p:extLst>
+  </p:cSld>
+  <p:clrMapOvr>
+    <a:masterClrMapping/>
+  </p:clrMapOvr>
+</p:sld>
+</file>
+
+<file path=ppt/slides/slide6.xml><?xml version="1.0" encoding="utf-8"?>
+<p:sld xmlns:a="http://schemas.openxmlformats.org/drawingml/2006/main" xmlns:r="http://schemas.openxmlformats.org/officeDocument/2006/relationships" xmlns:p="http://schemas.openxmlformats.org/presentationml/2006/main">
+  <p:cSld>
+    <p:spTree>
+      <p:nvGrpSpPr>
+        <p:cNvPr id="1" name="">
+          <a:extLst>
+            <a:ext uri="{FF2B5EF4-FFF2-40B4-BE49-F238E27FC236}">
+              <a16:creationId xmlns:a16="http://schemas.microsoft.com/office/drawing/2014/main" id="{30972ED4-718C-8381-4407-942B35E942A0}"/>
+            </a:ext>
+          </a:extLst>
+        </p:cNvPr>
+        <p:cNvGrpSpPr/>
+        <p:nvPr/>
+      </p:nvGrpSpPr>
+      <p:grpSpPr>
+        <a:xfrm>
+          <a:off x="0" y="0"/>
+          <a:ext cx="0" cy="0"/>
+          <a:chOff x="0" y="0"/>
+          <a:chExt cx="0" cy="0"/>
+        </a:xfrm>
+      </p:grpSpPr>
+      <p:sp>
+        <p:nvSpPr>
+          <p:cNvPr id="28" name="Прямоугольник 27">
+            <a:extLst>
+              <a:ext uri="{FF2B5EF4-FFF2-40B4-BE49-F238E27FC236}">
+                <a16:creationId xmlns:a16="http://schemas.microsoft.com/office/drawing/2014/main" id="{A3B0F9DC-F45B-847A-9FB2-2F9200F5DCE5}"/>
+              </a:ext>
+            </a:extLst>
+          </p:cNvPr>
+          <p:cNvSpPr/>
+          <p:nvPr/>
+        </p:nvSpPr>
+        <p:spPr>
+          <a:xfrm>
+            <a:off x="10515600" y="3700905"/>
+            <a:ext cx="3484514" cy="3872415"/>
+          </a:xfrm>
+          <a:prstGeom prst="rect">
+            <a:avLst/>
+          </a:prstGeom>
+          <a:solidFill>
+            <a:srgbClr val="BD582C"/>
+          </a:solidFill>
+          <a:ln w="57150">
+            <a:solidFill>
+              <a:srgbClr val="E48312"/>
+            </a:solidFill>
+          </a:ln>
+        </p:spPr>
+        <p:style>
+          <a:lnRef idx="2">
+            <a:schemeClr val="accent1">
+              <a:shade val="15000"/>
+            </a:schemeClr>
+          </a:lnRef>
+          <a:fillRef idx="1">
+            <a:schemeClr val="accent1"/>
+          </a:fillRef>
+          <a:effectRef idx="0">
+            <a:schemeClr val="accent1"/>
+          </a:effectRef>
+          <a:fontRef idx="minor">
+            <a:schemeClr val="lt1"/>
+          </a:fontRef>
+        </p:style>
+        <p:txBody>
+          <a:bodyPr rtlCol="0" anchor="ctr"/>
+          <a:lstStyle/>
+          <a:p>
+            <a:pPr algn="ctr"/>
+            <a:endParaRPr lang="ru-RU"/>
+          </a:p>
+        </p:txBody>
+      </p:sp>
+      <p:sp>
+        <p:nvSpPr>
+          <p:cNvPr id="10" name="Прямоугольник 9">
+            <a:extLst>
+              <a:ext uri="{FF2B5EF4-FFF2-40B4-BE49-F238E27FC236}">
+                <a16:creationId xmlns:a16="http://schemas.microsoft.com/office/drawing/2014/main" id="{3BBFE12A-36AB-BDD3-0938-05896BBD1337}"/>
+              </a:ext>
+            </a:extLst>
+          </p:cNvPr>
+          <p:cNvSpPr/>
+          <p:nvPr/>
+        </p:nvSpPr>
+        <p:spPr>
+          <a:xfrm>
+            <a:off x="1124712" y="1682496"/>
+            <a:ext cx="10113264" cy="130549"/>
+          </a:xfrm>
+          <a:prstGeom prst="rect">
+            <a:avLst/>
+          </a:prstGeom>
+          <a:solidFill>
+            <a:schemeClr val="bg1"/>
+          </a:solidFill>
+          <a:ln>
+            <a:noFill/>
+          </a:ln>
+        </p:spPr>
+        <p:style>
+          <a:lnRef idx="2">
+            <a:schemeClr val="accent1">
+              <a:shade val="15000"/>
+            </a:schemeClr>
+          </a:lnRef>
+          <a:fillRef idx="1">
+            <a:schemeClr val="accent1"/>
+          </a:fillRef>
+          <a:effectRef idx="0">
+            <a:schemeClr val="accent1"/>
+          </a:effectRef>
+          <a:fontRef idx="minor">
+            <a:schemeClr val="lt1"/>
+          </a:fontRef>
+        </p:style>
+        <p:txBody>
+          <a:bodyPr rtlCol="0" anchor="ctr"/>
+          <a:lstStyle/>
+          <a:p>
+            <a:pPr algn="ctr"/>
+            <a:endParaRPr lang="ru-RU"/>
+          </a:p>
+        </p:txBody>
+      </p:sp>
+      <p:sp>
+        <p:nvSpPr>
+          <p:cNvPr id="15" name="Полилиния 14">
+            <a:extLst>
+              <a:ext uri="{FF2B5EF4-FFF2-40B4-BE49-F238E27FC236}">
+                <a16:creationId xmlns:a16="http://schemas.microsoft.com/office/drawing/2014/main" id="{A3B0F9DC-F45B-847A-9FB2-2F9200F5DCE5}"/>
+              </a:ext>
+            </a:extLst>
+          </p:cNvPr>
+          <p:cNvSpPr/>
+          <p:nvPr/>
+        </p:nvSpPr>
+        <p:spPr>
+          <a:xfrm rot="21104435">
+            <a:off x="-680755" y="-501244"/>
+            <a:ext cx="4963983" cy="8113974"/>
+          </a:xfrm>
+          <a:custGeom>
+            <a:avLst/>
+            <a:gdLst>
+              <a:gd name="connsiteX0" fmla="*/ 4865268 w 4865268"/>
+              <a:gd name="connsiteY0" fmla="*/ 0 h 8113974"/>
+              <a:gd name="connsiteX1" fmla="*/ 4865268 w 4865268"/>
+              <a:gd name="connsiteY1" fmla="*/ 8113974 h 8113974"/>
+              <a:gd name="connsiteX2" fmla="*/ 0 w 4865268"/>
+              <a:gd name="connsiteY2" fmla="*/ 8113974 h 8113974"/>
+              <a:gd name="connsiteX3" fmla="*/ 0 w 4865268"/>
+              <a:gd name="connsiteY3" fmla="*/ 7052045 h 8113974"/>
+              <a:gd name="connsiteX4" fmla="*/ 97750 w 4865268"/>
+              <a:gd name="connsiteY4" fmla="*/ 7066234 h 8113974"/>
+              <a:gd name="connsiteX5" fmla="*/ 1082938 w 4865268"/>
+              <a:gd name="connsiteY5" fmla="*/ 279367 h 8113974"/>
+              <a:gd name="connsiteX6" fmla="*/ 0 w 4865268"/>
+              <a:gd name="connsiteY6" fmla="*/ 122167 h 8113974"/>
+              <a:gd name="connsiteX7" fmla="*/ 0 w 4865268"/>
+              <a:gd name="connsiteY7" fmla="*/ 0 h 8113974"/>
+            </a:gdLst>
+            <a:ahLst/>
+            <a:cxnLst>
+              <a:cxn ang="0">
+                <a:pos x="connsiteX0" y="connsiteY0"/>
+              </a:cxn>
+              <a:cxn ang="0">
+                <a:pos x="connsiteX1" y="connsiteY1"/>
+              </a:cxn>
+              <a:cxn ang="0">
+                <a:pos x="connsiteX2" y="connsiteY2"/>
+              </a:cxn>
+              <a:cxn ang="0">
+                <a:pos x="connsiteX3" y="connsiteY3"/>
+              </a:cxn>
+              <a:cxn ang="0">
+                <a:pos x="connsiteX4" y="connsiteY4"/>
+              </a:cxn>
+              <a:cxn ang="0">
+                <a:pos x="connsiteX5" y="connsiteY5"/>
+              </a:cxn>
+              <a:cxn ang="0">
+                <a:pos x="connsiteX6" y="connsiteY6"/>
+              </a:cxn>
+              <a:cxn ang="0">
+                <a:pos x="connsiteX7" y="connsiteY7"/>
+              </a:cxn>
+            </a:cxnLst>
+            <a:rect l="l" t="t" r="r" b="b"/>
+            <a:pathLst>
+              <a:path w="4865268" h="8113974">
+                <a:moveTo>
+                  <a:pt x="4865268" y="0"/>
+                </a:moveTo>
+                <a:lnTo>
+                  <a:pt x="4865268" y="8113974"/>
+                </a:lnTo>
+                <a:lnTo>
+                  <a:pt x="0" y="8113974"/>
+                </a:lnTo>
+                <a:lnTo>
+                  <a:pt x="0" y="7052045"/>
+                </a:lnTo>
+                <a:lnTo>
+                  <a:pt x="97750" y="7066234"/>
+                </a:lnTo>
+                <a:lnTo>
+                  <a:pt x="1082938" y="279367"/>
+                </a:lnTo>
+                <a:lnTo>
+                  <a:pt x="0" y="122167"/>
+                </a:lnTo>
+                <a:lnTo>
+                  <a:pt x="0" y="0"/>
+                </a:lnTo>
+                <a:close/>
+              </a:path>
+            </a:pathLst>
+          </a:custGeom>
+          <a:solidFill>
+            <a:srgbClr val="BD582C"/>
+          </a:solidFill>
+          <a:ln w="57150">
+            <a:solidFill>
+              <a:srgbClr val="E48312"/>
+            </a:solidFill>
+          </a:ln>
+        </p:spPr>
+        <p:style>
+          <a:lnRef idx="2">
+            <a:schemeClr val="accent1">
+              <a:shade val="15000"/>
+            </a:schemeClr>
+          </a:lnRef>
+          <a:fillRef idx="1">
+            <a:schemeClr val="accent1"/>
+          </a:fillRef>
+          <a:effectRef idx="0">
+            <a:schemeClr val="accent1"/>
+          </a:effectRef>
+          <a:fontRef idx="minor">
+            <a:schemeClr val="lt1"/>
+          </a:fontRef>
+        </p:style>
+        <p:txBody>
+          <a:bodyPr wrap="square" rtlCol="0" anchor="ctr">
+            <a:noAutofit/>
+          </a:bodyPr>
+          <a:lstStyle/>
+          <a:p>
+            <a:pPr algn="ctr"/>
+            <a:endParaRPr lang="ru-RU"/>
+          </a:p>
+        </p:txBody>
+      </p:sp>
+      <p:sp>
+        <p:nvSpPr>
+          <p:cNvPr id="2" name="Заголовок 1">
+            <a:extLst>
+              <a:ext uri="{FF2B5EF4-FFF2-40B4-BE49-F238E27FC236}">
+                <a16:creationId xmlns:a16="http://schemas.microsoft.com/office/drawing/2014/main" id="{35F089AC-BC09-1BDE-0391-737BEE66C3D6}"/>
+              </a:ext>
+            </a:extLst>
+          </p:cNvPr>
+          <p:cNvSpPr>
+            <a:spLocks noGrp="1"/>
+          </p:cNvSpPr>
+          <p:nvPr>
+            <p:ph type="title"/>
+          </p:nvPr>
+        </p:nvSpPr>
+        <p:spPr>
+          <a:xfrm>
+            <a:off x="109726" y="-819821"/>
+            <a:ext cx="10012682" cy="1386750"/>
+          </a:xfrm>
+        </p:spPr>
+        <p:txBody>
+          <a:bodyPr>
+            <a:normAutofit/>
+          </a:bodyPr>
+          <a:lstStyle/>
+          <a:p>
+            <a:r>
+              <a:rPr lang="ru-RU" sz="2000" dirty="0">
+                <a:solidFill>
+                  <a:schemeClr val="bg1"/>
+                </a:solidFill>
+                <a:latin typeface="Bookman Old Style" panose="02050604050505020204" pitchFamily="18" charset="0"/>
+              </a:rPr>
+              <a:t>Процесс изготовления</a:t>
+            </a:r>
+          </a:p>
+        </p:txBody>
+      </p:sp>
+      <p:sp>
+        <p:nvSpPr>
+          <p:cNvPr id="4" name="Прямоугольник 3">
+            <a:extLst>
+              <a:ext uri="{FF2B5EF4-FFF2-40B4-BE49-F238E27FC236}">
+                <a16:creationId xmlns:a16="http://schemas.microsoft.com/office/drawing/2014/main" id="{3BBE68A6-3732-8153-C302-89AC6A57F416}"/>
+              </a:ext>
+            </a:extLst>
+          </p:cNvPr>
+          <p:cNvSpPr/>
+          <p:nvPr/>
+        </p:nvSpPr>
+        <p:spPr>
+          <a:xfrm>
+            <a:off x="3163685" y="-725379"/>
+            <a:ext cx="45719" cy="1450757"/>
+          </a:xfrm>
+          <a:prstGeom prst="rect">
+            <a:avLst/>
+          </a:prstGeom>
+          <a:noFill/>
+          <a:ln>
+            <a:solidFill>
+              <a:srgbClr val="E48312"/>
+            </a:solidFill>
+          </a:ln>
+        </p:spPr>
+        <p:style>
+          <a:lnRef idx="2">
+            <a:schemeClr val="accent1">
+              <a:shade val="15000"/>
+            </a:schemeClr>
+          </a:lnRef>
+          <a:fillRef idx="1">
+            <a:schemeClr val="accent1"/>
+          </a:fillRef>
+          <a:effectRef idx="0">
+            <a:schemeClr val="accent1"/>
+          </a:effectRef>
+          <a:fontRef idx="minor">
+            <a:schemeClr val="lt1"/>
+          </a:fontRef>
+        </p:style>
+        <p:txBody>
+          <a:bodyPr rtlCol="0" anchor="ctr"/>
+          <a:lstStyle/>
+          <a:p>
+            <a:pPr algn="ctr"/>
+            <a:endParaRPr lang="ru-RU"/>
+          </a:p>
+        </p:txBody>
+      </p:sp>
+      <p:sp>
+        <p:nvSpPr>
+          <p:cNvPr id="5" name="TextBox 4">
+            <a:extLst>
+              <a:ext uri="{FF2B5EF4-FFF2-40B4-BE49-F238E27FC236}">
+                <a16:creationId xmlns:a16="http://schemas.microsoft.com/office/drawing/2014/main" id="{738D6350-1169-7BEF-E8BA-89ACBAE1D771}"/>
+              </a:ext>
+            </a:extLst>
+          </p:cNvPr>
+          <p:cNvSpPr txBox="1"/>
+          <p:nvPr/>
+        </p:nvSpPr>
+        <p:spPr>
+          <a:xfrm>
+            <a:off x="3337698" y="197597"/>
+            <a:ext cx="2081784" cy="369332"/>
+          </a:xfrm>
+          <a:prstGeom prst="rect">
+            <a:avLst/>
+          </a:prstGeom>
+          <a:noFill/>
+        </p:spPr>
+        <p:txBody>
+          <a:bodyPr wrap="square" rtlCol="0">
+            <a:spAutoFit/>
+          </a:bodyPr>
+          <a:lstStyle/>
+          <a:p>
+            <a:r>
+              <a:rPr lang="ru-RU" dirty="0">
+                <a:solidFill>
+                  <a:schemeClr val="bg1"/>
+                </a:solidFill>
+                <a:latin typeface="Bookman Old Style" panose="02050604050505020204" pitchFamily="18" charset="0"/>
+              </a:rPr>
+              <a:t>6</a:t>
+            </a:r>
+          </a:p>
+        </p:txBody>
+      </p:sp>
+      <p:sp>
+        <p:nvSpPr>
+          <p:cNvPr id="22" name="Прямоугольник 21">
+            <a:extLst>
+              <a:ext uri="{FF2B5EF4-FFF2-40B4-BE49-F238E27FC236}">
+                <a16:creationId xmlns:a16="http://schemas.microsoft.com/office/drawing/2014/main" id="{AAC992A4-0248-5A10-DB5C-F5CD42A5CD9F}"/>
+              </a:ext>
+            </a:extLst>
+          </p:cNvPr>
+          <p:cNvSpPr/>
+          <p:nvPr/>
+        </p:nvSpPr>
+        <p:spPr>
+          <a:xfrm>
+            <a:off x="4183911" y="6407944"/>
+            <a:ext cx="960121" cy="450056"/>
+          </a:xfrm>
+          <a:prstGeom prst="rect">
+            <a:avLst/>
+          </a:prstGeom>
+          <a:solidFill>
+            <a:srgbClr val="BD582C"/>
+          </a:solidFill>
+          <a:ln>
+            <a:solidFill>
+              <a:srgbClr val="BD582C"/>
+            </a:solidFill>
+          </a:ln>
+        </p:spPr>
+        <p:style>
+          <a:lnRef idx="2">
+            <a:schemeClr val="accent1">
+              <a:shade val="15000"/>
+            </a:schemeClr>
+          </a:lnRef>
+          <a:fillRef idx="1">
+            <a:schemeClr val="accent1"/>
+          </a:fillRef>
+          <a:effectRef idx="0">
+            <a:schemeClr val="accent1"/>
+          </a:effectRef>
+          <a:fontRef idx="minor">
+            <a:schemeClr val="lt1"/>
+          </a:fontRef>
+        </p:style>
+        <p:txBody>
+          <a:bodyPr rtlCol="0" anchor="ctr"/>
+          <a:lstStyle/>
+          <a:p>
+            <a:pPr algn="ctr"/>
+            <a:endParaRPr lang="ru-RU"/>
+          </a:p>
+        </p:txBody>
+      </p:sp>
+      <p:pic>
+        <p:nvPicPr>
+          <p:cNvPr id="8" name="Рисунок 7"/>
+          <p:cNvPicPr>
+            <a:picLocks noChangeAspect="1"/>
+          </p:cNvPicPr>
+          <p:nvPr/>
+        </p:nvPicPr>
+        <p:blipFill>
+          <a:blip r:embed="rId3" cstate="hqprint">
+            <a:extLst>
+              <a:ext uri="{28A0092B-C50C-407E-A947-70E740481C1C}">
+                <a14:useLocalDpi xmlns:a14="http://schemas.microsoft.com/office/drawing/2010/main" val="0"/>
+              </a:ext>
+            </a:extLst>
+          </a:blip>
+          <a:stretch>
+            <a:fillRect/>
+          </a:stretch>
+        </p:blipFill>
+        <p:spPr>
+          <a:xfrm>
+            <a:off x="434992" y="819820"/>
+            <a:ext cx="2902706" cy="1965186"/>
+          </a:xfrm>
+          <a:prstGeom prst="rect">
+            <a:avLst/>
+          </a:prstGeom>
+        </p:spPr>
+      </p:pic>
+      <p:pic>
+        <p:nvPicPr>
+          <p:cNvPr id="9" name="Рисунок 8"/>
+          <p:cNvPicPr>
+            <a:picLocks noChangeAspect="1"/>
+          </p:cNvPicPr>
+          <p:nvPr/>
+        </p:nvPicPr>
+        <p:blipFill>
+          <a:blip r:embed="rId4">
+            <a:extLst>
+              <a:ext uri="{28A0092B-C50C-407E-A947-70E740481C1C}">
+                <a14:useLocalDpi xmlns:a14="http://schemas.microsoft.com/office/drawing/2010/main" val="0"/>
+              </a:ext>
+            </a:extLst>
+          </a:blip>
+          <a:stretch>
+            <a:fillRect/>
+          </a:stretch>
+        </p:blipFill>
+        <p:spPr>
+          <a:xfrm>
+            <a:off x="711257" y="2785006"/>
+            <a:ext cx="2863367" cy="1865883"/>
+          </a:xfrm>
+          <a:prstGeom prst="rect">
+            <a:avLst/>
+          </a:prstGeom>
+        </p:spPr>
+      </p:pic>
+      <p:pic>
+        <p:nvPicPr>
+          <p:cNvPr id="16" name="Рисунок 15"/>
+          <p:cNvPicPr>
+            <a:picLocks noChangeAspect="1"/>
+          </p:cNvPicPr>
+          <p:nvPr/>
+        </p:nvPicPr>
+        <p:blipFill rotWithShape="1">
+          <a:blip r:embed="rId5" cstate="hqprint">
+            <a:extLst>
+              <a:ext uri="{28A0092B-C50C-407E-A947-70E740481C1C}">
+                <a14:useLocalDpi xmlns:a14="http://schemas.microsoft.com/office/drawing/2010/main" val="0"/>
+              </a:ext>
+            </a:extLst>
+          </a:blip>
+          <a:srcRect t="15058" b="22463"/>
+          <a:stretch/>
+        </p:blipFill>
+        <p:spPr>
+          <a:xfrm>
+            <a:off x="1285698" y="4650889"/>
+            <a:ext cx="2505022" cy="2039512"/>
+          </a:xfrm>
+          <a:prstGeom prst="rect">
+            <a:avLst/>
+          </a:prstGeom>
+        </p:spPr>
+      </p:pic>
+      <p:sp>
+        <p:nvSpPr>
+          <p:cNvPr id="26" name="Прямоугольник 25">
+            <a:extLst>
+              <a:ext uri="{FF2B5EF4-FFF2-40B4-BE49-F238E27FC236}">
+                <a16:creationId xmlns:a16="http://schemas.microsoft.com/office/drawing/2014/main" id="{A3B0F9DC-F45B-847A-9FB2-2F9200F5DCE5}"/>
+              </a:ext>
+            </a:extLst>
+          </p:cNvPr>
+          <p:cNvSpPr/>
+          <p:nvPr/>
+        </p:nvSpPr>
+        <p:spPr>
+          <a:xfrm rot="1139157">
+            <a:off x="9807594" y="4121353"/>
+            <a:ext cx="3177309" cy="3820043"/>
+          </a:xfrm>
+          <a:prstGeom prst="rect">
+            <a:avLst/>
+          </a:prstGeom>
+          <a:solidFill>
+            <a:srgbClr val="BD582C"/>
+          </a:solidFill>
+          <a:ln w="57150">
+            <a:solidFill>
+              <a:srgbClr val="E48312"/>
+            </a:solidFill>
+          </a:ln>
+        </p:spPr>
+        <p:style>
+          <a:lnRef idx="2">
+            <a:schemeClr val="accent1">
+              <a:shade val="15000"/>
+            </a:schemeClr>
+          </a:lnRef>
+          <a:fillRef idx="1">
+            <a:schemeClr val="accent1"/>
+          </a:fillRef>
+          <a:effectRef idx="0">
+            <a:schemeClr val="accent1"/>
+          </a:effectRef>
+          <a:fontRef idx="minor">
+            <a:schemeClr val="lt1"/>
+          </a:fontRef>
+        </p:style>
+        <p:txBody>
+          <a:bodyPr rtlCol="0" anchor="ctr"/>
+          <a:lstStyle/>
+          <a:p>
+            <a:pPr algn="ctr"/>
+            <a:endParaRPr lang="ru-RU"/>
+          </a:p>
+        </p:txBody>
+      </p:sp>
+      <p:sp>
+        <p:nvSpPr>
+          <p:cNvPr id="27" name="Прямоугольник 26">
+            <a:extLst>
+              <a:ext uri="{FF2B5EF4-FFF2-40B4-BE49-F238E27FC236}">
+                <a16:creationId xmlns:a16="http://schemas.microsoft.com/office/drawing/2014/main" id="{AAC992A4-0248-5A10-DB5C-F5CD42A5CD9F}"/>
+              </a:ext>
+            </a:extLst>
+          </p:cNvPr>
+          <p:cNvSpPr/>
+          <p:nvPr/>
+        </p:nvSpPr>
+        <p:spPr>
+          <a:xfrm>
+            <a:off x="8654702" y="6407944"/>
+            <a:ext cx="960121" cy="450056"/>
+          </a:xfrm>
+          <a:prstGeom prst="rect">
+            <a:avLst/>
+          </a:prstGeom>
+          <a:solidFill>
+            <a:srgbClr val="BD582C"/>
+          </a:solidFill>
+          <a:ln>
+            <a:solidFill>
+              <a:srgbClr val="BD582C"/>
+            </a:solidFill>
+          </a:ln>
+        </p:spPr>
+        <p:style>
+          <a:lnRef idx="2">
+            <a:schemeClr val="accent1">
+              <a:shade val="15000"/>
+            </a:schemeClr>
+          </a:lnRef>
+          <a:fillRef idx="1">
+            <a:schemeClr val="accent1"/>
+          </a:fillRef>
+          <a:effectRef idx="0">
+            <a:schemeClr val="accent1"/>
+          </a:effectRef>
+          <a:fontRef idx="minor">
+            <a:schemeClr val="lt1"/>
+          </a:fontRef>
+        </p:style>
+        <p:txBody>
+          <a:bodyPr rtlCol="0" anchor="ctr"/>
+          <a:lstStyle/>
+          <a:p>
+            <a:pPr algn="ctr"/>
+            <a:endParaRPr lang="ru-RU"/>
+          </a:p>
+        </p:txBody>
+      </p:sp>
+      <p:sp>
+        <p:nvSpPr>
+          <p:cNvPr id="29" name="Прямоугольник 28">
+            <a:extLst>
+              <a:ext uri="{FF2B5EF4-FFF2-40B4-BE49-F238E27FC236}">
+                <a16:creationId xmlns:a16="http://schemas.microsoft.com/office/drawing/2014/main" id="{AAC992A4-0248-5A10-DB5C-F5CD42A5CD9F}"/>
+              </a:ext>
+            </a:extLst>
+          </p:cNvPr>
+          <p:cNvSpPr/>
+          <p:nvPr/>
+        </p:nvSpPr>
+        <p:spPr>
+          <a:xfrm>
+            <a:off x="10541470" y="3737684"/>
+            <a:ext cx="1954332" cy="812405"/>
+          </a:xfrm>
+          <a:prstGeom prst="rect">
+            <a:avLst/>
+          </a:prstGeom>
+          <a:solidFill>
+            <a:srgbClr val="BD582C"/>
+          </a:solidFill>
+          <a:ln>
+            <a:solidFill>
+              <a:srgbClr val="BD582C"/>
+            </a:solidFill>
+          </a:ln>
+        </p:spPr>
+        <p:style>
+          <a:lnRef idx="2">
+            <a:schemeClr val="accent1">
+              <a:shade val="15000"/>
+            </a:schemeClr>
+          </a:lnRef>
+          <a:fillRef idx="1">
+            <a:schemeClr val="accent1"/>
+          </a:fillRef>
+          <a:effectRef idx="0">
+            <a:schemeClr val="accent1"/>
+          </a:effectRef>
+          <a:fontRef idx="minor">
+            <a:schemeClr val="lt1"/>
+          </a:fontRef>
+        </p:style>
+        <p:txBody>
+          <a:bodyPr rtlCol="0" anchor="ctr"/>
+          <a:lstStyle/>
+          <a:p>
+            <a:pPr algn="ctr"/>
+            <a:endParaRPr lang="ru-RU" dirty="0"/>
+          </a:p>
+        </p:txBody>
+      </p:sp>
+      <p:pic>
+        <p:nvPicPr>
+          <p:cNvPr id="33" name="Рисунок 32"/>
+          <p:cNvPicPr>
+            <a:picLocks noChangeAspect="1"/>
+          </p:cNvPicPr>
+          <p:nvPr/>
+        </p:nvPicPr>
+        <p:blipFill rotWithShape="1">
+          <a:blip r:embed="rId6" cstate="hqprint">
+            <a:extLst>
+              <a:ext uri="{28A0092B-C50C-407E-A947-70E740481C1C}">
+                <a14:useLocalDpi xmlns:a14="http://schemas.microsoft.com/office/drawing/2010/main" val="0"/>
+              </a:ext>
+            </a:extLst>
+          </a:blip>
+          <a:srcRect r="9302" b="2669"/>
+          <a:stretch/>
+        </p:blipFill>
+        <p:spPr>
+          <a:xfrm>
+            <a:off x="10122408" y="3799648"/>
+            <a:ext cx="1980202" cy="2833324"/>
+          </a:xfrm>
+          <a:custGeom>
+            <a:avLst/>
+            <a:gdLst>
+              <a:gd name="connsiteX0" fmla="*/ 475085 w 1980202"/>
+              <a:gd name="connsiteY0" fmla="*/ 0 h 2833324"/>
+              <a:gd name="connsiteX1" fmla="*/ 1980202 w 1980202"/>
+              <a:gd name="connsiteY1" fmla="*/ 0 h 2833324"/>
+              <a:gd name="connsiteX2" fmla="*/ 1980202 w 1980202"/>
+              <a:gd name="connsiteY2" fmla="*/ 2833324 h 2833324"/>
+              <a:gd name="connsiteX3" fmla="*/ 0 w 1980202"/>
+              <a:gd name="connsiteY3" fmla="*/ 2833324 h 2833324"/>
+              <a:gd name="connsiteX4" fmla="*/ 0 w 1980202"/>
+              <a:gd name="connsiteY4" fmla="*/ 1366746 h 2833324"/>
+            </a:gdLst>
+            <a:ahLst/>
+            <a:cxnLst>
+              <a:cxn ang="0">
+                <a:pos x="connsiteX0" y="connsiteY0"/>
+              </a:cxn>
+              <a:cxn ang="0">
+                <a:pos x="connsiteX1" y="connsiteY1"/>
+              </a:cxn>
+              <a:cxn ang="0">
+                <a:pos x="connsiteX2" y="connsiteY2"/>
+              </a:cxn>
+              <a:cxn ang="0">
+                <a:pos x="connsiteX3" y="connsiteY3"/>
+              </a:cxn>
+              <a:cxn ang="0">
+                <a:pos x="connsiteX4" y="connsiteY4"/>
+              </a:cxn>
+            </a:cxnLst>
+            <a:rect l="l" t="t" r="r" b="b"/>
+            <a:pathLst>
+              <a:path w="1980202" h="2833324">
+                <a:moveTo>
+                  <a:pt x="475085" y="0"/>
+                </a:moveTo>
+                <a:lnTo>
+                  <a:pt x="1980202" y="0"/>
+                </a:lnTo>
+                <a:lnTo>
+                  <a:pt x="1980202" y="2833324"/>
+                </a:lnTo>
+                <a:lnTo>
+                  <a:pt x="0" y="2833324"/>
+                </a:lnTo>
+                <a:lnTo>
+                  <a:pt x="0" y="1366746"/>
+                </a:lnTo>
+                <a:close/>
+              </a:path>
+            </a:pathLst>
+          </a:custGeom>
+        </p:spPr>
+      </p:pic>
+      <p:grpSp>
+        <p:nvGrpSpPr>
+          <p:cNvPr id="13" name="Группа 12">
+            <a:extLst>
+              <a:ext uri="{FF2B5EF4-FFF2-40B4-BE49-F238E27FC236}">
+                <a16:creationId xmlns:a16="http://schemas.microsoft.com/office/drawing/2014/main" id="{633ACBD9-5E40-0E7A-A445-6E86BD3CA914}"/>
+              </a:ext>
+            </a:extLst>
+          </p:cNvPr>
+          <p:cNvGrpSpPr/>
+          <p:nvPr/>
+        </p:nvGrpSpPr>
+        <p:grpSpPr>
+          <a:xfrm>
+            <a:off x="4866162" y="288685"/>
+            <a:ext cx="4406458" cy="6035915"/>
+            <a:chOff x="4922169" y="197597"/>
+            <a:chExt cx="4232171" cy="5742689"/>
+          </a:xfrm>
+        </p:grpSpPr>
+        <p:pic>
+          <p:nvPicPr>
+            <p:cNvPr id="11" name="Рисунок 10">
+              <a:extLst>
+                <a:ext uri="{FF2B5EF4-FFF2-40B4-BE49-F238E27FC236}">
+                  <a16:creationId xmlns:a16="http://schemas.microsoft.com/office/drawing/2014/main" id="{8F0D6D56-E0BB-4B16-9B45-C5F36EA09080}"/>
+                </a:ext>
+              </a:extLst>
+            </p:cNvPr>
+            <p:cNvPicPr>
+              <a:picLocks noChangeAspect="1"/>
+            </p:cNvPicPr>
+            <p:nvPr/>
+          </p:nvPicPr>
+          <p:blipFill>
+            <a:blip r:embed="rId7">
+              <a:extLst>
+                <a:ext uri="{28A0092B-C50C-407E-A947-70E740481C1C}">
+                  <a14:useLocalDpi xmlns:a14="http://schemas.microsoft.com/office/drawing/2010/main" val="0"/>
+                </a:ext>
+              </a:extLst>
+            </a:blip>
+            <a:stretch>
+              <a:fillRect/>
+            </a:stretch>
+          </p:blipFill>
+          <p:spPr>
+            <a:xfrm>
+              <a:off x="4922169" y="197597"/>
+              <a:ext cx="4232171" cy="5742689"/>
+            </a:xfrm>
+            <a:prstGeom prst="rect">
+              <a:avLst/>
+            </a:prstGeom>
+          </p:spPr>
+        </p:pic>
+        <p:sp>
+          <p:nvSpPr>
+            <p:cNvPr id="12" name="Прямоугольник 11">
+              <a:extLst>
+                <a:ext uri="{FF2B5EF4-FFF2-40B4-BE49-F238E27FC236}">
+                  <a16:creationId xmlns:a16="http://schemas.microsoft.com/office/drawing/2014/main" id="{83AE0CD3-DBD1-7C68-4777-E3EA3D47E263}"/>
+                </a:ext>
+              </a:extLst>
+            </p:cNvPr>
+            <p:cNvSpPr/>
+            <p:nvPr/>
+          </p:nvSpPr>
+          <p:spPr>
+            <a:xfrm rot="5400000">
+              <a:off x="6645343" y="2539712"/>
+              <a:ext cx="4851111" cy="166882"/>
+            </a:xfrm>
+            <a:prstGeom prst="rect">
+              <a:avLst/>
+            </a:prstGeom>
+            <a:solidFill>
+              <a:schemeClr val="bg1"/>
+            </a:solidFill>
+            <a:ln>
+              <a:noFill/>
+            </a:ln>
+          </p:spPr>
+          <p:style>
+            <a:lnRef idx="2">
+              <a:schemeClr val="accent1">
+                <a:shade val="15000"/>
+              </a:schemeClr>
+            </a:lnRef>
+            <a:fillRef idx="1">
+              <a:schemeClr val="accent1"/>
+            </a:fillRef>
+            <a:effectRef idx="0">
+              <a:schemeClr val="accent1"/>
+            </a:effectRef>
+            <a:fontRef idx="minor">
+              <a:schemeClr val="lt1"/>
+            </a:fontRef>
+          </p:style>
+          <p:txBody>
+            <a:bodyPr rtlCol="0" anchor="ctr"/>
+            <a:lstStyle/>
+            <a:p>
+              <a:pPr algn="ctr"/>
+              <a:endParaRPr lang="ru-RU"/>
+            </a:p>
+          </p:txBody>
+        </p:sp>
+      </p:grpSp>
+    </p:spTree>
+    <p:extLst>
+      <p:ext uri="{BB962C8B-B14F-4D97-AF65-F5344CB8AC3E}">
+        <p14:creationId xmlns:p14="http://schemas.microsoft.com/office/powerpoint/2010/main" val="4006234280"/>
+      </p:ext>
+    </p:extLst>
+  </p:cSld>
+  <p:clrMapOvr>
+    <a:masterClrMapping/>
+  </p:clrMapOvr>
+</p:sld>
+</file>
+
+<file path=ppt/slides/slide7.xml><?xml version="1.0" encoding="utf-8"?>
 <p:sld xmlns:a="http://schemas.openxmlformats.org/drawingml/2006/main" xmlns:r="http://schemas.openxmlformats.org/officeDocument/2006/relationships" xmlns:p="http://schemas.openxmlformats.org/presentationml/2006/main">
   <p:cSld>
     <p:spTree>
@@ -6302,60 +8144,6 @@
       </p:sp>
       <p:sp>
         <p:nvSpPr>
-          <p:cNvPr id="14" name="Прямоугольник 13">
-            <a:extLst>
-              <a:ext uri="{FF2B5EF4-FFF2-40B4-BE49-F238E27FC236}">
-                <a16:creationId xmlns:a16="http://schemas.microsoft.com/office/drawing/2014/main" id="{AA5BDCBD-3ED4-5058-EC0B-E05F263AF05E}"/>
-              </a:ext>
-            </a:extLst>
-          </p:cNvPr>
-          <p:cNvSpPr/>
-          <p:nvPr/>
-        </p:nvSpPr>
-        <p:spPr>
-          <a:xfrm>
-            <a:off x="10954327" y="-672235"/>
-            <a:ext cx="1237672" cy="7668347"/>
-          </a:xfrm>
-          <a:prstGeom prst="rect">
-            <a:avLst/>
-          </a:prstGeom>
-          <a:solidFill>
-            <a:srgbClr val="BD582C"/>
-          </a:solidFill>
-          <a:ln w="57150">
-            <a:solidFill>
-              <a:srgbClr val="E48312"/>
-            </a:solidFill>
-          </a:ln>
-        </p:spPr>
-        <p:style>
-          <a:lnRef idx="2">
-            <a:schemeClr val="accent1">
-              <a:shade val="15000"/>
-            </a:schemeClr>
-          </a:lnRef>
-          <a:fillRef idx="1">
-            <a:schemeClr val="accent1"/>
-          </a:fillRef>
-          <a:effectRef idx="0">
-            <a:schemeClr val="accent1"/>
-          </a:effectRef>
-          <a:fontRef idx="minor">
-            <a:schemeClr val="lt1"/>
-          </a:fontRef>
-        </p:style>
-        <p:txBody>
-          <a:bodyPr rtlCol="0" anchor="ctr"/>
-          <a:lstStyle/>
-          <a:p>
-            <a:pPr algn="ctr"/>
-            <a:endParaRPr lang="ru-RU"/>
-          </a:p>
-        </p:txBody>
-      </p:sp>
-      <p:sp>
-        <p:nvSpPr>
           <p:cNvPr id="2" name="Заголовок 1">
             <a:extLst>
               <a:ext uri="{FF2B5EF4-FFF2-40B4-BE49-F238E27FC236}">
@@ -6389,7 +8177,7 @@
                 </a:solidFill>
                 <a:latin typeface="Bookman Old Style" panose="02050604050505020204" pitchFamily="18" charset="0"/>
               </a:rPr>
-              <a:t>Ценообразование</a:t>
+              <a:t>Взрыв - схема</a:t>
             </a:r>
           </a:p>
         </p:txBody>
@@ -6408,7 +8196,7 @@
         </p:nvSpPr>
         <p:spPr>
           <a:xfrm>
-            <a:off x="2615184" y="-812723"/>
+            <a:off x="2186559" y="-819821"/>
             <a:ext cx="45719" cy="1450757"/>
           </a:xfrm>
           <a:prstGeom prst="rect">
@@ -6460,7 +8248,7 @@
         </p:nvSpPr>
         <p:spPr>
           <a:xfrm>
-            <a:off x="2766059" y="193378"/>
+            <a:off x="2315062" y="197597"/>
             <a:ext cx="2081784" cy="369332"/>
           </a:xfrm>
           <a:prstGeom prst="rect">
@@ -6478,7 +8266,308 @@
               <a:rPr lang="ru-RU" dirty="0">
                 <a:latin typeface="Bookman Old Style" panose="02050604050505020204" pitchFamily="18" charset="0"/>
               </a:rPr>
-              <a:t>5</a:t>
+              <a:t>7</a:t>
+            </a:r>
+          </a:p>
+        </p:txBody>
+      </p:sp>
+      <p:pic>
+        <p:nvPicPr>
+          <p:cNvPr id="3" name="Рисунок 2"/>
+          <p:cNvPicPr>
+            <a:picLocks noChangeAspect="1"/>
+          </p:cNvPicPr>
+          <p:nvPr/>
+        </p:nvPicPr>
+        <p:blipFill>
+          <a:blip r:embed="rId2">
+            <a:extLst>
+              <a:ext uri="{28A0092B-C50C-407E-A947-70E740481C1C}">
+                <a14:useLocalDpi xmlns:a14="http://schemas.microsoft.com/office/drawing/2010/main" val="0"/>
+              </a:ext>
+            </a:extLst>
+          </a:blip>
+          <a:stretch>
+            <a:fillRect/>
+          </a:stretch>
+        </p:blipFill>
+        <p:spPr>
+          <a:xfrm>
+            <a:off x="2901719" y="197597"/>
+            <a:ext cx="8069580" cy="5951220"/>
+          </a:xfrm>
+          <a:prstGeom prst="rect">
+            <a:avLst/>
+          </a:prstGeom>
+        </p:spPr>
+      </p:pic>
+    </p:spTree>
+    <p:extLst>
+      <p:ext uri="{BB962C8B-B14F-4D97-AF65-F5344CB8AC3E}">
+        <p14:creationId xmlns:p14="http://schemas.microsoft.com/office/powerpoint/2010/main" val="444586696"/>
+      </p:ext>
+    </p:extLst>
+  </p:cSld>
+  <p:clrMapOvr>
+    <a:masterClrMapping/>
+  </p:clrMapOvr>
+</p:sld>
+</file>
+
+<file path=ppt/slides/slide8.xml><?xml version="1.0" encoding="utf-8"?>
+<p:sld xmlns:a="http://schemas.openxmlformats.org/drawingml/2006/main" xmlns:r="http://schemas.openxmlformats.org/officeDocument/2006/relationships" xmlns:p="http://schemas.openxmlformats.org/presentationml/2006/main">
+  <p:cSld>
+    <p:spTree>
+      <p:nvGrpSpPr>
+        <p:cNvPr id="1" name="">
+          <a:extLst>
+            <a:ext uri="{FF2B5EF4-FFF2-40B4-BE49-F238E27FC236}">
+              <a16:creationId xmlns:a16="http://schemas.microsoft.com/office/drawing/2014/main" id="{0ED9D043-962F-1E64-5885-DCC65DFC1DF5}"/>
+            </a:ext>
+          </a:extLst>
+        </p:cNvPr>
+        <p:cNvGrpSpPr/>
+        <p:nvPr/>
+      </p:nvGrpSpPr>
+      <p:grpSpPr>
+        <a:xfrm>
+          <a:off x="0" y="0"/>
+          <a:ext cx="0" cy="0"/>
+          <a:chOff x="0" y="0"/>
+          <a:chExt cx="0" cy="0"/>
+        </a:xfrm>
+      </p:grpSpPr>
+      <p:sp>
+        <p:nvSpPr>
+          <p:cNvPr id="10" name="Прямоугольник 9">
+            <a:extLst>
+              <a:ext uri="{FF2B5EF4-FFF2-40B4-BE49-F238E27FC236}">
+                <a16:creationId xmlns:a16="http://schemas.microsoft.com/office/drawing/2014/main" id="{5AB4948E-403F-8BD1-4F45-E39646424114}"/>
+              </a:ext>
+            </a:extLst>
+          </p:cNvPr>
+          <p:cNvSpPr/>
+          <p:nvPr/>
+        </p:nvSpPr>
+        <p:spPr>
+          <a:xfrm>
+            <a:off x="1124712" y="1682496"/>
+            <a:ext cx="10113264" cy="130549"/>
+          </a:xfrm>
+          <a:prstGeom prst="rect">
+            <a:avLst/>
+          </a:prstGeom>
+          <a:solidFill>
+            <a:schemeClr val="bg1"/>
+          </a:solidFill>
+          <a:ln>
+            <a:noFill/>
+          </a:ln>
+        </p:spPr>
+        <p:style>
+          <a:lnRef idx="2">
+            <a:schemeClr val="accent1">
+              <a:shade val="15000"/>
+            </a:schemeClr>
+          </a:lnRef>
+          <a:fillRef idx="1">
+            <a:schemeClr val="accent1"/>
+          </a:fillRef>
+          <a:effectRef idx="0">
+            <a:schemeClr val="accent1"/>
+          </a:effectRef>
+          <a:fontRef idx="minor">
+            <a:schemeClr val="lt1"/>
+          </a:fontRef>
+        </p:style>
+        <p:txBody>
+          <a:bodyPr rtlCol="0" anchor="ctr"/>
+          <a:lstStyle/>
+          <a:p>
+            <a:pPr algn="ctr"/>
+            <a:endParaRPr lang="ru-RU"/>
+          </a:p>
+        </p:txBody>
+      </p:sp>
+      <p:sp>
+        <p:nvSpPr>
+          <p:cNvPr id="14" name="Прямоугольник 13">
+            <a:extLst>
+              <a:ext uri="{FF2B5EF4-FFF2-40B4-BE49-F238E27FC236}">
+                <a16:creationId xmlns:a16="http://schemas.microsoft.com/office/drawing/2014/main" id="{AA5BDCBD-3ED4-5058-EC0B-E05F263AF05E}"/>
+              </a:ext>
+            </a:extLst>
+          </p:cNvPr>
+          <p:cNvSpPr/>
+          <p:nvPr/>
+        </p:nvSpPr>
+        <p:spPr>
+          <a:xfrm>
+            <a:off x="10954327" y="-672235"/>
+            <a:ext cx="1237672" cy="7668347"/>
+          </a:xfrm>
+          <a:prstGeom prst="rect">
+            <a:avLst/>
+          </a:prstGeom>
+          <a:solidFill>
+            <a:srgbClr val="BD582C"/>
+          </a:solidFill>
+          <a:ln w="57150">
+            <a:solidFill>
+              <a:srgbClr val="E48312"/>
+            </a:solidFill>
+          </a:ln>
+        </p:spPr>
+        <p:style>
+          <a:lnRef idx="2">
+            <a:schemeClr val="accent1">
+              <a:shade val="15000"/>
+            </a:schemeClr>
+          </a:lnRef>
+          <a:fillRef idx="1">
+            <a:schemeClr val="accent1"/>
+          </a:fillRef>
+          <a:effectRef idx="0">
+            <a:schemeClr val="accent1"/>
+          </a:effectRef>
+          <a:fontRef idx="minor">
+            <a:schemeClr val="lt1"/>
+          </a:fontRef>
+        </p:style>
+        <p:txBody>
+          <a:bodyPr rtlCol="0" anchor="ctr"/>
+          <a:lstStyle/>
+          <a:p>
+            <a:pPr algn="ctr"/>
+            <a:endParaRPr lang="ru-RU"/>
+          </a:p>
+        </p:txBody>
+      </p:sp>
+      <p:sp>
+        <p:nvSpPr>
+          <p:cNvPr id="2" name="Заголовок 1">
+            <a:extLst>
+              <a:ext uri="{FF2B5EF4-FFF2-40B4-BE49-F238E27FC236}">
+                <a16:creationId xmlns:a16="http://schemas.microsoft.com/office/drawing/2014/main" id="{68952F2A-5525-5EC3-D8E9-782CE72A233B}"/>
+              </a:ext>
+            </a:extLst>
+          </p:cNvPr>
+          <p:cNvSpPr>
+            <a:spLocks noGrp="1"/>
+          </p:cNvSpPr>
+          <p:nvPr>
+            <p:ph type="title"/>
+          </p:nvPr>
+        </p:nvSpPr>
+        <p:spPr>
+          <a:xfrm>
+            <a:off x="109726" y="-819821"/>
+            <a:ext cx="10012682" cy="1386750"/>
+          </a:xfrm>
+        </p:spPr>
+        <p:txBody>
+          <a:bodyPr>
+            <a:normAutofit/>
+          </a:bodyPr>
+          <a:lstStyle/>
+          <a:p>
+            <a:r>
+              <a:rPr lang="ru-RU" sz="2100" dirty="0">
+                <a:solidFill>
+                  <a:schemeClr val="tx1"/>
+                </a:solidFill>
+                <a:latin typeface="Bookman Old Style" panose="02050604050505020204" pitchFamily="18" charset="0"/>
+              </a:rPr>
+              <a:t>Ценообразование</a:t>
+            </a:r>
+          </a:p>
+        </p:txBody>
+      </p:sp>
+      <p:sp>
+        <p:nvSpPr>
+          <p:cNvPr id="4" name="Прямоугольник 3">
+            <a:extLst>
+              <a:ext uri="{FF2B5EF4-FFF2-40B4-BE49-F238E27FC236}">
+                <a16:creationId xmlns:a16="http://schemas.microsoft.com/office/drawing/2014/main" id="{50D8E95B-08D3-E8D8-CE53-CD07F9EC224A}"/>
+              </a:ext>
+            </a:extLst>
+          </p:cNvPr>
+          <p:cNvSpPr/>
+          <p:nvPr/>
+        </p:nvSpPr>
+        <p:spPr>
+          <a:xfrm>
+            <a:off x="2615184" y="-812723"/>
+            <a:ext cx="45719" cy="1450757"/>
+          </a:xfrm>
+          <a:prstGeom prst="rect">
+            <a:avLst/>
+          </a:prstGeom>
+          <a:noFill/>
+          <a:ln>
+            <a:solidFill>
+              <a:srgbClr val="E48312"/>
+            </a:solidFill>
+          </a:ln>
+        </p:spPr>
+        <p:style>
+          <a:lnRef idx="2">
+            <a:schemeClr val="accent1">
+              <a:shade val="15000"/>
+            </a:schemeClr>
+          </a:lnRef>
+          <a:fillRef idx="1">
+            <a:schemeClr val="accent1"/>
+          </a:fillRef>
+          <a:effectRef idx="0">
+            <a:schemeClr val="accent1"/>
+          </a:effectRef>
+          <a:fontRef idx="minor">
+            <a:schemeClr val="lt1"/>
+          </a:fontRef>
+        </p:style>
+        <p:txBody>
+          <a:bodyPr rtlCol="0" anchor="ctr"/>
+          <a:lstStyle/>
+          <a:p>
+            <a:pPr algn="ctr"/>
+            <a:endParaRPr lang="ru-RU"/>
+          </a:p>
+        </p:txBody>
+      </p:sp>
+      <p:sp>
+        <p:nvSpPr>
+          <p:cNvPr id="5" name="TextBox 4">
+            <a:extLst>
+              <a:ext uri="{FF2B5EF4-FFF2-40B4-BE49-F238E27FC236}">
+                <a16:creationId xmlns:a16="http://schemas.microsoft.com/office/drawing/2014/main" id="{CE5DAC9B-18CA-CB75-84C2-2AB8C4514128}"/>
+              </a:ext>
+            </a:extLst>
+          </p:cNvPr>
+          <p:cNvSpPr txBox="1"/>
+          <p:nvPr/>
+        </p:nvSpPr>
+        <p:spPr>
+          <a:xfrm>
+            <a:off x="2766059" y="193378"/>
+            <a:ext cx="2081784" cy="369332"/>
+          </a:xfrm>
+          <a:prstGeom prst="rect">
+            <a:avLst/>
+          </a:prstGeom>
+          <a:noFill/>
+        </p:spPr>
+        <p:txBody>
+          <a:bodyPr wrap="square" rtlCol="0">
+            <a:spAutoFit/>
+          </a:bodyPr>
+          <a:lstStyle/>
+          <a:p>
+            <a:r>
+              <a:rPr lang="ru-RU" dirty="0">
+                <a:latin typeface="Bookman Old Style" panose="02050604050505020204" pitchFamily="18" charset="0"/>
+              </a:rPr>
+              <a:t>8</a:t>
             </a:r>
           </a:p>
         </p:txBody>
@@ -6546,7 +8635,7 @@
           <p:nvPr>
             <p:extLst>
               <p:ext uri="{D42A27DB-BD31-4B8C-83A1-F6EECF244321}">
-                <p14:modId xmlns:p14="http://schemas.microsoft.com/office/powerpoint/2010/main" val="1429410467"/>
+                <p14:modId xmlns:p14="http://schemas.microsoft.com/office/powerpoint/2010/main" val="3067331428"/>
               </p:ext>
             </p:extLst>
           </p:nvPr>
@@ -6583,7 +8672,7 @@
                     <a:bodyPr/>
                     <a:lstStyle/>
                     <a:p>
-                      <a:pPr algn="ctr">
+                      <a:pPr algn="l">
                         <a:lnSpc>
                           <a:spcPct val="150000"/>
                         </a:lnSpc>
@@ -6664,7 +8753,7 @@
                     <a:bodyPr/>
                     <a:lstStyle/>
                     <a:p>
-                      <a:pPr algn="ctr">
+                      <a:pPr algn="l">
                         <a:lnSpc>
                           <a:spcPct val="150000"/>
                         </a:lnSpc>
@@ -6747,7 +8836,7 @@
                     <a:bodyPr/>
                     <a:lstStyle/>
                     <a:p>
-                      <a:pPr algn="ctr">
+                      <a:pPr algn="l">
                         <a:lnSpc>
                           <a:spcPct val="150000"/>
                         </a:lnSpc>
@@ -6842,7 +8931,7 @@
                     <a:bodyPr/>
                     <a:lstStyle/>
                     <a:p>
-                      <a:pPr algn="ctr">
+                      <a:pPr algn="l">
                         <a:lnSpc>
                           <a:spcPct val="150000"/>
                         </a:lnSpc>
@@ -6855,7 +8944,7 @@
                           <a:effectLst/>
                           <a:latin typeface="Bookman Old Style" panose="02050604050505020204" pitchFamily="18" charset="0"/>
                         </a:rPr>
-                        <a:t>Итого розничная себестоимость</a:t>
+                        <a:t>Итого самодельная себестоимость</a:t>
                       </a:r>
                       <a:endParaRPr lang="ru-RU" sz="1200" b="0" kern="100" dirty="0">
                         <a:effectLst/>
@@ -6916,13 +9005,13 @@
           <p:nvPr>
             <p:extLst>
               <p:ext uri="{D42A27DB-BD31-4B8C-83A1-F6EECF244321}">
-                <p14:modId xmlns:p14="http://schemas.microsoft.com/office/powerpoint/2010/main" val="3612873938"/>
+                <p14:modId xmlns:p14="http://schemas.microsoft.com/office/powerpoint/2010/main" val="1564516487"/>
               </p:ext>
             </p:extLst>
           </p:nvPr>
         </p:nvGraphicFramePr>
         <p:xfrm>
-          <a:off x="3832848" y="378044"/>
+          <a:off x="3806951" y="265755"/>
           <a:ext cx="6574755" cy="5731875"/>
         </p:xfrm>
         <a:graphic>
@@ -7376,13 +9465,13 @@
                         </a:spcAft>
                       </a:pPr>
                       <a:r>
-                        <a:rPr lang="ru-RU" sz="1200" b="0" kern="100">
+                        <a:rPr lang="ru-RU" sz="1200" b="0" kern="100" dirty="0">
                           <a:effectLst/>
                           <a:latin typeface="Bookman Old Style" panose="02050604050505020204" pitchFamily="18" charset="0"/>
                         </a:rPr>
                         <a:t>Использование промышленного принтера, а не домашнего(0.5 р./г вместо 1.2 р./г)</a:t>
                       </a:r>
-                      <a:endParaRPr lang="ru-RU" sz="1200" b="0" kern="100">
+                      <a:endParaRPr lang="ru-RU" sz="1200" b="0" kern="100" dirty="0">
                         <a:effectLst/>
                         <a:latin typeface="Bookman Old Style" panose="02050604050505020204" pitchFamily="18" charset="0"/>
                         <a:ea typeface="Calibri" panose="020F0502020204030204" pitchFamily="34" charset="0"/>
@@ -7623,1970 +9712,6 @@
 </p:sld>
 </file>
 
-<file path=ppt/slides/slide6.xml><?xml version="1.0" encoding="utf-8"?>
-<p:sld xmlns:a="http://schemas.openxmlformats.org/drawingml/2006/main" xmlns:r="http://schemas.openxmlformats.org/officeDocument/2006/relationships" xmlns:p="http://schemas.openxmlformats.org/presentationml/2006/main">
-  <p:cSld>
-    <p:spTree>
-      <p:nvGrpSpPr>
-        <p:cNvPr id="1" name="">
-          <a:extLst>
-            <a:ext uri="{FF2B5EF4-FFF2-40B4-BE49-F238E27FC236}">
-              <a16:creationId xmlns:a16="http://schemas.microsoft.com/office/drawing/2014/main" id="{30972ED4-718C-8381-4407-942B35E942A0}"/>
-            </a:ext>
-          </a:extLst>
-        </p:cNvPr>
-        <p:cNvGrpSpPr/>
-        <p:nvPr/>
-      </p:nvGrpSpPr>
-      <p:grpSpPr>
-        <a:xfrm>
-          <a:off x="0" y="0"/>
-          <a:ext cx="0" cy="0"/>
-          <a:chOff x="0" y="0"/>
-          <a:chExt cx="0" cy="0"/>
-        </a:xfrm>
-      </p:grpSpPr>
-      <p:sp>
-        <p:nvSpPr>
-          <p:cNvPr id="10" name="Прямоугольник 9">
-            <a:extLst>
-              <a:ext uri="{FF2B5EF4-FFF2-40B4-BE49-F238E27FC236}">
-                <a16:creationId xmlns:a16="http://schemas.microsoft.com/office/drawing/2014/main" id="{3BBFE12A-36AB-BDD3-0938-05896BBD1337}"/>
-              </a:ext>
-            </a:extLst>
-          </p:cNvPr>
-          <p:cNvSpPr/>
-          <p:nvPr/>
-        </p:nvSpPr>
-        <p:spPr>
-          <a:xfrm>
-            <a:off x="1124712" y="1682496"/>
-            <a:ext cx="10113264" cy="130549"/>
-          </a:xfrm>
-          <a:prstGeom prst="rect">
-            <a:avLst/>
-          </a:prstGeom>
-          <a:solidFill>
-            <a:schemeClr val="bg1"/>
-          </a:solidFill>
-          <a:ln>
-            <a:noFill/>
-          </a:ln>
-        </p:spPr>
-        <p:style>
-          <a:lnRef idx="2">
-            <a:schemeClr val="accent1">
-              <a:shade val="15000"/>
-            </a:schemeClr>
-          </a:lnRef>
-          <a:fillRef idx="1">
-            <a:schemeClr val="accent1"/>
-          </a:fillRef>
-          <a:effectRef idx="0">
-            <a:schemeClr val="accent1"/>
-          </a:effectRef>
-          <a:fontRef idx="minor">
-            <a:schemeClr val="lt1"/>
-          </a:fontRef>
-        </p:style>
-        <p:txBody>
-          <a:bodyPr rtlCol="0" anchor="ctr"/>
-          <a:lstStyle/>
-          <a:p>
-            <a:pPr algn="ctr"/>
-            <a:endParaRPr lang="ru-RU"/>
-          </a:p>
-        </p:txBody>
-      </p:sp>
-      <p:sp>
-        <p:nvSpPr>
-          <p:cNvPr id="14" name="Прямоугольник 13">
-            <a:extLst>
-              <a:ext uri="{FF2B5EF4-FFF2-40B4-BE49-F238E27FC236}">
-                <a16:creationId xmlns:a16="http://schemas.microsoft.com/office/drawing/2014/main" id="{A3B0F9DC-F45B-847A-9FB2-2F9200F5DCE5}"/>
-              </a:ext>
-            </a:extLst>
-          </p:cNvPr>
-          <p:cNvSpPr/>
-          <p:nvPr/>
-        </p:nvSpPr>
-        <p:spPr>
-          <a:xfrm>
-            <a:off x="11631168" y="-672235"/>
-            <a:ext cx="560831" cy="7668347"/>
-          </a:xfrm>
-          <a:prstGeom prst="rect">
-            <a:avLst/>
-          </a:prstGeom>
-          <a:solidFill>
-            <a:srgbClr val="BD582C"/>
-          </a:solidFill>
-          <a:ln w="57150">
-            <a:solidFill>
-              <a:srgbClr val="E48312"/>
-            </a:solidFill>
-          </a:ln>
-        </p:spPr>
-        <p:style>
-          <a:lnRef idx="2">
-            <a:schemeClr val="accent1">
-              <a:shade val="15000"/>
-            </a:schemeClr>
-          </a:lnRef>
-          <a:fillRef idx="1">
-            <a:schemeClr val="accent1"/>
-          </a:fillRef>
-          <a:effectRef idx="0">
-            <a:schemeClr val="accent1"/>
-          </a:effectRef>
-          <a:fontRef idx="minor">
-            <a:schemeClr val="lt1"/>
-          </a:fontRef>
-        </p:style>
-        <p:txBody>
-          <a:bodyPr rtlCol="0" anchor="ctr"/>
-          <a:lstStyle/>
-          <a:p>
-            <a:pPr algn="ctr"/>
-            <a:endParaRPr lang="ru-RU"/>
-          </a:p>
-        </p:txBody>
-      </p:sp>
-      <p:sp>
-        <p:nvSpPr>
-          <p:cNvPr id="2" name="Заголовок 1">
-            <a:extLst>
-              <a:ext uri="{FF2B5EF4-FFF2-40B4-BE49-F238E27FC236}">
-                <a16:creationId xmlns:a16="http://schemas.microsoft.com/office/drawing/2014/main" id="{35F089AC-BC09-1BDE-0391-737BEE66C3D6}"/>
-              </a:ext>
-            </a:extLst>
-          </p:cNvPr>
-          <p:cNvSpPr>
-            <a:spLocks noGrp="1"/>
-          </p:cNvSpPr>
-          <p:nvPr>
-            <p:ph type="title"/>
-          </p:nvPr>
-        </p:nvSpPr>
-        <p:spPr>
-          <a:xfrm>
-            <a:off x="109726" y="-819821"/>
-            <a:ext cx="10012682" cy="1386750"/>
-          </a:xfrm>
-        </p:spPr>
-        <p:txBody>
-          <a:bodyPr>
-            <a:normAutofit/>
-          </a:bodyPr>
-          <a:lstStyle/>
-          <a:p>
-            <a:r>
-              <a:rPr lang="ru-RU" sz="2000" dirty="0">
-                <a:solidFill>
-                  <a:schemeClr val="tx1"/>
-                </a:solidFill>
-                <a:latin typeface="Bookman Old Style" panose="02050604050505020204" pitchFamily="18" charset="0"/>
-              </a:rPr>
-              <a:t>Выбор материалов</a:t>
-            </a:r>
-          </a:p>
-        </p:txBody>
-      </p:sp>
-      <p:sp>
-        <p:nvSpPr>
-          <p:cNvPr id="4" name="Прямоугольник 3">
-            <a:extLst>
-              <a:ext uri="{FF2B5EF4-FFF2-40B4-BE49-F238E27FC236}">
-                <a16:creationId xmlns:a16="http://schemas.microsoft.com/office/drawing/2014/main" id="{3BBE68A6-3732-8153-C302-89AC6A57F416}"/>
-              </a:ext>
-            </a:extLst>
-          </p:cNvPr>
-          <p:cNvSpPr/>
-          <p:nvPr/>
-        </p:nvSpPr>
-        <p:spPr>
-          <a:xfrm>
-            <a:off x="2720340" y="-819821"/>
-            <a:ext cx="45719" cy="1450757"/>
-          </a:xfrm>
-          <a:prstGeom prst="rect">
-            <a:avLst/>
-          </a:prstGeom>
-          <a:noFill/>
-          <a:ln>
-            <a:solidFill>
-              <a:srgbClr val="E48312"/>
-            </a:solidFill>
-          </a:ln>
-        </p:spPr>
-        <p:style>
-          <a:lnRef idx="2">
-            <a:schemeClr val="accent1">
-              <a:shade val="15000"/>
-            </a:schemeClr>
-          </a:lnRef>
-          <a:fillRef idx="1">
-            <a:schemeClr val="accent1"/>
-          </a:fillRef>
-          <a:effectRef idx="0">
-            <a:schemeClr val="accent1"/>
-          </a:effectRef>
-          <a:fontRef idx="minor">
-            <a:schemeClr val="lt1"/>
-          </a:fontRef>
-        </p:style>
-        <p:txBody>
-          <a:bodyPr rtlCol="0" anchor="ctr"/>
-          <a:lstStyle/>
-          <a:p>
-            <a:pPr algn="ctr"/>
-            <a:endParaRPr lang="ru-RU"/>
-          </a:p>
-        </p:txBody>
-      </p:sp>
-      <p:sp>
-        <p:nvSpPr>
-          <p:cNvPr id="5" name="TextBox 4">
-            <a:extLst>
-              <a:ext uri="{FF2B5EF4-FFF2-40B4-BE49-F238E27FC236}">
-                <a16:creationId xmlns:a16="http://schemas.microsoft.com/office/drawing/2014/main" id="{738D6350-1169-7BEF-E8BA-89ACBAE1D771}"/>
-              </a:ext>
-            </a:extLst>
-          </p:cNvPr>
-          <p:cNvSpPr txBox="1"/>
-          <p:nvPr/>
-        </p:nvSpPr>
-        <p:spPr>
-          <a:xfrm>
-            <a:off x="2866643" y="197597"/>
-            <a:ext cx="2081784" cy="369332"/>
-          </a:xfrm>
-          <a:prstGeom prst="rect">
-            <a:avLst/>
-          </a:prstGeom>
-          <a:noFill/>
-        </p:spPr>
-        <p:txBody>
-          <a:bodyPr wrap="square" rtlCol="0">
-            <a:spAutoFit/>
-          </a:bodyPr>
-          <a:lstStyle/>
-          <a:p>
-            <a:r>
-              <a:rPr lang="en-US" dirty="0">
-                <a:latin typeface="Bookman Old Style" panose="02050604050505020204" pitchFamily="18" charset="0"/>
-              </a:rPr>
-              <a:t>6</a:t>
-            </a:r>
-            <a:endParaRPr lang="ru-RU" dirty="0">
-              <a:latin typeface="Bookman Old Style" panose="02050604050505020204" pitchFamily="18" charset="0"/>
-            </a:endParaRPr>
-          </a:p>
-        </p:txBody>
-      </p:sp>
-      <p:sp>
-        <p:nvSpPr>
-          <p:cNvPr id="22" name="Прямоугольник 21">
-            <a:extLst>
-              <a:ext uri="{FF2B5EF4-FFF2-40B4-BE49-F238E27FC236}">
-                <a16:creationId xmlns:a16="http://schemas.microsoft.com/office/drawing/2014/main" id="{AAC992A4-0248-5A10-DB5C-F5CD42A5CD9F}"/>
-              </a:ext>
-            </a:extLst>
-          </p:cNvPr>
-          <p:cNvSpPr/>
-          <p:nvPr/>
-        </p:nvSpPr>
-        <p:spPr>
-          <a:xfrm>
-            <a:off x="10922503" y="6407944"/>
-            <a:ext cx="960121" cy="450056"/>
-          </a:xfrm>
-          <a:prstGeom prst="rect">
-            <a:avLst/>
-          </a:prstGeom>
-          <a:solidFill>
-            <a:srgbClr val="BD582C"/>
-          </a:solidFill>
-          <a:ln>
-            <a:solidFill>
-              <a:srgbClr val="BD582C"/>
-            </a:solidFill>
-          </a:ln>
-        </p:spPr>
-        <p:style>
-          <a:lnRef idx="2">
-            <a:schemeClr val="accent1">
-              <a:shade val="15000"/>
-            </a:schemeClr>
-          </a:lnRef>
-          <a:fillRef idx="1">
-            <a:schemeClr val="accent1"/>
-          </a:fillRef>
-          <a:effectRef idx="0">
-            <a:schemeClr val="accent1"/>
-          </a:effectRef>
-          <a:fontRef idx="minor">
-            <a:schemeClr val="lt1"/>
-          </a:fontRef>
-        </p:style>
-        <p:txBody>
-          <a:bodyPr rtlCol="0" anchor="ctr"/>
-          <a:lstStyle/>
-          <a:p>
-            <a:pPr algn="ctr"/>
-            <a:endParaRPr lang="ru-RU"/>
-          </a:p>
-        </p:txBody>
-      </p:sp>
-      <p:sp>
-        <p:nvSpPr>
-          <p:cNvPr id="6" name="TextBox 5">
-            <a:extLst>
-              <a:ext uri="{FF2B5EF4-FFF2-40B4-BE49-F238E27FC236}">
-                <a16:creationId xmlns:a16="http://schemas.microsoft.com/office/drawing/2014/main" id="{CFB57897-E7DA-2F3A-8F2F-6DF556D90307}"/>
-              </a:ext>
-            </a:extLst>
-          </p:cNvPr>
-          <p:cNvSpPr txBox="1"/>
-          <p:nvPr/>
-        </p:nvSpPr>
-        <p:spPr>
-          <a:xfrm>
-            <a:off x="494441" y="977552"/>
-            <a:ext cx="7473920" cy="369332"/>
-          </a:xfrm>
-          <a:prstGeom prst="rect">
-            <a:avLst/>
-          </a:prstGeom>
-          <a:noFill/>
-        </p:spPr>
-        <p:txBody>
-          <a:bodyPr wrap="square" rtlCol="0">
-            <a:spAutoFit/>
-          </a:bodyPr>
-          <a:lstStyle/>
-          <a:p>
-            <a:r>
-              <a:rPr lang="ru-RU" dirty="0">
-                <a:latin typeface="Bookman Old Style" panose="02050604050505020204" pitchFamily="18" charset="0"/>
-              </a:rPr>
-              <a:t>Для 3</a:t>
-            </a:r>
-            <a:r>
-              <a:rPr lang="en-US" dirty="0">
-                <a:latin typeface="Bookman Old Style" panose="02050604050505020204" pitchFamily="18" charset="0"/>
-              </a:rPr>
-              <a:t>D</a:t>
-            </a:r>
-            <a:r>
-              <a:rPr lang="ru-RU" dirty="0">
-                <a:latin typeface="Bookman Old Style" panose="02050604050505020204" pitchFamily="18" charset="0"/>
-              </a:rPr>
-              <a:t>-печати рассматривались следующие термопластики:</a:t>
-            </a:r>
-          </a:p>
-        </p:txBody>
-      </p:sp>
-      <p:pic>
-        <p:nvPicPr>
-          <p:cNvPr id="11" name="Рисунок 10">
-            <a:extLst>
-              <a:ext uri="{FF2B5EF4-FFF2-40B4-BE49-F238E27FC236}">
-                <a16:creationId xmlns:a16="http://schemas.microsoft.com/office/drawing/2014/main" id="{A48EABFF-670C-99BA-6911-B92A7CCEF09C}"/>
-              </a:ext>
-            </a:extLst>
-          </p:cNvPr>
-          <p:cNvPicPr>
-            <a:picLocks noChangeAspect="1"/>
-          </p:cNvPicPr>
-          <p:nvPr/>
-        </p:nvPicPr>
-        <p:blipFill>
-          <a:blip r:embed="rId2"/>
-          <a:stretch>
-            <a:fillRect/>
-          </a:stretch>
-        </p:blipFill>
-        <p:spPr>
-          <a:xfrm rot="5400000">
-            <a:off x="7896137" y="2432327"/>
-            <a:ext cx="4075367" cy="2395685"/>
-          </a:xfrm>
-          <a:prstGeom prst="rect">
-            <a:avLst/>
-          </a:prstGeom>
-        </p:spPr>
-      </p:pic>
-      <p:sp>
-        <p:nvSpPr>
-          <p:cNvPr id="12" name="TextBox 11">
-            <a:extLst>
-              <a:ext uri="{FF2B5EF4-FFF2-40B4-BE49-F238E27FC236}">
-                <a16:creationId xmlns:a16="http://schemas.microsoft.com/office/drawing/2014/main" id="{E070F16C-194B-FD52-3E37-442614CC597A}"/>
-              </a:ext>
-            </a:extLst>
-          </p:cNvPr>
-          <p:cNvSpPr txBox="1"/>
-          <p:nvPr/>
-        </p:nvSpPr>
-        <p:spPr>
-          <a:xfrm>
-            <a:off x="494441" y="5344687"/>
-            <a:ext cx="8028431" cy="646331"/>
-          </a:xfrm>
-          <a:prstGeom prst="rect">
-            <a:avLst/>
-          </a:prstGeom>
-          <a:noFill/>
-        </p:spPr>
-        <p:txBody>
-          <a:bodyPr wrap="square" rtlCol="0">
-            <a:spAutoFit/>
-          </a:bodyPr>
-          <a:lstStyle/>
-          <a:p>
-            <a:r>
-              <a:rPr lang="ru-RU" dirty="0">
-                <a:latin typeface="Bookman Old Style" panose="02050604050505020204" pitchFamily="18" charset="0"/>
-              </a:rPr>
-              <a:t>Был выбран </a:t>
-            </a:r>
-            <a:r>
-              <a:rPr lang="en-US" dirty="0">
-                <a:latin typeface="Bookman Old Style" panose="02050604050505020204" pitchFamily="18" charset="0"/>
-              </a:rPr>
-              <a:t>PETG </a:t>
-            </a:r>
-            <a:r>
-              <a:rPr lang="ru-RU" dirty="0">
-                <a:latin typeface="Bookman Old Style" panose="02050604050505020204" pitchFamily="18" charset="0"/>
-              </a:rPr>
-              <a:t>пластик(</a:t>
-            </a:r>
-            <a:r>
-              <a:rPr lang="ru-RU" i="1" dirty="0">
-                <a:latin typeface="Bookman Old Style" panose="02050604050505020204" pitchFamily="18" charset="0"/>
-              </a:rPr>
-              <a:t>Полиэтилентерефталат гликоль</a:t>
-            </a:r>
-            <a:r>
-              <a:rPr lang="ru-RU" dirty="0">
-                <a:latin typeface="Bookman Old Style" panose="02050604050505020204" pitchFamily="18" charset="0"/>
-              </a:rPr>
-              <a:t>), ведь он совмещает лучшие стороны своих конкурентов.</a:t>
-            </a:r>
-          </a:p>
-        </p:txBody>
-      </p:sp>
-      <p:sp>
-        <p:nvSpPr>
-          <p:cNvPr id="8" name="TextBox 7">
-            <a:extLst>
-              <a:ext uri="{FF2B5EF4-FFF2-40B4-BE49-F238E27FC236}">
-                <a16:creationId xmlns:a16="http://schemas.microsoft.com/office/drawing/2014/main" id="{E3E0C848-BDB1-DAFC-4A08-E6CDB8B32FF3}"/>
-              </a:ext>
-            </a:extLst>
-          </p:cNvPr>
-          <p:cNvSpPr txBox="1"/>
-          <p:nvPr/>
-        </p:nvSpPr>
-        <p:spPr>
-          <a:xfrm>
-            <a:off x="731520" y="1518567"/>
-            <a:ext cx="8153578" cy="3359959"/>
-          </a:xfrm>
-          <a:prstGeom prst="rect">
-            <a:avLst/>
-          </a:prstGeom>
-          <a:noFill/>
-        </p:spPr>
-        <p:txBody>
-          <a:bodyPr wrap="square" rtlCol="0">
-            <a:spAutoFit/>
-          </a:bodyPr>
-          <a:lstStyle/>
-          <a:p>
-            <a:pPr marL="285750" indent="-285750">
-              <a:lnSpc>
-                <a:spcPct val="150000"/>
-              </a:lnSpc>
-              <a:buFont typeface="Arial" panose="020B0604020202020204" pitchFamily="34" charset="0"/>
-              <a:buChar char="•"/>
-            </a:pPr>
-            <a:r>
-              <a:rPr lang="ru-RU" dirty="0">
-                <a:latin typeface="Bookman Old Style" panose="02050604050505020204" pitchFamily="18" charset="0"/>
-              </a:rPr>
-              <a:t>PLA </a:t>
-            </a:r>
-            <a:r>
-              <a:rPr lang="en-US" dirty="0">
-                <a:latin typeface="Bookman Old Style" panose="02050604050505020204" pitchFamily="18" charset="0"/>
-              </a:rPr>
-              <a:t>– </a:t>
-            </a:r>
-            <a:r>
-              <a:rPr lang="ru-RU" dirty="0">
-                <a:latin typeface="Bookman Old Style" panose="02050604050505020204" pitchFamily="18" charset="0"/>
-              </a:rPr>
-              <a:t>легко печатается, биоразлагаем, но хрупок и имеет низкую температуру стеклования (~60°C), что неприемлемо для устройства, которое может остаться в автомобиле на солнце.</a:t>
-            </a:r>
-            <a:endParaRPr lang="en-US" dirty="0">
-              <a:latin typeface="Bookman Old Style" panose="02050604050505020204" pitchFamily="18" charset="0"/>
-            </a:endParaRPr>
-          </a:p>
-          <a:p>
-            <a:pPr marL="285750" indent="-285750">
-              <a:lnSpc>
-                <a:spcPct val="150000"/>
-              </a:lnSpc>
-              <a:buFont typeface="Arial" panose="020B0604020202020204" pitchFamily="34" charset="0"/>
-              <a:buChar char="•"/>
-            </a:pPr>
-            <a:r>
-              <a:rPr lang="ru-RU" dirty="0">
-                <a:latin typeface="Bookman Old Style" panose="02050604050505020204" pitchFamily="18" charset="0"/>
-              </a:rPr>
-              <a:t>ABS </a:t>
-            </a:r>
-            <a:r>
-              <a:rPr lang="en-US" dirty="0">
-                <a:latin typeface="Bookman Old Style" panose="02050604050505020204" pitchFamily="18" charset="0"/>
-              </a:rPr>
-              <a:t>– </a:t>
-            </a:r>
-            <a:r>
-              <a:rPr lang="ru-RU" dirty="0">
-                <a:latin typeface="Bookman Old Style" panose="02050604050505020204" pitchFamily="18" charset="0"/>
-              </a:rPr>
-              <a:t>прочнее PLA, но склонен к деформациям при печати ведь требует закрытой камеры, и выделяет опасные испарения.</a:t>
-            </a:r>
-            <a:endParaRPr lang="en-US" dirty="0">
-              <a:latin typeface="Bookman Old Style" panose="02050604050505020204" pitchFamily="18" charset="0"/>
-            </a:endParaRPr>
-          </a:p>
-          <a:p>
-            <a:pPr marL="285750" indent="-285750">
-              <a:lnSpc>
-                <a:spcPct val="150000"/>
-              </a:lnSpc>
-              <a:buFont typeface="Arial" panose="020B0604020202020204" pitchFamily="34" charset="0"/>
-              <a:buChar char="•"/>
-            </a:pPr>
-            <a:r>
-              <a:rPr lang="ru-RU" dirty="0">
-                <a:latin typeface="Bookman Old Style" panose="02050604050505020204" pitchFamily="18" charset="0"/>
-              </a:rPr>
-              <a:t>PETG </a:t>
-            </a:r>
-            <a:r>
-              <a:rPr lang="en-US" dirty="0">
-                <a:latin typeface="Bookman Old Style" panose="02050604050505020204" pitchFamily="18" charset="0"/>
-              </a:rPr>
-              <a:t>–</a:t>
-            </a:r>
-            <a:r>
-              <a:rPr lang="ru-RU" dirty="0">
-                <a:latin typeface="Bookman Old Style" panose="02050604050505020204" pitchFamily="18" charset="0"/>
-              </a:rPr>
-              <a:t> чуть менее прочный чем </a:t>
-            </a:r>
-            <a:r>
-              <a:rPr lang="en-US" dirty="0">
-                <a:latin typeface="Bookman Old Style" panose="02050604050505020204" pitchFamily="18" charset="0"/>
-              </a:rPr>
-              <a:t>ABS, </a:t>
-            </a:r>
-            <a:r>
-              <a:rPr lang="ru-RU" dirty="0">
-                <a:latin typeface="Bookman Old Style" panose="02050604050505020204" pitchFamily="18" charset="0"/>
-              </a:rPr>
-              <a:t>однако не выделяет опасных паров, прост в печати, имеет высокую ударную вязкость и химическую стойкость. </a:t>
-            </a:r>
-          </a:p>
-        </p:txBody>
-      </p:sp>
-    </p:spTree>
-    <p:extLst>
-      <p:ext uri="{BB962C8B-B14F-4D97-AF65-F5344CB8AC3E}">
-        <p14:creationId xmlns:p14="http://schemas.microsoft.com/office/powerpoint/2010/main" val="4053437909"/>
-      </p:ext>
-    </p:extLst>
-  </p:cSld>
-  <p:clrMapOvr>
-    <a:masterClrMapping/>
-  </p:clrMapOvr>
-</p:sld>
-</file>
-
-<file path=ppt/slides/slide7.xml><?xml version="1.0" encoding="utf-8"?>
-<p:sld xmlns:a="http://schemas.openxmlformats.org/drawingml/2006/main" xmlns:r="http://schemas.openxmlformats.org/officeDocument/2006/relationships" xmlns:p="http://schemas.openxmlformats.org/presentationml/2006/main">
-  <p:cSld>
-    <p:spTree>
-      <p:nvGrpSpPr>
-        <p:cNvPr id="1" name="">
-          <a:extLst>
-            <a:ext uri="{FF2B5EF4-FFF2-40B4-BE49-F238E27FC236}">
-              <a16:creationId xmlns:a16="http://schemas.microsoft.com/office/drawing/2014/main" id="{30972ED4-718C-8381-4407-942B35E942A0}"/>
-            </a:ext>
-          </a:extLst>
-        </p:cNvPr>
-        <p:cNvGrpSpPr/>
-        <p:nvPr/>
-      </p:nvGrpSpPr>
-      <p:grpSpPr>
-        <a:xfrm>
-          <a:off x="0" y="0"/>
-          <a:ext cx="0" cy="0"/>
-          <a:chOff x="0" y="0"/>
-          <a:chExt cx="0" cy="0"/>
-        </a:xfrm>
-      </p:grpSpPr>
-      <p:sp>
-        <p:nvSpPr>
-          <p:cNvPr id="28" name="Прямоугольник 27">
-            <a:extLst>
-              <a:ext uri="{FF2B5EF4-FFF2-40B4-BE49-F238E27FC236}">
-                <a16:creationId xmlns:a16="http://schemas.microsoft.com/office/drawing/2014/main" id="{A3B0F9DC-F45B-847A-9FB2-2F9200F5DCE5}"/>
-              </a:ext>
-            </a:extLst>
-          </p:cNvPr>
-          <p:cNvSpPr/>
-          <p:nvPr/>
-        </p:nvSpPr>
-        <p:spPr>
-          <a:xfrm>
-            <a:off x="10515600" y="3700905"/>
-            <a:ext cx="3484514" cy="3872415"/>
-          </a:xfrm>
-          <a:prstGeom prst="rect">
-            <a:avLst/>
-          </a:prstGeom>
-          <a:solidFill>
-            <a:srgbClr val="BD582C"/>
-          </a:solidFill>
-          <a:ln w="57150">
-            <a:solidFill>
-              <a:srgbClr val="E48312"/>
-            </a:solidFill>
-          </a:ln>
-        </p:spPr>
-        <p:style>
-          <a:lnRef idx="2">
-            <a:schemeClr val="accent1">
-              <a:shade val="15000"/>
-            </a:schemeClr>
-          </a:lnRef>
-          <a:fillRef idx="1">
-            <a:schemeClr val="accent1"/>
-          </a:fillRef>
-          <a:effectRef idx="0">
-            <a:schemeClr val="accent1"/>
-          </a:effectRef>
-          <a:fontRef idx="minor">
-            <a:schemeClr val="lt1"/>
-          </a:fontRef>
-        </p:style>
-        <p:txBody>
-          <a:bodyPr rtlCol="0" anchor="ctr"/>
-          <a:lstStyle/>
-          <a:p>
-            <a:pPr algn="ctr"/>
-            <a:endParaRPr lang="ru-RU"/>
-          </a:p>
-        </p:txBody>
-      </p:sp>
-      <p:sp>
-        <p:nvSpPr>
-          <p:cNvPr id="10" name="Прямоугольник 9">
-            <a:extLst>
-              <a:ext uri="{FF2B5EF4-FFF2-40B4-BE49-F238E27FC236}">
-                <a16:creationId xmlns:a16="http://schemas.microsoft.com/office/drawing/2014/main" id="{3BBFE12A-36AB-BDD3-0938-05896BBD1337}"/>
-              </a:ext>
-            </a:extLst>
-          </p:cNvPr>
-          <p:cNvSpPr/>
-          <p:nvPr/>
-        </p:nvSpPr>
-        <p:spPr>
-          <a:xfrm>
-            <a:off x="1124712" y="1682496"/>
-            <a:ext cx="10113264" cy="130549"/>
-          </a:xfrm>
-          <a:prstGeom prst="rect">
-            <a:avLst/>
-          </a:prstGeom>
-          <a:solidFill>
-            <a:schemeClr val="bg1"/>
-          </a:solidFill>
-          <a:ln>
-            <a:noFill/>
-          </a:ln>
-        </p:spPr>
-        <p:style>
-          <a:lnRef idx="2">
-            <a:schemeClr val="accent1">
-              <a:shade val="15000"/>
-            </a:schemeClr>
-          </a:lnRef>
-          <a:fillRef idx="1">
-            <a:schemeClr val="accent1"/>
-          </a:fillRef>
-          <a:effectRef idx="0">
-            <a:schemeClr val="accent1"/>
-          </a:effectRef>
-          <a:fontRef idx="minor">
-            <a:schemeClr val="lt1"/>
-          </a:fontRef>
-        </p:style>
-        <p:txBody>
-          <a:bodyPr rtlCol="0" anchor="ctr"/>
-          <a:lstStyle/>
-          <a:p>
-            <a:pPr algn="ctr"/>
-            <a:endParaRPr lang="ru-RU"/>
-          </a:p>
-        </p:txBody>
-      </p:sp>
-      <p:sp>
-        <p:nvSpPr>
-          <p:cNvPr id="15" name="Полилиния 14">
-            <a:extLst>
-              <a:ext uri="{FF2B5EF4-FFF2-40B4-BE49-F238E27FC236}">
-                <a16:creationId xmlns:a16="http://schemas.microsoft.com/office/drawing/2014/main" id="{A3B0F9DC-F45B-847A-9FB2-2F9200F5DCE5}"/>
-              </a:ext>
-            </a:extLst>
-          </p:cNvPr>
-          <p:cNvSpPr/>
-          <p:nvPr/>
-        </p:nvSpPr>
-        <p:spPr>
-          <a:xfrm rot="21104435">
-            <a:off x="-680755" y="-501244"/>
-            <a:ext cx="4963983" cy="8113974"/>
-          </a:xfrm>
-          <a:custGeom>
-            <a:avLst/>
-            <a:gdLst>
-              <a:gd name="connsiteX0" fmla="*/ 4865268 w 4865268"/>
-              <a:gd name="connsiteY0" fmla="*/ 0 h 8113974"/>
-              <a:gd name="connsiteX1" fmla="*/ 4865268 w 4865268"/>
-              <a:gd name="connsiteY1" fmla="*/ 8113974 h 8113974"/>
-              <a:gd name="connsiteX2" fmla="*/ 0 w 4865268"/>
-              <a:gd name="connsiteY2" fmla="*/ 8113974 h 8113974"/>
-              <a:gd name="connsiteX3" fmla="*/ 0 w 4865268"/>
-              <a:gd name="connsiteY3" fmla="*/ 7052045 h 8113974"/>
-              <a:gd name="connsiteX4" fmla="*/ 97750 w 4865268"/>
-              <a:gd name="connsiteY4" fmla="*/ 7066234 h 8113974"/>
-              <a:gd name="connsiteX5" fmla="*/ 1082938 w 4865268"/>
-              <a:gd name="connsiteY5" fmla="*/ 279367 h 8113974"/>
-              <a:gd name="connsiteX6" fmla="*/ 0 w 4865268"/>
-              <a:gd name="connsiteY6" fmla="*/ 122167 h 8113974"/>
-              <a:gd name="connsiteX7" fmla="*/ 0 w 4865268"/>
-              <a:gd name="connsiteY7" fmla="*/ 0 h 8113974"/>
-            </a:gdLst>
-            <a:ahLst/>
-            <a:cxnLst>
-              <a:cxn ang="0">
-                <a:pos x="connsiteX0" y="connsiteY0"/>
-              </a:cxn>
-              <a:cxn ang="0">
-                <a:pos x="connsiteX1" y="connsiteY1"/>
-              </a:cxn>
-              <a:cxn ang="0">
-                <a:pos x="connsiteX2" y="connsiteY2"/>
-              </a:cxn>
-              <a:cxn ang="0">
-                <a:pos x="connsiteX3" y="connsiteY3"/>
-              </a:cxn>
-              <a:cxn ang="0">
-                <a:pos x="connsiteX4" y="connsiteY4"/>
-              </a:cxn>
-              <a:cxn ang="0">
-                <a:pos x="connsiteX5" y="connsiteY5"/>
-              </a:cxn>
-              <a:cxn ang="0">
-                <a:pos x="connsiteX6" y="connsiteY6"/>
-              </a:cxn>
-              <a:cxn ang="0">
-                <a:pos x="connsiteX7" y="connsiteY7"/>
-              </a:cxn>
-            </a:cxnLst>
-            <a:rect l="l" t="t" r="r" b="b"/>
-            <a:pathLst>
-              <a:path w="4865268" h="8113974">
-                <a:moveTo>
-                  <a:pt x="4865268" y="0"/>
-                </a:moveTo>
-                <a:lnTo>
-                  <a:pt x="4865268" y="8113974"/>
-                </a:lnTo>
-                <a:lnTo>
-                  <a:pt x="0" y="8113974"/>
-                </a:lnTo>
-                <a:lnTo>
-                  <a:pt x="0" y="7052045"/>
-                </a:lnTo>
-                <a:lnTo>
-                  <a:pt x="97750" y="7066234"/>
-                </a:lnTo>
-                <a:lnTo>
-                  <a:pt x="1082938" y="279367"/>
-                </a:lnTo>
-                <a:lnTo>
-                  <a:pt x="0" y="122167"/>
-                </a:lnTo>
-                <a:lnTo>
-                  <a:pt x="0" y="0"/>
-                </a:lnTo>
-                <a:close/>
-              </a:path>
-            </a:pathLst>
-          </a:custGeom>
-          <a:solidFill>
-            <a:srgbClr val="BD582C"/>
-          </a:solidFill>
-          <a:ln w="57150">
-            <a:solidFill>
-              <a:srgbClr val="E48312"/>
-            </a:solidFill>
-          </a:ln>
-        </p:spPr>
-        <p:style>
-          <a:lnRef idx="2">
-            <a:schemeClr val="accent1">
-              <a:shade val="15000"/>
-            </a:schemeClr>
-          </a:lnRef>
-          <a:fillRef idx="1">
-            <a:schemeClr val="accent1"/>
-          </a:fillRef>
-          <a:effectRef idx="0">
-            <a:schemeClr val="accent1"/>
-          </a:effectRef>
-          <a:fontRef idx="minor">
-            <a:schemeClr val="lt1"/>
-          </a:fontRef>
-        </p:style>
-        <p:txBody>
-          <a:bodyPr wrap="square" rtlCol="0" anchor="ctr">
-            <a:noAutofit/>
-          </a:bodyPr>
-          <a:lstStyle/>
-          <a:p>
-            <a:pPr algn="ctr"/>
-            <a:endParaRPr lang="ru-RU"/>
-          </a:p>
-        </p:txBody>
-      </p:sp>
-      <p:sp>
-        <p:nvSpPr>
-          <p:cNvPr id="2" name="Заголовок 1">
-            <a:extLst>
-              <a:ext uri="{FF2B5EF4-FFF2-40B4-BE49-F238E27FC236}">
-                <a16:creationId xmlns:a16="http://schemas.microsoft.com/office/drawing/2014/main" id="{35F089AC-BC09-1BDE-0391-737BEE66C3D6}"/>
-              </a:ext>
-            </a:extLst>
-          </p:cNvPr>
-          <p:cNvSpPr>
-            <a:spLocks noGrp="1"/>
-          </p:cNvSpPr>
-          <p:nvPr>
-            <p:ph type="title"/>
-          </p:nvPr>
-        </p:nvSpPr>
-        <p:spPr>
-          <a:xfrm>
-            <a:off x="109726" y="-819821"/>
-            <a:ext cx="10012682" cy="1386750"/>
-          </a:xfrm>
-        </p:spPr>
-        <p:txBody>
-          <a:bodyPr>
-            <a:normAutofit/>
-          </a:bodyPr>
-          <a:lstStyle/>
-          <a:p>
-            <a:r>
-              <a:rPr lang="ru-RU" sz="2000" dirty="0">
-                <a:solidFill>
-                  <a:schemeClr val="bg1"/>
-                </a:solidFill>
-                <a:latin typeface="Bookman Old Style" panose="02050604050505020204" pitchFamily="18" charset="0"/>
-              </a:rPr>
-              <a:t>Процесс изготовления</a:t>
-            </a:r>
-          </a:p>
-        </p:txBody>
-      </p:sp>
-      <p:sp>
-        <p:nvSpPr>
-          <p:cNvPr id="4" name="Прямоугольник 3">
-            <a:extLst>
-              <a:ext uri="{FF2B5EF4-FFF2-40B4-BE49-F238E27FC236}">
-                <a16:creationId xmlns:a16="http://schemas.microsoft.com/office/drawing/2014/main" id="{3BBE68A6-3732-8153-C302-89AC6A57F416}"/>
-              </a:ext>
-            </a:extLst>
-          </p:cNvPr>
-          <p:cNvSpPr/>
-          <p:nvPr/>
-        </p:nvSpPr>
-        <p:spPr>
-          <a:xfrm>
-            <a:off x="3163685" y="-725379"/>
-            <a:ext cx="45719" cy="1450757"/>
-          </a:xfrm>
-          <a:prstGeom prst="rect">
-            <a:avLst/>
-          </a:prstGeom>
-          <a:noFill/>
-          <a:ln>
-            <a:solidFill>
-              <a:srgbClr val="E48312"/>
-            </a:solidFill>
-          </a:ln>
-        </p:spPr>
-        <p:style>
-          <a:lnRef idx="2">
-            <a:schemeClr val="accent1">
-              <a:shade val="15000"/>
-            </a:schemeClr>
-          </a:lnRef>
-          <a:fillRef idx="1">
-            <a:schemeClr val="accent1"/>
-          </a:fillRef>
-          <a:effectRef idx="0">
-            <a:schemeClr val="accent1"/>
-          </a:effectRef>
-          <a:fontRef idx="minor">
-            <a:schemeClr val="lt1"/>
-          </a:fontRef>
-        </p:style>
-        <p:txBody>
-          <a:bodyPr rtlCol="0" anchor="ctr"/>
-          <a:lstStyle/>
-          <a:p>
-            <a:pPr algn="ctr"/>
-            <a:endParaRPr lang="ru-RU"/>
-          </a:p>
-        </p:txBody>
-      </p:sp>
-      <p:sp>
-        <p:nvSpPr>
-          <p:cNvPr id="5" name="TextBox 4">
-            <a:extLst>
-              <a:ext uri="{FF2B5EF4-FFF2-40B4-BE49-F238E27FC236}">
-                <a16:creationId xmlns:a16="http://schemas.microsoft.com/office/drawing/2014/main" id="{738D6350-1169-7BEF-E8BA-89ACBAE1D771}"/>
-              </a:ext>
-            </a:extLst>
-          </p:cNvPr>
-          <p:cNvSpPr txBox="1"/>
-          <p:nvPr/>
-        </p:nvSpPr>
-        <p:spPr>
-          <a:xfrm>
-            <a:off x="3337698" y="197597"/>
-            <a:ext cx="2081784" cy="369332"/>
-          </a:xfrm>
-          <a:prstGeom prst="rect">
-            <a:avLst/>
-          </a:prstGeom>
-          <a:noFill/>
-        </p:spPr>
-        <p:txBody>
-          <a:bodyPr wrap="square" rtlCol="0">
-            <a:spAutoFit/>
-          </a:bodyPr>
-          <a:lstStyle/>
-          <a:p>
-            <a:r>
-              <a:rPr lang="en-US" dirty="0">
-                <a:solidFill>
-                  <a:schemeClr val="bg1"/>
-                </a:solidFill>
-                <a:latin typeface="Bookman Old Style" panose="02050604050505020204" pitchFamily="18" charset="0"/>
-              </a:rPr>
-              <a:t>7</a:t>
-            </a:r>
-            <a:endParaRPr lang="ru-RU" dirty="0">
-              <a:solidFill>
-                <a:schemeClr val="bg1"/>
-              </a:solidFill>
-              <a:latin typeface="Bookman Old Style" panose="02050604050505020204" pitchFamily="18" charset="0"/>
-            </a:endParaRPr>
-          </a:p>
-        </p:txBody>
-      </p:sp>
-      <p:sp>
-        <p:nvSpPr>
-          <p:cNvPr id="22" name="Прямоугольник 21">
-            <a:extLst>
-              <a:ext uri="{FF2B5EF4-FFF2-40B4-BE49-F238E27FC236}">
-                <a16:creationId xmlns:a16="http://schemas.microsoft.com/office/drawing/2014/main" id="{AAC992A4-0248-5A10-DB5C-F5CD42A5CD9F}"/>
-              </a:ext>
-            </a:extLst>
-          </p:cNvPr>
-          <p:cNvSpPr/>
-          <p:nvPr/>
-        </p:nvSpPr>
-        <p:spPr>
-          <a:xfrm>
-            <a:off x="4183911" y="6407944"/>
-            <a:ext cx="960121" cy="450056"/>
-          </a:xfrm>
-          <a:prstGeom prst="rect">
-            <a:avLst/>
-          </a:prstGeom>
-          <a:solidFill>
-            <a:srgbClr val="BD582C"/>
-          </a:solidFill>
-          <a:ln>
-            <a:solidFill>
-              <a:srgbClr val="BD582C"/>
-            </a:solidFill>
-          </a:ln>
-        </p:spPr>
-        <p:style>
-          <a:lnRef idx="2">
-            <a:schemeClr val="accent1">
-              <a:shade val="15000"/>
-            </a:schemeClr>
-          </a:lnRef>
-          <a:fillRef idx="1">
-            <a:schemeClr val="accent1"/>
-          </a:fillRef>
-          <a:effectRef idx="0">
-            <a:schemeClr val="accent1"/>
-          </a:effectRef>
-          <a:fontRef idx="minor">
-            <a:schemeClr val="lt1"/>
-          </a:fontRef>
-        </p:style>
-        <p:txBody>
-          <a:bodyPr rtlCol="0" anchor="ctr"/>
-          <a:lstStyle/>
-          <a:p>
-            <a:pPr algn="ctr"/>
-            <a:endParaRPr lang="ru-RU"/>
-          </a:p>
-        </p:txBody>
-      </p:sp>
-      <p:pic>
-        <p:nvPicPr>
-          <p:cNvPr id="8" name="Рисунок 7"/>
-          <p:cNvPicPr>
-            <a:picLocks noChangeAspect="1"/>
-          </p:cNvPicPr>
-          <p:nvPr/>
-        </p:nvPicPr>
-        <p:blipFill>
-          <a:blip r:embed="rId2" cstate="hqprint">
-            <a:extLst>
-              <a:ext uri="{28A0092B-C50C-407E-A947-70E740481C1C}">
-                <a14:useLocalDpi xmlns:a14="http://schemas.microsoft.com/office/drawing/2010/main" val="0"/>
-              </a:ext>
-            </a:extLst>
-          </a:blip>
-          <a:stretch>
-            <a:fillRect/>
-          </a:stretch>
-        </p:blipFill>
-        <p:spPr>
-          <a:xfrm>
-            <a:off x="434992" y="819820"/>
-            <a:ext cx="2902706" cy="1965186"/>
-          </a:xfrm>
-          <a:prstGeom prst="rect">
-            <a:avLst/>
-          </a:prstGeom>
-        </p:spPr>
-      </p:pic>
-      <p:pic>
-        <p:nvPicPr>
-          <p:cNvPr id="9" name="Рисунок 8"/>
-          <p:cNvPicPr>
-            <a:picLocks noChangeAspect="1"/>
-          </p:cNvPicPr>
-          <p:nvPr/>
-        </p:nvPicPr>
-        <p:blipFill>
-          <a:blip r:embed="rId3">
-            <a:extLst>
-              <a:ext uri="{28A0092B-C50C-407E-A947-70E740481C1C}">
-                <a14:useLocalDpi xmlns:a14="http://schemas.microsoft.com/office/drawing/2010/main" val="0"/>
-              </a:ext>
-            </a:extLst>
-          </a:blip>
-          <a:stretch>
-            <a:fillRect/>
-          </a:stretch>
-        </p:blipFill>
-        <p:spPr>
-          <a:xfrm>
-            <a:off x="711257" y="2785006"/>
-            <a:ext cx="2863367" cy="1865883"/>
-          </a:xfrm>
-          <a:prstGeom prst="rect">
-            <a:avLst/>
-          </a:prstGeom>
-        </p:spPr>
-      </p:pic>
-      <p:pic>
-        <p:nvPicPr>
-          <p:cNvPr id="16" name="Рисунок 15"/>
-          <p:cNvPicPr>
-            <a:picLocks noChangeAspect="1"/>
-          </p:cNvPicPr>
-          <p:nvPr/>
-        </p:nvPicPr>
-        <p:blipFill rotWithShape="1">
-          <a:blip r:embed="rId4" cstate="hqprint">
-            <a:extLst>
-              <a:ext uri="{28A0092B-C50C-407E-A947-70E740481C1C}">
-                <a14:useLocalDpi xmlns:a14="http://schemas.microsoft.com/office/drawing/2010/main" val="0"/>
-              </a:ext>
-            </a:extLst>
-          </a:blip>
-          <a:srcRect t="15058" b="22463"/>
-          <a:stretch/>
-        </p:blipFill>
-        <p:spPr>
-          <a:xfrm>
-            <a:off x="1263198" y="4650889"/>
-            <a:ext cx="2587691" cy="2039512"/>
-          </a:xfrm>
-          <a:prstGeom prst="rect">
-            <a:avLst/>
-          </a:prstGeom>
-        </p:spPr>
-      </p:pic>
-      <p:sp>
-        <p:nvSpPr>
-          <p:cNvPr id="26" name="Прямоугольник 25">
-            <a:extLst>
-              <a:ext uri="{FF2B5EF4-FFF2-40B4-BE49-F238E27FC236}">
-                <a16:creationId xmlns:a16="http://schemas.microsoft.com/office/drawing/2014/main" id="{A3B0F9DC-F45B-847A-9FB2-2F9200F5DCE5}"/>
-              </a:ext>
-            </a:extLst>
-          </p:cNvPr>
-          <p:cNvSpPr/>
-          <p:nvPr/>
-        </p:nvSpPr>
-        <p:spPr>
-          <a:xfrm rot="1139157">
-            <a:off x="9807594" y="4121353"/>
-            <a:ext cx="3177309" cy="3820043"/>
-          </a:xfrm>
-          <a:prstGeom prst="rect">
-            <a:avLst/>
-          </a:prstGeom>
-          <a:solidFill>
-            <a:srgbClr val="BD582C"/>
-          </a:solidFill>
-          <a:ln w="57150">
-            <a:solidFill>
-              <a:srgbClr val="E48312"/>
-            </a:solidFill>
-          </a:ln>
-        </p:spPr>
-        <p:style>
-          <a:lnRef idx="2">
-            <a:schemeClr val="accent1">
-              <a:shade val="15000"/>
-            </a:schemeClr>
-          </a:lnRef>
-          <a:fillRef idx="1">
-            <a:schemeClr val="accent1"/>
-          </a:fillRef>
-          <a:effectRef idx="0">
-            <a:schemeClr val="accent1"/>
-          </a:effectRef>
-          <a:fontRef idx="minor">
-            <a:schemeClr val="lt1"/>
-          </a:fontRef>
-        </p:style>
-        <p:txBody>
-          <a:bodyPr rtlCol="0" anchor="ctr"/>
-          <a:lstStyle/>
-          <a:p>
-            <a:pPr algn="ctr"/>
-            <a:endParaRPr lang="ru-RU"/>
-          </a:p>
-        </p:txBody>
-      </p:sp>
-      <p:sp>
-        <p:nvSpPr>
-          <p:cNvPr id="27" name="Прямоугольник 26">
-            <a:extLst>
-              <a:ext uri="{FF2B5EF4-FFF2-40B4-BE49-F238E27FC236}">
-                <a16:creationId xmlns:a16="http://schemas.microsoft.com/office/drawing/2014/main" id="{AAC992A4-0248-5A10-DB5C-F5CD42A5CD9F}"/>
-              </a:ext>
-            </a:extLst>
-          </p:cNvPr>
-          <p:cNvSpPr/>
-          <p:nvPr/>
-        </p:nvSpPr>
-        <p:spPr>
-          <a:xfrm>
-            <a:off x="8654702" y="6407944"/>
-            <a:ext cx="960121" cy="450056"/>
-          </a:xfrm>
-          <a:prstGeom prst="rect">
-            <a:avLst/>
-          </a:prstGeom>
-          <a:solidFill>
-            <a:srgbClr val="BD582C"/>
-          </a:solidFill>
-          <a:ln>
-            <a:solidFill>
-              <a:srgbClr val="BD582C"/>
-            </a:solidFill>
-          </a:ln>
-        </p:spPr>
-        <p:style>
-          <a:lnRef idx="2">
-            <a:schemeClr val="accent1">
-              <a:shade val="15000"/>
-            </a:schemeClr>
-          </a:lnRef>
-          <a:fillRef idx="1">
-            <a:schemeClr val="accent1"/>
-          </a:fillRef>
-          <a:effectRef idx="0">
-            <a:schemeClr val="accent1"/>
-          </a:effectRef>
-          <a:fontRef idx="minor">
-            <a:schemeClr val="lt1"/>
-          </a:fontRef>
-        </p:style>
-        <p:txBody>
-          <a:bodyPr rtlCol="0" anchor="ctr"/>
-          <a:lstStyle/>
-          <a:p>
-            <a:pPr algn="ctr"/>
-            <a:endParaRPr lang="ru-RU"/>
-          </a:p>
-        </p:txBody>
-      </p:sp>
-      <p:sp>
-        <p:nvSpPr>
-          <p:cNvPr id="29" name="Прямоугольник 28">
-            <a:extLst>
-              <a:ext uri="{FF2B5EF4-FFF2-40B4-BE49-F238E27FC236}">
-                <a16:creationId xmlns:a16="http://schemas.microsoft.com/office/drawing/2014/main" id="{AAC992A4-0248-5A10-DB5C-F5CD42A5CD9F}"/>
-              </a:ext>
-            </a:extLst>
-          </p:cNvPr>
-          <p:cNvSpPr/>
-          <p:nvPr/>
-        </p:nvSpPr>
-        <p:spPr>
-          <a:xfrm>
-            <a:off x="10541470" y="3737684"/>
-            <a:ext cx="1954332" cy="812405"/>
-          </a:xfrm>
-          <a:prstGeom prst="rect">
-            <a:avLst/>
-          </a:prstGeom>
-          <a:solidFill>
-            <a:srgbClr val="BD582C"/>
-          </a:solidFill>
-          <a:ln>
-            <a:solidFill>
-              <a:srgbClr val="BD582C"/>
-            </a:solidFill>
-          </a:ln>
-        </p:spPr>
-        <p:style>
-          <a:lnRef idx="2">
-            <a:schemeClr val="accent1">
-              <a:shade val="15000"/>
-            </a:schemeClr>
-          </a:lnRef>
-          <a:fillRef idx="1">
-            <a:schemeClr val="accent1"/>
-          </a:fillRef>
-          <a:effectRef idx="0">
-            <a:schemeClr val="accent1"/>
-          </a:effectRef>
-          <a:fontRef idx="minor">
-            <a:schemeClr val="lt1"/>
-          </a:fontRef>
-        </p:style>
-        <p:txBody>
-          <a:bodyPr rtlCol="0" anchor="ctr"/>
-          <a:lstStyle/>
-          <a:p>
-            <a:pPr algn="ctr"/>
-            <a:endParaRPr lang="ru-RU" dirty="0"/>
-          </a:p>
-        </p:txBody>
-      </p:sp>
-      <p:pic>
-        <p:nvPicPr>
-          <p:cNvPr id="33" name="Рисунок 32"/>
-          <p:cNvPicPr>
-            <a:picLocks noChangeAspect="1"/>
-          </p:cNvPicPr>
-          <p:nvPr/>
-        </p:nvPicPr>
-        <p:blipFill rotWithShape="1">
-          <a:blip r:embed="rId5" cstate="hqprint">
-            <a:extLst>
-              <a:ext uri="{28A0092B-C50C-407E-A947-70E740481C1C}">
-                <a14:useLocalDpi xmlns:a14="http://schemas.microsoft.com/office/drawing/2010/main" val="0"/>
-              </a:ext>
-            </a:extLst>
-          </a:blip>
-          <a:srcRect r="9302" b="2669"/>
-          <a:stretch/>
-        </p:blipFill>
-        <p:spPr>
-          <a:xfrm>
-            <a:off x="10122408" y="3799648"/>
-            <a:ext cx="1980202" cy="2833324"/>
-          </a:xfrm>
-          <a:custGeom>
-            <a:avLst/>
-            <a:gdLst>
-              <a:gd name="connsiteX0" fmla="*/ 475085 w 1980202"/>
-              <a:gd name="connsiteY0" fmla="*/ 0 h 2833324"/>
-              <a:gd name="connsiteX1" fmla="*/ 1980202 w 1980202"/>
-              <a:gd name="connsiteY1" fmla="*/ 0 h 2833324"/>
-              <a:gd name="connsiteX2" fmla="*/ 1980202 w 1980202"/>
-              <a:gd name="connsiteY2" fmla="*/ 2833324 h 2833324"/>
-              <a:gd name="connsiteX3" fmla="*/ 0 w 1980202"/>
-              <a:gd name="connsiteY3" fmla="*/ 2833324 h 2833324"/>
-              <a:gd name="connsiteX4" fmla="*/ 0 w 1980202"/>
-              <a:gd name="connsiteY4" fmla="*/ 1366746 h 2833324"/>
-            </a:gdLst>
-            <a:ahLst/>
-            <a:cxnLst>
-              <a:cxn ang="0">
-                <a:pos x="connsiteX0" y="connsiteY0"/>
-              </a:cxn>
-              <a:cxn ang="0">
-                <a:pos x="connsiteX1" y="connsiteY1"/>
-              </a:cxn>
-              <a:cxn ang="0">
-                <a:pos x="connsiteX2" y="connsiteY2"/>
-              </a:cxn>
-              <a:cxn ang="0">
-                <a:pos x="connsiteX3" y="connsiteY3"/>
-              </a:cxn>
-              <a:cxn ang="0">
-                <a:pos x="connsiteX4" y="connsiteY4"/>
-              </a:cxn>
-            </a:cxnLst>
-            <a:rect l="l" t="t" r="r" b="b"/>
-            <a:pathLst>
-              <a:path w="1980202" h="2833324">
-                <a:moveTo>
-                  <a:pt x="475085" y="0"/>
-                </a:moveTo>
-                <a:lnTo>
-                  <a:pt x="1980202" y="0"/>
-                </a:lnTo>
-                <a:lnTo>
-                  <a:pt x="1980202" y="2833324"/>
-                </a:lnTo>
-                <a:lnTo>
-                  <a:pt x="0" y="2833324"/>
-                </a:lnTo>
-                <a:lnTo>
-                  <a:pt x="0" y="1366746"/>
-                </a:lnTo>
-                <a:close/>
-              </a:path>
-            </a:pathLst>
-          </a:custGeom>
-        </p:spPr>
-      </p:pic>
-      <p:sp>
-        <p:nvSpPr>
-          <p:cNvPr id="35" name="TextBox 34"/>
-          <p:cNvSpPr txBox="1"/>
-          <p:nvPr/>
-        </p:nvSpPr>
-        <p:spPr>
-          <a:xfrm>
-            <a:off x="4121420" y="109626"/>
-            <a:ext cx="7981190" cy="733534"/>
-          </a:xfrm>
-          <a:prstGeom prst="rect">
-            <a:avLst/>
-          </a:prstGeom>
-          <a:noFill/>
-        </p:spPr>
-        <p:txBody>
-          <a:bodyPr wrap="square" rtlCol="0">
-            <a:spAutoFit/>
-          </a:bodyPr>
-          <a:lstStyle/>
-          <a:p>
-            <a:pPr>
-              <a:lnSpc>
-                <a:spcPts val="2500"/>
-              </a:lnSpc>
-            </a:pPr>
-            <a:r>
-              <a:rPr lang="ru-RU" sz="1700" dirty="0">
-                <a:latin typeface="Bookman Old Style" panose="02050604050505020204" pitchFamily="18" charset="0"/>
-              </a:rPr>
-              <a:t>Было решено что будут использоваться следующие электрические компоненты:</a:t>
-            </a:r>
-          </a:p>
-        </p:txBody>
-      </p:sp>
-      <p:sp>
-        <p:nvSpPr>
-          <p:cNvPr id="37" name="TextBox 36"/>
-          <p:cNvSpPr txBox="1"/>
-          <p:nvPr/>
-        </p:nvSpPr>
-        <p:spPr>
-          <a:xfrm>
-            <a:off x="4813462" y="4069431"/>
-            <a:ext cx="4789729" cy="1617559"/>
-          </a:xfrm>
-          <a:prstGeom prst="rect">
-            <a:avLst/>
-          </a:prstGeom>
-          <a:noFill/>
-        </p:spPr>
-        <p:txBody>
-          <a:bodyPr wrap="square" rtlCol="0">
-            <a:spAutoFit/>
-          </a:bodyPr>
-          <a:lstStyle/>
-          <a:p>
-            <a:pPr>
-              <a:lnSpc>
-                <a:spcPct val="150000"/>
-              </a:lnSpc>
-            </a:pPr>
-            <a:r>
-              <a:rPr lang="ru-RU" sz="1700" dirty="0">
-                <a:latin typeface="Bookman Old Style" panose="02050604050505020204" pitchFamily="18" charset="0"/>
-              </a:rPr>
-              <a:t>После определения эл. компонентов началось моделирование деталей манипулятора. Потом последовала 3</a:t>
-            </a:r>
-            <a:r>
-              <a:rPr lang="en-US" sz="1700" dirty="0">
-                <a:latin typeface="Bookman Old Style" panose="02050604050505020204" pitchFamily="18" charset="0"/>
-              </a:rPr>
-              <a:t>D</a:t>
-            </a:r>
-            <a:r>
-              <a:rPr lang="ru-RU" sz="1700" dirty="0">
-                <a:latin typeface="Bookman Old Style" panose="02050604050505020204" pitchFamily="18" charset="0"/>
-              </a:rPr>
-              <a:t> печать и зачистка деталей</a:t>
-            </a:r>
-          </a:p>
-        </p:txBody>
-      </p:sp>
-      <p:sp>
-        <p:nvSpPr>
-          <p:cNvPr id="38" name="TextBox 37"/>
-          <p:cNvSpPr txBox="1"/>
-          <p:nvPr/>
-        </p:nvSpPr>
-        <p:spPr>
-          <a:xfrm>
-            <a:off x="4269793" y="800274"/>
-            <a:ext cx="5940206" cy="2953757"/>
-          </a:xfrm>
-          <a:prstGeom prst="rect">
-            <a:avLst/>
-          </a:prstGeom>
-          <a:noFill/>
-        </p:spPr>
-        <p:txBody>
-          <a:bodyPr wrap="square" rtlCol="0">
-            <a:spAutoFit/>
-          </a:bodyPr>
-          <a:lstStyle/>
-          <a:p>
-            <a:pPr marL="742950" lvl="1" indent="-285750">
-              <a:lnSpc>
-                <a:spcPct val="150000"/>
-              </a:lnSpc>
-              <a:buFont typeface="+mj-lt"/>
-              <a:buAutoNum type="arabicPeriod"/>
-            </a:pPr>
-            <a:r>
-              <a:rPr lang="ru-RU" dirty="0">
-                <a:latin typeface="Bookman Old Style" panose="02050604050505020204" pitchFamily="18" charset="0"/>
-              </a:rPr>
-              <a:t>Датчик MPU-6050: отслеживание наклона рукояти</a:t>
-            </a:r>
-          </a:p>
-          <a:p>
-            <a:pPr marL="742950" lvl="1" indent="-285750">
-              <a:lnSpc>
-                <a:spcPct val="150000"/>
-              </a:lnSpc>
-              <a:buFont typeface="+mj-lt"/>
-              <a:buAutoNum type="arabicPeriod"/>
-            </a:pPr>
-            <a:r>
-              <a:rPr lang="ru-RU" dirty="0" err="1">
-                <a:latin typeface="Bookman Old Style" panose="02050604050505020204" pitchFamily="18" charset="0"/>
-              </a:rPr>
-              <a:t>Arduino</a:t>
-            </a:r>
-            <a:r>
-              <a:rPr lang="ru-RU" dirty="0">
-                <a:latin typeface="Bookman Old Style" panose="02050604050505020204" pitchFamily="18" charset="0"/>
-              </a:rPr>
-              <a:t> Pro Micro: управление компьютером</a:t>
-            </a:r>
-          </a:p>
-          <a:p>
-            <a:pPr marL="742950" lvl="1" indent="-285750">
-              <a:lnSpc>
-                <a:spcPct val="150000"/>
-              </a:lnSpc>
-              <a:buFont typeface="+mj-lt"/>
-              <a:buAutoNum type="arabicPeriod"/>
-            </a:pPr>
-            <a:r>
-              <a:rPr lang="ru-RU" dirty="0">
-                <a:latin typeface="Bookman Old Style" panose="02050604050505020204" pitchFamily="18" charset="0"/>
-              </a:rPr>
-              <a:t>Энкодер EC11: имитация колесика мыши</a:t>
-            </a:r>
-          </a:p>
-          <a:p>
-            <a:pPr marL="742950" lvl="1" indent="-285750">
-              <a:lnSpc>
-                <a:spcPct val="150000"/>
-              </a:lnSpc>
-              <a:buFont typeface="+mj-lt"/>
-              <a:buAutoNum type="arabicPeriod"/>
-            </a:pPr>
-            <a:r>
-              <a:rPr lang="ru-RU" dirty="0">
-                <a:latin typeface="Bookman Old Style" panose="02050604050505020204" pitchFamily="18" charset="0"/>
-              </a:rPr>
-              <a:t>Тактовые кнопки: клики и выбор чувствительности</a:t>
-            </a:r>
-          </a:p>
-        </p:txBody>
-      </p:sp>
-      <p:pic>
-        <p:nvPicPr>
-          <p:cNvPr id="2050" name="Picture 2" descr="Picture background"/>
-          <p:cNvPicPr>
-            <a:picLocks noChangeAspect="1" noChangeArrowheads="1"/>
-          </p:cNvPicPr>
-          <p:nvPr/>
-        </p:nvPicPr>
-        <p:blipFill>
-          <a:blip r:embed="rId6" cstate="hqprint">
-            <a:extLst>
-              <a:ext uri="{28A0092B-C50C-407E-A947-70E740481C1C}">
-                <a14:useLocalDpi xmlns:a14="http://schemas.microsoft.com/office/drawing/2010/main" val="0"/>
-              </a:ext>
-            </a:extLst>
-          </a:blip>
-          <a:srcRect/>
-          <a:stretch>
-            <a:fillRect/>
-          </a:stretch>
-        </p:blipFill>
-        <p:spPr bwMode="auto">
-          <a:xfrm>
-            <a:off x="10256860" y="1327950"/>
-            <a:ext cx="1188407" cy="1188407"/>
-          </a:xfrm>
-          <a:prstGeom prst="rect">
-            <a:avLst/>
-          </a:prstGeom>
-          <a:noFill/>
-          <a:extLst>
-            <a:ext uri="{909E8E84-426E-40DD-AFC4-6F175D3DCCD1}">
-              <a14:hiddenFill xmlns:a14="http://schemas.microsoft.com/office/drawing/2010/main">
-                <a:solidFill>
-                  <a:srgbClr val="FFFFFF"/>
-                </a:solidFill>
-              </a14:hiddenFill>
-            </a:ext>
-          </a:extLst>
-        </p:spPr>
-      </p:pic>
-      <p:pic>
-        <p:nvPicPr>
-          <p:cNvPr id="3" name="Рисунок 2"/>
-          <p:cNvPicPr>
-            <a:picLocks noChangeAspect="1"/>
-          </p:cNvPicPr>
-          <p:nvPr/>
-        </p:nvPicPr>
-        <p:blipFill rotWithShape="1">
-          <a:blip r:embed="rId7" cstate="hqprint">
-            <a:extLst>
-              <a:ext uri="{28A0092B-C50C-407E-A947-70E740481C1C}">
-                <a14:useLocalDpi xmlns:a14="http://schemas.microsoft.com/office/drawing/2010/main" val="0"/>
-              </a:ext>
-            </a:extLst>
-          </a:blip>
-          <a:srcRect l="18020" t="24789" r="15648" b="20972"/>
-          <a:stretch/>
-        </p:blipFill>
-        <p:spPr>
-          <a:xfrm>
-            <a:off x="10305881" y="599809"/>
-            <a:ext cx="1090367" cy="891601"/>
-          </a:xfrm>
-          <a:prstGeom prst="rect">
-            <a:avLst/>
-          </a:prstGeom>
-        </p:spPr>
-      </p:pic>
-      <p:pic>
-        <p:nvPicPr>
-          <p:cNvPr id="2052" name="Picture 4" descr="Picture background"/>
-          <p:cNvPicPr>
-            <a:picLocks noChangeAspect="1" noChangeArrowheads="1"/>
-          </p:cNvPicPr>
-          <p:nvPr/>
-        </p:nvPicPr>
-        <p:blipFill>
-          <a:blip r:embed="rId8" cstate="hqprint">
-            <a:extLst>
-              <a:ext uri="{28A0092B-C50C-407E-A947-70E740481C1C}">
-                <a14:useLocalDpi xmlns:a14="http://schemas.microsoft.com/office/drawing/2010/main" val="0"/>
-              </a:ext>
-            </a:extLst>
-          </a:blip>
-          <a:srcRect/>
-          <a:stretch>
-            <a:fillRect/>
-          </a:stretch>
-        </p:blipFill>
-        <p:spPr bwMode="auto">
-          <a:xfrm rot="4062822">
-            <a:off x="10904241" y="2299441"/>
-            <a:ext cx="1117587" cy="1117587"/>
-          </a:xfrm>
-          <a:prstGeom prst="rect">
-            <a:avLst/>
-          </a:prstGeom>
-          <a:noFill/>
-          <a:extLst>
-            <a:ext uri="{909E8E84-426E-40DD-AFC4-6F175D3DCCD1}">
-              <a14:hiddenFill xmlns:a14="http://schemas.microsoft.com/office/drawing/2010/main">
-                <a:solidFill>
-                  <a:srgbClr val="FFFFFF"/>
-                </a:solidFill>
-              </a14:hiddenFill>
-            </a:ext>
-          </a:extLst>
-        </p:spPr>
-      </p:pic>
-      <p:pic>
-        <p:nvPicPr>
-          <p:cNvPr id="2054" name="Picture 6" descr="https://avatars.mds.yandex.net/get-goods_pic/14045641/hat2c249d07c31a47bc42936a31d51ea9f8/orig"/>
-          <p:cNvPicPr>
-            <a:picLocks noChangeAspect="1" noChangeArrowheads="1"/>
-          </p:cNvPicPr>
-          <p:nvPr/>
-        </p:nvPicPr>
-        <p:blipFill>
-          <a:blip r:embed="rId9" cstate="hqprint">
-            <a:extLst>
-              <a:ext uri="{28A0092B-C50C-407E-A947-70E740481C1C}">
-                <a14:useLocalDpi xmlns:a14="http://schemas.microsoft.com/office/drawing/2010/main" val="0"/>
-              </a:ext>
-            </a:extLst>
-          </a:blip>
-          <a:srcRect/>
-          <a:stretch>
-            <a:fillRect/>
-          </a:stretch>
-        </p:blipFill>
-        <p:spPr bwMode="auto">
-          <a:xfrm>
-            <a:off x="10176952" y="2376949"/>
-            <a:ext cx="637024" cy="551663"/>
-          </a:xfrm>
-          <a:prstGeom prst="rect">
-            <a:avLst/>
-          </a:prstGeom>
-          <a:noFill/>
-          <a:extLst>
-            <a:ext uri="{909E8E84-426E-40DD-AFC4-6F175D3DCCD1}">
-              <a14:hiddenFill xmlns:a14="http://schemas.microsoft.com/office/drawing/2010/main">
-                <a:solidFill>
-                  <a:srgbClr val="FFFFFF"/>
-                </a:solidFill>
-              </a14:hiddenFill>
-            </a:ext>
-          </a:extLst>
-        </p:spPr>
-      </p:pic>
-    </p:spTree>
-    <p:extLst>
-      <p:ext uri="{BB962C8B-B14F-4D97-AF65-F5344CB8AC3E}">
-        <p14:creationId xmlns:p14="http://schemas.microsoft.com/office/powerpoint/2010/main" val="4006234280"/>
-      </p:ext>
-    </p:extLst>
-  </p:cSld>
-  <p:clrMapOvr>
-    <a:masterClrMapping/>
-  </p:clrMapOvr>
-</p:sld>
-</file>
-
-<file path=ppt/slides/slide8.xml><?xml version="1.0" encoding="utf-8"?>
-<p:sld xmlns:a="http://schemas.openxmlformats.org/drawingml/2006/main" xmlns:r="http://schemas.openxmlformats.org/officeDocument/2006/relationships" xmlns:p="http://schemas.openxmlformats.org/presentationml/2006/main">
-  <p:cSld>
-    <p:spTree>
-      <p:nvGrpSpPr>
-        <p:cNvPr id="1" name="">
-          <a:extLst>
-            <a:ext uri="{FF2B5EF4-FFF2-40B4-BE49-F238E27FC236}">
-              <a16:creationId xmlns:a16="http://schemas.microsoft.com/office/drawing/2014/main" id="{0ED9D043-962F-1E64-5885-DCC65DFC1DF5}"/>
-            </a:ext>
-          </a:extLst>
-        </p:cNvPr>
-        <p:cNvGrpSpPr/>
-        <p:nvPr/>
-      </p:nvGrpSpPr>
-      <p:grpSpPr>
-        <a:xfrm>
-          <a:off x="0" y="0"/>
-          <a:ext cx="0" cy="0"/>
-          <a:chOff x="0" y="0"/>
-          <a:chExt cx="0" cy="0"/>
-        </a:xfrm>
-      </p:grpSpPr>
-      <p:sp>
-        <p:nvSpPr>
-          <p:cNvPr id="10" name="Прямоугольник 9">
-            <a:extLst>
-              <a:ext uri="{FF2B5EF4-FFF2-40B4-BE49-F238E27FC236}">
-                <a16:creationId xmlns:a16="http://schemas.microsoft.com/office/drawing/2014/main" id="{5AB4948E-403F-8BD1-4F45-E39646424114}"/>
-              </a:ext>
-            </a:extLst>
-          </p:cNvPr>
-          <p:cNvSpPr/>
-          <p:nvPr/>
-        </p:nvSpPr>
-        <p:spPr>
-          <a:xfrm>
-            <a:off x="1124712" y="1682496"/>
-            <a:ext cx="10113264" cy="130549"/>
-          </a:xfrm>
-          <a:prstGeom prst="rect">
-            <a:avLst/>
-          </a:prstGeom>
-          <a:solidFill>
-            <a:schemeClr val="bg1"/>
-          </a:solidFill>
-          <a:ln>
-            <a:noFill/>
-          </a:ln>
-        </p:spPr>
-        <p:style>
-          <a:lnRef idx="2">
-            <a:schemeClr val="accent1">
-              <a:shade val="15000"/>
-            </a:schemeClr>
-          </a:lnRef>
-          <a:fillRef idx="1">
-            <a:schemeClr val="accent1"/>
-          </a:fillRef>
-          <a:effectRef idx="0">
-            <a:schemeClr val="accent1"/>
-          </a:effectRef>
-          <a:fontRef idx="minor">
-            <a:schemeClr val="lt1"/>
-          </a:fontRef>
-        </p:style>
-        <p:txBody>
-          <a:bodyPr rtlCol="0" anchor="ctr"/>
-          <a:lstStyle/>
-          <a:p>
-            <a:pPr algn="ctr"/>
-            <a:endParaRPr lang="ru-RU"/>
-          </a:p>
-        </p:txBody>
-      </p:sp>
-      <p:sp>
-        <p:nvSpPr>
-          <p:cNvPr id="2" name="Заголовок 1">
-            <a:extLst>
-              <a:ext uri="{FF2B5EF4-FFF2-40B4-BE49-F238E27FC236}">
-                <a16:creationId xmlns:a16="http://schemas.microsoft.com/office/drawing/2014/main" id="{68952F2A-5525-5EC3-D8E9-782CE72A233B}"/>
-              </a:ext>
-            </a:extLst>
-          </p:cNvPr>
-          <p:cNvSpPr>
-            <a:spLocks noGrp="1"/>
-          </p:cNvSpPr>
-          <p:nvPr>
-            <p:ph type="title"/>
-          </p:nvPr>
-        </p:nvSpPr>
-        <p:spPr>
-          <a:xfrm>
-            <a:off x="109726" y="-819821"/>
-            <a:ext cx="10012682" cy="1386750"/>
-          </a:xfrm>
-        </p:spPr>
-        <p:txBody>
-          <a:bodyPr>
-            <a:normAutofit/>
-          </a:bodyPr>
-          <a:lstStyle/>
-          <a:p>
-            <a:r>
-              <a:rPr lang="ru-RU" sz="2100" dirty="0">
-                <a:solidFill>
-                  <a:schemeClr val="tx1"/>
-                </a:solidFill>
-                <a:latin typeface="Bookman Old Style" panose="02050604050505020204" pitchFamily="18" charset="0"/>
-              </a:rPr>
-              <a:t>Взрыв - схема</a:t>
-            </a:r>
-          </a:p>
-        </p:txBody>
-      </p:sp>
-      <p:sp>
-        <p:nvSpPr>
-          <p:cNvPr id="4" name="Прямоугольник 3">
-            <a:extLst>
-              <a:ext uri="{FF2B5EF4-FFF2-40B4-BE49-F238E27FC236}">
-                <a16:creationId xmlns:a16="http://schemas.microsoft.com/office/drawing/2014/main" id="{50D8E95B-08D3-E8D8-CE53-CD07F9EC224A}"/>
-              </a:ext>
-            </a:extLst>
-          </p:cNvPr>
-          <p:cNvSpPr/>
-          <p:nvPr/>
-        </p:nvSpPr>
-        <p:spPr>
-          <a:xfrm>
-            <a:off x="2186559" y="-819821"/>
-            <a:ext cx="45719" cy="1450757"/>
-          </a:xfrm>
-          <a:prstGeom prst="rect">
-            <a:avLst/>
-          </a:prstGeom>
-          <a:noFill/>
-          <a:ln>
-            <a:solidFill>
-              <a:srgbClr val="E48312"/>
-            </a:solidFill>
-          </a:ln>
-        </p:spPr>
-        <p:style>
-          <a:lnRef idx="2">
-            <a:schemeClr val="accent1">
-              <a:shade val="15000"/>
-            </a:schemeClr>
-          </a:lnRef>
-          <a:fillRef idx="1">
-            <a:schemeClr val="accent1"/>
-          </a:fillRef>
-          <a:effectRef idx="0">
-            <a:schemeClr val="accent1"/>
-          </a:effectRef>
-          <a:fontRef idx="minor">
-            <a:schemeClr val="lt1"/>
-          </a:fontRef>
-        </p:style>
-        <p:txBody>
-          <a:bodyPr rtlCol="0" anchor="ctr"/>
-          <a:lstStyle/>
-          <a:p>
-            <a:pPr algn="ctr"/>
-            <a:endParaRPr lang="ru-RU"/>
-          </a:p>
-        </p:txBody>
-      </p:sp>
-      <p:sp>
-        <p:nvSpPr>
-          <p:cNvPr id="5" name="TextBox 4">
-            <a:extLst>
-              <a:ext uri="{FF2B5EF4-FFF2-40B4-BE49-F238E27FC236}">
-                <a16:creationId xmlns:a16="http://schemas.microsoft.com/office/drawing/2014/main" id="{CE5DAC9B-18CA-CB75-84C2-2AB8C4514128}"/>
-              </a:ext>
-            </a:extLst>
-          </p:cNvPr>
-          <p:cNvSpPr txBox="1"/>
-          <p:nvPr/>
-        </p:nvSpPr>
-        <p:spPr>
-          <a:xfrm>
-            <a:off x="2315062" y="197597"/>
-            <a:ext cx="2081784" cy="369332"/>
-          </a:xfrm>
-          <a:prstGeom prst="rect">
-            <a:avLst/>
-          </a:prstGeom>
-          <a:noFill/>
-        </p:spPr>
-        <p:txBody>
-          <a:bodyPr wrap="square" rtlCol="0">
-            <a:spAutoFit/>
-          </a:bodyPr>
-          <a:lstStyle/>
-          <a:p>
-            <a:r>
-              <a:rPr lang="ru-RU" dirty="0">
-                <a:latin typeface="Bookman Old Style" panose="02050604050505020204" pitchFamily="18" charset="0"/>
-              </a:rPr>
-              <a:t>8</a:t>
-            </a:r>
-          </a:p>
-        </p:txBody>
-      </p:sp>
-      <p:pic>
-        <p:nvPicPr>
-          <p:cNvPr id="3" name="Рисунок 2"/>
-          <p:cNvPicPr>
-            <a:picLocks noChangeAspect="1"/>
-          </p:cNvPicPr>
-          <p:nvPr/>
-        </p:nvPicPr>
-        <p:blipFill>
-          <a:blip r:embed="rId2">
-            <a:extLst>
-              <a:ext uri="{28A0092B-C50C-407E-A947-70E740481C1C}">
-                <a14:useLocalDpi xmlns:a14="http://schemas.microsoft.com/office/drawing/2010/main" val="0"/>
-              </a:ext>
-            </a:extLst>
-          </a:blip>
-          <a:stretch>
-            <a:fillRect/>
-          </a:stretch>
-        </p:blipFill>
-        <p:spPr>
-          <a:xfrm>
-            <a:off x="2901719" y="197597"/>
-            <a:ext cx="8069580" cy="5951220"/>
-          </a:xfrm>
-          <a:prstGeom prst="rect">
-            <a:avLst/>
-          </a:prstGeom>
-        </p:spPr>
-      </p:pic>
-    </p:spTree>
-    <p:extLst>
-      <p:ext uri="{BB962C8B-B14F-4D97-AF65-F5344CB8AC3E}">
-        <p14:creationId xmlns:p14="http://schemas.microsoft.com/office/powerpoint/2010/main" val="444586696"/>
-      </p:ext>
-    </p:extLst>
-  </p:cSld>
-  <p:clrMapOvr>
-    <a:masterClrMapping/>
-  </p:clrMapOvr>
-</p:sld>
-</file>
-
 <file path=ppt/slides/slide9.xml><?xml version="1.0" encoding="utf-8"?>
 <p:sld xmlns:a="http://schemas.openxmlformats.org/drawingml/2006/main" xmlns:r="http://schemas.openxmlformats.org/officeDocument/2006/relationships" xmlns:p="http://schemas.openxmlformats.org/presentationml/2006/main">
   <p:cSld>
@@ -9938,7 +10063,7 @@
         </p:nvSpPr>
         <p:spPr>
           <a:xfrm>
-            <a:off x="482037" y="1087021"/>
+            <a:off x="619801" y="1045612"/>
             <a:ext cx="6943112" cy="1793824"/>
           </a:xfrm>
           <a:prstGeom prst="rect">
@@ -10428,4 +10553,299 @@
     </a:ext>
   </a:extLst>
 </a:theme>
+</file>
+
+<file path=ppt/theme/theme2.xml><?xml version="1.0" encoding="utf-8"?>
+<a:theme xmlns:a="http://schemas.openxmlformats.org/drawingml/2006/main" name="Тема Office">
+  <a:themeElements>
+    <a:clrScheme name="Стандартная">
+      <a:dk1>
+        <a:sysClr val="windowText" lastClr="000000"/>
+      </a:dk1>
+      <a:lt1>
+        <a:sysClr val="window" lastClr="FFFFFF"/>
+      </a:lt1>
+      <a:dk2>
+        <a:srgbClr val="44546A"/>
+      </a:dk2>
+      <a:lt2>
+        <a:srgbClr val="E7E6E6"/>
+      </a:lt2>
+      <a:accent1>
+        <a:srgbClr val="4472C4"/>
+      </a:accent1>
+      <a:accent2>
+        <a:srgbClr val="ED7D31"/>
+      </a:accent2>
+      <a:accent3>
+        <a:srgbClr val="A5A5A5"/>
+      </a:accent3>
+      <a:accent4>
+        <a:srgbClr val="FFC000"/>
+      </a:accent4>
+      <a:accent5>
+        <a:srgbClr val="5B9BD5"/>
+      </a:accent5>
+      <a:accent6>
+        <a:srgbClr val="70AD47"/>
+      </a:accent6>
+      <a:hlink>
+        <a:srgbClr val="0563C1"/>
+      </a:hlink>
+      <a:folHlink>
+        <a:srgbClr val="954F72"/>
+      </a:folHlink>
+    </a:clrScheme>
+    <a:fontScheme name="Стандартная">
+      <a:majorFont>
+        <a:latin typeface="Calibri Light" panose="020F0302020204030204"/>
+        <a:ea typeface=""/>
+        <a:cs typeface=""/>
+        <a:font script="Jpan" typeface="游ゴシック Light"/>
+        <a:font script="Hang" typeface="맑은 고딕"/>
+        <a:font script="Hans" typeface="等线 Light"/>
+        <a:font script="Hant" typeface="新細明體"/>
+        <a:font script="Arab" typeface="Times New Roman"/>
+        <a:font script="Hebr" typeface="Times New Roman"/>
+        <a:font script="Thai" typeface="Angsana New"/>
+        <a:font script="Ethi" typeface="Nyala"/>
+        <a:font script="Beng" typeface="Vrinda"/>
+        <a:font script="Gujr" typeface="Shruti"/>
+        <a:font script="Khmr" typeface="MoolBoran"/>
+        <a:font script="Knda" typeface="Tunga"/>
+        <a:font script="Guru" typeface="Raavi"/>
+        <a:font script="Cans" typeface="Euphemia"/>
+        <a:font script="Cher" typeface="Plantagenet Cherokee"/>
+        <a:font script="Yiii" typeface="Microsoft Yi Baiti"/>
+        <a:font script="Tibt" typeface="Microsoft Himalaya"/>
+        <a:font script="Thaa" typeface="MV Boli"/>
+        <a:font script="Deva" typeface="Mangal"/>
+        <a:font script="Telu" typeface="Gautami"/>
+        <a:font script="Taml" typeface="Latha"/>
+        <a:font script="Syrc" typeface="Estrangelo Edessa"/>
+        <a:font script="Orya" typeface="Kalinga"/>
+        <a:font script="Mlym" typeface="Kartika"/>
+        <a:font script="Laoo" typeface="DokChampa"/>
+        <a:font script="Sinh" typeface="Iskoola Pota"/>
+        <a:font script="Mong" typeface="Mongolian Baiti"/>
+        <a:font script="Viet" typeface="Times New Roman"/>
+        <a:font script="Uigh" typeface="Microsoft Uighur"/>
+        <a:font script="Geor" typeface="Sylfaen"/>
+        <a:font script="Armn" typeface="Arial"/>
+        <a:font script="Bugi" typeface="Leelawadee UI"/>
+        <a:font script="Bopo" typeface="Microsoft JhengHei"/>
+        <a:font script="Java" typeface="Javanese Text"/>
+        <a:font script="Lisu" typeface="Segoe UI"/>
+        <a:font script="Mymr" typeface="Myanmar Text"/>
+        <a:font script="Nkoo" typeface="Ebrima"/>
+        <a:font script="Olck" typeface="Nirmala UI"/>
+        <a:font script="Osma" typeface="Ebrima"/>
+        <a:font script="Phag" typeface="Phagspa"/>
+        <a:font script="Syrn" typeface="Estrangelo Edessa"/>
+        <a:font script="Syrj" typeface="Estrangelo Edessa"/>
+        <a:font script="Syre" typeface="Estrangelo Edessa"/>
+        <a:font script="Sora" typeface="Nirmala UI"/>
+        <a:font script="Tale" typeface="Microsoft Tai Le"/>
+        <a:font script="Talu" typeface="Microsoft New Tai Lue"/>
+        <a:font script="Tfng" typeface="Ebrima"/>
+      </a:majorFont>
+      <a:minorFont>
+        <a:latin typeface="Calibri" panose="020F0502020204030204"/>
+        <a:ea typeface=""/>
+        <a:cs typeface=""/>
+        <a:font script="Jpan" typeface="游ゴシック"/>
+        <a:font script="Hang" typeface="맑은 고딕"/>
+        <a:font script="Hans" typeface="等线"/>
+        <a:font script="Hant" typeface="新細明體"/>
+        <a:font script="Arab" typeface="Arial"/>
+        <a:font script="Hebr" typeface="Arial"/>
+        <a:font script="Thai" typeface="Cordia New"/>
+        <a:font script="Ethi" typeface="Nyala"/>
+        <a:font script="Beng" typeface="Vrinda"/>
+        <a:font script="Gujr" typeface="Shruti"/>
+        <a:font script="Khmr" typeface="DaunPenh"/>
+        <a:font script="Knda" typeface="Tunga"/>
+        <a:font script="Guru" typeface="Raavi"/>
+        <a:font script="Cans" typeface="Euphemia"/>
+        <a:font script="Cher" typeface="Plantagenet Cherokee"/>
+        <a:font script="Yiii" typeface="Microsoft Yi Baiti"/>
+        <a:font script="Tibt" typeface="Microsoft Himalaya"/>
+        <a:font script="Thaa" typeface="MV Boli"/>
+        <a:font script="Deva" typeface="Mangal"/>
+        <a:font script="Telu" typeface="Gautami"/>
+        <a:font script="Taml" typeface="Latha"/>
+        <a:font script="Syrc" typeface="Estrangelo Edessa"/>
+        <a:font script="Orya" typeface="Kalinga"/>
+        <a:font script="Mlym" typeface="Kartika"/>
+        <a:font script="Laoo" typeface="DokChampa"/>
+        <a:font script="Sinh" typeface="Iskoola Pota"/>
+        <a:font script="Mong" typeface="Mongolian Baiti"/>
+        <a:font script="Viet" typeface="Arial"/>
+        <a:font script="Uigh" typeface="Microsoft Uighur"/>
+        <a:font script="Geor" typeface="Sylfaen"/>
+        <a:font script="Armn" typeface="Arial"/>
+        <a:font script="Bugi" typeface="Leelawadee UI"/>
+        <a:font script="Bopo" typeface="Microsoft JhengHei"/>
+        <a:font script="Java" typeface="Javanese Text"/>
+        <a:font script="Lisu" typeface="Segoe UI"/>
+        <a:font script="Mymr" typeface="Myanmar Text"/>
+        <a:font script="Nkoo" typeface="Ebrima"/>
+        <a:font script="Olck" typeface="Nirmala UI"/>
+        <a:font script="Osma" typeface="Ebrima"/>
+        <a:font script="Phag" typeface="Phagspa"/>
+        <a:font script="Syrn" typeface="Estrangelo Edessa"/>
+        <a:font script="Syrj" typeface="Estrangelo Edessa"/>
+        <a:font script="Syre" typeface="Estrangelo Edessa"/>
+        <a:font script="Sora" typeface="Nirmala UI"/>
+        <a:font script="Tale" typeface="Microsoft Tai Le"/>
+        <a:font script="Talu" typeface="Microsoft New Tai Lue"/>
+        <a:font script="Tfng" typeface="Ebrima"/>
+      </a:minorFont>
+    </a:fontScheme>
+    <a:fmtScheme name="Стандартная">
+      <a:fillStyleLst>
+        <a:solidFill>
+          <a:schemeClr val="phClr"/>
+        </a:solidFill>
+        <a:gradFill rotWithShape="1">
+          <a:gsLst>
+            <a:gs pos="0">
+              <a:schemeClr val="phClr">
+                <a:lumMod val="110000"/>
+                <a:satMod val="105000"/>
+                <a:tint val="67000"/>
+              </a:schemeClr>
+            </a:gs>
+            <a:gs pos="50000">
+              <a:schemeClr val="phClr">
+                <a:lumMod val="105000"/>
+                <a:satMod val="103000"/>
+                <a:tint val="73000"/>
+              </a:schemeClr>
+            </a:gs>
+            <a:gs pos="100000">
+              <a:schemeClr val="phClr">
+                <a:lumMod val="105000"/>
+                <a:satMod val="109000"/>
+                <a:tint val="81000"/>
+              </a:schemeClr>
+            </a:gs>
+          </a:gsLst>
+          <a:lin ang="5400000" scaled="0"/>
+        </a:gradFill>
+        <a:gradFill rotWithShape="1">
+          <a:gsLst>
+            <a:gs pos="0">
+              <a:schemeClr val="phClr">
+                <a:satMod val="103000"/>
+                <a:lumMod val="102000"/>
+                <a:tint val="94000"/>
+              </a:schemeClr>
+            </a:gs>
+            <a:gs pos="50000">
+              <a:schemeClr val="phClr">
+                <a:satMod val="110000"/>
+                <a:lumMod val="100000"/>
+                <a:shade val="100000"/>
+              </a:schemeClr>
+            </a:gs>
+            <a:gs pos="100000">
+              <a:schemeClr val="phClr">
+                <a:lumMod val="99000"/>
+                <a:satMod val="120000"/>
+                <a:shade val="78000"/>
+              </a:schemeClr>
+            </a:gs>
+          </a:gsLst>
+          <a:lin ang="5400000" scaled="0"/>
+        </a:gradFill>
+      </a:fillStyleLst>
+      <a:lnStyleLst>
+        <a:ln w="6350" cap="flat" cmpd="sng" algn="ctr">
+          <a:solidFill>
+            <a:schemeClr val="phClr"/>
+          </a:solidFill>
+          <a:prstDash val="solid"/>
+          <a:miter lim="800000"/>
+        </a:ln>
+        <a:ln w="12700" cap="flat" cmpd="sng" algn="ctr">
+          <a:solidFill>
+            <a:schemeClr val="phClr"/>
+          </a:solidFill>
+          <a:prstDash val="solid"/>
+          <a:miter lim="800000"/>
+        </a:ln>
+        <a:ln w="19050" cap="flat" cmpd="sng" algn="ctr">
+          <a:solidFill>
+            <a:schemeClr val="phClr"/>
+          </a:solidFill>
+          <a:prstDash val="solid"/>
+          <a:miter lim="800000"/>
+        </a:ln>
+      </a:lnStyleLst>
+      <a:effectStyleLst>
+        <a:effectStyle>
+          <a:effectLst/>
+        </a:effectStyle>
+        <a:effectStyle>
+          <a:effectLst/>
+        </a:effectStyle>
+        <a:effectStyle>
+          <a:effectLst>
+            <a:outerShdw blurRad="57150" dist="19050" dir="5400000" algn="ctr" rotWithShape="0">
+              <a:srgbClr val="000000">
+                <a:alpha val="63000"/>
+              </a:srgbClr>
+            </a:outerShdw>
+          </a:effectLst>
+        </a:effectStyle>
+      </a:effectStyleLst>
+      <a:bgFillStyleLst>
+        <a:solidFill>
+          <a:schemeClr val="phClr"/>
+        </a:solidFill>
+        <a:solidFill>
+          <a:schemeClr val="phClr">
+            <a:tint val="95000"/>
+            <a:satMod val="170000"/>
+          </a:schemeClr>
+        </a:solidFill>
+        <a:gradFill rotWithShape="1">
+          <a:gsLst>
+            <a:gs pos="0">
+              <a:schemeClr val="phClr">
+                <a:tint val="93000"/>
+                <a:satMod val="150000"/>
+                <a:shade val="98000"/>
+                <a:lumMod val="102000"/>
+              </a:schemeClr>
+            </a:gs>
+            <a:gs pos="50000">
+              <a:schemeClr val="phClr">
+                <a:tint val="98000"/>
+                <a:satMod val="130000"/>
+                <a:shade val="90000"/>
+                <a:lumMod val="103000"/>
+              </a:schemeClr>
+            </a:gs>
+            <a:gs pos="100000">
+              <a:schemeClr val="phClr">
+                <a:shade val="63000"/>
+                <a:satMod val="120000"/>
+              </a:schemeClr>
+            </a:gs>
+          </a:gsLst>
+          <a:lin ang="5400000" scaled="0"/>
+        </a:gradFill>
+      </a:bgFillStyleLst>
+    </a:fmtScheme>
+  </a:themeElements>
+  <a:objectDefaults/>
+  <a:extraClrSchemeLst/>
+  <a:extLst>
+    <a:ext uri="{05A4C25C-085E-4340-85A3-A5531E510DB2}">
+      <thm15:themeFamily xmlns:thm15="http://schemas.microsoft.com/office/thememl/2012/main" name="Office Theme" id="{62F939B6-93AF-4DB8-9C6B-D6C7DFDC589F}" vid="{4A3C46E8-61CC-4603-A589-7422A47A8E4A}"/>
+    </a:ext>
+  </a:extLst>
+</a:theme>
 </file>
--- a/Мышка для людей с ОВЗ/Документы/Презентация о манипуляторе.pptx
+++ b/Мышка для людей с ОВЗ/Документы/Презентация о манипуляторе.pptx
@@ -7461,7 +7461,8 @@
                 <a:solidFill>
                   <a:schemeClr val="bg1"/>
                 </a:solidFill>
-                <a:latin typeface="Bookman Old Style" panose="02050604050505020204" pitchFamily="18" charset="0"/>
+                <a:latin typeface="Times New Roman" panose="02020603050405020304" pitchFamily="18" charset="0"/>
+                <a:cs typeface="Times New Roman" panose="02020603050405020304" pitchFamily="18" charset="0"/>
               </a:rPr>
               <a:t>Процесс изготовления</a:t>
             </a:r>
@@ -7482,7 +7483,7 @@
         </p:nvSpPr>
         <p:spPr>
           <a:xfrm>
-            <a:off x="3163685" y="-725379"/>
+            <a:off x="2654783" y="-819821"/>
             <a:ext cx="45719" cy="1450757"/>
           </a:xfrm>
           <a:prstGeom prst="rect">
@@ -7534,7 +7535,7 @@
         </p:nvSpPr>
         <p:spPr>
           <a:xfrm>
-            <a:off x="3337698" y="197597"/>
+            <a:off x="2784378" y="195557"/>
             <a:ext cx="2081784" cy="369332"/>
           </a:xfrm>
           <a:prstGeom prst="rect">
@@ -7553,7 +7554,8 @@
                 <a:solidFill>
                   <a:schemeClr val="bg1"/>
                 </a:solidFill>
-                <a:latin typeface="Bookman Old Style" panose="02050604050505020204" pitchFamily="18" charset="0"/>
+                <a:latin typeface="Times New Roman" panose="02020603050405020304" pitchFamily="18" charset="0"/>
+                <a:cs typeface="Times New Roman" panose="02020603050405020304" pitchFamily="18" charset="0"/>
               </a:rPr>
               <a:t>6</a:t>
             </a:r>
@@ -8175,7 +8177,8 @@
                 <a:solidFill>
                   <a:schemeClr val="tx1"/>
                 </a:solidFill>
-                <a:latin typeface="Bookman Old Style" panose="02050604050505020204" pitchFamily="18" charset="0"/>
+                <a:latin typeface="Times New Roman" panose="02020603050405020304" pitchFamily="18" charset="0"/>
+                <a:cs typeface="Times New Roman" panose="02020603050405020304" pitchFamily="18" charset="0"/>
               </a:rPr>
               <a:t>Взрыв - схема</a:t>
             </a:r>
@@ -8196,7 +8199,7 @@
         </p:nvSpPr>
         <p:spPr>
           <a:xfrm>
-            <a:off x="2186559" y="-819821"/>
+            <a:off x="1811655" y="-819821"/>
             <a:ext cx="45719" cy="1450757"/>
           </a:xfrm>
           <a:prstGeom prst="rect">
@@ -8248,7 +8251,7 @@
         </p:nvSpPr>
         <p:spPr>
           <a:xfrm>
-            <a:off x="2315062" y="197597"/>
+            <a:off x="1976734" y="197597"/>
             <a:ext cx="2081784" cy="369332"/>
           </a:xfrm>
           <a:prstGeom prst="rect">
@@ -8264,7 +8267,8 @@
           <a:p>
             <a:r>
               <a:rPr lang="ru-RU" dirty="0">
-                <a:latin typeface="Bookman Old Style" panose="02050604050505020204" pitchFamily="18" charset="0"/>
+                <a:latin typeface="Times New Roman" panose="02020603050405020304" pitchFamily="18" charset="0"/>
+                <a:cs typeface="Times New Roman" panose="02020603050405020304" pitchFamily="18" charset="0"/>
               </a:rPr>
               <a:t>7</a:t>
             </a:r>
@@ -8476,7 +8480,8 @@
                 <a:solidFill>
                   <a:schemeClr val="tx1"/>
                 </a:solidFill>
-                <a:latin typeface="Bookman Old Style" panose="02050604050505020204" pitchFamily="18" charset="0"/>
+                <a:latin typeface="Times New Roman" panose="02020603050405020304" pitchFamily="18" charset="0"/>
+                <a:cs typeface="Times New Roman" panose="02020603050405020304" pitchFamily="18" charset="0"/>
               </a:rPr>
               <a:t>Ценообразование</a:t>
             </a:r>
@@ -8497,7 +8502,7 @@
         </p:nvSpPr>
         <p:spPr>
           <a:xfrm>
-            <a:off x="2615184" y="-812723"/>
+            <a:off x="2193438" y="-821299"/>
             <a:ext cx="45719" cy="1450757"/>
           </a:xfrm>
           <a:prstGeom prst="rect">
@@ -8549,7 +8554,7 @@
         </p:nvSpPr>
         <p:spPr>
           <a:xfrm>
-            <a:off x="2766059" y="193378"/>
+            <a:off x="2350100" y="197597"/>
             <a:ext cx="2081784" cy="369332"/>
           </a:xfrm>
           <a:prstGeom prst="rect">
@@ -8565,7 +8570,8 @@
           <a:p>
             <a:r>
               <a:rPr lang="ru-RU" dirty="0">
-                <a:latin typeface="Bookman Old Style" panose="02050604050505020204" pitchFamily="18" charset="0"/>
+                <a:latin typeface="Times New Roman" panose="02020603050405020304" pitchFamily="18" charset="0"/>
+                <a:cs typeface="Times New Roman" panose="02020603050405020304" pitchFamily="18" charset="0"/>
               </a:rPr>
               <a:t>8</a:t>
             </a:r>
@@ -9877,7 +9883,8 @@
                 <a:solidFill>
                   <a:schemeClr val="tx1"/>
                 </a:solidFill>
-                <a:latin typeface="Bookman Old Style" panose="02050604050505020204" pitchFamily="18" charset="0"/>
+                <a:latin typeface="Times New Roman" panose="02020603050405020304" pitchFamily="18" charset="0"/>
+                <a:cs typeface="Times New Roman" panose="02020603050405020304" pitchFamily="18" charset="0"/>
               </a:rPr>
               <a:t>Итоги и самооценка</a:t>
             </a:r>
@@ -9898,7 +9905,7 @@
         </p:nvSpPr>
         <p:spPr>
           <a:xfrm>
-            <a:off x="2839700" y="-725379"/>
+            <a:off x="2408047" y="-725379"/>
             <a:ext cx="45719" cy="1450757"/>
           </a:xfrm>
           <a:prstGeom prst="rect">
@@ -9950,7 +9957,7 @@
         </p:nvSpPr>
         <p:spPr>
           <a:xfrm>
-            <a:off x="3034283" y="197597"/>
+            <a:off x="2531766" y="216128"/>
             <a:ext cx="2081784" cy="369332"/>
           </a:xfrm>
           <a:prstGeom prst="rect">
@@ -9966,7 +9973,8 @@
           <a:p>
             <a:r>
               <a:rPr lang="ru-RU" dirty="0">
-                <a:latin typeface="Bookman Old Style" panose="02050604050505020204" pitchFamily="18" charset="0"/>
+                <a:latin typeface="Times New Roman" panose="02020603050405020304" pitchFamily="18" charset="0"/>
+                <a:cs typeface="Times New Roman" panose="02020603050405020304" pitchFamily="18" charset="0"/>
               </a:rPr>
               <a:t>9</a:t>
             </a:r>
@@ -10063,8 +10071,8 @@
         </p:nvSpPr>
         <p:spPr>
           <a:xfrm>
-            <a:off x="619801" y="1045612"/>
-            <a:ext cx="6943112" cy="1793824"/>
+            <a:off x="619801" y="1113125"/>
+            <a:ext cx="6943112" cy="1444883"/>
           </a:xfrm>
           <a:prstGeom prst="rect">
             <a:avLst/>
@@ -10086,7 +10094,8 @@
             </a:pPr>
             <a:r>
               <a:rPr lang="ru-RU" dirty="0">
-                <a:latin typeface="Bookman Old Style" panose="02050604050505020204" pitchFamily="18" charset="0"/>
+                <a:latin typeface="Times New Roman" panose="02020603050405020304" pitchFamily="18" charset="0"/>
+                <a:cs typeface="Times New Roman" panose="02020603050405020304" pitchFamily="18" charset="0"/>
               </a:rPr>
               <a:t>Создан работающий прототип, стабилизирующий мелкие движения и успешно заменяющий компьютерную мышь. </a:t>
             </a:r>
@@ -10101,7 +10110,8 @@
             </a:pPr>
             <a:r>
               <a:rPr lang="ru-RU" dirty="0">
-                <a:latin typeface="Bookman Old Style" panose="02050604050505020204" pitchFamily="18" charset="0"/>
+                <a:latin typeface="Times New Roman" panose="02020603050405020304" pitchFamily="18" charset="0"/>
+                <a:cs typeface="Times New Roman" panose="02020603050405020304" pitchFamily="18" charset="0"/>
               </a:rPr>
               <a:t>Устройство не имеет колоссальной цены.</a:t>
             </a:r>
@@ -10116,7 +10126,8 @@
             </a:pPr>
             <a:r>
               <a:rPr lang="ru-RU" dirty="0">
-                <a:latin typeface="Bookman Old Style" panose="02050604050505020204" pitchFamily="18" charset="0"/>
+                <a:latin typeface="Times New Roman" panose="02020603050405020304" pitchFamily="18" charset="0"/>
+                <a:cs typeface="Times New Roman" panose="02020603050405020304" pitchFamily="18" charset="0"/>
               </a:rPr>
               <a:t>Учтены ключевые эргономические требования.</a:t>
             </a:r>
@@ -10147,7 +10158,8 @@
           <a:p>
             <a:r>
               <a:rPr lang="ru-RU" dirty="0">
-                <a:latin typeface="Bookman Old Style" panose="02050604050505020204" pitchFamily="18" charset="0"/>
+                <a:latin typeface="Times New Roman" panose="02020603050405020304" pitchFamily="18" charset="0"/>
+                <a:cs typeface="Times New Roman" panose="02020603050405020304" pitchFamily="18" charset="0"/>
               </a:rPr>
               <a:t>Итоги работы:</a:t>
             </a:r>
@@ -10163,7 +10175,7 @@
         <p:spPr>
           <a:xfrm>
             <a:off x="248263" y="4674337"/>
-            <a:ext cx="5876925" cy="836126"/>
+            <a:ext cx="5876925" cy="797270"/>
           </a:xfrm>
           <a:prstGeom prst="rect">
             <a:avLst/>
@@ -10183,42 +10195,49 @@
             </a:pPr>
             <a:r>
               <a:rPr lang="ru-RU" dirty="0">
-                <a:latin typeface="Bookman Old Style" panose="02050604050505020204" pitchFamily="18" charset="0"/>
+                <a:latin typeface="Times New Roman" panose="02020603050405020304" pitchFamily="18" charset="0"/>
+                <a:cs typeface="Times New Roman" panose="02020603050405020304" pitchFamily="18" charset="0"/>
               </a:rPr>
               <a:t>Предполагается развитие проекта в будущем: интеграция</a:t>
             </a:r>
             <a:r>
               <a:rPr lang="en-US" dirty="0">
-                <a:latin typeface="Bookman Old Style" panose="02050604050505020204" pitchFamily="18" charset="0"/>
+                <a:latin typeface="Times New Roman" panose="02020603050405020304" pitchFamily="18" charset="0"/>
+                <a:cs typeface="Times New Roman" panose="02020603050405020304" pitchFamily="18" charset="0"/>
               </a:rPr>
               <a:t> c</a:t>
             </a:r>
             <a:r>
               <a:rPr lang="ru-RU" dirty="0">
-                <a:latin typeface="Bookman Old Style" panose="02050604050505020204" pitchFamily="18" charset="0"/>
+                <a:latin typeface="Times New Roman" panose="02020603050405020304" pitchFamily="18" charset="0"/>
+                <a:cs typeface="Times New Roman" panose="02020603050405020304" pitchFamily="18" charset="0"/>
               </a:rPr>
               <a:t> </a:t>
             </a:r>
             <a:r>
               <a:rPr lang="en-US" dirty="0">
-                <a:latin typeface="Bookman Old Style" panose="02050604050505020204" pitchFamily="18" charset="0"/>
+                <a:latin typeface="Times New Roman" panose="02020603050405020304" pitchFamily="18" charset="0"/>
+                <a:cs typeface="Times New Roman" panose="02020603050405020304" pitchFamily="18" charset="0"/>
               </a:rPr>
               <a:t>Bluetooth</a:t>
             </a:r>
             <a:r>
               <a:rPr lang="ru-RU" dirty="0">
-                <a:latin typeface="Bookman Old Style" panose="02050604050505020204" pitchFamily="18" charset="0"/>
+                <a:latin typeface="Times New Roman" panose="02020603050405020304" pitchFamily="18" charset="0"/>
+                <a:cs typeface="Times New Roman" panose="02020603050405020304" pitchFamily="18" charset="0"/>
               </a:rPr>
               <a:t> </a:t>
             </a:r>
             <a:r>
               <a:rPr lang="en-US" dirty="0">
-                <a:latin typeface="Bookman Old Style" panose="02050604050505020204" pitchFamily="18" charset="0"/>
+                <a:latin typeface="Times New Roman" panose="02020603050405020304" pitchFamily="18" charset="0"/>
+                <a:cs typeface="Times New Roman" panose="02020603050405020304" pitchFamily="18" charset="0"/>
               </a:rPr>
               <a:t>5.3</a:t>
             </a:r>
             <a:endParaRPr lang="ru-RU" dirty="0">
-              <a:latin typeface="Bookman Old Style" panose="02050604050505020204" pitchFamily="18" charset="0"/>
+              <a:latin typeface="Times New Roman" panose="02020603050405020304" pitchFamily="18" charset="0"/>
+              <a:cs typeface="Times New Roman" panose="02020603050405020304" pitchFamily="18" charset="0"/>
             </a:endParaRPr>
           </a:p>
         </p:txBody>
@@ -10232,7 +10251,7 @@
         <p:spPr>
           <a:xfrm>
             <a:off x="248263" y="3359528"/>
-            <a:ext cx="6623592" cy="836126"/>
+            <a:ext cx="6623592" cy="797270"/>
           </a:xfrm>
           <a:prstGeom prst="rect">
             <a:avLst/>
@@ -10252,7 +10271,8 @@
             </a:pPr>
             <a:r>
               <a:rPr lang="ru-RU" dirty="0">
-                <a:latin typeface="Bookman Old Style" panose="02050604050505020204" pitchFamily="18" charset="0"/>
+                <a:latin typeface="Times New Roman" panose="02020603050405020304" pitchFamily="18" charset="0"/>
+                <a:cs typeface="Times New Roman" panose="02020603050405020304" pitchFamily="18" charset="0"/>
               </a:rPr>
               <a:t>Я считаю, что все поставленные задачи выполнены и устройство можно считать завершенным.</a:t>
             </a:r>

--- a/Мышка для людей с ОВЗ/Документы/Презентация о манипуляторе.pptx
+++ b/Мышка для людей с ОВЗ/Документы/Презентация о манипуляторе.pptx
@@ -150,20 +150,6 @@
     </p:extLst>
   </p:cmAuthor>
 </p:cmAuthorLst>
-</file>
-
-<file path=ppt/comments/comment1.xml><?xml version="1.0" encoding="utf-8"?>
-<p:cmLst xmlns:a="http://schemas.openxmlformats.org/drawingml/2006/main" xmlns:r="http://schemas.openxmlformats.org/officeDocument/2006/relationships" xmlns:p="http://schemas.openxmlformats.org/presentationml/2006/main">
-  <p:cm authorId="1" dt="2026-02-09T10:34:21.973" idx="1">
-    <p:pos x="10" y="10"/>
-    <p:text/>
-    <p:extLst>
-      <p:ext uri="{C676402C-5697-4E1C-873F-D02D1690AC5C}">
-        <p15:threadingInfo xmlns:p15="http://schemas.microsoft.com/office/powerpoint/2012/main" timeZoneBias="-180"/>
-      </p:ext>
-    </p:extLst>
-  </p:cm>
-</p:cmLst>
 </file>
 
 <file path=ppt/notesMasters/notesMaster1.xml><?xml version="1.0" encoding="utf-8"?>
@@ -4488,14 +4474,20 @@
       </p:sp>
       <p:sp>
         <p:nvSpPr>
-          <p:cNvPr id="7" name="TextBox 6"/>
+          <p:cNvPr id="3" name="TextBox 2">
+            <a:extLst>
+              <a:ext uri="{FF2B5EF4-FFF2-40B4-BE49-F238E27FC236}">
+                <a16:creationId xmlns:a16="http://schemas.microsoft.com/office/drawing/2014/main" id="{6F3ADED3-5559-5683-941C-70CD61F1EE0B}"/>
+              </a:ext>
+            </a:extLst>
+          </p:cNvPr>
           <p:cNvSpPr txBox="1"/>
           <p:nvPr/>
         </p:nvSpPr>
         <p:spPr>
           <a:xfrm>
-            <a:off x="5132844" y="6413611"/>
-            <a:ext cx="1962888" cy="456535"/>
+            <a:off x="63997" y="6455641"/>
+            <a:ext cx="1837955" cy="369332"/>
           </a:xfrm>
           <a:prstGeom prst="rect">
             <a:avLst/>
@@ -4508,20 +4500,66 @@
           </a:bodyPr>
           <a:lstStyle/>
           <a:p>
-            <a:pPr>
-              <a:lnSpc>
-                <a:spcPct val="150000"/>
-              </a:lnSpc>
-            </a:pPr>
-            <a:r>
-              <a:rPr lang="ru-RU" b="1" dirty="0">
+            <a:r>
+              <a:rPr lang="ru-RU" dirty="0">
                 <a:solidFill>
                   <a:schemeClr val="bg1"/>
                 </a:solidFill>
-                <a:latin typeface="Bookman Old Style" panose="02050604050505020204" pitchFamily="18" charset="0"/>
-                <a:cs typeface="Arial" pitchFamily="34" charset="0"/>
+                <a:latin typeface="Times New Roman" panose="02020603050405020304" pitchFamily="18" charset="0"/>
+                <a:cs typeface="Times New Roman" panose="02020603050405020304" pitchFamily="18" charset="0"/>
               </a:rPr>
-              <a:t>Москва, 2026</a:t>
+              <a:t>Класс участия: 9</a:t>
+            </a:r>
+          </a:p>
+        </p:txBody>
+      </p:sp>
+      <p:sp>
+        <p:nvSpPr>
+          <p:cNvPr id="4" name="TextBox 3">
+            <a:extLst>
+              <a:ext uri="{FF2B5EF4-FFF2-40B4-BE49-F238E27FC236}">
+                <a16:creationId xmlns:a16="http://schemas.microsoft.com/office/drawing/2014/main" id="{50FE03D1-4AF2-E529-61A3-D166ACBC842B}"/>
+              </a:ext>
+            </a:extLst>
+          </p:cNvPr>
+          <p:cNvSpPr txBox="1"/>
+          <p:nvPr/>
+        </p:nvSpPr>
+        <p:spPr>
+          <a:xfrm>
+            <a:off x="1894338" y="6455641"/>
+            <a:ext cx="2999232" cy="369332"/>
+          </a:xfrm>
+          <a:prstGeom prst="rect">
+            <a:avLst/>
+          </a:prstGeom>
+          <a:noFill/>
+        </p:spPr>
+        <p:txBody>
+          <a:bodyPr wrap="square" rtlCol="0">
+            <a:spAutoFit/>
+          </a:bodyPr>
+          <a:lstStyle/>
+          <a:p>
+            <a:r>
+              <a:rPr lang="en-US" dirty="0">
+                <a:solidFill>
+                  <a:schemeClr val="bg1"/>
+                </a:solidFill>
+                <a:latin typeface="Times New Roman" panose="02020603050405020304" pitchFamily="18" charset="0"/>
+                <a:cs typeface="Times New Roman" panose="02020603050405020304" pitchFamily="18" charset="0"/>
+              </a:rPr>
+              <a:t>ID </a:t>
+            </a:r>
+            <a:r>
+              <a:rPr lang="ru-RU" dirty="0">
+                <a:solidFill>
+                  <a:schemeClr val="bg1"/>
+                </a:solidFill>
+                <a:latin typeface="Times New Roman" panose="02020603050405020304" pitchFamily="18" charset="0"/>
+                <a:cs typeface="Times New Roman" panose="02020603050405020304" pitchFamily="18" charset="0"/>
+              </a:rPr>
+              <a:t>заявки: 2089246</a:t>
             </a:r>
           </a:p>
         </p:txBody>
